--- a/teaching/cs513slides/lecture2-Timed-Models.pptx
+++ b/teaching/cs513slides/lecture2-Timed-Models.pptx
@@ -5,10 +5,10 @@
     <p:sldMasterId id="2147483648" r:id="rId1"/>
   </p:sldMasterIdLst>
   <p:notesMasterIdLst>
-    <p:notesMasterId r:id="rId32"/>
+    <p:notesMasterId r:id="rId33"/>
   </p:notesMasterIdLst>
   <p:handoutMasterIdLst>
-    <p:handoutMasterId r:id="rId33"/>
+    <p:handoutMasterId r:id="rId34"/>
   </p:handoutMasterIdLst>
   <p:sldIdLst>
     <p:sldId id="256" r:id="rId2"/>
@@ -28,19 +28,20 @@
     <p:sldId id="320" r:id="rId16"/>
     <p:sldId id="321" r:id="rId17"/>
     <p:sldId id="322" r:id="rId18"/>
-    <p:sldId id="328" r:id="rId19"/>
-    <p:sldId id="324" r:id="rId20"/>
-    <p:sldId id="325" r:id="rId21"/>
-    <p:sldId id="323" r:id="rId22"/>
-    <p:sldId id="326" r:id="rId23"/>
-    <p:sldId id="327" r:id="rId24"/>
-    <p:sldId id="363" r:id="rId25"/>
-    <p:sldId id="360" r:id="rId26"/>
-    <p:sldId id="361" r:id="rId27"/>
-    <p:sldId id="362" r:id="rId28"/>
-    <p:sldId id="329" r:id="rId29"/>
-    <p:sldId id="330" r:id="rId30"/>
-    <p:sldId id="331" r:id="rId31"/>
+    <p:sldId id="365" r:id="rId19"/>
+    <p:sldId id="328" r:id="rId20"/>
+    <p:sldId id="324" r:id="rId21"/>
+    <p:sldId id="325" r:id="rId22"/>
+    <p:sldId id="323" r:id="rId23"/>
+    <p:sldId id="326" r:id="rId24"/>
+    <p:sldId id="327" r:id="rId25"/>
+    <p:sldId id="363" r:id="rId26"/>
+    <p:sldId id="360" r:id="rId27"/>
+    <p:sldId id="361" r:id="rId28"/>
+    <p:sldId id="362" r:id="rId29"/>
+    <p:sldId id="329" r:id="rId30"/>
+    <p:sldId id="330" r:id="rId31"/>
+    <p:sldId id="331" r:id="rId32"/>
   </p:sldIdLst>
   <p:sldSz cx="12192000" cy="6858000"/>
   <p:notesSz cx="6858000" cy="9144000"/>
@@ -244,7 +245,7 @@
           <a:p>
             <a:fld id="{459B985A-4C37-4D1F-A437-E4A951A85D11}" type="datetimeFigureOut">
               <a:rPr lang="en-US" smtClean="0"/>
-              <a:t>8/30/2020</a:t>
+              <a:t>8/30/2021</a:t>
             </a:fld>
             <a:endParaRPr lang="en-US"/>
           </a:p>
@@ -421,7 +422,7 @@
           <a:p>
             <a:fld id="{6580C23F-98B7-41D4-A9FA-15A275A51486}" type="datetimeFigureOut">
               <a:rPr lang="en-US" smtClean="0"/>
-              <a:t>8/30/2020</a:t>
+              <a:t>8/30/2021</a:t>
             </a:fld>
             <a:endParaRPr lang="en-US"/>
           </a:p>
@@ -1215,7 +1216,7 @@
           <p:nvPr userDrawn="1"/>
         </p:nvPicPr>
         <mc:AlternateContent xmlns:mc="http://schemas.openxmlformats.org/markup-compatibility/2006">
-          <mc:Choice xmlns="" xmlns:mv="urn:schemas-microsoft-com:mac:vml" xmlns:ma="http://schemas.microsoft.com/office/mac/drawingml/2008/main" Requires="ma">
+          <mc:Choice xmlns:ma="http://schemas.microsoft.com/office/mac/drawingml/2008/main" xmlns:mv="urn:schemas-microsoft-com:mac:vml" xmlns="" Requires="ma">
             <p:blipFill>
               <a:blip r:embed="rId3"/>
               <a:stretch>
@@ -2404,7 +2405,7 @@
           <a:p>
             <a:r>
               <a:rPr lang="en-US" dirty="0"/>
-              <a:t>Fall 2020. CSCI 513.</a:t>
+              <a:t>Fall 2021. CSCI 513.</a:t>
             </a:r>
           </a:p>
           <a:p>
@@ -2691,9 +2692,9 @@
         <p:grpSpPr>
           <a:xfrm>
             <a:off x="314511" y="1810435"/>
-            <a:ext cx="5104700" cy="2293032"/>
+            <a:ext cx="5104700" cy="2368502"/>
             <a:chOff x="314511" y="1810435"/>
-            <a:chExt cx="5104700" cy="2293032"/>
+            <a:chExt cx="5104700" cy="2368502"/>
           </a:xfrm>
         </p:grpSpPr>
         <p:grpSp>
@@ -2711,9 +2712,9 @@
           <p:grpSpPr>
             <a:xfrm>
               <a:off x="314511" y="1810435"/>
-              <a:ext cx="4851187" cy="2293032"/>
+              <a:ext cx="4851187" cy="2368502"/>
               <a:chOff x="1244813" y="1428772"/>
-              <a:chExt cx="4851187" cy="2293032"/>
+              <a:chExt cx="4851187" cy="2368502"/>
             </a:xfrm>
           </p:grpSpPr>
           <p:sp>
@@ -2828,8 +2829,8 @@
             </p:nvSpPr>
             <p:spPr>
               <a:xfrm>
-                <a:off x="2796988" y="1805508"/>
-                <a:ext cx="2650992" cy="530438"/>
+                <a:off x="2859770" y="1805508"/>
+                <a:ext cx="2588210" cy="453836"/>
               </a:xfrm>
               <a:custGeom>
                 <a:avLst/>
@@ -2904,7 +2905,7 @@
                 <a:pPr algn="ctr"/>
                 <a:endParaRPr lang="en-US" dirty="0">
                   <a:solidFill>
-                    <a:schemeClr val="tx1"/>
+                    <a:srgbClr val="FF0000"/>
                   </a:solidFill>
                 </a:endParaRPr>
               </a:p>
@@ -2924,7 +2925,7 @@
             </p:nvSpPr>
             <p:spPr>
               <a:xfrm>
-                <a:off x="2796988" y="2891232"/>
+                <a:off x="2796988" y="2966702"/>
                 <a:ext cx="2650992" cy="514955"/>
               </a:xfrm>
               <a:custGeom>
@@ -3124,8 +3125,8 @@
               </p:sp>
             </mc:Fallback>
           </mc:AlternateContent>
-          <mc:AlternateContent xmlns:mc="http://schemas.openxmlformats.org/markup-compatibility/2006" xmlns:a14="http://schemas.microsoft.com/office/drawing/2010/main">
-            <mc:Choice Requires="a14">
+          <mc:AlternateContent xmlns:mc="http://schemas.openxmlformats.org/markup-compatibility/2006">
+            <mc:Choice xmlns:a14="http://schemas.microsoft.com/office/drawing/2010/main" Requires="a14">
               <p:sp>
                 <p:nvSpPr>
                   <p:cNvPr id="15" name="Rectangle 14">
@@ -3140,7 +3141,7 @@
                 </p:nvSpPr>
                 <p:spPr>
                   <a:xfrm>
-                    <a:off x="3287962" y="3352472"/>
+                    <a:off x="3287962" y="3427942"/>
                     <a:ext cx="1669047" cy="369332"/>
                   </a:xfrm>
                   <a:prstGeom prst="rect">
@@ -3176,13 +3177,13 @@
                 </p:txBody>
               </p:sp>
             </mc:Choice>
-            <mc:Fallback xmlns="">
+            <mc:Fallback>
               <p:sp>
                 <p:nvSpPr>
-                  <p:cNvPr id="10" name="Rectangle 9">
+                  <p:cNvPr id="15" name="Rectangle 14">
                     <a:extLst>
                       <a:ext uri="{FF2B5EF4-FFF2-40B4-BE49-F238E27FC236}">
-                        <a16:creationId xmlns:a16="http://schemas.microsoft.com/office/drawing/2014/main" id="{AD7ECBEF-4ECC-4F04-92F9-E1667C7F0BEC}"/>
+                        <a16:creationId xmlns:a16="http://schemas.microsoft.com/office/drawing/2014/main" id="{75DB7769-04A0-4DA1-A45E-917FFDC765DF}"/>
                       </a:ext>
                     </a:extLst>
                   </p:cNvPr>
@@ -3193,7 +3194,7 @@
                 </p:nvSpPr>
                 <p:spPr>
                   <a:xfrm>
-                    <a:off x="3287962" y="3352472"/>
+                    <a:off x="3287962" y="3427942"/>
                     <a:ext cx="1669047" cy="369332"/>
                   </a:xfrm>
                   <a:prstGeom prst="rect">
@@ -3202,7 +3203,7 @@
                   <a:blipFill>
                     <a:blip r:embed="rId4"/>
                     <a:stretch>
-                      <a:fillRect l="-2920" t="-10000" r="-2555" b="-26667"/>
+                      <a:fillRect l="-2920" t="-9836" r="-2555" b="-24590"/>
                     </a:stretch>
                   </a:blipFill>
                 </p:spPr>
@@ -6505,8 +6506,8 @@
           <a:chExt cx="0" cy="0"/>
         </a:xfrm>
       </p:grpSpPr>
-      <mc:AlternateContent xmlns:mc="http://schemas.openxmlformats.org/markup-compatibility/2006" xmlns:a14="http://schemas.microsoft.com/office/drawing/2010/main">
-        <mc:Choice Requires="a14">
+      <mc:AlternateContent xmlns:mc="http://schemas.openxmlformats.org/markup-compatibility/2006">
+        <mc:Choice xmlns:a14="http://schemas.microsoft.com/office/drawing/2010/main" Requires="a14">
           <p:sp>
             <p:nvSpPr>
               <p:cNvPr id="2" name="Content Placeholder 1">
@@ -6572,7 +6573,19 @@
               <a:p>
                 <a:r>
                   <a:rPr lang="en-US" dirty="0"/>
-                  <a:t>Behavior of process: If input event occurs at some time t, then process issues an output on out</a:t>
+                  <a:t>Behavior of process: If input event occurs at some time t, then process issues output </a:t>
+                </a:r>
+                <a:r>
+                  <a:rPr lang="en-US" dirty="0">
+                    <a:solidFill>
+                      <a:srgbClr val="FF0000"/>
+                    </a:solidFill>
+                  </a:rPr>
+                  <a:t>#</a:t>
+                </a:r>
+                <a:r>
+                  <a:rPr lang="en-US" dirty="0"/>
+                  <a:t> on out</a:t>
                 </a:r>
                 <a:r>
                   <a:rPr lang="en-US" baseline="-25000" dirty="0"/>
@@ -6594,7 +6607,19 @@
                 </a14:m>
                 <a:r>
                   <a:rPr lang="en-US" dirty="0"/>
-                  <a:t> [t,t+1] and then issues output on out</a:t>
+                  <a:t> [t,t+1] and then issues output </a:t>
+                </a:r>
+                <a:r>
+                  <a:rPr lang="en-US" dirty="0">
+                    <a:solidFill>
+                      <a:srgbClr val="7030A0"/>
+                    </a:solidFill>
+                  </a:rPr>
+                  <a:t># </a:t>
+                </a:r>
+                <a:r>
+                  <a:rPr lang="en-US" dirty="0"/>
+                  <a:t>on out</a:t>
                 </a:r>
                 <a:r>
                   <a:rPr lang="en-US" baseline="-25000" dirty="0"/>
@@ -6622,7 +6647,7 @@
             </p:txBody>
           </p:sp>
         </mc:Choice>
-        <mc:Fallback xmlns="">
+        <mc:Fallback>
           <p:sp>
             <p:nvSpPr>
               <p:cNvPr id="2" name="Content Placeholder 1">
@@ -7427,13 +7452,25 @@
             </a:r>
             <a:r>
               <a:rPr lang="en-US" sz="2400" dirty="0"/>
-              <a:t>!#;d:=0</a:t>
+              <a:t>!</a:t>
+            </a:r>
+            <a:r>
+              <a:rPr lang="en-US" sz="2400" dirty="0">
+                <a:solidFill>
+                  <a:srgbClr val="FF0000"/>
+                </a:solidFill>
+              </a:rPr>
+              <a:t>#</a:t>
+            </a:r>
+            <a:r>
+              <a:rPr lang="en-US" sz="2400" dirty="0"/>
+              <a:t>;d:=0</a:t>
             </a:r>
           </a:p>
         </p:txBody>
       </p:sp>
-      <mc:AlternateContent xmlns:mc="http://schemas.openxmlformats.org/markup-compatibility/2006" xmlns:a14="http://schemas.microsoft.com/office/drawing/2010/main">
-        <mc:Choice Requires="a14">
+      <mc:AlternateContent xmlns:mc="http://schemas.openxmlformats.org/markup-compatibility/2006">
+        <mc:Choice xmlns:a14="http://schemas.microsoft.com/office/drawing/2010/main" Requires="a14">
           <p:sp>
             <p:nvSpPr>
               <p:cNvPr id="25" name="TextBox 24">
@@ -7489,13 +7526,21 @@
                 </a:r>
                 <a:r>
                   <a:rPr lang="en-US" sz="2400" dirty="0"/>
-                  <a:t>!#</a:t>
+                  <a:t>!</a:t>
+                </a:r>
+                <a:r>
+                  <a:rPr lang="en-US" sz="2400" dirty="0">
+                    <a:solidFill>
+                      <a:srgbClr val="7030A0"/>
+                    </a:solidFill>
+                  </a:rPr>
+                  <a:t>#</a:t>
                 </a:r>
               </a:p>
             </p:txBody>
           </p:sp>
         </mc:Choice>
-        <mc:Fallback xmlns="">
+        <mc:Fallback>
           <p:sp>
             <p:nvSpPr>
               <p:cNvPr id="25" name="TextBox 24">
@@ -8103,8 +8148,8 @@
               </a:p>
             </p:txBody>
           </p:sp>
-          <mc:AlternateContent xmlns:mc="http://schemas.openxmlformats.org/markup-compatibility/2006">
-            <mc:Choice xmlns:a14="http://schemas.microsoft.com/office/drawing/2010/main" Requires="a14">
+          <mc:AlternateContent xmlns:mc="http://schemas.openxmlformats.org/markup-compatibility/2006" xmlns:a14="http://schemas.microsoft.com/office/drawing/2010/main">
+            <mc:Choice Requires="a14">
               <p:sp>
                 <p:nvSpPr>
                   <p:cNvPr id="9" name="Oval 8">
@@ -8191,7 +8236,7 @@
                         <m:sSub>
                           <m:sSubPr>
                             <m:ctrlPr>
-                              <a:rPr lang="en-US" b="0" i="0" smtClean="0">
+                              <a:rPr lang="en-US" b="0" i="1" smtClean="0">
                                 <a:solidFill>
                                   <a:schemeClr val="tx1"/>
                                 </a:solidFill>
@@ -8236,7 +8281,7 @@
                 </p:txBody>
               </p:sp>
             </mc:Choice>
-            <mc:Fallback>
+            <mc:Fallback xmlns="">
               <p:sp>
                 <p:nvSpPr>
                   <p:cNvPr id="9" name="Oval 8">
@@ -9048,8 +9093,8 @@
               </a:p>
             </p:txBody>
           </p:sp>
-          <mc:AlternateContent xmlns:mc="http://schemas.openxmlformats.org/markup-compatibility/2006">
-            <mc:Choice xmlns:a14="http://schemas.microsoft.com/office/drawing/2010/main" Requires="a14">
+          <mc:AlternateContent xmlns:mc="http://schemas.openxmlformats.org/markup-compatibility/2006" xmlns:a14="http://schemas.microsoft.com/office/drawing/2010/main">
+            <mc:Choice Requires="a14">
               <p:sp>
                 <p:nvSpPr>
                   <p:cNvPr id="20" name="Oval 19">
@@ -9181,7 +9226,7 @@
                 </p:txBody>
               </p:sp>
             </mc:Choice>
-            <mc:Fallback>
+            <mc:Fallback xmlns="">
               <p:sp>
                 <p:nvSpPr>
                   <p:cNvPr id="20" name="Oval 19">
@@ -14042,13 +14087,16 @@
             </p:spPr>
             <p:txBody>
               <a:bodyPr>
-                <a:normAutofit fontScale="92500"/>
+                <a:normAutofit/>
               </a:bodyPr>
               <a:lstStyle/>
               <a:p>
+                <a:pPr marL="0" indent="0">
+                  <a:buNone/>
+                </a:pPr>
                 <a:r>
                   <a:rPr lang="en-US" sz="2400" dirty="0"/>
-                  <a:t>If A</a:t>
+                  <a:t>If B</a:t>
                 </a:r>
                 <a:r>
                   <a:rPr lang="en-US" sz="2400" baseline="-25000" dirty="0"/>
@@ -14057,7 +14105,7 @@
                 <a14:m>
                   <m:oMath xmlns:m="http://schemas.openxmlformats.org/officeDocument/2006/math">
                     <m:r>
-                      <a:rPr lang="en-US" sz="2400" b="0" i="1" dirty="0" smtClean="0">
+                      <a:rPr lang="en-US" sz="2400" i="1" dirty="0">
                         <a:latin typeface="Cambria Math" panose="02040503050406030204" pitchFamily="18" charset="0"/>
                       </a:rPr>
                       <m:t>&lt;</m:t>
@@ -14065,15 +14113,60 @@
                   </m:oMath>
                 </a14:m>
                 <a:r>
-                  <a:rPr lang="en-US" sz="2400" baseline="-25000" dirty="0"/>
+                  <a:rPr lang="en-US" sz="2400" dirty="0"/>
                   <a:t> </a:t>
                 </a:r>
                 <a:r>
-                  <a:rPr lang="en-US" sz="2400" dirty="0"/>
+                  <a:rPr lang="en-US" sz="2400" dirty="0">
+                    <a:solidFill>
+                      <a:srgbClr val="7030A0"/>
+                    </a:solidFill>
+                  </a:rPr>
+                  <a:t>A</a:t>
+                </a:r>
+                <a:r>
+                  <a:rPr lang="en-US" sz="2400" baseline="-25000" dirty="0">
+                    <a:solidFill>
+                      <a:srgbClr val="7030A0"/>
+                    </a:solidFill>
+                  </a:rPr>
+                  <a:t>1 </a:t>
+                </a:r>
+                <a14:m>
+                  <m:oMath xmlns:m="http://schemas.openxmlformats.org/officeDocument/2006/math">
+                    <m:r>
+                      <a:rPr lang="en-US" sz="2400" i="1" dirty="0">
+                        <a:solidFill>
+                          <a:srgbClr val="7030A0"/>
+                        </a:solidFill>
+                        <a:latin typeface="Cambria Math" panose="02040503050406030204" pitchFamily="18" charset="0"/>
+                      </a:rPr>
+                      <m:t>&lt;</m:t>
+                    </m:r>
+                  </m:oMath>
+                </a14:m>
+                <a:r>
+                  <a:rPr lang="en-US" sz="2400" baseline="-25000" dirty="0">
+                    <a:solidFill>
+                      <a:srgbClr val="7030A0"/>
+                    </a:solidFill>
+                  </a:rPr>
+                  <a:t> </a:t>
+                </a:r>
+                <a:r>
+                  <a:rPr lang="en-US" sz="2400" dirty="0">
+                    <a:solidFill>
+                      <a:srgbClr val="7030A0"/>
+                    </a:solidFill>
+                  </a:rPr>
                   <a:t>B</a:t>
                 </a:r>
                 <a:r>
-                  <a:rPr lang="en-US" sz="2400" baseline="-25000" dirty="0"/>
+                  <a:rPr lang="en-US" sz="2400" baseline="-25000" dirty="0">
+                    <a:solidFill>
+                      <a:srgbClr val="7030A0"/>
+                    </a:solidFill>
+                  </a:rPr>
                   <a:t>2 </a:t>
                 </a:r>
                 <a:r>
@@ -14082,7 +14175,6 @@
                 </a:r>
               </a:p>
               <a:p>
-                <a:pPr lvl="1"/>
                 <a:r>
                   <a:rPr lang="en-US" sz="2400" dirty="0"/>
                   <a:t>(</a:t>
@@ -14119,77 +14211,184 @@
                 </a:r>
               </a:p>
               <a:p>
-                <a:pPr lvl="1"/>
+                <a:pPr marL="0" indent="0">
+                  <a:buNone/>
+                </a:pPr>
                 <a:r>
                   <a:rPr lang="en-US" sz="2400" dirty="0"/>
-                  <a:t>(full, full) </a:t>
+                  <a:t>Why? </a:t>
                 </a:r>
+                <a:endParaRPr lang="en-US" sz="2400" b="0" i="1" dirty="0">
+                  <a:latin typeface="Cambria Math" panose="02040503050406030204" pitchFamily="18" charset="0"/>
+                </a:endParaRPr>
+              </a:p>
+              <a:p>
                 <a14:m>
                   <m:oMath xmlns:m="http://schemas.openxmlformats.org/officeDocument/2006/math">
-                    <m:r>
-                      <a:rPr lang="en-US" sz="2400" b="0" i="1" smtClean="0">
-                        <a:latin typeface="Cambria Math" panose="02040503050406030204" pitchFamily="18" charset="0"/>
-                      </a:rPr>
-                      <m:t>→</m:t>
-                    </m:r>
+                    <m:sSub>
+                      <m:sSubPr>
+                        <m:ctrlPr>
+                          <a:rPr lang="en-US" sz="2400" b="0" i="1" smtClean="0">
+                            <a:latin typeface="Cambria Math" panose="02040503050406030204" pitchFamily="18" charset="0"/>
+                          </a:rPr>
+                        </m:ctrlPr>
+                      </m:sSubPr>
+                      <m:e>
+                        <m:r>
+                          <a:rPr lang="en-US" sz="2400" b="0" i="1" smtClean="0">
+                            <a:latin typeface="Cambria Math" panose="02040503050406030204" pitchFamily="18" charset="0"/>
+                          </a:rPr>
+                          <m:t>𝑐</m:t>
+                        </m:r>
+                      </m:e>
+                      <m:sub>
+                        <m:r>
+                          <a:rPr lang="en-US" sz="2400" b="0" i="1" smtClean="0">
+                            <a:latin typeface="Cambria Math" panose="02040503050406030204" pitchFamily="18" charset="0"/>
+                          </a:rPr>
+                          <m:t>1</m:t>
+                        </m:r>
+                      </m:sub>
+                    </m:sSub>
                   </m:oMath>
                 </a14:m>
                 <a:r>
                   <a:rPr lang="en-US" sz="2400" dirty="0"/>
-                  <a:t> (</a:t>
+                  <a:t>reaches </a:t>
+                </a:r>
+                <a14:m>
+                  <m:oMath xmlns:m="http://schemas.openxmlformats.org/officeDocument/2006/math">
+                    <m:sSub>
+                      <m:sSubPr>
+                        <m:ctrlPr>
+                          <a:rPr lang="en-US" sz="2400" b="0" i="1" smtClean="0">
+                            <a:latin typeface="Cambria Math" panose="02040503050406030204" pitchFamily="18" charset="0"/>
+                          </a:rPr>
+                        </m:ctrlPr>
+                      </m:sSubPr>
+                      <m:e>
+                        <m:r>
+                          <a:rPr lang="en-US" sz="2400" b="0" i="1" smtClean="0">
+                            <a:latin typeface="Cambria Math" panose="02040503050406030204" pitchFamily="18" charset="0"/>
+                          </a:rPr>
+                          <m:t>𝐴</m:t>
+                        </m:r>
+                      </m:e>
+                      <m:sub>
+                        <m:r>
+                          <a:rPr lang="en-US" sz="2400" b="0" i="1" smtClean="0">
+                            <a:latin typeface="Cambria Math" panose="02040503050406030204" pitchFamily="18" charset="0"/>
+                          </a:rPr>
+                          <m:t>1</m:t>
+                        </m:r>
+                      </m:sub>
+                    </m:sSub>
+                  </m:oMath>
+                </a14:m>
+                <a:r>
+                  <a:rPr lang="en-US" sz="2400" dirty="0"/>
+                  <a:t> and the process gets kicked out of state (</a:t>
                 </a:r>
                 <a:r>
                   <a:rPr lang="en-US" sz="2400" dirty="0" err="1"/>
-                  <a:t>empty,full</a:t>
+                  <a:t>full,full</a:t>
                 </a:r>
                 <a:r>
                   <a:rPr lang="en-US" sz="2400" dirty="0"/>
-                  <a:t>) is enabled</a:t>
-                </a:r>
-              </a:p>
-              <a:p>
-                <a:pPr lvl="1"/>
-                <a:r>
-                  <a:rPr lang="en-US" sz="2400" dirty="0"/>
-                  <a:t>out</a:t>
-                </a:r>
-                <a:r>
-                  <a:rPr lang="en-US" sz="2400" baseline="-25000" dirty="0"/>
-                  <a:t>1</a:t>
-                </a:r>
-                <a:r>
-                  <a:rPr lang="en-US" sz="2400" dirty="0"/>
-                  <a:t> guaranteed to happen before out</a:t>
-                </a:r>
-                <a:r>
-                  <a:rPr lang="en-US" sz="2400" baseline="-25000" dirty="0"/>
-                  <a:t>2</a:t>
-                </a:r>
-              </a:p>
-              <a:p>
-                <a:pPr lvl="1"/>
-                <a:r>
-                  <a:rPr lang="en-US" sz="2400" dirty="0"/>
-                  <a:t>Implicit coordination based on delays!</a:t>
+                  <a:t>)</a:t>
                 </a:r>
               </a:p>
               <a:p>
                 <a:r>
                   <a:rPr lang="en-US" sz="2400" dirty="0"/>
-                  <a:t>Clocks of both processes increase in tandem</a:t>
+                  <a:t>But </a:t>
+                </a:r>
+                <a14:m>
+                  <m:oMath xmlns:m="http://schemas.openxmlformats.org/officeDocument/2006/math">
+                    <m:sSub>
+                      <m:sSubPr>
+                        <m:ctrlPr>
+                          <a:rPr lang="en-US" sz="2400" b="0" i="1" smtClean="0">
+                            <a:latin typeface="Cambria Math" panose="02040503050406030204" pitchFamily="18" charset="0"/>
+                          </a:rPr>
+                        </m:ctrlPr>
+                      </m:sSubPr>
+                      <m:e>
+                        <m:r>
+                          <a:rPr lang="en-US" sz="2400" b="0" i="1" smtClean="0">
+                            <a:latin typeface="Cambria Math" panose="02040503050406030204" pitchFamily="18" charset="0"/>
+                          </a:rPr>
+                          <m:t>𝑐</m:t>
+                        </m:r>
+                      </m:e>
+                      <m:sub>
+                        <m:r>
+                          <a:rPr lang="en-US" sz="2400" b="0" i="1" smtClean="0">
+                            <a:latin typeface="Cambria Math" panose="02040503050406030204" pitchFamily="18" charset="0"/>
+                          </a:rPr>
+                          <m:t>1</m:t>
+                        </m:r>
+                      </m:sub>
+                    </m:sSub>
+                  </m:oMath>
+                </a14:m>
+                <a:r>
+                  <a:rPr lang="en-US" sz="2400" dirty="0"/>
+                  <a:t> cannot be greater than </a:t>
+                </a:r>
+                <a14:m>
+                  <m:oMath xmlns:m="http://schemas.openxmlformats.org/officeDocument/2006/math">
+                    <m:sSub>
+                      <m:sSubPr>
+                        <m:ctrlPr>
+                          <a:rPr lang="en-US" sz="2400" b="0" i="1" smtClean="0">
+                            <a:latin typeface="Cambria Math" panose="02040503050406030204" pitchFamily="18" charset="0"/>
+                          </a:rPr>
+                        </m:ctrlPr>
+                      </m:sSubPr>
+                      <m:e>
+                        <m:r>
+                          <a:rPr lang="en-US" sz="2400" b="0" i="1" smtClean="0">
+                            <a:latin typeface="Cambria Math" panose="02040503050406030204" pitchFamily="18" charset="0"/>
+                          </a:rPr>
+                          <m:t>𝐵</m:t>
+                        </m:r>
+                      </m:e>
+                      <m:sub>
+                        <m:r>
+                          <a:rPr lang="en-US" sz="2400" b="0" i="1" smtClean="0">
+                            <a:latin typeface="Cambria Math" panose="02040503050406030204" pitchFamily="18" charset="0"/>
+                          </a:rPr>
+                          <m:t>2</m:t>
+                        </m:r>
+                      </m:sub>
+                    </m:sSub>
+                  </m:oMath>
+                </a14:m>
+                <a:r>
+                  <a:rPr lang="en-US" sz="2400" dirty="0"/>
+                  <a:t> so, guard from (</a:t>
+                </a:r>
+                <a:r>
+                  <a:rPr lang="en-US" sz="2400" dirty="0" err="1"/>
+                  <a:t>full,full</a:t>
+                </a:r>
+                <a:r>
+                  <a:rPr lang="en-US" sz="2400" dirty="0"/>
+                  <a:t>) to (</a:t>
+                </a:r>
+                <a:r>
+                  <a:rPr lang="en-US" sz="2400" dirty="0" err="1"/>
+                  <a:t>full,empty</a:t>
+                </a:r>
+                <a:r>
+                  <a:rPr lang="en-US" sz="2400" dirty="0"/>
+                  <a:t>) is not enabled!</a:t>
                 </a:r>
               </a:p>
               <a:p>
-                <a:r>
-                  <a:rPr lang="en-US" sz="2400" dirty="0"/>
-                  <a:t>Possible to thus have a global clock for synchronization</a:t>
-                </a:r>
-              </a:p>
-              <a:p>
-                <a:r>
-                  <a:rPr lang="en-US" sz="2400" dirty="0"/>
-                  <a:t>Reason why timed models are called semi-synchronous or partially synchronous</a:t>
-                </a:r>
+                <a:pPr lvl="2"/>
+                <a:endParaRPr lang="en-US" sz="2400" dirty="0"/>
               </a:p>
             </p:txBody>
           </p:sp>
@@ -14219,7 +14418,7 @@
               <a:blipFill>
                 <a:blip r:embed="rId2"/>
                 <a:stretch>
-                  <a:fillRect l="-744" t="-1683"/>
+                  <a:fillRect l="-1700" t="-1964" r="-2550"/>
                 </a:stretch>
               </a:blipFill>
             </p:spPr>
@@ -16248,10 +16447,2680 @@
   <p:clrMapOvr>
     <a:masterClrMapping/>
   </p:clrMapOvr>
+  <p:timing>
+    <p:tnLst>
+      <p:par>
+        <p:cTn id="1" dur="indefinite" restart="never" nodeType="tmRoot">
+          <p:childTnLst>
+            <p:seq concurrent="1" nextAc="seek">
+              <p:cTn id="2" dur="indefinite" nodeType="mainSeq">
+                <p:childTnLst>
+                  <p:par>
+                    <p:cTn id="3" fill="hold">
+                      <p:stCondLst>
+                        <p:cond delay="indefinite"/>
+                      </p:stCondLst>
+                      <p:childTnLst>
+                        <p:par>
+                          <p:cTn id="4" fill="hold">
+                            <p:stCondLst>
+                              <p:cond delay="0"/>
+                            </p:stCondLst>
+                            <p:childTnLst>
+                              <p:par>
+                                <p:cTn id="5" presetID="1" presetClass="entr" presetSubtype="0" fill="hold" grpId="0" nodeType="clickEffect">
+                                  <p:stCondLst>
+                                    <p:cond delay="0"/>
+                                  </p:stCondLst>
+                                  <p:childTnLst>
+                                    <p:set>
+                                      <p:cBhvr>
+                                        <p:cTn id="6" dur="1" fill="hold">
+                                          <p:stCondLst>
+                                            <p:cond delay="0"/>
+                                          </p:stCondLst>
+                                        </p:cTn>
+                                        <p:tgtEl>
+                                          <p:spTgt spid="2">
+                                            <p:txEl>
+                                              <p:pRg st="0" end="0"/>
+                                            </p:txEl>
+                                          </p:spTgt>
+                                        </p:tgtEl>
+                                        <p:attrNameLst>
+                                          <p:attrName>style.visibility</p:attrName>
+                                        </p:attrNameLst>
+                                      </p:cBhvr>
+                                      <p:to>
+                                        <p:strVal val="visible"/>
+                                      </p:to>
+                                    </p:set>
+                                  </p:childTnLst>
+                                </p:cTn>
+                              </p:par>
+                            </p:childTnLst>
+                          </p:cTn>
+                        </p:par>
+                      </p:childTnLst>
+                    </p:cTn>
+                  </p:par>
+                  <p:par>
+                    <p:cTn id="7" fill="hold">
+                      <p:stCondLst>
+                        <p:cond delay="indefinite"/>
+                      </p:stCondLst>
+                      <p:childTnLst>
+                        <p:par>
+                          <p:cTn id="8" fill="hold">
+                            <p:stCondLst>
+                              <p:cond delay="0"/>
+                            </p:stCondLst>
+                            <p:childTnLst>
+                              <p:par>
+                                <p:cTn id="9" presetID="1" presetClass="entr" presetSubtype="0" fill="hold" grpId="0" nodeType="clickEffect">
+                                  <p:stCondLst>
+                                    <p:cond delay="0"/>
+                                  </p:stCondLst>
+                                  <p:childTnLst>
+                                    <p:set>
+                                      <p:cBhvr>
+                                        <p:cTn id="10" dur="1" fill="hold">
+                                          <p:stCondLst>
+                                            <p:cond delay="0"/>
+                                          </p:stCondLst>
+                                        </p:cTn>
+                                        <p:tgtEl>
+                                          <p:spTgt spid="2">
+                                            <p:txEl>
+                                              <p:pRg st="1" end="1"/>
+                                            </p:txEl>
+                                          </p:spTgt>
+                                        </p:tgtEl>
+                                        <p:attrNameLst>
+                                          <p:attrName>style.visibility</p:attrName>
+                                        </p:attrNameLst>
+                                      </p:cBhvr>
+                                      <p:to>
+                                        <p:strVal val="visible"/>
+                                      </p:to>
+                                    </p:set>
+                                  </p:childTnLst>
+                                </p:cTn>
+                              </p:par>
+                            </p:childTnLst>
+                          </p:cTn>
+                        </p:par>
+                      </p:childTnLst>
+                    </p:cTn>
+                  </p:par>
+                  <p:par>
+                    <p:cTn id="11" fill="hold">
+                      <p:stCondLst>
+                        <p:cond delay="indefinite"/>
+                      </p:stCondLst>
+                      <p:childTnLst>
+                        <p:par>
+                          <p:cTn id="12" fill="hold">
+                            <p:stCondLst>
+                              <p:cond delay="0"/>
+                            </p:stCondLst>
+                            <p:childTnLst>
+                              <p:par>
+                                <p:cTn id="13" presetID="1" presetClass="entr" presetSubtype="0" fill="hold" grpId="0" nodeType="clickEffect">
+                                  <p:stCondLst>
+                                    <p:cond delay="0"/>
+                                  </p:stCondLst>
+                                  <p:childTnLst>
+                                    <p:set>
+                                      <p:cBhvr>
+                                        <p:cTn id="14" dur="1" fill="hold">
+                                          <p:stCondLst>
+                                            <p:cond delay="0"/>
+                                          </p:stCondLst>
+                                        </p:cTn>
+                                        <p:tgtEl>
+                                          <p:spTgt spid="2">
+                                            <p:txEl>
+                                              <p:pRg st="2" end="2"/>
+                                            </p:txEl>
+                                          </p:spTgt>
+                                        </p:tgtEl>
+                                        <p:attrNameLst>
+                                          <p:attrName>style.visibility</p:attrName>
+                                        </p:attrNameLst>
+                                      </p:cBhvr>
+                                      <p:to>
+                                        <p:strVal val="visible"/>
+                                      </p:to>
+                                    </p:set>
+                                  </p:childTnLst>
+                                </p:cTn>
+                              </p:par>
+                            </p:childTnLst>
+                          </p:cTn>
+                        </p:par>
+                      </p:childTnLst>
+                    </p:cTn>
+                  </p:par>
+                  <p:par>
+                    <p:cTn id="15" fill="hold">
+                      <p:stCondLst>
+                        <p:cond delay="indefinite"/>
+                      </p:stCondLst>
+                      <p:childTnLst>
+                        <p:par>
+                          <p:cTn id="16" fill="hold">
+                            <p:stCondLst>
+                              <p:cond delay="0"/>
+                            </p:stCondLst>
+                            <p:childTnLst>
+                              <p:par>
+                                <p:cTn id="17" presetID="1" presetClass="entr" presetSubtype="0" fill="hold" grpId="0" nodeType="clickEffect">
+                                  <p:stCondLst>
+                                    <p:cond delay="0"/>
+                                  </p:stCondLst>
+                                  <p:childTnLst>
+                                    <p:set>
+                                      <p:cBhvr>
+                                        <p:cTn id="18" dur="1" fill="hold">
+                                          <p:stCondLst>
+                                            <p:cond delay="0"/>
+                                          </p:stCondLst>
+                                        </p:cTn>
+                                        <p:tgtEl>
+                                          <p:spTgt spid="2">
+                                            <p:txEl>
+                                              <p:pRg st="3" end="3"/>
+                                            </p:txEl>
+                                          </p:spTgt>
+                                        </p:tgtEl>
+                                        <p:attrNameLst>
+                                          <p:attrName>style.visibility</p:attrName>
+                                        </p:attrNameLst>
+                                      </p:cBhvr>
+                                      <p:to>
+                                        <p:strVal val="visible"/>
+                                      </p:to>
+                                    </p:set>
+                                  </p:childTnLst>
+                                </p:cTn>
+                              </p:par>
+                            </p:childTnLst>
+                          </p:cTn>
+                        </p:par>
+                      </p:childTnLst>
+                    </p:cTn>
+                  </p:par>
+                  <p:par>
+                    <p:cTn id="19" fill="hold">
+                      <p:stCondLst>
+                        <p:cond delay="indefinite"/>
+                      </p:stCondLst>
+                      <p:childTnLst>
+                        <p:par>
+                          <p:cTn id="20" fill="hold">
+                            <p:stCondLst>
+                              <p:cond delay="0"/>
+                            </p:stCondLst>
+                            <p:childTnLst>
+                              <p:par>
+                                <p:cTn id="21" presetID="1" presetClass="entr" presetSubtype="0" fill="hold" grpId="0" nodeType="clickEffect">
+                                  <p:stCondLst>
+                                    <p:cond delay="0"/>
+                                  </p:stCondLst>
+                                  <p:childTnLst>
+                                    <p:set>
+                                      <p:cBhvr>
+                                        <p:cTn id="22" dur="1" fill="hold">
+                                          <p:stCondLst>
+                                            <p:cond delay="0"/>
+                                          </p:stCondLst>
+                                        </p:cTn>
+                                        <p:tgtEl>
+                                          <p:spTgt spid="2">
+                                            <p:txEl>
+                                              <p:pRg st="4" end="4"/>
+                                            </p:txEl>
+                                          </p:spTgt>
+                                        </p:tgtEl>
+                                        <p:attrNameLst>
+                                          <p:attrName>style.visibility</p:attrName>
+                                        </p:attrNameLst>
+                                      </p:cBhvr>
+                                      <p:to>
+                                        <p:strVal val="visible"/>
+                                      </p:to>
+                                    </p:set>
+                                  </p:childTnLst>
+                                </p:cTn>
+                              </p:par>
+                            </p:childTnLst>
+                          </p:cTn>
+                        </p:par>
+                      </p:childTnLst>
+                    </p:cTn>
+                  </p:par>
+                </p:childTnLst>
+              </p:cTn>
+              <p:prevCondLst>
+                <p:cond evt="onPrev" delay="0">
+                  <p:tgtEl>
+                    <p:sldTgt/>
+                  </p:tgtEl>
+                </p:cond>
+              </p:prevCondLst>
+              <p:nextCondLst>
+                <p:cond evt="onNext" delay="0">
+                  <p:tgtEl>
+                    <p:sldTgt/>
+                  </p:tgtEl>
+                </p:cond>
+              </p:nextCondLst>
+            </p:seq>
+          </p:childTnLst>
+        </p:cTn>
+      </p:par>
+    </p:tnLst>
+    <p:bldLst>
+      <p:bldP spid="2" grpId="0" build="p"/>
+    </p:bldLst>
+  </p:timing>
 </p:sld>
 </file>
 
 <file path=ppt/slides/slide18.xml><?xml version="1.0" encoding="utf-8"?>
+<p:sld xmlns:a="http://schemas.openxmlformats.org/drawingml/2006/main" xmlns:r="http://schemas.openxmlformats.org/officeDocument/2006/relationships" xmlns:p="http://schemas.openxmlformats.org/presentationml/2006/main">
+  <p:cSld>
+    <p:spTree>
+      <p:nvGrpSpPr>
+        <p:cNvPr id="1" name=""/>
+        <p:cNvGrpSpPr/>
+        <p:nvPr/>
+      </p:nvGrpSpPr>
+      <p:grpSpPr>
+        <a:xfrm>
+          <a:off x="0" y="0"/>
+          <a:ext cx="0" cy="0"/>
+          <a:chOff x="0" y="0"/>
+          <a:chExt cx="0" cy="0"/>
+        </a:xfrm>
+      </p:grpSpPr>
+      <mc:AlternateContent xmlns:mc="http://schemas.openxmlformats.org/markup-compatibility/2006">
+        <mc:Choice xmlns:a14="http://schemas.microsoft.com/office/drawing/2010/main" Requires="a14">
+          <p:sp>
+            <p:nvSpPr>
+              <p:cNvPr id="2" name="Content Placeholder 1">
+                <a:extLst>
+                  <a:ext uri="{FF2B5EF4-FFF2-40B4-BE49-F238E27FC236}">
+                    <a16:creationId xmlns:a16="http://schemas.microsoft.com/office/drawing/2014/main" id="{A5F31746-2D5F-438D-A2FC-CD46516AD0B5}"/>
+                  </a:ext>
+                </a:extLst>
+              </p:cNvPr>
+              <p:cNvSpPr>
+                <a:spLocks noGrp="1"/>
+              </p:cNvSpPr>
+              <p:nvPr>
+                <p:ph idx="1"/>
+              </p:nvPr>
+            </p:nvSpPr>
+            <p:spPr>
+              <a:xfrm>
+                <a:off x="6394087" y="1234827"/>
+                <a:ext cx="5734413" cy="4351338"/>
+              </a:xfrm>
+            </p:spPr>
+            <p:txBody>
+              <a:bodyPr>
+                <a:normAutofit fontScale="92500" lnSpcReduction="10000"/>
+              </a:bodyPr>
+              <a:lstStyle/>
+              <a:p>
+                <a:r>
+                  <a:rPr lang="en-US" sz="2400" dirty="0"/>
+                  <a:t>If B</a:t>
+                </a:r>
+                <a:r>
+                  <a:rPr lang="en-US" sz="2400" baseline="-25000" dirty="0"/>
+                  <a:t>1 </a:t>
+                </a:r>
+                <a14:m>
+                  <m:oMath xmlns:m="http://schemas.openxmlformats.org/officeDocument/2006/math">
+                    <m:r>
+                      <a:rPr lang="en-US" sz="2400" i="1" dirty="0" smtClean="0">
+                        <a:latin typeface="Cambria Math" panose="02040503050406030204" pitchFamily="18" charset="0"/>
+                      </a:rPr>
+                      <m:t>&lt;</m:t>
+                    </m:r>
+                  </m:oMath>
+                </a14:m>
+                <a:r>
+                  <a:rPr lang="en-US" sz="2400" dirty="0"/>
+                  <a:t> </a:t>
+                </a:r>
+                <a:r>
+                  <a:rPr lang="en-US" sz="2400" dirty="0">
+                    <a:solidFill>
+                      <a:srgbClr val="7030A0"/>
+                    </a:solidFill>
+                  </a:rPr>
+                  <a:t>A</a:t>
+                </a:r>
+                <a:r>
+                  <a:rPr lang="en-US" sz="2400" baseline="-25000" dirty="0">
+                    <a:solidFill>
+                      <a:srgbClr val="7030A0"/>
+                    </a:solidFill>
+                  </a:rPr>
+                  <a:t>1 </a:t>
+                </a:r>
+                <a14:m>
+                  <m:oMath xmlns:m="http://schemas.openxmlformats.org/officeDocument/2006/math">
+                    <m:r>
+                      <a:rPr lang="en-US" sz="2400" b="0" i="1" dirty="0" smtClean="0">
+                        <a:solidFill>
+                          <a:srgbClr val="7030A0"/>
+                        </a:solidFill>
+                        <a:latin typeface="Cambria Math" panose="02040503050406030204" pitchFamily="18" charset="0"/>
+                      </a:rPr>
+                      <m:t>&lt;</m:t>
+                    </m:r>
+                  </m:oMath>
+                </a14:m>
+                <a:r>
+                  <a:rPr lang="en-US" sz="2400" baseline="-25000" dirty="0">
+                    <a:solidFill>
+                      <a:srgbClr val="7030A0"/>
+                    </a:solidFill>
+                  </a:rPr>
+                  <a:t> </a:t>
+                </a:r>
+                <a:r>
+                  <a:rPr lang="en-US" sz="2400" dirty="0">
+                    <a:solidFill>
+                      <a:srgbClr val="7030A0"/>
+                    </a:solidFill>
+                  </a:rPr>
+                  <a:t>B</a:t>
+                </a:r>
+                <a:r>
+                  <a:rPr lang="en-US" sz="2400" baseline="-25000" dirty="0">
+                    <a:solidFill>
+                      <a:srgbClr val="7030A0"/>
+                    </a:solidFill>
+                  </a:rPr>
+                  <a:t>2 </a:t>
+                </a:r>
+                <a:r>
+                  <a:rPr lang="en-US" sz="2400" dirty="0"/>
+                  <a:t>:</a:t>
+                </a:r>
+              </a:p>
+              <a:p>
+                <a:pPr lvl="1"/>
+                <a:r>
+                  <a:rPr lang="en-US" sz="2400" dirty="0"/>
+                  <a:t>(</a:t>
+                </a:r>
+                <a:r>
+                  <a:rPr lang="en-US" sz="2400" dirty="0" err="1"/>
+                  <a:t>full,full</a:t>
+                </a:r>
+                <a:r>
+                  <a:rPr lang="en-US" sz="2400" dirty="0"/>
+                  <a:t>) </a:t>
+                </a:r>
+                <a14:m>
+                  <m:oMath xmlns:m="http://schemas.openxmlformats.org/officeDocument/2006/math">
+                    <m:r>
+                      <a:rPr lang="en-US" sz="2400" b="0" i="1" smtClean="0">
+                        <a:latin typeface="Cambria Math" panose="02040503050406030204" pitchFamily="18" charset="0"/>
+                      </a:rPr>
+                      <m:t>→</m:t>
+                    </m:r>
+                  </m:oMath>
+                </a14:m>
+                <a:r>
+                  <a:rPr lang="en-US" sz="2400" dirty="0"/>
+                  <a:t> (</a:t>
+                </a:r>
+                <a:r>
+                  <a:rPr lang="en-US" sz="2400" dirty="0" err="1"/>
+                  <a:t>full,empty</a:t>
+                </a:r>
+                <a:r>
+                  <a:rPr lang="en-US" sz="2400" dirty="0"/>
+                  <a:t>) cannot happen</a:t>
+                </a:r>
+              </a:p>
+              <a:p>
+                <a:r>
+                  <a:rPr lang="en-US" sz="2400" dirty="0"/>
+                  <a:t>If</a:t>
+                </a:r>
+                <a:r>
+                  <a:rPr lang="en-US" sz="2400" dirty="0">
+                    <a:solidFill>
+                      <a:srgbClr val="FF0000"/>
+                    </a:solidFill>
+                  </a:rPr>
+                  <a:t> B</a:t>
+                </a:r>
+                <a:r>
+                  <a:rPr lang="en-US" sz="2400" baseline="-25000" dirty="0">
+                    <a:solidFill>
+                      <a:srgbClr val="FF0000"/>
+                    </a:solidFill>
+                  </a:rPr>
+                  <a:t>1 </a:t>
+                </a:r>
+                <a14:m>
+                  <m:oMath xmlns:m="http://schemas.openxmlformats.org/officeDocument/2006/math">
+                    <m:r>
+                      <a:rPr lang="en-US" sz="2400" i="1" dirty="0" smtClean="0">
+                        <a:solidFill>
+                          <a:srgbClr val="FF0000"/>
+                        </a:solidFill>
+                        <a:latin typeface="Cambria Math" panose="02040503050406030204" pitchFamily="18" charset="0"/>
+                      </a:rPr>
+                      <m:t>&lt;</m:t>
+                    </m:r>
+                  </m:oMath>
+                </a14:m>
+                <a:r>
+                  <a:rPr lang="en-US" sz="2400" dirty="0">
+                    <a:solidFill>
+                      <a:srgbClr val="FF0000"/>
+                    </a:solidFill>
+                  </a:rPr>
+                  <a:t> A</a:t>
+                </a:r>
+                <a:r>
+                  <a:rPr lang="en-US" sz="2400" baseline="-25000" dirty="0">
+                    <a:solidFill>
+                      <a:srgbClr val="FF0000"/>
+                    </a:solidFill>
+                  </a:rPr>
+                  <a:t>1 </a:t>
+                </a:r>
+                <a14:m>
+                  <m:oMath xmlns:m="http://schemas.openxmlformats.org/officeDocument/2006/math">
+                    <m:r>
+                      <a:rPr lang="en-US" sz="2400" b="0" i="1" dirty="0" smtClean="0">
+                        <a:solidFill>
+                          <a:schemeClr val="tx1"/>
+                        </a:solidFill>
+                        <a:latin typeface="Cambria Math" panose="02040503050406030204" pitchFamily="18" charset="0"/>
+                      </a:rPr>
+                      <m:t>&lt;</m:t>
+                    </m:r>
+                  </m:oMath>
+                </a14:m>
+                <a:r>
+                  <a:rPr lang="en-US" sz="2400" baseline="-25000" dirty="0">
+                    <a:solidFill>
+                      <a:schemeClr val="tx1"/>
+                    </a:solidFill>
+                  </a:rPr>
+                  <a:t> </a:t>
+                </a:r>
+                <a:r>
+                  <a:rPr lang="en-US" sz="2400" dirty="0">
+                    <a:solidFill>
+                      <a:schemeClr val="tx1"/>
+                    </a:solidFill>
+                  </a:rPr>
+                  <a:t>B</a:t>
+                </a:r>
+                <a:r>
+                  <a:rPr lang="en-US" sz="2400" baseline="-25000" dirty="0">
+                    <a:solidFill>
+                      <a:schemeClr val="tx1"/>
+                    </a:solidFill>
+                  </a:rPr>
+                  <a:t>2 </a:t>
+                </a:r>
+                <a:r>
+                  <a:rPr lang="en-US" sz="2400" dirty="0"/>
+                  <a:t>:</a:t>
+                </a:r>
+              </a:p>
+              <a:p>
+                <a:pPr lvl="1"/>
+                <a:r>
+                  <a:rPr lang="en-US" sz="2400" dirty="0"/>
+                  <a:t>(full, full) </a:t>
+                </a:r>
+                <a14:m>
+                  <m:oMath xmlns:m="http://schemas.openxmlformats.org/officeDocument/2006/math">
+                    <m:r>
+                      <a:rPr lang="en-US" sz="2400" b="0" i="1" smtClean="0">
+                        <a:latin typeface="Cambria Math" panose="02040503050406030204" pitchFamily="18" charset="0"/>
+                      </a:rPr>
+                      <m:t>→</m:t>
+                    </m:r>
+                  </m:oMath>
+                </a14:m>
+                <a:r>
+                  <a:rPr lang="en-US" sz="2400" dirty="0"/>
+                  <a:t> (</a:t>
+                </a:r>
+                <a:r>
+                  <a:rPr lang="en-US" sz="2400" dirty="0" err="1"/>
+                  <a:t>empty,full</a:t>
+                </a:r>
+                <a:r>
+                  <a:rPr lang="en-US" sz="2400" dirty="0"/>
+                  <a:t>) will happen eventually</a:t>
+                </a:r>
+              </a:p>
+              <a:p>
+                <a:r>
+                  <a:rPr lang="en-US" sz="2400" b="1" dirty="0"/>
+                  <a:t>out</a:t>
+                </a:r>
+                <a:r>
+                  <a:rPr lang="en-US" sz="2400" b="1" baseline="-25000" dirty="0"/>
+                  <a:t>1</a:t>
+                </a:r>
+                <a:r>
+                  <a:rPr lang="en-US" sz="2400" b="1" dirty="0"/>
+                  <a:t> guaranteed to happen before out</a:t>
+                </a:r>
+                <a:r>
+                  <a:rPr lang="en-US" sz="2400" b="1" baseline="-25000" dirty="0"/>
+                  <a:t>2</a:t>
+                </a:r>
+              </a:p>
+              <a:p>
+                <a:endParaRPr lang="en-US" sz="2400" dirty="0"/>
+              </a:p>
+              <a:p>
+                <a:r>
+                  <a:rPr lang="en-US" sz="2400" dirty="0"/>
+                  <a:t>Implicit coordination based on delays</a:t>
+                </a:r>
+              </a:p>
+              <a:p>
+                <a:pPr lvl="1"/>
+                <a:r>
+                  <a:rPr lang="en-US" sz="2400" dirty="0"/>
+                  <a:t>Both process clocks increase in tandem</a:t>
+                </a:r>
+              </a:p>
+              <a:p>
+                <a:pPr lvl="1"/>
+                <a:r>
+                  <a:rPr lang="en-US" sz="2400" dirty="0"/>
+                  <a:t>Global clock-based synchronization</a:t>
+                </a:r>
+              </a:p>
+              <a:p>
+                <a:r>
+                  <a:rPr lang="en-US" sz="2400" dirty="0"/>
+                  <a:t>Reason why timed models are called semi-synchronous or partially synchronous</a:t>
+                </a:r>
+              </a:p>
+            </p:txBody>
+          </p:sp>
+        </mc:Choice>
+        <mc:Fallback>
+          <p:sp>
+            <p:nvSpPr>
+              <p:cNvPr id="2" name="Content Placeholder 1">
+                <a:extLst>
+                  <a:ext uri="{FF2B5EF4-FFF2-40B4-BE49-F238E27FC236}">
+                    <a16:creationId xmlns:a16="http://schemas.microsoft.com/office/drawing/2014/main" id="{A5F31746-2D5F-438D-A2FC-CD46516AD0B5}"/>
+                  </a:ext>
+                </a:extLst>
+              </p:cNvPr>
+              <p:cNvSpPr>
+                <a:spLocks noGrp="1" noRot="1" noChangeAspect="1" noMove="1" noResize="1" noEditPoints="1" noAdjustHandles="1" noChangeArrowheads="1" noChangeShapeType="1" noTextEdit="1"/>
+              </p:cNvSpPr>
+              <p:nvPr>
+                <p:ph idx="1"/>
+              </p:nvPr>
+            </p:nvSpPr>
+            <p:spPr>
+              <a:xfrm>
+                <a:off x="6394087" y="1234827"/>
+                <a:ext cx="5734413" cy="4351338"/>
+              </a:xfrm>
+              <a:blipFill>
+                <a:blip r:embed="rId2"/>
+                <a:stretch>
+                  <a:fillRect l="-744" t="-2384"/>
+                </a:stretch>
+              </a:blipFill>
+            </p:spPr>
+            <p:txBody>
+              <a:bodyPr/>
+              <a:lstStyle/>
+              <a:p>
+                <a:r>
+                  <a:rPr lang="en-US">
+                    <a:noFill/>
+                  </a:rPr>
+                  <a:t> </a:t>
+                </a:r>
+              </a:p>
+            </p:txBody>
+          </p:sp>
+        </mc:Fallback>
+      </mc:AlternateContent>
+      <p:sp>
+        <p:nvSpPr>
+          <p:cNvPr id="3" name="Title 2">
+            <a:extLst>
+              <a:ext uri="{FF2B5EF4-FFF2-40B4-BE49-F238E27FC236}">
+                <a16:creationId xmlns:a16="http://schemas.microsoft.com/office/drawing/2014/main" id="{283F6BF7-7AF9-4321-961E-067D34E0F0D6}"/>
+              </a:ext>
+            </a:extLst>
+          </p:cNvPr>
+          <p:cNvSpPr>
+            <a:spLocks noGrp="1"/>
+          </p:cNvSpPr>
+          <p:nvPr>
+            <p:ph type="title"/>
+          </p:nvPr>
+        </p:nvSpPr>
+        <p:spPr/>
+        <p:txBody>
+          <a:bodyPr/>
+          <a:lstStyle/>
+          <a:p>
+            <a:r>
+              <a:rPr lang="en-US" dirty="0"/>
+              <a:t>Semi-synchrony</a:t>
+            </a:r>
+          </a:p>
+        </p:txBody>
+      </p:sp>
+      <p:sp>
+        <p:nvSpPr>
+          <p:cNvPr id="4" name="Slide Number Placeholder 3">
+            <a:extLst>
+              <a:ext uri="{FF2B5EF4-FFF2-40B4-BE49-F238E27FC236}">
+                <a16:creationId xmlns:a16="http://schemas.microsoft.com/office/drawing/2014/main" id="{8CC75CFE-D10C-4D9E-9DB1-20D4A554F9A5}"/>
+              </a:ext>
+            </a:extLst>
+          </p:cNvPr>
+          <p:cNvSpPr>
+            <a:spLocks noGrp="1"/>
+          </p:cNvSpPr>
+          <p:nvPr>
+            <p:ph type="sldNum" sz="quarter" idx="12"/>
+          </p:nvPr>
+        </p:nvSpPr>
+        <p:spPr/>
+        <p:txBody>
+          <a:bodyPr/>
+          <a:lstStyle/>
+          <a:p>
+            <a:fld id="{29AAD378-655A-49C6-813C-9FD132EF7440}" type="slidenum">
+              <a:rPr lang="en-US" smtClean="0"/>
+              <a:pPr/>
+              <a:t>18</a:t>
+            </a:fld>
+            <a:endParaRPr lang="en-US" dirty="0"/>
+          </a:p>
+        </p:txBody>
+      </p:sp>
+      <p:grpSp>
+        <p:nvGrpSpPr>
+          <p:cNvPr id="5" name="Group 4">
+            <a:extLst>
+              <a:ext uri="{FF2B5EF4-FFF2-40B4-BE49-F238E27FC236}">
+                <a16:creationId xmlns:a16="http://schemas.microsoft.com/office/drawing/2014/main" id="{0882B3A1-4D8C-450E-8949-F8448368DC0A}"/>
+              </a:ext>
+            </a:extLst>
+          </p:cNvPr>
+          <p:cNvGrpSpPr/>
+          <p:nvPr/>
+        </p:nvGrpSpPr>
+        <p:grpSpPr>
+          <a:xfrm>
+            <a:off x="326232" y="1598166"/>
+            <a:ext cx="6151729" cy="3972992"/>
+            <a:chOff x="5847398" y="1642616"/>
+            <a:chExt cx="6151729" cy="3972992"/>
+          </a:xfrm>
+        </p:grpSpPr>
+        <p:sp>
+          <p:nvSpPr>
+            <p:cNvPr id="6" name="Oval 5">
+              <a:extLst>
+                <a:ext uri="{FF2B5EF4-FFF2-40B4-BE49-F238E27FC236}">
+                  <a16:creationId xmlns:a16="http://schemas.microsoft.com/office/drawing/2014/main" id="{20BAAAE5-23C3-40ED-A511-96ABC0EB3A95}"/>
+                </a:ext>
+              </a:extLst>
+            </p:cNvPr>
+            <p:cNvSpPr/>
+            <p:nvPr/>
+          </p:nvSpPr>
+          <p:spPr>
+            <a:xfrm>
+              <a:off x="6264726" y="2999288"/>
+              <a:ext cx="1084794" cy="624023"/>
+            </a:xfrm>
+            <a:prstGeom prst="ellipse">
+              <a:avLst/>
+            </a:prstGeom>
+            <a:ln w="25400"/>
+          </p:spPr>
+          <p:style>
+            <a:lnRef idx="2">
+              <a:schemeClr val="accent6"/>
+            </a:lnRef>
+            <a:fillRef idx="1">
+              <a:schemeClr val="lt1"/>
+            </a:fillRef>
+            <a:effectRef idx="0">
+              <a:schemeClr val="accent6"/>
+            </a:effectRef>
+            <a:fontRef idx="minor">
+              <a:schemeClr val="dk1"/>
+            </a:fontRef>
+          </p:style>
+          <p:txBody>
+            <a:bodyPr lIns="0" tIns="0" rIns="0" bIns="0" rtlCol="0" anchor="ctr"/>
+            <a:lstStyle/>
+            <a:p>
+              <a:pPr algn="ctr"/>
+              <a:r>
+                <a:rPr lang="en-US" dirty="0"/>
+                <a:t>empty,</a:t>
+              </a:r>
+            </a:p>
+            <a:p>
+              <a:pPr algn="ctr"/>
+              <a:r>
+                <a:rPr lang="en-US" dirty="0"/>
+                <a:t>empty</a:t>
+              </a:r>
+            </a:p>
+          </p:txBody>
+        </p:sp>
+        <mc:AlternateContent xmlns:mc="http://schemas.openxmlformats.org/markup-compatibility/2006" xmlns:a14="http://schemas.microsoft.com/office/drawing/2010/main">
+          <mc:Choice Requires="a14">
+            <p:sp>
+              <p:nvSpPr>
+                <p:cNvPr id="7" name="Oval 6">
+                  <a:extLst>
+                    <a:ext uri="{FF2B5EF4-FFF2-40B4-BE49-F238E27FC236}">
+                      <a16:creationId xmlns:a16="http://schemas.microsoft.com/office/drawing/2014/main" id="{90D6EBA0-DB97-4654-B01F-935921AB63DC}"/>
+                    </a:ext>
+                  </a:extLst>
+                </p:cNvPr>
+                <p:cNvSpPr/>
+                <p:nvPr/>
+              </p:nvSpPr>
+              <p:spPr>
+                <a:xfrm>
+                  <a:off x="7785100" y="1642616"/>
+                  <a:ext cx="1591376" cy="624023"/>
+                </a:xfrm>
+                <a:prstGeom prst="ellipse">
+                  <a:avLst/>
+                </a:prstGeom>
+                <a:ln w="25400"/>
+              </p:spPr>
+              <p:style>
+                <a:lnRef idx="2">
+                  <a:schemeClr val="accent6"/>
+                </a:lnRef>
+                <a:fillRef idx="1">
+                  <a:schemeClr val="lt1"/>
+                </a:fillRef>
+                <a:effectRef idx="0">
+                  <a:schemeClr val="accent6"/>
+                </a:effectRef>
+                <a:fontRef idx="minor">
+                  <a:schemeClr val="dk1"/>
+                </a:fontRef>
+              </p:style>
+              <p:txBody>
+                <a:bodyPr lIns="0" tIns="0" rIns="0" bIns="0" rtlCol="0" anchor="ctr"/>
+                <a:lstStyle/>
+                <a:p>
+                  <a:pPr algn="ctr"/>
+                  <a:r>
+                    <a:rPr lang="en-US" dirty="0"/>
+                    <a:t>full, empty</a:t>
+                  </a:r>
+                </a:p>
+                <a:p>
+                  <a:pPr algn="ctr"/>
+                  <a:r>
+                    <a:rPr lang="en-US" dirty="0"/>
+                    <a:t>c</a:t>
+                  </a:r>
+                  <a:r>
+                    <a:rPr lang="en-US" baseline="-25000" dirty="0"/>
+                    <a:t>1</a:t>
+                  </a:r>
+                  <a14:m>
+                    <m:oMath xmlns:m="http://schemas.openxmlformats.org/officeDocument/2006/math">
+                      <m:r>
+                        <a:rPr lang="en-US" i="1">
+                          <a:latin typeface="Cambria Math" panose="02040503050406030204" pitchFamily="18" charset="0"/>
+                        </a:rPr>
+                        <m:t>≤</m:t>
+                      </m:r>
+                    </m:oMath>
+                  </a14:m>
+                  <a:r>
+                    <a:rPr lang="en-US" dirty="0"/>
+                    <a:t>A</a:t>
+                  </a:r>
+                  <a:r>
+                    <a:rPr lang="en-US" baseline="-25000" dirty="0"/>
+                    <a:t>1</a:t>
+                  </a:r>
+                  <a:endParaRPr lang="en-US" dirty="0"/>
+                </a:p>
+              </p:txBody>
+            </p:sp>
+          </mc:Choice>
+          <mc:Fallback xmlns="">
+            <p:sp>
+              <p:nvSpPr>
+                <p:cNvPr id="7" name="Oval 6">
+                  <a:extLst>
+                    <a:ext uri="{FF2B5EF4-FFF2-40B4-BE49-F238E27FC236}">
+                      <a16:creationId xmlns:a16="http://schemas.microsoft.com/office/drawing/2014/main" id="{90D6EBA0-DB97-4654-B01F-935921AB63DC}"/>
+                    </a:ext>
+                  </a:extLst>
+                </p:cNvPr>
+                <p:cNvSpPr>
+                  <a:spLocks noRot="1" noChangeAspect="1" noMove="1" noResize="1" noEditPoints="1" noAdjustHandles="1" noChangeArrowheads="1" noChangeShapeType="1" noTextEdit="1"/>
+                </p:cNvSpPr>
+                <p:nvPr/>
+              </p:nvSpPr>
+              <p:spPr>
+                <a:xfrm>
+                  <a:off x="7785100" y="1642616"/>
+                  <a:ext cx="1591376" cy="624023"/>
+                </a:xfrm>
+                <a:prstGeom prst="ellipse">
+                  <a:avLst/>
+                </a:prstGeom>
+                <a:blipFill>
+                  <a:blip r:embed="rId3"/>
+                  <a:stretch>
+                    <a:fillRect t="-4673" b="-14019"/>
+                  </a:stretch>
+                </a:blipFill>
+                <a:ln w="25400"/>
+              </p:spPr>
+              <p:txBody>
+                <a:bodyPr/>
+                <a:lstStyle/>
+                <a:p>
+                  <a:r>
+                    <a:rPr lang="en-US">
+                      <a:noFill/>
+                    </a:rPr>
+                    <a:t> </a:t>
+                  </a:r>
+                </a:p>
+              </p:txBody>
+            </p:sp>
+          </mc:Fallback>
+        </mc:AlternateContent>
+        <mc:AlternateContent xmlns:mc="http://schemas.openxmlformats.org/markup-compatibility/2006" xmlns:a14="http://schemas.microsoft.com/office/drawing/2010/main">
+          <mc:Choice Requires="a14">
+            <p:sp>
+              <p:nvSpPr>
+                <p:cNvPr id="8" name="Oval 7">
+                  <a:extLst>
+                    <a:ext uri="{FF2B5EF4-FFF2-40B4-BE49-F238E27FC236}">
+                      <a16:creationId xmlns:a16="http://schemas.microsoft.com/office/drawing/2014/main" id="{D9F1BE28-6308-45F8-9B14-666646FC2155}"/>
+                    </a:ext>
+                  </a:extLst>
+                </p:cNvPr>
+                <p:cNvSpPr/>
+                <p:nvPr/>
+              </p:nvSpPr>
+              <p:spPr>
+                <a:xfrm>
+                  <a:off x="7947040" y="4556268"/>
+                  <a:ext cx="1415659" cy="919774"/>
+                </a:xfrm>
+                <a:prstGeom prst="ellipse">
+                  <a:avLst/>
+                </a:prstGeom>
+                <a:ln w="25400"/>
+              </p:spPr>
+              <p:style>
+                <a:lnRef idx="2">
+                  <a:schemeClr val="accent6"/>
+                </a:lnRef>
+                <a:fillRef idx="1">
+                  <a:schemeClr val="lt1"/>
+                </a:fillRef>
+                <a:effectRef idx="0">
+                  <a:schemeClr val="accent6"/>
+                </a:effectRef>
+                <a:fontRef idx="minor">
+                  <a:schemeClr val="dk1"/>
+                </a:fontRef>
+              </p:style>
+              <p:txBody>
+                <a:bodyPr lIns="0" tIns="0" rIns="0" bIns="0" rtlCol="0" anchor="ctr"/>
+                <a:lstStyle/>
+                <a:p>
+                  <a:pPr algn="ctr"/>
+                  <a:r>
+                    <a:rPr lang="en-US" dirty="0"/>
+                    <a:t>empty, full</a:t>
+                  </a:r>
+                </a:p>
+                <a:p>
+                  <a:pPr algn="ctr"/>
+                  <a:r>
+                    <a:rPr lang="en-US" dirty="0"/>
+                    <a:t>c</a:t>
+                  </a:r>
+                  <a:r>
+                    <a:rPr lang="en-US" baseline="-25000" dirty="0"/>
+                    <a:t>2</a:t>
+                  </a:r>
+                  <a14:m>
+                    <m:oMath xmlns:m="http://schemas.openxmlformats.org/officeDocument/2006/math">
+                      <m:r>
+                        <a:rPr lang="en-US" b="0" i="1" smtClean="0">
+                          <a:latin typeface="Cambria Math" panose="02040503050406030204" pitchFamily="18" charset="0"/>
+                        </a:rPr>
+                        <m:t>≤</m:t>
+                      </m:r>
+                    </m:oMath>
+                  </a14:m>
+                  <a:r>
+                    <a:rPr lang="en-US" dirty="0"/>
+                    <a:t>A</a:t>
+                  </a:r>
+                  <a:r>
+                    <a:rPr lang="en-US" baseline="-25000" dirty="0"/>
+                    <a:t>2</a:t>
+                  </a:r>
+                </a:p>
+              </p:txBody>
+            </p:sp>
+          </mc:Choice>
+          <mc:Fallback xmlns="">
+            <p:sp>
+              <p:nvSpPr>
+                <p:cNvPr id="8" name="Oval 7">
+                  <a:extLst>
+                    <a:ext uri="{FF2B5EF4-FFF2-40B4-BE49-F238E27FC236}">
+                      <a16:creationId xmlns:a16="http://schemas.microsoft.com/office/drawing/2014/main" id="{D9F1BE28-6308-45F8-9B14-666646FC2155}"/>
+                    </a:ext>
+                  </a:extLst>
+                </p:cNvPr>
+                <p:cNvSpPr>
+                  <a:spLocks noRot="1" noChangeAspect="1" noMove="1" noResize="1" noEditPoints="1" noAdjustHandles="1" noChangeArrowheads="1" noChangeShapeType="1" noTextEdit="1"/>
+                </p:cNvSpPr>
+                <p:nvPr/>
+              </p:nvSpPr>
+              <p:spPr>
+                <a:xfrm>
+                  <a:off x="7947040" y="4556268"/>
+                  <a:ext cx="1415659" cy="919774"/>
+                </a:xfrm>
+                <a:prstGeom prst="ellipse">
+                  <a:avLst/>
+                </a:prstGeom>
+                <a:blipFill>
+                  <a:blip r:embed="rId4"/>
+                  <a:stretch>
+                    <a:fillRect/>
+                  </a:stretch>
+                </a:blipFill>
+                <a:ln w="25400"/>
+              </p:spPr>
+              <p:txBody>
+                <a:bodyPr/>
+                <a:lstStyle/>
+                <a:p>
+                  <a:r>
+                    <a:rPr lang="en-US">
+                      <a:noFill/>
+                    </a:rPr>
+                    <a:t> </a:t>
+                  </a:r>
+                </a:p>
+              </p:txBody>
+            </p:sp>
+          </mc:Fallback>
+        </mc:AlternateContent>
+        <mc:AlternateContent xmlns:mc="http://schemas.openxmlformats.org/markup-compatibility/2006" xmlns:a14="http://schemas.microsoft.com/office/drawing/2010/main">
+          <mc:Choice Requires="a14">
+            <p:sp>
+              <p:nvSpPr>
+                <p:cNvPr id="9" name="Oval 8">
+                  <a:extLst>
+                    <a:ext uri="{FF2B5EF4-FFF2-40B4-BE49-F238E27FC236}">
+                      <a16:creationId xmlns:a16="http://schemas.microsoft.com/office/drawing/2014/main" id="{0331E000-0A07-4842-A4D9-2B44AA907EF1}"/>
+                    </a:ext>
+                  </a:extLst>
+                </p:cNvPr>
+                <p:cNvSpPr/>
+                <p:nvPr/>
+              </p:nvSpPr>
+              <p:spPr>
+                <a:xfrm>
+                  <a:off x="10328286" y="2696337"/>
+                  <a:ext cx="1084794" cy="971435"/>
+                </a:xfrm>
+                <a:prstGeom prst="ellipse">
+                  <a:avLst/>
+                </a:prstGeom>
+                <a:ln w="25400"/>
+              </p:spPr>
+              <p:style>
+                <a:lnRef idx="2">
+                  <a:schemeClr val="accent6"/>
+                </a:lnRef>
+                <a:fillRef idx="1">
+                  <a:schemeClr val="lt1"/>
+                </a:fillRef>
+                <a:effectRef idx="0">
+                  <a:schemeClr val="accent6"/>
+                </a:effectRef>
+                <a:fontRef idx="minor">
+                  <a:schemeClr val="dk1"/>
+                </a:fontRef>
+              </p:style>
+              <p:txBody>
+                <a:bodyPr lIns="0" tIns="0" rIns="0" bIns="0" rtlCol="0" anchor="ctr"/>
+                <a:lstStyle/>
+                <a:p>
+                  <a:pPr algn="ctr"/>
+                  <a:r>
+                    <a:rPr lang="en-US" dirty="0"/>
+                    <a:t>f</a:t>
+                  </a:r>
+                  <a:r>
+                    <a:rPr lang="en-US" dirty="0" err="1"/>
+                    <a:t>ull,full</a:t>
+                  </a:r>
+                  <a:endParaRPr lang="en-US" dirty="0"/>
+                </a:p>
+                <a:p>
+                  <a:pPr algn="ctr"/>
+                  <a:r>
+                    <a:rPr lang="en-US" dirty="0"/>
+                    <a:t>c</a:t>
+                  </a:r>
+                  <a:r>
+                    <a:rPr lang="en-US" baseline="-25000" dirty="0"/>
+                    <a:t>1</a:t>
+                  </a:r>
+                  <a14:m>
+                    <m:oMath xmlns:m="http://schemas.openxmlformats.org/officeDocument/2006/math">
+                      <m:r>
+                        <a:rPr lang="en-US" b="0" i="1" smtClean="0">
+                          <a:latin typeface="Cambria Math" panose="02040503050406030204" pitchFamily="18" charset="0"/>
+                        </a:rPr>
+                        <m:t>≤</m:t>
+                      </m:r>
+                    </m:oMath>
+                  </a14:m>
+                  <a:r>
+                    <a:rPr lang="en-US" dirty="0"/>
+                    <a:t>A</a:t>
+                  </a:r>
+                  <a:r>
+                    <a:rPr lang="en-US" baseline="-25000" dirty="0"/>
+                    <a:t>1</a:t>
+                  </a:r>
+                </a:p>
+                <a:p>
+                  <a:pPr algn="ctr"/>
+                  <a:r>
+                    <a:rPr lang="en-US" dirty="0"/>
+                    <a:t>c</a:t>
+                  </a:r>
+                  <a:r>
+                    <a:rPr lang="en-US" baseline="-25000" dirty="0"/>
+                    <a:t>2</a:t>
+                  </a:r>
+                  <a14:m>
+                    <m:oMath xmlns:m="http://schemas.openxmlformats.org/officeDocument/2006/math">
+                      <m:r>
+                        <a:rPr lang="en-US" b="0" i="1" smtClean="0">
+                          <a:latin typeface="Cambria Math" panose="02040503050406030204" pitchFamily="18" charset="0"/>
+                        </a:rPr>
+                        <m:t>≤</m:t>
+                      </m:r>
+                    </m:oMath>
+                  </a14:m>
+                  <a:r>
+                    <a:rPr lang="en-US" dirty="0"/>
+                    <a:t>A</a:t>
+                  </a:r>
+                  <a:r>
+                    <a:rPr lang="en-US" baseline="-25000" dirty="0"/>
+                    <a:t>2</a:t>
+                  </a:r>
+                </a:p>
+              </p:txBody>
+            </p:sp>
+          </mc:Choice>
+          <mc:Fallback xmlns="">
+            <p:sp>
+              <p:nvSpPr>
+                <p:cNvPr id="9" name="Oval 8">
+                  <a:extLst>
+                    <a:ext uri="{FF2B5EF4-FFF2-40B4-BE49-F238E27FC236}">
+                      <a16:creationId xmlns:a16="http://schemas.microsoft.com/office/drawing/2014/main" id="{0331E000-0A07-4842-A4D9-2B44AA907EF1}"/>
+                    </a:ext>
+                  </a:extLst>
+                </p:cNvPr>
+                <p:cNvSpPr>
+                  <a:spLocks noRot="1" noChangeAspect="1" noMove="1" noResize="1" noEditPoints="1" noAdjustHandles="1" noChangeArrowheads="1" noChangeShapeType="1" noTextEdit="1"/>
+                </p:cNvSpPr>
+                <p:nvPr/>
+              </p:nvSpPr>
+              <p:spPr>
+                <a:xfrm>
+                  <a:off x="10328286" y="2696337"/>
+                  <a:ext cx="1084794" cy="971435"/>
+                </a:xfrm>
+                <a:prstGeom prst="ellipse">
+                  <a:avLst/>
+                </a:prstGeom>
+                <a:blipFill>
+                  <a:blip r:embed="rId5"/>
+                  <a:stretch>
+                    <a:fillRect b="-6135"/>
+                  </a:stretch>
+                </a:blipFill>
+                <a:ln w="25400"/>
+              </p:spPr>
+              <p:txBody>
+                <a:bodyPr/>
+                <a:lstStyle/>
+                <a:p>
+                  <a:r>
+                    <a:rPr lang="en-US">
+                      <a:noFill/>
+                    </a:rPr>
+                    <a:t> </a:t>
+                  </a:r>
+                </a:p>
+              </p:txBody>
+            </p:sp>
+          </mc:Fallback>
+        </mc:AlternateContent>
+        <p:cxnSp>
+          <p:nvCxnSpPr>
+            <p:cNvPr id="10" name="Straight Arrow Connector 9">
+              <a:extLst>
+                <a:ext uri="{FF2B5EF4-FFF2-40B4-BE49-F238E27FC236}">
+                  <a16:creationId xmlns:a16="http://schemas.microsoft.com/office/drawing/2014/main" id="{B90A4FD0-6CFD-4379-AF1E-77D0AFEC7E3B}"/>
+                </a:ext>
+              </a:extLst>
+            </p:cNvPr>
+            <p:cNvCxnSpPr>
+              <a:cxnSpLocks/>
+              <a:stCxn id="6" idx="0"/>
+            </p:cNvCxnSpPr>
+            <p:nvPr/>
+          </p:nvCxnSpPr>
+          <p:spPr>
+            <a:xfrm flipV="1">
+              <a:off x="6807123" y="2153543"/>
+              <a:ext cx="1088308" cy="845745"/>
+            </a:xfrm>
+            <a:prstGeom prst="straightConnector1">
+              <a:avLst/>
+            </a:prstGeom>
+            <a:noFill/>
+            <a:ln w="25400">
+              <a:solidFill>
+                <a:schemeClr val="accent6"/>
+              </a:solidFill>
+              <a:headEnd type="triangle" w="lg" len="lg"/>
+              <a:tailEnd type="none" w="lg" len="lg"/>
+            </a:ln>
+          </p:spPr>
+          <p:style>
+            <a:lnRef idx="2">
+              <a:schemeClr val="accent1">
+                <a:shade val="50000"/>
+              </a:schemeClr>
+            </a:lnRef>
+            <a:fillRef idx="1">
+              <a:schemeClr val="accent1"/>
+            </a:fillRef>
+            <a:effectRef idx="0">
+              <a:schemeClr val="accent1"/>
+            </a:effectRef>
+            <a:fontRef idx="minor">
+              <a:schemeClr val="lt1"/>
+            </a:fontRef>
+          </p:style>
+        </p:cxnSp>
+        <p:cxnSp>
+          <p:nvCxnSpPr>
+            <p:cNvPr id="11" name="Straight Arrow Connector 10">
+              <a:extLst>
+                <a:ext uri="{FF2B5EF4-FFF2-40B4-BE49-F238E27FC236}">
+                  <a16:creationId xmlns:a16="http://schemas.microsoft.com/office/drawing/2014/main" id="{18F1CBA8-9410-4EBE-BFEB-E47633667737}"/>
+                </a:ext>
+              </a:extLst>
+            </p:cNvPr>
+            <p:cNvCxnSpPr>
+              <a:cxnSpLocks/>
+              <a:endCxn id="9" idx="1"/>
+            </p:cNvCxnSpPr>
+            <p:nvPr/>
+          </p:nvCxnSpPr>
+          <p:spPr>
+            <a:xfrm>
+              <a:off x="9297044" y="2083469"/>
+              <a:ext cx="1190106" cy="755131"/>
+            </a:xfrm>
+            <a:prstGeom prst="straightConnector1">
+              <a:avLst/>
+            </a:prstGeom>
+            <a:noFill/>
+            <a:ln w="25400">
+              <a:solidFill>
+                <a:schemeClr val="accent6"/>
+              </a:solidFill>
+              <a:headEnd type="triangle" w="lg" len="lg"/>
+              <a:tailEnd type="none" w="lg" len="lg"/>
+            </a:ln>
+          </p:spPr>
+          <p:style>
+            <a:lnRef idx="2">
+              <a:schemeClr val="accent1">
+                <a:shade val="50000"/>
+              </a:schemeClr>
+            </a:lnRef>
+            <a:fillRef idx="1">
+              <a:schemeClr val="accent1"/>
+            </a:fillRef>
+            <a:effectRef idx="0">
+              <a:schemeClr val="accent1"/>
+            </a:effectRef>
+            <a:fontRef idx="minor">
+              <a:schemeClr val="lt1"/>
+            </a:fontRef>
+          </p:style>
+        </p:cxnSp>
+        <p:cxnSp>
+          <p:nvCxnSpPr>
+            <p:cNvPr id="12" name="Straight Arrow Connector 11">
+              <a:extLst>
+                <a:ext uri="{FF2B5EF4-FFF2-40B4-BE49-F238E27FC236}">
+                  <a16:creationId xmlns:a16="http://schemas.microsoft.com/office/drawing/2014/main" id="{591E0957-BEC9-434B-AFEB-E4E5E7839E8D}"/>
+                </a:ext>
+              </a:extLst>
+            </p:cNvPr>
+            <p:cNvCxnSpPr>
+              <a:cxnSpLocks/>
+              <a:stCxn id="8" idx="7"/>
+              <a:endCxn id="9" idx="3"/>
+            </p:cNvCxnSpPr>
+            <p:nvPr/>
+          </p:nvCxnSpPr>
+          <p:spPr>
+            <a:xfrm flipV="1">
+              <a:off x="9155381" y="3525509"/>
+              <a:ext cx="1331769" cy="1165457"/>
+            </a:xfrm>
+            <a:prstGeom prst="straightConnector1">
+              <a:avLst/>
+            </a:prstGeom>
+            <a:noFill/>
+            <a:ln w="25400">
+              <a:solidFill>
+                <a:schemeClr val="accent6"/>
+              </a:solidFill>
+              <a:headEnd type="triangle" w="lg" len="lg"/>
+              <a:tailEnd type="none" w="lg" len="lg"/>
+            </a:ln>
+          </p:spPr>
+          <p:style>
+            <a:lnRef idx="2">
+              <a:schemeClr val="accent1">
+                <a:shade val="50000"/>
+              </a:schemeClr>
+            </a:lnRef>
+            <a:fillRef idx="1">
+              <a:schemeClr val="accent1"/>
+            </a:fillRef>
+            <a:effectRef idx="0">
+              <a:schemeClr val="accent1"/>
+            </a:effectRef>
+            <a:fontRef idx="minor">
+              <a:schemeClr val="lt1"/>
+            </a:fontRef>
+          </p:style>
+        </p:cxnSp>
+        <p:cxnSp>
+          <p:nvCxnSpPr>
+            <p:cNvPr id="13" name="Straight Arrow Connector 12">
+              <a:extLst>
+                <a:ext uri="{FF2B5EF4-FFF2-40B4-BE49-F238E27FC236}">
+                  <a16:creationId xmlns:a16="http://schemas.microsoft.com/office/drawing/2014/main" id="{AA8ED942-B5D9-4EFE-A9CC-CA33627D9BDB}"/>
+                </a:ext>
+              </a:extLst>
+            </p:cNvPr>
+            <p:cNvCxnSpPr>
+              <a:cxnSpLocks/>
+            </p:cNvCxnSpPr>
+            <p:nvPr/>
+          </p:nvCxnSpPr>
+          <p:spPr>
+            <a:xfrm>
+              <a:off x="6850393" y="3652370"/>
+              <a:ext cx="1184963" cy="1135270"/>
+            </a:xfrm>
+            <a:prstGeom prst="straightConnector1">
+              <a:avLst/>
+            </a:prstGeom>
+            <a:noFill/>
+            <a:ln w="25400">
+              <a:solidFill>
+                <a:schemeClr val="accent6"/>
+              </a:solidFill>
+              <a:headEnd type="triangle" w="lg" len="lg"/>
+              <a:tailEnd type="none" w="lg" len="lg"/>
+            </a:ln>
+          </p:spPr>
+          <p:style>
+            <a:lnRef idx="2">
+              <a:schemeClr val="accent1">
+                <a:shade val="50000"/>
+              </a:schemeClr>
+            </a:lnRef>
+            <a:fillRef idx="1">
+              <a:schemeClr val="accent1"/>
+            </a:fillRef>
+            <a:effectRef idx="0">
+              <a:schemeClr val="accent1"/>
+            </a:effectRef>
+            <a:fontRef idx="minor">
+              <a:schemeClr val="lt1"/>
+            </a:fontRef>
+          </p:style>
+        </p:cxnSp>
+        <mc:AlternateContent xmlns:mc="http://schemas.openxmlformats.org/markup-compatibility/2006" xmlns:a14="http://schemas.microsoft.com/office/drawing/2010/main">
+          <mc:Choice Requires="a14">
+            <p:sp>
+              <p:nvSpPr>
+                <p:cNvPr id="14" name="Rectangle 13">
+                  <a:extLst>
+                    <a:ext uri="{FF2B5EF4-FFF2-40B4-BE49-F238E27FC236}">
+                      <a16:creationId xmlns:a16="http://schemas.microsoft.com/office/drawing/2014/main" id="{185C4398-3FD3-4E06-BEDF-6424D94F77F8}"/>
+                    </a:ext>
+                  </a:extLst>
+                </p:cNvPr>
+                <p:cNvSpPr/>
+                <p:nvPr/>
+              </p:nvSpPr>
+              <p:spPr>
+                <a:xfrm rot="19312306">
+                  <a:off x="6187038" y="2258859"/>
+                  <a:ext cx="1798420" cy="338554"/>
+                </a:xfrm>
+                <a:prstGeom prst="rect">
+                  <a:avLst/>
+                </a:prstGeom>
+              </p:spPr>
+              <p:txBody>
+                <a:bodyPr wrap="square">
+                  <a:spAutoFit/>
+                </a:bodyPr>
+                <a:lstStyle/>
+                <a:p>
+                  <a:pPr algn="ctr"/>
+                  <a:r>
+                    <a:rPr lang="en-US" sz="1600" dirty="0"/>
+                    <a:t>c</a:t>
+                  </a:r>
+                  <a:r>
+                    <a:rPr lang="en-US" sz="1600" baseline="-25000" dirty="0"/>
+                    <a:t>1</a:t>
+                  </a:r>
+                  <a14:m>
+                    <m:oMath xmlns:m="http://schemas.openxmlformats.org/officeDocument/2006/math">
+                      <m:r>
+                        <a:rPr lang="en-US" sz="1600" i="1">
+                          <a:latin typeface="Cambria Math" panose="02040503050406030204" pitchFamily="18" charset="0"/>
+                        </a:rPr>
+                        <m:t>≥</m:t>
+                      </m:r>
+                    </m:oMath>
+                  </a14:m>
+                  <a:r>
+                    <a:rPr lang="en-US" sz="1600" dirty="0"/>
+                    <a:t>B</a:t>
+                  </a:r>
+                  <a:r>
+                    <a:rPr lang="en-US" sz="1600" baseline="-25000" dirty="0"/>
+                    <a:t>1</a:t>
+                  </a:r>
+                  <a:r>
+                    <a:rPr lang="en-US" sz="1600" dirty="0"/>
+                    <a:t> </a:t>
+                  </a:r>
+                  <a14:m>
+                    <m:oMath xmlns:m="http://schemas.openxmlformats.org/officeDocument/2006/math">
+                      <m:r>
+                        <a:rPr lang="en-US" sz="1600" i="1" dirty="0">
+                          <a:latin typeface="Cambria Math" panose="02040503050406030204" pitchFamily="18" charset="0"/>
+                        </a:rPr>
+                        <m:t>→</m:t>
+                      </m:r>
+                    </m:oMath>
+                  </a14:m>
+                  <a:r>
+                    <a:rPr lang="en-US" sz="1600" dirty="0"/>
+                    <a:t> out</a:t>
+                  </a:r>
+                  <a:r>
+                    <a:rPr lang="en-US" sz="1600" baseline="-25000" dirty="0"/>
+                    <a:t>1</a:t>
+                  </a:r>
+                  <a:r>
+                    <a:rPr lang="en-US" sz="1600" dirty="0"/>
+                    <a:t>:=x</a:t>
+                  </a:r>
+                  <a:r>
+                    <a:rPr lang="en-US" sz="1600" baseline="-25000" dirty="0"/>
+                    <a:t>1</a:t>
+                  </a:r>
+                  <a:endParaRPr lang="en-US" sz="1600" dirty="0"/>
+                </a:p>
+              </p:txBody>
+            </p:sp>
+          </mc:Choice>
+          <mc:Fallback xmlns="">
+            <p:sp>
+              <p:nvSpPr>
+                <p:cNvPr id="14" name="Rectangle 13">
+                  <a:extLst>
+                    <a:ext uri="{FF2B5EF4-FFF2-40B4-BE49-F238E27FC236}">
+                      <a16:creationId xmlns:a16="http://schemas.microsoft.com/office/drawing/2014/main" id="{185C4398-3FD3-4E06-BEDF-6424D94F77F8}"/>
+                    </a:ext>
+                  </a:extLst>
+                </p:cNvPr>
+                <p:cNvSpPr>
+                  <a:spLocks noRot="1" noChangeAspect="1" noMove="1" noResize="1" noEditPoints="1" noAdjustHandles="1" noChangeArrowheads="1" noChangeShapeType="1" noTextEdit="1"/>
+                </p:cNvSpPr>
+                <p:nvPr/>
+              </p:nvSpPr>
+              <p:spPr>
+                <a:xfrm rot="19312306">
+                  <a:off x="6187038" y="2258859"/>
+                  <a:ext cx="1798420" cy="338554"/>
+                </a:xfrm>
+                <a:prstGeom prst="rect">
+                  <a:avLst/>
+                </a:prstGeom>
+                <a:blipFill>
+                  <a:blip r:embed="rId6"/>
+                  <a:stretch>
+                    <a:fillRect b="-885"/>
+                  </a:stretch>
+                </a:blipFill>
+              </p:spPr>
+              <p:txBody>
+                <a:bodyPr/>
+                <a:lstStyle/>
+                <a:p>
+                  <a:r>
+                    <a:rPr lang="en-US">
+                      <a:noFill/>
+                    </a:rPr>
+                    <a:t> </a:t>
+                  </a:r>
+                </a:p>
+              </p:txBody>
+            </p:sp>
+          </mc:Fallback>
+        </mc:AlternateContent>
+        <p:sp>
+          <p:nvSpPr>
+            <p:cNvPr id="15" name="Freeform: Shape 14">
+              <a:extLst>
+                <a:ext uri="{FF2B5EF4-FFF2-40B4-BE49-F238E27FC236}">
+                  <a16:creationId xmlns:a16="http://schemas.microsoft.com/office/drawing/2014/main" id="{BBBCED20-30C0-4516-B902-AD7036C5D6F4}"/>
+                </a:ext>
+              </a:extLst>
+            </p:cNvPr>
+            <p:cNvSpPr/>
+            <p:nvPr/>
+          </p:nvSpPr>
+          <p:spPr>
+            <a:xfrm rot="5225072">
+              <a:off x="9103960" y="5244846"/>
+              <a:ext cx="386169" cy="355356"/>
+            </a:xfrm>
+            <a:custGeom>
+              <a:avLst/>
+              <a:gdLst>
+                <a:gd name="connsiteX0" fmla="*/ 122945 w 386169"/>
+                <a:gd name="connsiteY0" fmla="*/ 327351 h 355356"/>
+                <a:gd name="connsiteX1" fmla="*/ 299677 w 386169"/>
+                <a:gd name="connsiteY1" fmla="*/ 350403 h 355356"/>
+                <a:gd name="connsiteX2" fmla="*/ 384202 w 386169"/>
+                <a:gd name="connsiteY2" fmla="*/ 242826 h 355356"/>
+                <a:gd name="connsiteX3" fmla="*/ 338097 w 386169"/>
+                <a:gd name="connsiteY3" fmla="*/ 58409 h 355356"/>
+                <a:gd name="connsiteX4" fmla="*/ 115261 w 386169"/>
+                <a:gd name="connsiteY4" fmla="*/ 4621 h 355356"/>
+                <a:gd name="connsiteX5" fmla="*/ 0 w 386169"/>
+                <a:gd name="connsiteY5" fmla="*/ 158302 h 355356"/>
+              </a:gdLst>
+              <a:ahLst/>
+              <a:cxnLst>
+                <a:cxn ang="0">
+                  <a:pos x="connsiteX0" y="connsiteY0"/>
+                </a:cxn>
+                <a:cxn ang="0">
+                  <a:pos x="connsiteX1" y="connsiteY1"/>
+                </a:cxn>
+                <a:cxn ang="0">
+                  <a:pos x="connsiteX2" y="connsiteY2"/>
+                </a:cxn>
+                <a:cxn ang="0">
+                  <a:pos x="connsiteX3" y="connsiteY3"/>
+                </a:cxn>
+                <a:cxn ang="0">
+                  <a:pos x="connsiteX4" y="connsiteY4"/>
+                </a:cxn>
+                <a:cxn ang="0">
+                  <a:pos x="connsiteX5" y="connsiteY5"/>
+                </a:cxn>
+              </a:cxnLst>
+              <a:rect l="l" t="t" r="r" b="b"/>
+              <a:pathLst>
+                <a:path w="386169" h="355356">
+                  <a:moveTo>
+                    <a:pt x="122945" y="327351"/>
+                  </a:moveTo>
+                  <a:cubicBezTo>
+                    <a:pt x="189539" y="345920"/>
+                    <a:pt x="256134" y="364490"/>
+                    <a:pt x="299677" y="350403"/>
+                  </a:cubicBezTo>
+                  <a:cubicBezTo>
+                    <a:pt x="343220" y="336316"/>
+                    <a:pt x="377799" y="291492"/>
+                    <a:pt x="384202" y="242826"/>
+                  </a:cubicBezTo>
+                  <a:cubicBezTo>
+                    <a:pt x="390605" y="194160"/>
+                    <a:pt x="382920" y="98110"/>
+                    <a:pt x="338097" y="58409"/>
+                  </a:cubicBezTo>
+                  <a:cubicBezTo>
+                    <a:pt x="293274" y="18708"/>
+                    <a:pt x="171611" y="-12028"/>
+                    <a:pt x="115261" y="4621"/>
+                  </a:cubicBezTo>
+                  <a:cubicBezTo>
+                    <a:pt x="58911" y="21270"/>
+                    <a:pt x="29455" y="89786"/>
+                    <a:pt x="0" y="158302"/>
+                  </a:cubicBezTo>
+                </a:path>
+              </a:pathLst>
+            </a:custGeom>
+            <a:noFill/>
+            <a:ln w="25400">
+              <a:solidFill>
+                <a:schemeClr val="accent6"/>
+              </a:solidFill>
+              <a:tailEnd type="triangle" w="lg" len="lg"/>
+            </a:ln>
+          </p:spPr>
+          <p:style>
+            <a:lnRef idx="2">
+              <a:schemeClr val="accent1">
+                <a:shade val="50000"/>
+              </a:schemeClr>
+            </a:lnRef>
+            <a:fillRef idx="1">
+              <a:schemeClr val="accent1"/>
+            </a:fillRef>
+            <a:effectRef idx="0">
+              <a:schemeClr val="accent1"/>
+            </a:effectRef>
+            <a:fontRef idx="minor">
+              <a:schemeClr val="lt1"/>
+            </a:fontRef>
+          </p:style>
+          <p:txBody>
+            <a:bodyPr rtlCol="0" anchor="ctr"/>
+            <a:lstStyle/>
+            <a:p>
+              <a:pPr algn="ctr"/>
+              <a:endParaRPr lang="en-US">
+                <a:solidFill>
+                  <a:schemeClr val="tx1"/>
+                </a:solidFill>
+              </a:endParaRPr>
+            </a:p>
+          </p:txBody>
+        </p:sp>
+        <p:sp>
+          <p:nvSpPr>
+            <p:cNvPr id="16" name="Freeform: Shape 15">
+              <a:extLst>
+                <a:ext uri="{FF2B5EF4-FFF2-40B4-BE49-F238E27FC236}">
+                  <a16:creationId xmlns:a16="http://schemas.microsoft.com/office/drawing/2014/main" id="{D85BE27B-D7D2-4644-A303-75E22EA44C95}"/>
+                </a:ext>
+              </a:extLst>
+            </p:cNvPr>
+            <p:cNvSpPr/>
+            <p:nvPr/>
+          </p:nvSpPr>
+          <p:spPr>
+            <a:xfrm rot="2486848">
+              <a:off x="11339249" y="3065363"/>
+              <a:ext cx="386169" cy="355356"/>
+            </a:xfrm>
+            <a:custGeom>
+              <a:avLst/>
+              <a:gdLst>
+                <a:gd name="connsiteX0" fmla="*/ 122945 w 386169"/>
+                <a:gd name="connsiteY0" fmla="*/ 327351 h 355356"/>
+                <a:gd name="connsiteX1" fmla="*/ 299677 w 386169"/>
+                <a:gd name="connsiteY1" fmla="*/ 350403 h 355356"/>
+                <a:gd name="connsiteX2" fmla="*/ 384202 w 386169"/>
+                <a:gd name="connsiteY2" fmla="*/ 242826 h 355356"/>
+                <a:gd name="connsiteX3" fmla="*/ 338097 w 386169"/>
+                <a:gd name="connsiteY3" fmla="*/ 58409 h 355356"/>
+                <a:gd name="connsiteX4" fmla="*/ 115261 w 386169"/>
+                <a:gd name="connsiteY4" fmla="*/ 4621 h 355356"/>
+                <a:gd name="connsiteX5" fmla="*/ 0 w 386169"/>
+                <a:gd name="connsiteY5" fmla="*/ 158302 h 355356"/>
+              </a:gdLst>
+              <a:ahLst/>
+              <a:cxnLst>
+                <a:cxn ang="0">
+                  <a:pos x="connsiteX0" y="connsiteY0"/>
+                </a:cxn>
+                <a:cxn ang="0">
+                  <a:pos x="connsiteX1" y="connsiteY1"/>
+                </a:cxn>
+                <a:cxn ang="0">
+                  <a:pos x="connsiteX2" y="connsiteY2"/>
+                </a:cxn>
+                <a:cxn ang="0">
+                  <a:pos x="connsiteX3" y="connsiteY3"/>
+                </a:cxn>
+                <a:cxn ang="0">
+                  <a:pos x="connsiteX4" y="connsiteY4"/>
+                </a:cxn>
+                <a:cxn ang="0">
+                  <a:pos x="connsiteX5" y="connsiteY5"/>
+                </a:cxn>
+              </a:cxnLst>
+              <a:rect l="l" t="t" r="r" b="b"/>
+              <a:pathLst>
+                <a:path w="386169" h="355356">
+                  <a:moveTo>
+                    <a:pt x="122945" y="327351"/>
+                  </a:moveTo>
+                  <a:cubicBezTo>
+                    <a:pt x="189539" y="345920"/>
+                    <a:pt x="256134" y="364490"/>
+                    <a:pt x="299677" y="350403"/>
+                  </a:cubicBezTo>
+                  <a:cubicBezTo>
+                    <a:pt x="343220" y="336316"/>
+                    <a:pt x="377799" y="291492"/>
+                    <a:pt x="384202" y="242826"/>
+                  </a:cubicBezTo>
+                  <a:cubicBezTo>
+                    <a:pt x="390605" y="194160"/>
+                    <a:pt x="382920" y="98110"/>
+                    <a:pt x="338097" y="58409"/>
+                  </a:cubicBezTo>
+                  <a:cubicBezTo>
+                    <a:pt x="293274" y="18708"/>
+                    <a:pt x="171611" y="-12028"/>
+                    <a:pt x="115261" y="4621"/>
+                  </a:cubicBezTo>
+                  <a:cubicBezTo>
+                    <a:pt x="58911" y="21270"/>
+                    <a:pt x="29455" y="89786"/>
+                    <a:pt x="0" y="158302"/>
+                  </a:cubicBezTo>
+                </a:path>
+              </a:pathLst>
+            </a:custGeom>
+            <a:noFill/>
+            <a:ln w="25400">
+              <a:solidFill>
+                <a:schemeClr val="accent6"/>
+              </a:solidFill>
+              <a:tailEnd type="triangle" w="lg" len="lg"/>
+            </a:ln>
+          </p:spPr>
+          <p:style>
+            <a:lnRef idx="2">
+              <a:schemeClr val="accent1">
+                <a:shade val="50000"/>
+              </a:schemeClr>
+            </a:lnRef>
+            <a:fillRef idx="1">
+              <a:schemeClr val="accent1"/>
+            </a:fillRef>
+            <a:effectRef idx="0">
+              <a:schemeClr val="accent1"/>
+            </a:effectRef>
+            <a:fontRef idx="minor">
+              <a:schemeClr val="lt1"/>
+            </a:fontRef>
+          </p:style>
+          <p:txBody>
+            <a:bodyPr rtlCol="0" anchor="ctr"/>
+            <a:lstStyle/>
+            <a:p>
+              <a:pPr algn="ctr"/>
+              <a:endParaRPr lang="en-US">
+                <a:solidFill>
+                  <a:schemeClr val="tx1"/>
+                </a:solidFill>
+              </a:endParaRPr>
+            </a:p>
+          </p:txBody>
+        </p:sp>
+        <mc:AlternateContent xmlns:mc="http://schemas.openxmlformats.org/markup-compatibility/2006" xmlns:a14="http://schemas.microsoft.com/office/drawing/2010/main">
+          <mc:Choice Requires="a14">
+            <p:sp>
+              <p:nvSpPr>
+                <p:cNvPr id="17" name="Rectangle 16">
+                  <a:extLst>
+                    <a:ext uri="{FF2B5EF4-FFF2-40B4-BE49-F238E27FC236}">
+                      <a16:creationId xmlns:a16="http://schemas.microsoft.com/office/drawing/2014/main" id="{368F8CA2-84CA-45F1-9940-EFEC45596513}"/>
+                    </a:ext>
+                  </a:extLst>
+                </p:cNvPr>
+                <p:cNvSpPr/>
+                <p:nvPr/>
+              </p:nvSpPr>
+              <p:spPr>
+                <a:xfrm rot="19145779">
+                  <a:off x="8706742" y="3793026"/>
+                  <a:ext cx="1798420" cy="369332"/>
+                </a:xfrm>
+                <a:prstGeom prst="rect">
+                  <a:avLst/>
+                </a:prstGeom>
+              </p:spPr>
+              <p:txBody>
+                <a:bodyPr wrap="square">
+                  <a:spAutoFit/>
+                </a:bodyPr>
+                <a:lstStyle/>
+                <a:p>
+                  <a:pPr algn="ctr"/>
+                  <a:r>
+                    <a:rPr lang="en-US" dirty="0"/>
+                    <a:t>c</a:t>
+                  </a:r>
+                  <a:r>
+                    <a:rPr lang="en-US" baseline="-25000" dirty="0"/>
+                    <a:t>1</a:t>
+                  </a:r>
+                  <a14:m>
+                    <m:oMath xmlns:m="http://schemas.openxmlformats.org/officeDocument/2006/math">
+                      <m:r>
+                        <a:rPr lang="en-US" i="1">
+                          <a:latin typeface="Cambria Math" panose="02040503050406030204" pitchFamily="18" charset="0"/>
+                        </a:rPr>
+                        <m:t>≥</m:t>
+                      </m:r>
+                    </m:oMath>
+                  </a14:m>
+                  <a:r>
+                    <a:rPr lang="en-US" dirty="0"/>
+                    <a:t>B</a:t>
+                  </a:r>
+                  <a:r>
+                    <a:rPr lang="en-US" baseline="-25000" dirty="0"/>
+                    <a:t>1</a:t>
+                  </a:r>
+                  <a:r>
+                    <a:rPr lang="en-US" dirty="0"/>
+                    <a:t> </a:t>
+                  </a:r>
+                  <a14:m>
+                    <m:oMath xmlns:m="http://schemas.openxmlformats.org/officeDocument/2006/math">
+                      <m:r>
+                        <a:rPr lang="en-US" i="1" dirty="0">
+                          <a:latin typeface="Cambria Math" panose="02040503050406030204" pitchFamily="18" charset="0"/>
+                        </a:rPr>
+                        <m:t>→</m:t>
+                      </m:r>
+                    </m:oMath>
+                  </a14:m>
+                  <a:r>
+                    <a:rPr lang="en-US" dirty="0"/>
+                    <a:t> out</a:t>
+                  </a:r>
+                  <a:r>
+                    <a:rPr lang="en-US" baseline="-25000" dirty="0"/>
+                    <a:t>1</a:t>
+                  </a:r>
+                  <a:r>
+                    <a:rPr lang="en-US" dirty="0"/>
+                    <a:t>:=x</a:t>
+                  </a:r>
+                  <a:r>
+                    <a:rPr lang="en-US" baseline="-25000" dirty="0"/>
+                    <a:t>1</a:t>
+                  </a:r>
+                  <a:endParaRPr lang="en-US" dirty="0"/>
+                </a:p>
+              </p:txBody>
+            </p:sp>
+          </mc:Choice>
+          <mc:Fallback xmlns="">
+            <p:sp>
+              <p:nvSpPr>
+                <p:cNvPr id="17" name="Rectangle 16">
+                  <a:extLst>
+                    <a:ext uri="{FF2B5EF4-FFF2-40B4-BE49-F238E27FC236}">
+                      <a16:creationId xmlns:a16="http://schemas.microsoft.com/office/drawing/2014/main" id="{368F8CA2-84CA-45F1-9940-EFEC45596513}"/>
+                    </a:ext>
+                  </a:extLst>
+                </p:cNvPr>
+                <p:cNvSpPr>
+                  <a:spLocks noRot="1" noChangeAspect="1" noMove="1" noResize="1" noEditPoints="1" noAdjustHandles="1" noChangeArrowheads="1" noChangeShapeType="1" noTextEdit="1"/>
+                </p:cNvSpPr>
+                <p:nvPr/>
+              </p:nvSpPr>
+              <p:spPr>
+                <a:xfrm rot="19145779">
+                  <a:off x="8706742" y="3793026"/>
+                  <a:ext cx="1798420" cy="369332"/>
+                </a:xfrm>
+                <a:prstGeom prst="rect">
+                  <a:avLst/>
+                </a:prstGeom>
+                <a:blipFill>
+                  <a:blip r:embed="rId7"/>
+                  <a:stretch>
+                    <a:fillRect l="-3030" r="-2652" b="-6667"/>
+                  </a:stretch>
+                </a:blipFill>
+              </p:spPr>
+              <p:txBody>
+                <a:bodyPr/>
+                <a:lstStyle/>
+                <a:p>
+                  <a:r>
+                    <a:rPr lang="en-US">
+                      <a:noFill/>
+                    </a:rPr>
+                    <a:t> </a:t>
+                  </a:r>
+                </a:p>
+              </p:txBody>
+            </p:sp>
+          </mc:Fallback>
+        </mc:AlternateContent>
+        <p:sp>
+          <p:nvSpPr>
+            <p:cNvPr id="18" name="Rectangle 17">
+              <a:extLst>
+                <a:ext uri="{FF2B5EF4-FFF2-40B4-BE49-F238E27FC236}">
+                  <a16:creationId xmlns:a16="http://schemas.microsoft.com/office/drawing/2014/main" id="{734FF1E2-A878-4EF9-9D95-F0FF00970C1F}"/>
+                </a:ext>
+              </a:extLst>
+            </p:cNvPr>
+            <p:cNvSpPr/>
+            <p:nvPr/>
+          </p:nvSpPr>
+          <p:spPr>
+            <a:xfrm>
+              <a:off x="11532333" y="3391939"/>
+              <a:ext cx="466794" cy="369332"/>
+            </a:xfrm>
+            <a:prstGeom prst="rect">
+              <a:avLst/>
+            </a:prstGeom>
+          </p:spPr>
+          <p:txBody>
+            <a:bodyPr wrap="none">
+              <a:spAutoFit/>
+            </a:bodyPr>
+            <a:lstStyle/>
+            <a:p>
+              <a:r>
+                <a:rPr lang="en-US"/>
+                <a:t>in?</a:t>
+              </a:r>
+              <a:endParaRPr lang="en-US" dirty="0"/>
+            </a:p>
+          </p:txBody>
+        </p:sp>
+        <p:sp>
+          <p:nvSpPr>
+            <p:cNvPr id="19" name="Rectangle 18">
+              <a:extLst>
+                <a:ext uri="{FF2B5EF4-FFF2-40B4-BE49-F238E27FC236}">
+                  <a16:creationId xmlns:a16="http://schemas.microsoft.com/office/drawing/2014/main" id="{48DB3024-931A-4BFC-941F-E02451BB9B4B}"/>
+                </a:ext>
+              </a:extLst>
+            </p:cNvPr>
+            <p:cNvSpPr/>
+            <p:nvPr/>
+          </p:nvSpPr>
+          <p:spPr>
+            <a:xfrm>
+              <a:off x="9494768" y="5195827"/>
+              <a:ext cx="466794" cy="369332"/>
+            </a:xfrm>
+            <a:prstGeom prst="rect">
+              <a:avLst/>
+            </a:prstGeom>
+          </p:spPr>
+          <p:txBody>
+            <a:bodyPr wrap="none">
+              <a:spAutoFit/>
+            </a:bodyPr>
+            <a:lstStyle/>
+            <a:p>
+              <a:r>
+                <a:rPr lang="en-US"/>
+                <a:t>in?</a:t>
+              </a:r>
+              <a:endParaRPr lang="en-US" dirty="0"/>
+            </a:p>
+          </p:txBody>
+        </p:sp>
+        <mc:AlternateContent xmlns:mc="http://schemas.openxmlformats.org/markup-compatibility/2006" xmlns:a14="http://schemas.microsoft.com/office/drawing/2010/main">
+          <mc:Choice Requires="a14">
+            <p:sp>
+              <p:nvSpPr>
+                <p:cNvPr id="20" name="Rectangle 19">
+                  <a:extLst>
+                    <a:ext uri="{FF2B5EF4-FFF2-40B4-BE49-F238E27FC236}">
+                      <a16:creationId xmlns:a16="http://schemas.microsoft.com/office/drawing/2014/main" id="{8AC579B6-0751-4505-A922-EAB63021B6B1}"/>
+                    </a:ext>
+                  </a:extLst>
+                </p:cNvPr>
+                <p:cNvSpPr/>
+                <p:nvPr/>
+              </p:nvSpPr>
+              <p:spPr>
+                <a:xfrm rot="2668883">
+                  <a:off x="5847398" y="4193632"/>
+                  <a:ext cx="2757299" cy="369332"/>
+                </a:xfrm>
+                <a:prstGeom prst="rect">
+                  <a:avLst/>
+                </a:prstGeom>
+              </p:spPr>
+              <p:txBody>
+                <a:bodyPr wrap="square">
+                  <a:spAutoFit/>
+                </a:bodyPr>
+                <a:lstStyle/>
+                <a:p>
+                  <a:pPr algn="ctr"/>
+                  <a:r>
+                    <a:rPr lang="en-US" dirty="0"/>
+                    <a:t>c</a:t>
+                  </a:r>
+                  <a:r>
+                    <a:rPr lang="en-US" baseline="-25000" dirty="0"/>
+                    <a:t>2</a:t>
+                  </a:r>
+                  <a14:m>
+                    <m:oMath xmlns:m="http://schemas.openxmlformats.org/officeDocument/2006/math">
+                      <m:r>
+                        <a:rPr lang="en-US" i="1">
+                          <a:latin typeface="Cambria Math" panose="02040503050406030204" pitchFamily="18" charset="0"/>
+                        </a:rPr>
+                        <m:t>≥</m:t>
+                      </m:r>
+                    </m:oMath>
+                  </a14:m>
+                  <a:r>
+                    <a:rPr lang="en-US" dirty="0"/>
+                    <a:t>B</a:t>
+                  </a:r>
+                  <a:r>
+                    <a:rPr lang="en-US" baseline="-25000" dirty="0"/>
+                    <a:t>2</a:t>
+                  </a:r>
+                  <a:r>
+                    <a:rPr lang="en-US" dirty="0"/>
+                    <a:t> </a:t>
+                  </a:r>
+                  <a14:m>
+                    <m:oMath xmlns:m="http://schemas.openxmlformats.org/officeDocument/2006/math">
+                      <m:r>
+                        <a:rPr lang="en-US" i="1" dirty="0">
+                          <a:latin typeface="Cambria Math" panose="02040503050406030204" pitchFamily="18" charset="0"/>
+                        </a:rPr>
+                        <m:t>→</m:t>
+                      </m:r>
+                    </m:oMath>
+                  </a14:m>
+                  <a:r>
+                    <a:rPr lang="en-US" dirty="0"/>
+                    <a:t> out</a:t>
+                  </a:r>
+                  <a:r>
+                    <a:rPr lang="en-US" baseline="-25000" dirty="0"/>
+                    <a:t>2</a:t>
+                  </a:r>
+                  <a:r>
+                    <a:rPr lang="en-US" dirty="0"/>
+                    <a:t>:=x</a:t>
+                  </a:r>
+                  <a:r>
+                    <a:rPr lang="en-US" baseline="-25000" dirty="0"/>
+                    <a:t>2</a:t>
+                  </a:r>
+                  <a:endParaRPr lang="en-US" dirty="0"/>
+                </a:p>
+              </p:txBody>
+            </p:sp>
+          </mc:Choice>
+          <mc:Fallback xmlns="">
+            <p:sp>
+              <p:nvSpPr>
+                <p:cNvPr id="20" name="Rectangle 19">
+                  <a:extLst>
+                    <a:ext uri="{FF2B5EF4-FFF2-40B4-BE49-F238E27FC236}">
+                      <a16:creationId xmlns:a16="http://schemas.microsoft.com/office/drawing/2014/main" id="{8AC579B6-0751-4505-A922-EAB63021B6B1}"/>
+                    </a:ext>
+                  </a:extLst>
+                </p:cNvPr>
+                <p:cNvSpPr>
+                  <a:spLocks noRot="1" noChangeAspect="1" noMove="1" noResize="1" noEditPoints="1" noAdjustHandles="1" noChangeArrowheads="1" noChangeShapeType="1" noTextEdit="1"/>
+                </p:cNvSpPr>
+                <p:nvPr/>
+              </p:nvSpPr>
+              <p:spPr>
+                <a:xfrm rot="2668883">
+                  <a:off x="5847398" y="4193632"/>
+                  <a:ext cx="2757299" cy="369332"/>
+                </a:xfrm>
+                <a:prstGeom prst="rect">
+                  <a:avLst/>
+                </a:prstGeom>
+                <a:blipFill>
+                  <a:blip r:embed="rId8"/>
+                  <a:stretch>
+                    <a:fillRect/>
+                  </a:stretch>
+                </a:blipFill>
+              </p:spPr>
+              <p:txBody>
+                <a:bodyPr/>
+                <a:lstStyle/>
+                <a:p>
+                  <a:r>
+                    <a:rPr lang="en-US">
+                      <a:noFill/>
+                    </a:rPr>
+                    <a:t> </a:t>
+                  </a:r>
+                </a:p>
+              </p:txBody>
+            </p:sp>
+          </mc:Fallback>
+        </mc:AlternateContent>
+        <mc:AlternateContent xmlns:mc="http://schemas.openxmlformats.org/markup-compatibility/2006" xmlns:a14="http://schemas.microsoft.com/office/drawing/2010/main">
+          <mc:Choice Requires="a14">
+            <p:sp>
+              <p:nvSpPr>
+                <p:cNvPr id="21" name="Rectangle 20">
+                  <a:extLst>
+                    <a:ext uri="{FF2B5EF4-FFF2-40B4-BE49-F238E27FC236}">
+                      <a16:creationId xmlns:a16="http://schemas.microsoft.com/office/drawing/2014/main" id="{E52B2F7D-F1A7-439B-8FE8-695F96F93E0F}"/>
+                    </a:ext>
+                  </a:extLst>
+                </p:cNvPr>
+                <p:cNvSpPr/>
+                <p:nvPr/>
+              </p:nvSpPr>
+              <p:spPr>
+                <a:xfrm rot="1849928">
+                  <a:off x="8745183" y="1959771"/>
+                  <a:ext cx="2757299" cy="369332"/>
+                </a:xfrm>
+                <a:prstGeom prst="rect">
+                  <a:avLst/>
+                </a:prstGeom>
+              </p:spPr>
+              <p:txBody>
+                <a:bodyPr wrap="square">
+                  <a:spAutoFit/>
+                </a:bodyPr>
+                <a:lstStyle/>
+                <a:p>
+                  <a:pPr algn="ctr"/>
+                  <a:r>
+                    <a:rPr lang="en-US" dirty="0"/>
+                    <a:t>c</a:t>
+                  </a:r>
+                  <a:r>
+                    <a:rPr lang="en-US" baseline="-25000" dirty="0"/>
+                    <a:t>2</a:t>
+                  </a:r>
+                  <a14:m>
+                    <m:oMath xmlns:m="http://schemas.openxmlformats.org/officeDocument/2006/math">
+                      <m:r>
+                        <a:rPr lang="en-US" i="1">
+                          <a:latin typeface="Cambria Math" panose="02040503050406030204" pitchFamily="18" charset="0"/>
+                        </a:rPr>
+                        <m:t>≥</m:t>
+                      </m:r>
+                    </m:oMath>
+                  </a14:m>
+                  <a:r>
+                    <a:rPr lang="en-US" dirty="0"/>
+                    <a:t>B</a:t>
+                  </a:r>
+                  <a:r>
+                    <a:rPr lang="en-US" baseline="-25000" dirty="0"/>
+                    <a:t>2</a:t>
+                  </a:r>
+                  <a:r>
+                    <a:rPr lang="en-US" dirty="0"/>
+                    <a:t> </a:t>
+                  </a:r>
+                  <a14:m>
+                    <m:oMath xmlns:m="http://schemas.openxmlformats.org/officeDocument/2006/math">
+                      <m:r>
+                        <a:rPr lang="en-US" i="1" dirty="0">
+                          <a:latin typeface="Cambria Math" panose="02040503050406030204" pitchFamily="18" charset="0"/>
+                        </a:rPr>
+                        <m:t>→</m:t>
+                      </m:r>
+                    </m:oMath>
+                  </a14:m>
+                  <a:r>
+                    <a:rPr lang="en-US" dirty="0"/>
+                    <a:t> out</a:t>
+                  </a:r>
+                  <a:r>
+                    <a:rPr lang="en-US" baseline="-25000" dirty="0"/>
+                    <a:t>2</a:t>
+                  </a:r>
+                  <a:r>
+                    <a:rPr lang="en-US" dirty="0"/>
+                    <a:t>:=x</a:t>
+                  </a:r>
+                  <a:r>
+                    <a:rPr lang="en-US" baseline="-25000" dirty="0"/>
+                    <a:t>2</a:t>
+                  </a:r>
+                  <a:endParaRPr lang="en-US" dirty="0"/>
+                </a:p>
+              </p:txBody>
+            </p:sp>
+          </mc:Choice>
+          <mc:Fallback xmlns="">
+            <p:sp>
+              <p:nvSpPr>
+                <p:cNvPr id="21" name="Rectangle 20">
+                  <a:extLst>
+                    <a:ext uri="{FF2B5EF4-FFF2-40B4-BE49-F238E27FC236}">
+                      <a16:creationId xmlns:a16="http://schemas.microsoft.com/office/drawing/2014/main" id="{E52B2F7D-F1A7-439B-8FE8-695F96F93E0F}"/>
+                    </a:ext>
+                  </a:extLst>
+                </p:cNvPr>
+                <p:cNvSpPr>
+                  <a:spLocks noRot="1" noChangeAspect="1" noMove="1" noResize="1" noEditPoints="1" noAdjustHandles="1" noChangeArrowheads="1" noChangeShapeType="1" noTextEdit="1"/>
+                </p:cNvSpPr>
+                <p:nvPr/>
+              </p:nvSpPr>
+              <p:spPr>
+                <a:xfrm rot="1849928">
+                  <a:off x="8745183" y="1959771"/>
+                  <a:ext cx="2757299" cy="369332"/>
+                </a:xfrm>
+                <a:prstGeom prst="rect">
+                  <a:avLst/>
+                </a:prstGeom>
+                <a:blipFill>
+                  <a:blip r:embed="rId9"/>
+                  <a:stretch>
+                    <a:fillRect/>
+                  </a:stretch>
+                </a:blipFill>
+              </p:spPr>
+              <p:txBody>
+                <a:bodyPr/>
+                <a:lstStyle/>
+                <a:p>
+                  <a:r>
+                    <a:rPr lang="en-US">
+                      <a:noFill/>
+                    </a:rPr>
+                    <a:t> </a:t>
+                  </a:r>
+                </a:p>
+              </p:txBody>
+            </p:sp>
+          </mc:Fallback>
+        </mc:AlternateContent>
+        <p:cxnSp>
+          <p:nvCxnSpPr>
+            <p:cNvPr id="22" name="Straight Arrow Connector 21">
+              <a:extLst>
+                <a:ext uri="{FF2B5EF4-FFF2-40B4-BE49-F238E27FC236}">
+                  <a16:creationId xmlns:a16="http://schemas.microsoft.com/office/drawing/2014/main" id="{579CFCF6-1077-482C-B0D4-826B80C58487}"/>
+                </a:ext>
+              </a:extLst>
+            </p:cNvPr>
+            <p:cNvCxnSpPr>
+              <a:cxnSpLocks/>
+            </p:cNvCxnSpPr>
+            <p:nvPr/>
+          </p:nvCxnSpPr>
+          <p:spPr>
+            <a:xfrm flipH="1">
+              <a:off x="7413551" y="3282949"/>
+              <a:ext cx="2912464" cy="12936"/>
+            </a:xfrm>
+            <a:prstGeom prst="straightConnector1">
+              <a:avLst/>
+            </a:prstGeom>
+            <a:noFill/>
+            <a:ln w="25400">
+              <a:solidFill>
+                <a:schemeClr val="accent6"/>
+              </a:solidFill>
+              <a:headEnd type="triangle" w="lg" len="lg"/>
+              <a:tailEnd type="none" w="lg" len="lg"/>
+            </a:ln>
+          </p:spPr>
+          <p:style>
+            <a:lnRef idx="2">
+              <a:schemeClr val="accent1">
+                <a:shade val="50000"/>
+              </a:schemeClr>
+            </a:lnRef>
+            <a:fillRef idx="1">
+              <a:schemeClr val="accent1"/>
+            </a:fillRef>
+            <a:effectRef idx="0">
+              <a:schemeClr val="accent1"/>
+            </a:effectRef>
+            <a:fontRef idx="minor">
+              <a:schemeClr val="lt1"/>
+            </a:fontRef>
+          </p:style>
+        </p:cxnSp>
+        <mc:AlternateContent xmlns:mc="http://schemas.openxmlformats.org/markup-compatibility/2006" xmlns:a14="http://schemas.microsoft.com/office/drawing/2010/main">
+          <mc:Choice Requires="a14">
+            <p:sp>
+              <p:nvSpPr>
+                <p:cNvPr id="23" name="Rectangle 22">
+                  <a:extLst>
+                    <a:ext uri="{FF2B5EF4-FFF2-40B4-BE49-F238E27FC236}">
+                      <a16:creationId xmlns:a16="http://schemas.microsoft.com/office/drawing/2014/main" id="{20D6422E-5D23-49E8-A344-DF7DCAE59B06}"/>
+                    </a:ext>
+                  </a:extLst>
+                </p:cNvPr>
+                <p:cNvSpPr/>
+                <p:nvPr/>
+              </p:nvSpPr>
+              <p:spPr>
+                <a:xfrm>
+                  <a:off x="7151752" y="2646554"/>
+                  <a:ext cx="2809775" cy="584775"/>
+                </a:xfrm>
+                <a:prstGeom prst="rect">
+                  <a:avLst/>
+                </a:prstGeom>
+              </p:spPr>
+              <p:txBody>
+                <a:bodyPr wrap="square">
+                  <a:spAutoFit/>
+                </a:bodyPr>
+                <a:lstStyle/>
+                <a:p>
+                  <a:pPr algn="ctr"/>
+                  <a:r>
+                    <a:rPr lang="en-US" sz="1600" dirty="0"/>
+                    <a:t>in?</a:t>
+                  </a:r>
+                  <a14:m>
+                    <m:oMath xmlns:m="http://schemas.openxmlformats.org/officeDocument/2006/math">
+                      <m:r>
+                        <a:rPr lang="en-US" sz="1600" i="1" dirty="0">
+                          <a:latin typeface="Cambria Math" panose="02040503050406030204" pitchFamily="18" charset="0"/>
+                        </a:rPr>
+                        <m:t>→</m:t>
+                      </m:r>
+                    </m:oMath>
+                  </a14:m>
+                  <a:r>
+                    <a:rPr lang="en-US" sz="1600" dirty="0"/>
+                    <a:t>  x</a:t>
+                  </a:r>
+                  <a:r>
+                    <a:rPr lang="en-US" sz="1600" baseline="-25000" dirty="0"/>
+                    <a:t>1</a:t>
+                  </a:r>
+                  <a:r>
+                    <a:rPr lang="en-US" sz="1600" dirty="0"/>
+                    <a:t>:=in, c</a:t>
+                  </a:r>
+                  <a:r>
+                    <a:rPr lang="en-US" sz="1600" baseline="-25000" dirty="0"/>
+                    <a:t>1</a:t>
+                  </a:r>
+                  <a:r>
+                    <a:rPr lang="en-US" sz="1600" dirty="0"/>
+                    <a:t>:=0,</a:t>
+                  </a:r>
+                </a:p>
+                <a:p>
+                  <a:pPr algn="ctr"/>
+                  <a:r>
+                    <a:rPr lang="en-US" sz="1600" dirty="0"/>
+                    <a:t>           x</a:t>
+                  </a:r>
+                  <a:r>
+                    <a:rPr lang="en-US" sz="1600" baseline="-25000" dirty="0"/>
+                    <a:t>2</a:t>
+                  </a:r>
+                  <a:r>
+                    <a:rPr lang="en-US" sz="1600" dirty="0"/>
+                    <a:t>:=in, c</a:t>
+                  </a:r>
+                  <a:r>
+                    <a:rPr lang="en-US" sz="1600" baseline="-25000" dirty="0"/>
+                    <a:t>2</a:t>
+                  </a:r>
+                  <a:r>
+                    <a:rPr lang="en-US" sz="1600" dirty="0"/>
+                    <a:t>:=0</a:t>
+                  </a:r>
+                </a:p>
+              </p:txBody>
+            </p:sp>
+          </mc:Choice>
+          <mc:Fallback xmlns="">
+            <p:sp>
+              <p:nvSpPr>
+                <p:cNvPr id="23" name="Rectangle 22">
+                  <a:extLst>
+                    <a:ext uri="{FF2B5EF4-FFF2-40B4-BE49-F238E27FC236}">
+                      <a16:creationId xmlns:a16="http://schemas.microsoft.com/office/drawing/2014/main" id="{20D6422E-5D23-49E8-A344-DF7DCAE59B06}"/>
+                    </a:ext>
+                  </a:extLst>
+                </p:cNvPr>
+                <p:cNvSpPr>
+                  <a:spLocks noRot="1" noChangeAspect="1" noMove="1" noResize="1" noEditPoints="1" noAdjustHandles="1" noChangeArrowheads="1" noChangeShapeType="1" noTextEdit="1"/>
+                </p:cNvSpPr>
+                <p:nvPr/>
+              </p:nvSpPr>
+              <p:spPr>
+                <a:xfrm>
+                  <a:off x="7151752" y="2646554"/>
+                  <a:ext cx="2809775" cy="584775"/>
+                </a:xfrm>
+                <a:prstGeom prst="rect">
+                  <a:avLst/>
+                </a:prstGeom>
+                <a:blipFill>
+                  <a:blip r:embed="rId10"/>
+                  <a:stretch>
+                    <a:fillRect t="-3125" b="-12500"/>
+                  </a:stretch>
+                </a:blipFill>
+              </p:spPr>
+              <p:txBody>
+                <a:bodyPr/>
+                <a:lstStyle/>
+                <a:p>
+                  <a:r>
+                    <a:rPr lang="en-US">
+                      <a:noFill/>
+                    </a:rPr>
+                    <a:t> </a:t>
+                  </a:r>
+                </a:p>
+              </p:txBody>
+            </p:sp>
+          </mc:Fallback>
+        </mc:AlternateContent>
+        <p:cxnSp>
+          <p:nvCxnSpPr>
+            <p:cNvPr id="24" name="Straight Arrow Connector 23">
+              <a:extLst>
+                <a:ext uri="{FF2B5EF4-FFF2-40B4-BE49-F238E27FC236}">
+                  <a16:creationId xmlns:a16="http://schemas.microsoft.com/office/drawing/2014/main" id="{02B4DD01-18B8-4CF2-8C4C-A5717303B1C7}"/>
+                </a:ext>
+              </a:extLst>
+            </p:cNvPr>
+            <p:cNvCxnSpPr>
+              <a:cxnSpLocks/>
+            </p:cNvCxnSpPr>
+            <p:nvPr/>
+          </p:nvCxnSpPr>
+          <p:spPr>
+            <a:xfrm flipH="1" flipV="1">
+              <a:off x="9067517" y="2221426"/>
+              <a:ext cx="1256227" cy="760625"/>
+            </a:xfrm>
+            <a:prstGeom prst="straightConnector1">
+              <a:avLst/>
+            </a:prstGeom>
+            <a:noFill/>
+            <a:ln w="25400">
+              <a:solidFill>
+                <a:schemeClr val="accent6"/>
+              </a:solidFill>
+              <a:headEnd type="triangle" w="lg" len="lg"/>
+              <a:tailEnd type="none" w="lg" len="lg"/>
+            </a:ln>
+          </p:spPr>
+          <p:style>
+            <a:lnRef idx="2">
+              <a:schemeClr val="accent1">
+                <a:shade val="50000"/>
+              </a:schemeClr>
+            </a:lnRef>
+            <a:fillRef idx="1">
+              <a:schemeClr val="accent1"/>
+            </a:fillRef>
+            <a:effectRef idx="0">
+              <a:schemeClr val="accent1"/>
+            </a:effectRef>
+            <a:fontRef idx="minor">
+              <a:schemeClr val="lt1"/>
+            </a:fontRef>
+          </p:style>
+        </p:cxnSp>
+        <p:cxnSp>
+          <p:nvCxnSpPr>
+            <p:cNvPr id="25" name="Straight Arrow Connector 24">
+              <a:extLst>
+                <a:ext uri="{FF2B5EF4-FFF2-40B4-BE49-F238E27FC236}">
+                  <a16:creationId xmlns:a16="http://schemas.microsoft.com/office/drawing/2014/main" id="{AAB41410-9037-4642-BFD0-E5B6AD395186}"/>
+                </a:ext>
+              </a:extLst>
+            </p:cNvPr>
+            <p:cNvCxnSpPr>
+              <a:cxnSpLocks/>
+            </p:cNvCxnSpPr>
+            <p:nvPr/>
+          </p:nvCxnSpPr>
+          <p:spPr>
+            <a:xfrm flipH="1">
+              <a:off x="9371934" y="3703181"/>
+              <a:ext cx="1315116" cy="1157757"/>
+            </a:xfrm>
+            <a:prstGeom prst="straightConnector1">
+              <a:avLst/>
+            </a:prstGeom>
+            <a:noFill/>
+            <a:ln w="25400">
+              <a:solidFill>
+                <a:schemeClr val="accent6"/>
+              </a:solidFill>
+              <a:headEnd type="triangle" w="lg" len="lg"/>
+              <a:tailEnd type="none" w="lg" len="lg"/>
+            </a:ln>
+          </p:spPr>
+          <p:style>
+            <a:lnRef idx="2">
+              <a:schemeClr val="accent1">
+                <a:shade val="50000"/>
+              </a:schemeClr>
+            </a:lnRef>
+            <a:fillRef idx="1">
+              <a:schemeClr val="accent1"/>
+            </a:fillRef>
+            <a:effectRef idx="0">
+              <a:schemeClr val="accent1"/>
+            </a:effectRef>
+            <a:fontRef idx="minor">
+              <a:schemeClr val="lt1"/>
+            </a:fontRef>
+          </p:style>
+        </p:cxnSp>
+        <mc:AlternateContent xmlns:mc="http://schemas.openxmlformats.org/markup-compatibility/2006" xmlns:a14="http://schemas.microsoft.com/office/drawing/2010/main">
+          <mc:Choice Requires="a14">
+            <p:sp>
+              <p:nvSpPr>
+                <p:cNvPr id="26" name="Rectangle 25">
+                  <a:extLst>
+                    <a:ext uri="{FF2B5EF4-FFF2-40B4-BE49-F238E27FC236}">
+                      <a16:creationId xmlns:a16="http://schemas.microsoft.com/office/drawing/2014/main" id="{3CF9E1BF-862A-4A49-9D34-326D19A9D3B3}"/>
+                    </a:ext>
+                  </a:extLst>
+                </p:cNvPr>
+                <p:cNvSpPr/>
+                <p:nvPr/>
+              </p:nvSpPr>
+              <p:spPr>
+                <a:xfrm rot="19128990">
+                  <a:off x="9173532" y="4223248"/>
+                  <a:ext cx="1864614" cy="369332"/>
+                </a:xfrm>
+                <a:prstGeom prst="rect">
+                  <a:avLst/>
+                </a:prstGeom>
+              </p:spPr>
+              <p:txBody>
+                <a:bodyPr wrap="none">
+                  <a:spAutoFit/>
+                </a:bodyPr>
+                <a:lstStyle/>
+                <a:p>
+                  <a:pPr algn="ctr"/>
+                  <a:r>
+                    <a:rPr lang="en-US" dirty="0"/>
+                    <a:t>in?</a:t>
+                  </a:r>
+                  <a14:m>
+                    <m:oMath xmlns:m="http://schemas.openxmlformats.org/officeDocument/2006/math">
+                      <m:r>
+                        <a:rPr lang="en-US" i="1" dirty="0">
+                          <a:latin typeface="Cambria Math" panose="02040503050406030204" pitchFamily="18" charset="0"/>
+                        </a:rPr>
+                        <m:t>→</m:t>
+                      </m:r>
+                    </m:oMath>
+                  </a14:m>
+                  <a:r>
+                    <a:rPr lang="en-US" dirty="0"/>
+                    <a:t> x</a:t>
+                  </a:r>
+                  <a:r>
+                    <a:rPr lang="en-US" baseline="-25000" dirty="0"/>
+                    <a:t>1</a:t>
+                  </a:r>
+                  <a:r>
+                    <a:rPr lang="en-US" dirty="0"/>
+                    <a:t>:=in, c</a:t>
+                  </a:r>
+                  <a:r>
+                    <a:rPr lang="en-US" baseline="-25000" dirty="0"/>
+                    <a:t>1</a:t>
+                  </a:r>
+                  <a:r>
+                    <a:rPr lang="en-US" dirty="0"/>
+                    <a:t>:=0</a:t>
+                  </a:r>
+                </a:p>
+              </p:txBody>
+            </p:sp>
+          </mc:Choice>
+          <mc:Fallback xmlns="">
+            <p:sp>
+              <p:nvSpPr>
+                <p:cNvPr id="26" name="Rectangle 25">
+                  <a:extLst>
+                    <a:ext uri="{FF2B5EF4-FFF2-40B4-BE49-F238E27FC236}">
+                      <a16:creationId xmlns:a16="http://schemas.microsoft.com/office/drawing/2014/main" id="{3CF9E1BF-862A-4A49-9D34-326D19A9D3B3}"/>
+                    </a:ext>
+                  </a:extLst>
+                </p:cNvPr>
+                <p:cNvSpPr>
+                  <a:spLocks noRot="1" noChangeAspect="1" noMove="1" noResize="1" noEditPoints="1" noAdjustHandles="1" noChangeArrowheads="1" noChangeShapeType="1" noTextEdit="1"/>
+                </p:cNvSpPr>
+                <p:nvPr/>
+              </p:nvSpPr>
+              <p:spPr>
+                <a:xfrm rot="19128990">
+                  <a:off x="9173532" y="4223248"/>
+                  <a:ext cx="1864614" cy="369332"/>
+                </a:xfrm>
+                <a:prstGeom prst="rect">
+                  <a:avLst/>
+                </a:prstGeom>
+                <a:blipFill>
+                  <a:blip r:embed="rId11"/>
+                  <a:stretch>
+                    <a:fillRect l="-2583" t="-2823" r="-4797" b="-5645"/>
+                  </a:stretch>
+                </a:blipFill>
+              </p:spPr>
+              <p:txBody>
+                <a:bodyPr/>
+                <a:lstStyle/>
+                <a:p>
+                  <a:r>
+                    <a:rPr lang="en-US">
+                      <a:noFill/>
+                    </a:rPr>
+                    <a:t> </a:t>
+                  </a:r>
+                </a:p>
+              </p:txBody>
+            </p:sp>
+          </mc:Fallback>
+        </mc:AlternateContent>
+      </p:grpSp>
+    </p:spTree>
+    <p:extLst>
+      <p:ext uri="{BB962C8B-B14F-4D97-AF65-F5344CB8AC3E}">
+        <p14:creationId xmlns:p14="http://schemas.microsoft.com/office/powerpoint/2010/main" val="3534436393"/>
+      </p:ext>
+    </p:extLst>
+  </p:cSld>
+  <p:clrMapOvr>
+    <a:masterClrMapping/>
+  </p:clrMapOvr>
+</p:sld>
+</file>
+
+<file path=ppt/slides/slide19.xml><?xml version="1.0" encoding="utf-8"?>
 <p:sld xmlns:a="http://schemas.openxmlformats.org/drawingml/2006/main" xmlns:r="http://schemas.openxmlformats.org/officeDocument/2006/relationships" xmlns:p="http://schemas.openxmlformats.org/presentationml/2006/main">
   <p:cSld>
     <p:spTree>
@@ -16406,7 +19275,7 @@
             <a:fld id="{29AAD378-655A-49C6-813C-9FD132EF7440}" type="slidenum">
               <a:rPr lang="en-US" smtClean="0"/>
               <a:pPr/>
-              <a:t>18</a:t>
+              <a:t>19</a:t>
             </a:fld>
             <a:endParaRPr lang="en-US" dirty="0"/>
           </a:p>
@@ -16425,7 +19294,181 @@
 </p:sld>
 </file>
 
-<file path=ppt/slides/slide19.xml><?xml version="1.0" encoding="utf-8"?>
+<file path=ppt/slides/slide2.xml><?xml version="1.0" encoding="utf-8"?>
+<p:sld xmlns:a="http://schemas.openxmlformats.org/drawingml/2006/main" xmlns:r="http://schemas.openxmlformats.org/officeDocument/2006/relationships" xmlns:p="http://schemas.openxmlformats.org/presentationml/2006/main">
+  <p:cSld>
+    <p:spTree>
+      <p:nvGrpSpPr>
+        <p:cNvPr id="1" name=""/>
+        <p:cNvGrpSpPr/>
+        <p:nvPr/>
+      </p:nvGrpSpPr>
+      <p:grpSpPr>
+        <a:xfrm>
+          <a:off x="0" y="0"/>
+          <a:ext cx="0" cy="0"/>
+          <a:chOff x="0" y="0"/>
+          <a:chExt cx="0" cy="0"/>
+        </a:xfrm>
+      </p:grpSpPr>
+      <p:sp>
+        <p:nvSpPr>
+          <p:cNvPr id="3" name="Title 2">
+            <a:extLst>
+              <a:ext uri="{FF2B5EF4-FFF2-40B4-BE49-F238E27FC236}">
+                <a16:creationId xmlns:a16="http://schemas.microsoft.com/office/drawing/2014/main" id="{1434F66F-00EF-439B-BAD2-CBF16A36325F}"/>
+              </a:ext>
+            </a:extLst>
+          </p:cNvPr>
+          <p:cNvSpPr>
+            <a:spLocks noGrp="1"/>
+          </p:cNvSpPr>
+          <p:nvPr>
+            <p:ph type="title"/>
+          </p:nvPr>
+        </p:nvSpPr>
+        <p:spPr/>
+        <p:txBody>
+          <a:bodyPr/>
+          <a:lstStyle/>
+          <a:p>
+            <a:r>
+              <a:rPr lang="en-US" dirty="0"/>
+              <a:t>Models of Computation</a:t>
+            </a:r>
+          </a:p>
+        </p:txBody>
+      </p:sp>
+      <p:sp>
+        <p:nvSpPr>
+          <p:cNvPr id="5" name="Slide Number Placeholder 4">
+            <a:extLst>
+              <a:ext uri="{FF2B5EF4-FFF2-40B4-BE49-F238E27FC236}">
+                <a16:creationId xmlns:a16="http://schemas.microsoft.com/office/drawing/2014/main" id="{6BC6F85E-AFC3-47E8-A245-FA22ACB004B2}"/>
+              </a:ext>
+            </a:extLst>
+          </p:cNvPr>
+          <p:cNvSpPr>
+            <a:spLocks noGrp="1"/>
+          </p:cNvSpPr>
+          <p:nvPr>
+            <p:ph type="sldNum" sz="quarter" idx="12"/>
+          </p:nvPr>
+        </p:nvSpPr>
+        <p:spPr/>
+        <p:txBody>
+          <a:bodyPr/>
+          <a:lstStyle/>
+          <a:p>
+            <a:fld id="{29AAD378-655A-49C6-813C-9FD132EF7440}" type="slidenum">
+              <a:rPr lang="en-US" smtClean="0"/>
+              <a:pPr/>
+              <a:t>2</a:t>
+            </a:fld>
+            <a:endParaRPr lang="en-US"/>
+          </a:p>
+        </p:txBody>
+      </p:sp>
+      <p:sp>
+        <p:nvSpPr>
+          <p:cNvPr id="6" name="Content Placeholder 1">
+            <a:extLst>
+              <a:ext uri="{FF2B5EF4-FFF2-40B4-BE49-F238E27FC236}">
+                <a16:creationId xmlns:a16="http://schemas.microsoft.com/office/drawing/2014/main" id="{ECA1F746-D8A3-41B7-9B76-587EBE666B38}"/>
+              </a:ext>
+            </a:extLst>
+          </p:cNvPr>
+          <p:cNvSpPr>
+            <a:spLocks noGrp="1"/>
+          </p:cNvSpPr>
+          <p:nvPr>
+            <p:ph idx="1"/>
+          </p:nvPr>
+        </p:nvSpPr>
+        <p:spPr>
+          <a:xfrm>
+            <a:off x="166681" y="1335505"/>
+            <a:ext cx="11699087" cy="4348536"/>
+          </a:xfrm>
+        </p:spPr>
+        <p:txBody>
+          <a:bodyPr>
+            <a:normAutofit/>
+          </a:bodyPr>
+          <a:lstStyle/>
+          <a:p>
+            <a:r>
+              <a:rPr lang="en-US" dirty="0"/>
+              <a:t>Synchronous Process Models</a:t>
+            </a:r>
+          </a:p>
+          <a:p>
+            <a:r>
+              <a:rPr lang="en-US" dirty="0"/>
+              <a:t>Asynchronous Process Models</a:t>
+            </a:r>
+          </a:p>
+          <a:p>
+            <a:r>
+              <a:rPr lang="en-US" dirty="0"/>
+              <a:t>Timed Model</a:t>
+            </a:r>
+          </a:p>
+          <a:p>
+            <a:pPr lvl="1"/>
+            <a:r>
+              <a:rPr lang="en-US" dirty="0"/>
+              <a:t>Like Asynchronous models, but with explicit time information</a:t>
+            </a:r>
+          </a:p>
+          <a:p>
+            <a:pPr lvl="1"/>
+            <a:r>
+              <a:rPr lang="en-US" dirty="0"/>
+              <a:t>Can make use of global time for coordination</a:t>
+            </a:r>
+          </a:p>
+          <a:p>
+            <a:r>
+              <a:rPr lang="en-US" dirty="0"/>
+              <a:t>Continuous-time models/Dynamical system models</a:t>
+            </a:r>
+          </a:p>
+          <a:p>
+            <a:pPr lvl="1"/>
+            <a:r>
+              <a:rPr lang="en-US" dirty="0"/>
+              <a:t>Like Synchronous, but time evolves continuously</a:t>
+            </a:r>
+          </a:p>
+          <a:p>
+            <a:r>
+              <a:rPr lang="en-US" dirty="0"/>
+              <a:t>Hybrid Dynamical Models</a:t>
+            </a:r>
+          </a:p>
+          <a:p>
+            <a:pPr marL="0" indent="0">
+              <a:buNone/>
+            </a:pPr>
+            <a:endParaRPr lang="en-US" dirty="0"/>
+          </a:p>
+        </p:txBody>
+      </p:sp>
+    </p:spTree>
+    <p:extLst>
+      <p:ext uri="{BB962C8B-B14F-4D97-AF65-F5344CB8AC3E}">
+        <p14:creationId xmlns:p14="http://schemas.microsoft.com/office/powerpoint/2010/main" val="79341691"/>
+      </p:ext>
+    </p:extLst>
+  </p:cSld>
+  <p:clrMapOvr>
+    <a:masterClrMapping/>
+  </p:clrMapOvr>
+</p:sld>
+</file>
+
+<file path=ppt/slides/slide20.xml><?xml version="1.0" encoding="utf-8"?>
 <p:sld xmlns:a="http://schemas.openxmlformats.org/drawingml/2006/main" xmlns:r="http://schemas.openxmlformats.org/officeDocument/2006/relationships" xmlns:p="http://schemas.openxmlformats.org/presentationml/2006/main">
   <p:cSld>
     <p:spTree>
@@ -16550,7 +19593,7 @@
             <a:fld id="{29AAD378-655A-49C6-813C-9FD132EF7440}" type="slidenum">
               <a:rPr lang="en-US" smtClean="0"/>
               <a:pPr/>
-              <a:t>19</a:t>
+              <a:t>20</a:t>
             </a:fld>
             <a:endParaRPr lang="en-US" dirty="0"/>
           </a:p>
@@ -16634,181 +19677,7 @@
 </p:sld>
 </file>
 
-<file path=ppt/slides/slide2.xml><?xml version="1.0" encoding="utf-8"?>
-<p:sld xmlns:a="http://schemas.openxmlformats.org/drawingml/2006/main" xmlns:r="http://schemas.openxmlformats.org/officeDocument/2006/relationships" xmlns:p="http://schemas.openxmlformats.org/presentationml/2006/main">
-  <p:cSld>
-    <p:spTree>
-      <p:nvGrpSpPr>
-        <p:cNvPr id="1" name=""/>
-        <p:cNvGrpSpPr/>
-        <p:nvPr/>
-      </p:nvGrpSpPr>
-      <p:grpSpPr>
-        <a:xfrm>
-          <a:off x="0" y="0"/>
-          <a:ext cx="0" cy="0"/>
-          <a:chOff x="0" y="0"/>
-          <a:chExt cx="0" cy="0"/>
-        </a:xfrm>
-      </p:grpSpPr>
-      <p:sp>
-        <p:nvSpPr>
-          <p:cNvPr id="3" name="Title 2">
-            <a:extLst>
-              <a:ext uri="{FF2B5EF4-FFF2-40B4-BE49-F238E27FC236}">
-                <a16:creationId xmlns:a16="http://schemas.microsoft.com/office/drawing/2014/main" id="{1434F66F-00EF-439B-BAD2-CBF16A36325F}"/>
-              </a:ext>
-            </a:extLst>
-          </p:cNvPr>
-          <p:cNvSpPr>
-            <a:spLocks noGrp="1"/>
-          </p:cNvSpPr>
-          <p:nvPr>
-            <p:ph type="title"/>
-          </p:nvPr>
-        </p:nvSpPr>
-        <p:spPr/>
-        <p:txBody>
-          <a:bodyPr/>
-          <a:lstStyle/>
-          <a:p>
-            <a:r>
-              <a:rPr lang="en-US" dirty="0"/>
-              <a:t>Models of Computation</a:t>
-            </a:r>
-          </a:p>
-        </p:txBody>
-      </p:sp>
-      <p:sp>
-        <p:nvSpPr>
-          <p:cNvPr id="5" name="Slide Number Placeholder 4">
-            <a:extLst>
-              <a:ext uri="{FF2B5EF4-FFF2-40B4-BE49-F238E27FC236}">
-                <a16:creationId xmlns:a16="http://schemas.microsoft.com/office/drawing/2014/main" id="{6BC6F85E-AFC3-47E8-A245-FA22ACB004B2}"/>
-              </a:ext>
-            </a:extLst>
-          </p:cNvPr>
-          <p:cNvSpPr>
-            <a:spLocks noGrp="1"/>
-          </p:cNvSpPr>
-          <p:nvPr>
-            <p:ph type="sldNum" sz="quarter" idx="12"/>
-          </p:nvPr>
-        </p:nvSpPr>
-        <p:spPr/>
-        <p:txBody>
-          <a:bodyPr/>
-          <a:lstStyle/>
-          <a:p>
-            <a:fld id="{29AAD378-655A-49C6-813C-9FD132EF7440}" type="slidenum">
-              <a:rPr lang="en-US" smtClean="0"/>
-              <a:pPr/>
-              <a:t>2</a:t>
-            </a:fld>
-            <a:endParaRPr lang="en-US"/>
-          </a:p>
-        </p:txBody>
-      </p:sp>
-      <p:sp>
-        <p:nvSpPr>
-          <p:cNvPr id="6" name="Content Placeholder 1">
-            <a:extLst>
-              <a:ext uri="{FF2B5EF4-FFF2-40B4-BE49-F238E27FC236}">
-                <a16:creationId xmlns:a16="http://schemas.microsoft.com/office/drawing/2014/main" id="{ECA1F746-D8A3-41B7-9B76-587EBE666B38}"/>
-              </a:ext>
-            </a:extLst>
-          </p:cNvPr>
-          <p:cNvSpPr>
-            <a:spLocks noGrp="1"/>
-          </p:cNvSpPr>
-          <p:nvPr>
-            <p:ph idx="1"/>
-          </p:nvPr>
-        </p:nvSpPr>
-        <p:spPr>
-          <a:xfrm>
-            <a:off x="166681" y="1335505"/>
-            <a:ext cx="11699087" cy="4348536"/>
-          </a:xfrm>
-        </p:spPr>
-        <p:txBody>
-          <a:bodyPr>
-            <a:normAutofit/>
-          </a:bodyPr>
-          <a:lstStyle/>
-          <a:p>
-            <a:r>
-              <a:rPr lang="en-US" dirty="0"/>
-              <a:t>Synchronous Reactive Components</a:t>
-            </a:r>
-          </a:p>
-          <a:p>
-            <a:r>
-              <a:rPr lang="en-US" dirty="0"/>
-              <a:t>Asynchronous Processes</a:t>
-            </a:r>
-          </a:p>
-          <a:p>
-            <a:r>
-              <a:rPr lang="en-US" dirty="0"/>
-              <a:t>Timed Model</a:t>
-            </a:r>
-          </a:p>
-          <a:p>
-            <a:pPr lvl="1"/>
-            <a:r>
-              <a:rPr lang="en-US" dirty="0"/>
-              <a:t>Like Asynchronous models, but with explicit time information</a:t>
-            </a:r>
-          </a:p>
-          <a:p>
-            <a:pPr lvl="1"/>
-            <a:r>
-              <a:rPr lang="en-US" dirty="0"/>
-              <a:t>Can make use of global time for coordination</a:t>
-            </a:r>
-          </a:p>
-          <a:p>
-            <a:r>
-              <a:rPr lang="en-US" dirty="0"/>
-              <a:t>Continuous-time models/Dynamical system models</a:t>
-            </a:r>
-          </a:p>
-          <a:p>
-            <a:pPr lvl="1"/>
-            <a:r>
-              <a:rPr lang="en-US" dirty="0"/>
-              <a:t>Like Synchronous, but time evolves continuously</a:t>
-            </a:r>
-          </a:p>
-          <a:p>
-            <a:r>
-              <a:rPr lang="en-US" dirty="0"/>
-              <a:t>Hybrid Dynamical Models</a:t>
-            </a:r>
-          </a:p>
-          <a:p>
-            <a:pPr marL="0" indent="0">
-              <a:buNone/>
-            </a:pPr>
-            <a:endParaRPr lang="en-US" dirty="0"/>
-          </a:p>
-        </p:txBody>
-      </p:sp>
-    </p:spTree>
-    <p:extLst>
-      <p:ext uri="{BB962C8B-B14F-4D97-AF65-F5344CB8AC3E}">
-        <p14:creationId xmlns:p14="http://schemas.microsoft.com/office/powerpoint/2010/main" val="79341691"/>
-      </p:ext>
-    </p:extLst>
-  </p:cSld>
-  <p:clrMapOvr>
-    <a:masterClrMapping/>
-  </p:clrMapOvr>
-</p:sld>
-</file>
-
-<file path=ppt/slides/slide20.xml><?xml version="1.0" encoding="utf-8"?>
+<file path=ppt/slides/slide21.xml><?xml version="1.0" encoding="utf-8"?>
 <p:sld xmlns:a="http://schemas.openxmlformats.org/drawingml/2006/main" xmlns:r="http://schemas.openxmlformats.org/officeDocument/2006/relationships" xmlns:p="http://schemas.openxmlformats.org/presentationml/2006/main">
   <p:cSld>
     <p:spTree>
@@ -16939,7 +19808,7 @@
             <a:fld id="{29AAD378-655A-49C6-813C-9FD132EF7440}" type="slidenum">
               <a:rPr lang="en-US" smtClean="0"/>
               <a:pPr/>
-              <a:t>20</a:t>
+              <a:t>21</a:t>
             </a:fld>
             <a:endParaRPr lang="en-US" dirty="0"/>
           </a:p>
@@ -16996,7 +19865,7 @@
 </p:sld>
 </file>
 
-<file path=ppt/slides/slide21.xml><?xml version="1.0" encoding="utf-8"?>
+<file path=ppt/slides/slide22.xml><?xml version="1.0" encoding="utf-8"?>
 <p:sld xmlns:a="http://schemas.openxmlformats.org/drawingml/2006/main" xmlns:r="http://schemas.openxmlformats.org/officeDocument/2006/relationships" xmlns:p="http://schemas.openxmlformats.org/presentationml/2006/main">
   <p:cSld>
     <p:spTree>
@@ -17065,7 +19934,7 @@
             <a:fld id="{29AAD378-655A-49C6-813C-9FD132EF7440}" type="slidenum">
               <a:rPr lang="en-US" smtClean="0"/>
               <a:pPr/>
-              <a:t>21</a:t>
+              <a:t>22</a:t>
             </a:fld>
             <a:endParaRPr lang="en-US" dirty="0"/>
           </a:p>
@@ -17343,7 +20212,7 @@
 </p:sld>
 </file>
 
-<file path=ppt/slides/slide22.xml><?xml version="1.0" encoding="utf-8"?>
+<file path=ppt/slides/slide23.xml><?xml version="1.0" encoding="utf-8"?>
 <p:sld xmlns:a="http://schemas.openxmlformats.org/drawingml/2006/main" xmlns:r="http://schemas.openxmlformats.org/officeDocument/2006/relationships" xmlns:p="http://schemas.openxmlformats.org/presentationml/2006/main">
   <p:cSld>
     <p:spTree>
@@ -17460,7 +20329,7 @@
             <a:fld id="{29AAD378-655A-49C6-813C-9FD132EF7440}" type="slidenum">
               <a:rPr lang="en-US" smtClean="0"/>
               <a:pPr/>
-              <a:t>22</a:t>
+              <a:t>23</a:t>
             </a:fld>
             <a:endParaRPr lang="en-US" dirty="0"/>
           </a:p>
@@ -17899,7 +20768,7 @@
 </p:sld>
 </file>
 
-<file path=ppt/slides/slide23.xml><?xml version="1.0" encoding="utf-8"?>
+<file path=ppt/slides/slide24.xml><?xml version="1.0" encoding="utf-8"?>
 <p:sld xmlns:a="http://schemas.openxmlformats.org/drawingml/2006/main" xmlns:r="http://schemas.openxmlformats.org/officeDocument/2006/relationships" xmlns:p="http://schemas.openxmlformats.org/presentationml/2006/main">
   <p:cSld>
     <p:spTree>
@@ -17968,7 +20837,7 @@
             <a:fld id="{29AAD378-655A-49C6-813C-9FD132EF7440}" type="slidenum">
               <a:rPr lang="en-US" smtClean="0"/>
               <a:pPr/>
-              <a:t>23</a:t>
+              <a:t>24</a:t>
             </a:fld>
             <a:endParaRPr lang="en-US" dirty="0"/>
           </a:p>
@@ -19144,8 +22013,8 @@
           </a:p>
         </p:txBody>
       </p:sp>
-      <mc:AlternateContent xmlns:mc="http://schemas.openxmlformats.org/markup-compatibility/2006">
-        <mc:Choice xmlns:a14="http://schemas.microsoft.com/office/drawing/2010/main" Requires="a14">
+      <mc:AlternateContent xmlns:mc="http://schemas.openxmlformats.org/markup-compatibility/2006" xmlns:a14="http://schemas.microsoft.com/office/drawing/2010/main">
+        <mc:Choice Requires="a14">
           <p:sp>
             <p:nvSpPr>
               <p:cNvPr id="21" name="TextBox 20">
@@ -19196,7 +22065,7 @@
             </p:txBody>
           </p:sp>
         </mc:Choice>
-        <mc:Fallback>
+        <mc:Fallback xmlns="">
           <p:sp>
             <p:nvSpPr>
               <p:cNvPr id="21" name="TextBox 20">
@@ -19484,8 +22353,8 @@
           </a:p>
         </p:txBody>
       </p:sp>
-      <mc:AlternateContent xmlns:mc="http://schemas.openxmlformats.org/markup-compatibility/2006">
-        <mc:Choice xmlns:a14="http://schemas.microsoft.com/office/drawing/2010/main" Requires="a14">
+      <mc:AlternateContent xmlns:mc="http://schemas.openxmlformats.org/markup-compatibility/2006" xmlns:a14="http://schemas.microsoft.com/office/drawing/2010/main">
+        <mc:Choice Requires="a14">
           <p:sp>
             <p:nvSpPr>
               <p:cNvPr id="26" name="Content Placeholder 1">
@@ -19566,7 +22435,7 @@
             </p:txBody>
           </p:sp>
         </mc:Choice>
-        <mc:Fallback>
+        <mc:Fallback xmlns="">
           <p:sp>
             <p:nvSpPr>
               <p:cNvPr id="26" name="Content Placeholder 1">
@@ -19623,7 +22492,7 @@
 </p:sld>
 </file>
 
-<file path=ppt/slides/slide24.xml><?xml version="1.0" encoding="utf-8"?>
+<file path=ppt/slides/slide25.xml><?xml version="1.0" encoding="utf-8"?>
 <p:sld xmlns:a="http://schemas.openxmlformats.org/drawingml/2006/main" xmlns:r="http://schemas.openxmlformats.org/officeDocument/2006/relationships" xmlns:p="http://schemas.openxmlformats.org/presentationml/2006/main" show="0">
   <p:cSld>
     <p:spTree>
@@ -19715,7 +22584,7 @@
             <a:fld id="{29AAD378-655A-49C6-813C-9FD132EF7440}" type="slidenum">
               <a:rPr lang="en-US" smtClean="0"/>
               <a:pPr/>
-              <a:t>24</a:t>
+              <a:t>25</a:t>
             </a:fld>
             <a:endParaRPr lang="en-US" dirty="0"/>
           </a:p>
@@ -19734,7 +22603,7 @@
 </p:sld>
 </file>
 
-<file path=ppt/slides/slide25.xml><?xml version="1.0" encoding="utf-8"?>
+<file path=ppt/slides/slide26.xml><?xml version="1.0" encoding="utf-8"?>
 <p:sld xmlns:a="http://schemas.openxmlformats.org/drawingml/2006/main" xmlns:r="http://schemas.openxmlformats.org/officeDocument/2006/relationships" xmlns:p="http://schemas.openxmlformats.org/presentationml/2006/main" show="0">
   <p:cSld>
     <p:spTree>
@@ -19842,7 +22711,7 @@
             <a:fld id="{29AAD378-655A-49C6-813C-9FD132EF7440}" type="slidenum">
               <a:rPr lang="en-US" smtClean="0"/>
               <a:pPr/>
-              <a:t>25</a:t>
+              <a:t>26</a:t>
             </a:fld>
             <a:endParaRPr lang="en-US" dirty="0"/>
           </a:p>
@@ -21911,7 +24780,7 @@
 </p:sld>
 </file>
 
-<file path=ppt/slides/slide26.xml><?xml version="1.0" encoding="utf-8"?>
+<file path=ppt/slides/slide27.xml><?xml version="1.0" encoding="utf-8"?>
 <p:sld xmlns:a="http://schemas.openxmlformats.org/drawingml/2006/main" xmlns:r="http://schemas.openxmlformats.org/officeDocument/2006/relationships" xmlns:p="http://schemas.openxmlformats.org/presentationml/2006/main" show="0">
   <p:cSld>
     <p:spTree>
@@ -21990,7 +24859,7 @@
             <a:fld id="{29AAD378-655A-49C6-813C-9FD132EF7440}" type="slidenum">
               <a:rPr lang="en-US" smtClean="0"/>
               <a:pPr/>
-              <a:t>26</a:t>
+              <a:t>27</a:t>
             </a:fld>
             <a:endParaRPr lang="en-US" dirty="0"/>
           </a:p>
@@ -23659,7 +26528,7 @@
 </p:sld>
 </file>
 
-<file path=ppt/slides/slide27.xml><?xml version="1.0" encoding="utf-8"?>
+<file path=ppt/slides/slide28.xml><?xml version="1.0" encoding="utf-8"?>
 <p:sld xmlns:a="http://schemas.openxmlformats.org/drawingml/2006/main" xmlns:r="http://schemas.openxmlformats.org/officeDocument/2006/relationships" xmlns:p="http://schemas.openxmlformats.org/presentationml/2006/main" show="0">
   <p:cSld>
     <p:spTree>
@@ -23960,7 +26829,7 @@
             <a:fld id="{29AAD378-655A-49C6-813C-9FD132EF7440}" type="slidenum">
               <a:rPr lang="en-US" smtClean="0"/>
               <a:pPr/>
-              <a:t>27</a:t>
+              <a:t>28</a:t>
             </a:fld>
             <a:endParaRPr lang="en-US" dirty="0"/>
           </a:p>
@@ -25111,7 +27980,7 @@
 </p:sld>
 </file>
 
-<file path=ppt/slides/slide28.xml><?xml version="1.0" encoding="utf-8"?>
+<file path=ppt/slides/slide29.xml><?xml version="1.0" encoding="utf-8"?>
 <p:sld xmlns:a="http://schemas.openxmlformats.org/drawingml/2006/main" xmlns:r="http://schemas.openxmlformats.org/officeDocument/2006/relationships" xmlns:p="http://schemas.openxmlformats.org/presentationml/2006/main" show="0">
   <p:cSld>
     <p:spTree>
@@ -25247,7 +28116,7 @@
             <a:fld id="{29AAD378-655A-49C6-813C-9FD132EF7440}" type="slidenum">
               <a:rPr lang="en-US" smtClean="0"/>
               <a:pPr/>
-              <a:t>28</a:t>
+              <a:t>29</a:t>
             </a:fld>
             <a:endParaRPr lang="en-US" dirty="0"/>
           </a:p>
@@ -25266,7 +28135,237 @@
 </p:sld>
 </file>
 
-<file path=ppt/slides/slide29.xml><?xml version="1.0" encoding="utf-8"?>
+<file path=ppt/slides/slide3.xml><?xml version="1.0" encoding="utf-8"?>
+<p:sld xmlns:a="http://schemas.openxmlformats.org/drawingml/2006/main" xmlns:r="http://schemas.openxmlformats.org/officeDocument/2006/relationships" xmlns:p="http://schemas.openxmlformats.org/presentationml/2006/main">
+  <p:cSld>
+    <p:spTree>
+      <p:nvGrpSpPr>
+        <p:cNvPr id="1" name=""/>
+        <p:cNvGrpSpPr/>
+        <p:nvPr/>
+      </p:nvGrpSpPr>
+      <p:grpSpPr>
+        <a:xfrm>
+          <a:off x="0" y="0"/>
+          <a:ext cx="0" cy="0"/>
+          <a:chOff x="0" y="0"/>
+          <a:chExt cx="0" cy="0"/>
+        </a:xfrm>
+      </p:grpSpPr>
+      <p:sp>
+        <p:nvSpPr>
+          <p:cNvPr id="3" name="Title 2">
+            <a:extLst>
+              <a:ext uri="{FF2B5EF4-FFF2-40B4-BE49-F238E27FC236}">
+                <a16:creationId xmlns:a16="http://schemas.microsoft.com/office/drawing/2014/main" id="{1434F66F-00EF-439B-BAD2-CBF16A36325F}"/>
+              </a:ext>
+            </a:extLst>
+          </p:cNvPr>
+          <p:cNvSpPr>
+            <a:spLocks noGrp="1"/>
+          </p:cNvSpPr>
+          <p:nvPr>
+            <p:ph type="title"/>
+          </p:nvPr>
+        </p:nvSpPr>
+        <p:spPr/>
+        <p:txBody>
+          <a:bodyPr/>
+          <a:lstStyle/>
+          <a:p>
+            <a:r>
+              <a:rPr lang="en-US" dirty="0"/>
+              <a:t>Models of Computation</a:t>
+            </a:r>
+          </a:p>
+        </p:txBody>
+      </p:sp>
+      <p:sp>
+        <p:nvSpPr>
+          <p:cNvPr id="4" name="TextBox 3">
+            <a:extLst>
+              <a:ext uri="{FF2B5EF4-FFF2-40B4-BE49-F238E27FC236}">
+                <a16:creationId xmlns:a16="http://schemas.microsoft.com/office/drawing/2014/main" id="{9B84B02C-A1AC-4CA0-B349-4E16229135E5}"/>
+              </a:ext>
+            </a:extLst>
+          </p:cNvPr>
+          <p:cNvSpPr txBox="1"/>
+          <p:nvPr/>
+        </p:nvSpPr>
+        <p:spPr>
+          <a:xfrm>
+            <a:off x="7622367" y="5842421"/>
+            <a:ext cx="4433688" cy="954107"/>
+          </a:xfrm>
+          <a:prstGeom prst="rect">
+            <a:avLst/>
+          </a:prstGeom>
+          <a:noFill/>
+        </p:spPr>
+        <p:txBody>
+          <a:bodyPr wrap="square" rtlCol="0">
+            <a:spAutoFit/>
+          </a:bodyPr>
+          <a:lstStyle/>
+          <a:p>
+            <a:r>
+              <a:rPr lang="en-US" sz="1400">
+                <a:solidFill>
+                  <a:schemeClr val="bg1"/>
+                </a:solidFill>
+              </a:rPr>
+              <a:t>[1] Nicolescu, Gabriela; Mosterman, Pieter J., eds. (2010). Model-Based Design for Embedded Systems. Computational Analysis, Synthesis, and Design of Dynamic Systems. 1. Boca Raton: CRC Press.</a:t>
+            </a:r>
+            <a:endParaRPr lang="en-US" sz="1400" dirty="0">
+              <a:solidFill>
+                <a:schemeClr val="bg1"/>
+              </a:solidFill>
+            </a:endParaRPr>
+          </a:p>
+        </p:txBody>
+      </p:sp>
+      <p:sp>
+        <p:nvSpPr>
+          <p:cNvPr id="5" name="Slide Number Placeholder 4">
+            <a:extLst>
+              <a:ext uri="{FF2B5EF4-FFF2-40B4-BE49-F238E27FC236}">
+                <a16:creationId xmlns:a16="http://schemas.microsoft.com/office/drawing/2014/main" id="{6BC6F85E-AFC3-47E8-A245-FA22ACB004B2}"/>
+              </a:ext>
+            </a:extLst>
+          </p:cNvPr>
+          <p:cNvSpPr>
+            <a:spLocks noGrp="1"/>
+          </p:cNvSpPr>
+          <p:nvPr>
+            <p:ph type="sldNum" sz="quarter" idx="12"/>
+          </p:nvPr>
+        </p:nvSpPr>
+        <p:spPr/>
+        <p:txBody>
+          <a:bodyPr/>
+          <a:lstStyle/>
+          <a:p>
+            <a:fld id="{29AAD378-655A-49C6-813C-9FD132EF7440}" type="slidenum">
+              <a:rPr lang="en-US" smtClean="0"/>
+              <a:pPr/>
+              <a:t>3</a:t>
+            </a:fld>
+            <a:endParaRPr lang="en-US"/>
+          </a:p>
+        </p:txBody>
+      </p:sp>
+      <p:sp>
+        <p:nvSpPr>
+          <p:cNvPr id="6" name="Content Placeholder 1">
+            <a:extLst>
+              <a:ext uri="{FF2B5EF4-FFF2-40B4-BE49-F238E27FC236}">
+                <a16:creationId xmlns:a16="http://schemas.microsoft.com/office/drawing/2014/main" id="{ECA1F746-D8A3-41B7-9B76-587EBE666B38}"/>
+              </a:ext>
+            </a:extLst>
+          </p:cNvPr>
+          <p:cNvSpPr>
+            <a:spLocks noGrp="1"/>
+          </p:cNvSpPr>
+          <p:nvPr>
+            <p:ph idx="1"/>
+          </p:nvPr>
+        </p:nvSpPr>
+        <p:spPr>
+          <a:xfrm>
+            <a:off x="166681" y="1335505"/>
+            <a:ext cx="11699087" cy="4348536"/>
+          </a:xfrm>
+        </p:spPr>
+        <p:txBody>
+          <a:bodyPr>
+            <a:normAutofit/>
+          </a:bodyPr>
+          <a:lstStyle/>
+          <a:p>
+            <a:r>
+              <a:rPr lang="en-US" dirty="0"/>
+              <a:t>Synchronous Process Models</a:t>
+            </a:r>
+          </a:p>
+          <a:p>
+            <a:r>
+              <a:rPr lang="en-US" dirty="0"/>
+              <a:t>Asynchronous Process Models</a:t>
+            </a:r>
+          </a:p>
+          <a:p>
+            <a:r>
+              <a:rPr lang="en-US" dirty="0">
+                <a:solidFill>
+                  <a:srgbClr val="FF0000"/>
+                </a:solidFill>
+              </a:rPr>
+              <a:t>Timed Models</a:t>
+            </a:r>
+          </a:p>
+          <a:p>
+            <a:pPr lvl="1"/>
+            <a:r>
+              <a:rPr lang="en-US" dirty="0">
+                <a:solidFill>
+                  <a:srgbClr val="FF0000"/>
+                </a:solidFill>
+              </a:rPr>
+              <a:t>Like Asynchronous models, but with explicit time information</a:t>
+            </a:r>
+          </a:p>
+          <a:p>
+            <a:pPr lvl="1"/>
+            <a:r>
+              <a:rPr lang="en-US" dirty="0">
+                <a:solidFill>
+                  <a:srgbClr val="FF0000"/>
+                </a:solidFill>
+              </a:rPr>
+              <a:t>Can make use of global time for coordination</a:t>
+            </a:r>
+          </a:p>
+          <a:p>
+            <a:r>
+              <a:rPr lang="en-US" dirty="0"/>
+              <a:t>Continuous-time models/Dynamical system models</a:t>
+            </a:r>
+          </a:p>
+          <a:p>
+            <a:pPr lvl="1"/>
+            <a:r>
+              <a:rPr lang="en-US" dirty="0"/>
+              <a:t>Like Synchronous, but time evolves continuously</a:t>
+            </a:r>
+          </a:p>
+          <a:p>
+            <a:r>
+              <a:rPr lang="en-US" dirty="0"/>
+              <a:t>Hybrid Dynamical Models</a:t>
+            </a:r>
+          </a:p>
+          <a:p>
+            <a:pPr marL="0" indent="0">
+              <a:buNone/>
+            </a:pPr>
+            <a:endParaRPr lang="en-US" dirty="0"/>
+          </a:p>
+        </p:txBody>
+      </p:sp>
+    </p:spTree>
+    <p:extLst>
+      <p:ext uri="{BB962C8B-B14F-4D97-AF65-F5344CB8AC3E}">
+        <p14:creationId xmlns:p14="http://schemas.microsoft.com/office/powerpoint/2010/main" val="3722014222"/>
+      </p:ext>
+    </p:extLst>
+  </p:cSld>
+  <p:clrMapOvr>
+    <a:masterClrMapping/>
+  </p:clrMapOvr>
+</p:sld>
+</file>
+
+<file path=ppt/slides/slide30.xml><?xml version="1.0" encoding="utf-8"?>
 <p:sld xmlns:a="http://schemas.openxmlformats.org/drawingml/2006/main" xmlns:r="http://schemas.openxmlformats.org/officeDocument/2006/relationships" xmlns:p="http://schemas.openxmlformats.org/presentationml/2006/main" show="0">
   <p:cSld>
     <p:spTree>
@@ -25335,7 +28434,7 @@
             <a:fld id="{29AAD378-655A-49C6-813C-9FD132EF7440}" type="slidenum">
               <a:rPr lang="en-US" smtClean="0"/>
               <a:pPr/>
-              <a:t>29</a:t>
+              <a:t>30</a:t>
             </a:fld>
             <a:endParaRPr lang="en-US" dirty="0"/>
           </a:p>
@@ -26922,237 +30021,7 @@
 </p:sld>
 </file>
 
-<file path=ppt/slides/slide3.xml><?xml version="1.0" encoding="utf-8"?>
-<p:sld xmlns:a="http://schemas.openxmlformats.org/drawingml/2006/main" xmlns:r="http://schemas.openxmlformats.org/officeDocument/2006/relationships" xmlns:p="http://schemas.openxmlformats.org/presentationml/2006/main">
-  <p:cSld>
-    <p:spTree>
-      <p:nvGrpSpPr>
-        <p:cNvPr id="1" name=""/>
-        <p:cNvGrpSpPr/>
-        <p:nvPr/>
-      </p:nvGrpSpPr>
-      <p:grpSpPr>
-        <a:xfrm>
-          <a:off x="0" y="0"/>
-          <a:ext cx="0" cy="0"/>
-          <a:chOff x="0" y="0"/>
-          <a:chExt cx="0" cy="0"/>
-        </a:xfrm>
-      </p:grpSpPr>
-      <p:sp>
-        <p:nvSpPr>
-          <p:cNvPr id="3" name="Title 2">
-            <a:extLst>
-              <a:ext uri="{FF2B5EF4-FFF2-40B4-BE49-F238E27FC236}">
-                <a16:creationId xmlns:a16="http://schemas.microsoft.com/office/drawing/2014/main" id="{1434F66F-00EF-439B-BAD2-CBF16A36325F}"/>
-              </a:ext>
-            </a:extLst>
-          </p:cNvPr>
-          <p:cNvSpPr>
-            <a:spLocks noGrp="1"/>
-          </p:cNvSpPr>
-          <p:nvPr>
-            <p:ph type="title"/>
-          </p:nvPr>
-        </p:nvSpPr>
-        <p:spPr/>
-        <p:txBody>
-          <a:bodyPr/>
-          <a:lstStyle/>
-          <a:p>
-            <a:r>
-              <a:rPr lang="en-US" dirty="0"/>
-              <a:t>Models of Computation</a:t>
-            </a:r>
-          </a:p>
-        </p:txBody>
-      </p:sp>
-      <p:sp>
-        <p:nvSpPr>
-          <p:cNvPr id="4" name="TextBox 3">
-            <a:extLst>
-              <a:ext uri="{FF2B5EF4-FFF2-40B4-BE49-F238E27FC236}">
-                <a16:creationId xmlns:a16="http://schemas.microsoft.com/office/drawing/2014/main" id="{9B84B02C-A1AC-4CA0-B349-4E16229135E5}"/>
-              </a:ext>
-            </a:extLst>
-          </p:cNvPr>
-          <p:cNvSpPr txBox="1"/>
-          <p:nvPr/>
-        </p:nvSpPr>
-        <p:spPr>
-          <a:xfrm>
-            <a:off x="7622367" y="5842421"/>
-            <a:ext cx="4433688" cy="954107"/>
-          </a:xfrm>
-          <a:prstGeom prst="rect">
-            <a:avLst/>
-          </a:prstGeom>
-          <a:noFill/>
-        </p:spPr>
-        <p:txBody>
-          <a:bodyPr wrap="square" rtlCol="0">
-            <a:spAutoFit/>
-          </a:bodyPr>
-          <a:lstStyle/>
-          <a:p>
-            <a:r>
-              <a:rPr lang="en-US" sz="1400">
-                <a:solidFill>
-                  <a:schemeClr val="bg1"/>
-                </a:solidFill>
-              </a:rPr>
-              <a:t>[1] Nicolescu, Gabriela; Mosterman, Pieter J., eds. (2010). Model-Based Design for Embedded Systems. Computational Analysis, Synthesis, and Design of Dynamic Systems. 1. Boca Raton: CRC Press.</a:t>
-            </a:r>
-            <a:endParaRPr lang="en-US" sz="1400" dirty="0">
-              <a:solidFill>
-                <a:schemeClr val="bg1"/>
-              </a:solidFill>
-            </a:endParaRPr>
-          </a:p>
-        </p:txBody>
-      </p:sp>
-      <p:sp>
-        <p:nvSpPr>
-          <p:cNvPr id="5" name="Slide Number Placeholder 4">
-            <a:extLst>
-              <a:ext uri="{FF2B5EF4-FFF2-40B4-BE49-F238E27FC236}">
-                <a16:creationId xmlns:a16="http://schemas.microsoft.com/office/drawing/2014/main" id="{6BC6F85E-AFC3-47E8-A245-FA22ACB004B2}"/>
-              </a:ext>
-            </a:extLst>
-          </p:cNvPr>
-          <p:cNvSpPr>
-            <a:spLocks noGrp="1"/>
-          </p:cNvSpPr>
-          <p:nvPr>
-            <p:ph type="sldNum" sz="quarter" idx="12"/>
-          </p:nvPr>
-        </p:nvSpPr>
-        <p:spPr/>
-        <p:txBody>
-          <a:bodyPr/>
-          <a:lstStyle/>
-          <a:p>
-            <a:fld id="{29AAD378-655A-49C6-813C-9FD132EF7440}" type="slidenum">
-              <a:rPr lang="en-US" smtClean="0"/>
-              <a:pPr/>
-              <a:t>3</a:t>
-            </a:fld>
-            <a:endParaRPr lang="en-US"/>
-          </a:p>
-        </p:txBody>
-      </p:sp>
-      <p:sp>
-        <p:nvSpPr>
-          <p:cNvPr id="6" name="Content Placeholder 1">
-            <a:extLst>
-              <a:ext uri="{FF2B5EF4-FFF2-40B4-BE49-F238E27FC236}">
-                <a16:creationId xmlns:a16="http://schemas.microsoft.com/office/drawing/2014/main" id="{ECA1F746-D8A3-41B7-9B76-587EBE666B38}"/>
-              </a:ext>
-            </a:extLst>
-          </p:cNvPr>
-          <p:cNvSpPr>
-            <a:spLocks noGrp="1"/>
-          </p:cNvSpPr>
-          <p:nvPr>
-            <p:ph idx="1"/>
-          </p:nvPr>
-        </p:nvSpPr>
-        <p:spPr>
-          <a:xfrm>
-            <a:off x="166681" y="1335505"/>
-            <a:ext cx="11699087" cy="4348536"/>
-          </a:xfrm>
-        </p:spPr>
-        <p:txBody>
-          <a:bodyPr>
-            <a:normAutofit/>
-          </a:bodyPr>
-          <a:lstStyle/>
-          <a:p>
-            <a:r>
-              <a:rPr lang="en-US" dirty="0"/>
-              <a:t>Synchronous Process Models</a:t>
-            </a:r>
-          </a:p>
-          <a:p>
-            <a:r>
-              <a:rPr lang="en-US" dirty="0"/>
-              <a:t>Asynchronous Process Models</a:t>
-            </a:r>
-          </a:p>
-          <a:p>
-            <a:r>
-              <a:rPr lang="en-US" dirty="0">
-                <a:solidFill>
-                  <a:srgbClr val="FF0000"/>
-                </a:solidFill>
-              </a:rPr>
-              <a:t>Timed Models</a:t>
-            </a:r>
-          </a:p>
-          <a:p>
-            <a:pPr lvl="1"/>
-            <a:r>
-              <a:rPr lang="en-US" dirty="0">
-                <a:solidFill>
-                  <a:srgbClr val="FF0000"/>
-                </a:solidFill>
-              </a:rPr>
-              <a:t>Like Asynchronous models, but with explicit time information</a:t>
-            </a:r>
-          </a:p>
-          <a:p>
-            <a:pPr lvl="1"/>
-            <a:r>
-              <a:rPr lang="en-US" dirty="0">
-                <a:solidFill>
-                  <a:srgbClr val="FF0000"/>
-                </a:solidFill>
-              </a:rPr>
-              <a:t>Can make use of global time for coordination</a:t>
-            </a:r>
-          </a:p>
-          <a:p>
-            <a:r>
-              <a:rPr lang="en-US" dirty="0"/>
-              <a:t>Continuous-time models/Dynamical system models</a:t>
-            </a:r>
-          </a:p>
-          <a:p>
-            <a:pPr lvl="1"/>
-            <a:r>
-              <a:rPr lang="en-US" dirty="0"/>
-              <a:t>Like Synchronous, but time evolves continuously</a:t>
-            </a:r>
-          </a:p>
-          <a:p>
-            <a:r>
-              <a:rPr lang="en-US" dirty="0"/>
-              <a:t>Hybrid Dynamical Models</a:t>
-            </a:r>
-          </a:p>
-          <a:p>
-            <a:pPr marL="0" indent="0">
-              <a:buNone/>
-            </a:pPr>
-            <a:endParaRPr lang="en-US" dirty="0"/>
-          </a:p>
-        </p:txBody>
-      </p:sp>
-    </p:spTree>
-    <p:extLst>
-      <p:ext uri="{BB962C8B-B14F-4D97-AF65-F5344CB8AC3E}">
-        <p14:creationId xmlns:p14="http://schemas.microsoft.com/office/powerpoint/2010/main" val="3722014222"/>
-      </p:ext>
-    </p:extLst>
-  </p:cSld>
-  <p:clrMapOvr>
-    <a:masterClrMapping/>
-  </p:clrMapOvr>
-</p:sld>
-</file>
-
-<file path=ppt/slides/slide30.xml><?xml version="1.0" encoding="utf-8"?>
+<file path=ppt/slides/slide31.xml><?xml version="1.0" encoding="utf-8"?>
 <p:sld xmlns:a="http://schemas.openxmlformats.org/drawingml/2006/main" xmlns:r="http://schemas.openxmlformats.org/officeDocument/2006/relationships" xmlns:p="http://schemas.openxmlformats.org/presentationml/2006/main" show="0">
   <p:cSld>
     <p:spTree>
@@ -27295,7 +30164,7 @@
             <a:fld id="{29AAD378-655A-49C6-813C-9FD132EF7440}" type="slidenum">
               <a:rPr lang="en-US" smtClean="0"/>
               <a:pPr/>
-              <a:t>30</a:t>
+              <a:t>31</a:t>
             </a:fld>
             <a:endParaRPr lang="en-US" dirty="0"/>
           </a:p>
@@ -36264,8 +39133,8 @@
             </a:fontRef>
           </p:style>
         </p:cxnSp>
-        <mc:AlternateContent xmlns:mc="http://schemas.openxmlformats.org/markup-compatibility/2006">
-          <mc:Choice xmlns:a14="http://schemas.microsoft.com/office/drawing/2010/main" Requires="a14">
+        <mc:AlternateContent xmlns:mc="http://schemas.openxmlformats.org/markup-compatibility/2006" xmlns:a14="http://schemas.microsoft.com/office/drawing/2010/main">
+          <mc:Choice Requires="a14">
             <p:sp>
               <p:nvSpPr>
                 <p:cNvPr id="11" name="TextBox 10">
@@ -36348,7 +39217,7 @@
               </p:txBody>
             </p:sp>
           </mc:Choice>
-          <mc:Fallback>
+          <mc:Fallback xmlns="">
             <p:sp>
               <p:nvSpPr>
                 <p:cNvPr id="11" name="TextBox 10">
@@ -36393,8 +39262,8 @@
             </p:sp>
           </mc:Fallback>
         </mc:AlternateContent>
-        <mc:AlternateContent xmlns:mc="http://schemas.openxmlformats.org/markup-compatibility/2006">
-          <mc:Choice xmlns:a14="http://schemas.microsoft.com/office/drawing/2010/main" Requires="a14">
+        <mc:AlternateContent xmlns:mc="http://schemas.openxmlformats.org/markup-compatibility/2006" xmlns:a14="http://schemas.microsoft.com/office/drawing/2010/main">
+          <mc:Choice Requires="a14">
             <p:sp>
               <p:nvSpPr>
                 <p:cNvPr id="12" name="TextBox 11">
@@ -36476,7 +39345,7 @@
               </p:txBody>
             </p:sp>
           </mc:Choice>
-          <mc:Fallback>
+          <mc:Fallback xmlns="">
             <p:sp>
               <p:nvSpPr>
                 <p:cNvPr id="12" name="TextBox 11">
@@ -36521,8 +39390,8 @@
             </p:sp>
           </mc:Fallback>
         </mc:AlternateContent>
-        <mc:AlternateContent xmlns:mc="http://schemas.openxmlformats.org/markup-compatibility/2006">
-          <mc:Choice xmlns:a14="http://schemas.microsoft.com/office/drawing/2010/main" Requires="a14">
+        <mc:AlternateContent xmlns:mc="http://schemas.openxmlformats.org/markup-compatibility/2006" xmlns:a14="http://schemas.microsoft.com/office/drawing/2010/main">
+          <mc:Choice Requires="a14">
             <p:sp>
               <p:nvSpPr>
                 <p:cNvPr id="13" name="TextBox 12">
@@ -36627,7 +39496,7 @@
               </p:txBody>
             </p:sp>
           </mc:Choice>
-          <mc:Fallback>
+          <mc:Fallback xmlns="">
             <p:sp>
               <p:nvSpPr>
                 <p:cNvPr id="13" name="TextBox 12">
@@ -36673,8 +39542,8 @@
           </mc:Fallback>
         </mc:AlternateContent>
       </p:grpSp>
-      <mc:AlternateContent xmlns:mc="http://schemas.openxmlformats.org/markup-compatibility/2006">
-        <mc:Choice xmlns:a14="http://schemas.microsoft.com/office/drawing/2010/main" Requires="a14">
+      <mc:AlternateContent xmlns:mc="http://schemas.openxmlformats.org/markup-compatibility/2006" xmlns:a14="http://schemas.microsoft.com/office/drawing/2010/main">
+        <mc:Choice Requires="a14">
           <p:sp>
             <p:nvSpPr>
               <p:cNvPr id="14" name="TextBox 13">
@@ -36749,7 +39618,7 @@
             </p:txBody>
           </p:sp>
         </mc:Choice>
-        <mc:Fallback>
+        <mc:Fallback xmlns="">
           <p:sp>
             <p:nvSpPr>
               <p:cNvPr id="14" name="TextBox 13">
@@ -36882,8 +39751,8 @@
           </a:p>
         </p:txBody>
       </p:sp>
-      <mc:AlternateContent xmlns:mc="http://schemas.openxmlformats.org/markup-compatibility/2006" xmlns:a14="http://schemas.microsoft.com/office/drawing/2010/main">
-        <mc:Choice Requires="a14">
+      <mc:AlternateContent xmlns:mc="http://schemas.openxmlformats.org/markup-compatibility/2006">
+        <mc:Choice xmlns:a14="http://schemas.microsoft.com/office/drawing/2010/main" Requires="a14">
           <p:sp>
             <p:nvSpPr>
               <p:cNvPr id="15" name="Content Placeholder 1">
@@ -36902,13 +39771,13 @@
             </p:nvSpPr>
             <p:spPr>
               <a:xfrm>
-                <a:off x="5767675" y="1477107"/>
-                <a:ext cx="5972115" cy="4162974"/>
+                <a:off x="5603847" y="1477107"/>
+                <a:ext cx="6350466" cy="4697190"/>
               </a:xfrm>
             </p:spPr>
             <p:txBody>
               <a:bodyPr>
-                <a:normAutofit/>
+                <a:normAutofit lnSpcReduction="10000"/>
               </a:bodyPr>
               <a:lstStyle/>
               <a:p>
@@ -36955,7 +39824,45 @@
               <a:p>
                 <a:r>
                   <a:rPr lang="en-US" dirty="0"/>
-                  <a:t>How do we make sure that x does not remain in full mode for </a:t>
+                  <a:t>Guard </a:t>
+                </a:r>
+                <a:r>
+                  <a:rPr lang="en-US" b="1" i="1" dirty="0">
+                    <a:solidFill>
+                      <a:srgbClr val="FF0000"/>
+                    </a:solidFill>
+                  </a:rPr>
+                  <a:t>does not force </a:t>
+                </a:r>
+                <a:r>
+                  <a:rPr lang="en-US" dirty="0"/>
+                  <a:t>transitions</a:t>
+                </a:r>
+              </a:p>
+              <a:p>
+                <a:pPr lvl="1"/>
+                <a14:m>
+                  <m:oMath xmlns:m="http://schemas.openxmlformats.org/officeDocument/2006/math">
+                    <m:r>
+                      <m:rPr>
+                        <m:sty m:val="p"/>
+                      </m:rPr>
+                      <a:rPr lang="en-US" b="0" i="0" smtClean="0">
+                        <a:latin typeface="Cambria Math" panose="02040503050406030204" pitchFamily="18" charset="0"/>
+                      </a:rPr>
+                      <m:t>c</m:t>
+                    </m:r>
+                  </m:oMath>
+                </a14:m>
+                <a:r>
+                  <a:rPr lang="en-US" dirty="0"/>
+                  <a:t> can keep increasing while process remains in mode full</a:t>
+                </a:r>
+              </a:p>
+              <a:p>
+                <a:r>
+                  <a:rPr lang="en-US" dirty="0"/>
+                  <a:t>How do we make sure that process does not remain in full mode for </a:t>
                 </a:r>
                 <a:r>
                   <a:rPr lang="en-US" dirty="0">
@@ -36973,7 +39880,7 @@
             </p:txBody>
           </p:sp>
         </mc:Choice>
-        <mc:Fallback xmlns="">
+        <mc:Fallback>
           <p:sp>
             <p:nvSpPr>
               <p:cNvPr id="15" name="Content Placeholder 1">
@@ -36992,13 +39899,13 @@
             </p:nvSpPr>
             <p:spPr>
               <a:xfrm>
-                <a:off x="5767675" y="1477107"/>
-                <a:ext cx="5972115" cy="4162974"/>
+                <a:off x="5603847" y="1477107"/>
+                <a:ext cx="6350466" cy="4697190"/>
               </a:xfrm>
               <a:blipFill>
                 <a:blip r:embed="rId2"/>
                 <a:stretch>
-                  <a:fillRect l="-1224" t="-2343" r="-3367"/>
+                  <a:fillRect l="-1152" t="-2853"/>
                 </a:stretch>
               </a:blipFill>
             </p:spPr>

--- a/teaching/cs513slides/lecture2-Timed-Models.pptx
+++ b/teaching/cs513slides/lecture2-Timed-Models.pptx
@@ -245,7 +245,7 @@
           <a:p>
             <a:fld id="{459B985A-4C37-4D1F-A437-E4A951A85D11}" type="datetimeFigureOut">
               <a:rPr lang="en-US" smtClean="0"/>
-              <a:t>8/30/2021</a:t>
+              <a:t>8/29/2022</a:t>
             </a:fld>
             <a:endParaRPr lang="en-US"/>
           </a:p>
@@ -422,7 +422,7 @@
           <a:p>
             <a:fld id="{6580C23F-98B7-41D4-A9FA-15A275A51486}" type="datetimeFigureOut">
               <a:rPr lang="en-US" smtClean="0"/>
-              <a:t>8/30/2021</a:t>
+              <a:t>8/29/2022</a:t>
             </a:fld>
             <a:endParaRPr lang="en-US"/>
           </a:p>
@@ -905,79 +905,6 @@
       </p:sp>
       <p:sp>
         <p:nvSpPr>
-          <p:cNvPr id="4" name="Rectangle 3">
-            <a:extLst>
-              <a:ext uri="{FF2B5EF4-FFF2-40B4-BE49-F238E27FC236}">
-                <a16:creationId xmlns:a16="http://schemas.microsoft.com/office/drawing/2014/main" id="{1657F5AA-84B2-4192-9300-E111F299E971}"/>
-              </a:ext>
-            </a:extLst>
-          </p:cNvPr>
-          <p:cNvSpPr/>
-          <p:nvPr userDrawn="1"/>
-        </p:nvSpPr>
-        <p:spPr>
-          <a:xfrm>
-            <a:off x="0" y="6223000"/>
-            <a:ext cx="12192000" cy="635000"/>
-          </a:xfrm>
-          <a:prstGeom prst="rect">
-            <a:avLst/>
-          </a:prstGeom>
-          <a:solidFill>
-            <a:srgbClr val="990000"/>
-          </a:solidFill>
-          <a:ln w="9525" cap="flat" cmpd="sng" algn="ctr">
-            <a:noFill/>
-            <a:prstDash val="solid"/>
-          </a:ln>
-          <a:effectLst>
-            <a:outerShdw blurRad="40000" dist="23000" dir="5400000" rotWithShape="0">
-              <a:srgbClr val="000000">
-                <a:alpha val="35000"/>
-              </a:srgbClr>
-            </a:outerShdw>
-          </a:effectLst>
-        </p:spPr>
-        <p:txBody>
-          <a:bodyPr rtlCol="0" anchor="ctr"/>
-          <a:lstStyle/>
-          <a:p>
-            <a:pPr marL="0" marR="0" lvl="0" indent="0" algn="ctr" defTabSz="457200" eaLnBrk="1" fontAlgn="auto" latinLnBrk="0" hangingPunct="1">
-              <a:lnSpc>
-                <a:spcPct val="100000"/>
-              </a:lnSpc>
-              <a:spcBef>
-                <a:spcPts val="0"/>
-              </a:spcBef>
-              <a:spcAft>
-                <a:spcPts val="0"/>
-              </a:spcAft>
-              <a:buClrTx/>
-              <a:buSzTx/>
-              <a:buFontTx/>
-              <a:buNone/>
-              <a:tabLst/>
-              <a:defRPr/>
-            </a:pPr>
-            <a:endParaRPr kumimoji="0" lang="en-US" sz="4000" b="0" i="0" u="none" strike="noStrike" kern="0" cap="none" spc="0" normalizeH="0" baseline="0" noProof="0" dirty="0">
-              <a:ln>
-                <a:noFill/>
-              </a:ln>
-              <a:solidFill>
-                <a:srgbClr val="FFC000"/>
-              </a:solidFill>
-              <a:effectLst/>
-              <a:uLnTx/>
-              <a:uFillTx/>
-              <a:latin typeface="Times New Roman" panose="02020603050405020304" pitchFamily="18" charset="0"/>
-              <a:ea typeface="+mn-ea"/>
-              <a:cs typeface="Times New Roman" panose="02020603050405020304" pitchFamily="18" charset="0"/>
-            </a:endParaRPr>
-          </a:p>
-        </p:txBody>
-      </p:sp>
-      <p:sp>
-        <p:nvSpPr>
           <p:cNvPr id="5" name="TextBox 4">
             <a:extLst>
               <a:ext uri="{FF2B5EF4-FFF2-40B4-BE49-F238E27FC236}">
@@ -1008,7 +935,7 @@
             <a:r>
               <a:rPr lang="en-US" sz="1800" b="1" dirty="0">
                 <a:solidFill>
-                  <a:srgbClr val="FFC000"/>
+                  <a:srgbClr val="C00000"/>
                 </a:solidFill>
                 <a:latin typeface="Times New Roman" panose="02020603050405020304" pitchFamily="18" charset="0"/>
                 <a:cs typeface="Times New Roman" panose="02020603050405020304" pitchFamily="18" charset="0"/>
@@ -1018,7 +945,7 @@
             <a:r>
               <a:rPr lang="en-US" sz="1800" dirty="0">
                 <a:solidFill>
-                  <a:srgbClr val="FFC000"/>
+                  <a:srgbClr val="C00000"/>
                 </a:solidFill>
                 <a:latin typeface="Times New Roman" panose="02020603050405020304" pitchFamily="18" charset="0"/>
                 <a:cs typeface="Times New Roman" panose="02020603050405020304" pitchFamily="18" charset="0"/>
@@ -1031,7 +958,7 @@
             <a:r>
               <a:rPr lang="en-US" sz="1050" dirty="0">
                 <a:solidFill>
-                  <a:srgbClr val="FFC000"/>
+                  <a:srgbClr val="C00000"/>
                 </a:solidFill>
                 <a:latin typeface="Times New Roman" panose="02020603050405020304" pitchFamily="18" charset="0"/>
                 <a:cs typeface="Times New Roman" panose="02020603050405020304" pitchFamily="18" charset="0"/>
@@ -1044,7 +971,7 @@
             <a:r>
               <a:rPr lang="en-US" sz="1050" dirty="0">
                 <a:solidFill>
-                  <a:srgbClr val="FFC000"/>
+                  <a:srgbClr val="C00000"/>
                 </a:solidFill>
                 <a:latin typeface="Garamond" panose="02020404030301010803" pitchFamily="18" charset="0"/>
                 <a:cs typeface="Times New Roman" panose="02020603050405020304" pitchFamily="18" charset="0"/>
@@ -1054,7 +981,7 @@
             <a:r>
               <a:rPr lang="en-US" sz="1050" i="1" dirty="0">
                 <a:solidFill>
-                  <a:srgbClr val="FFC000"/>
+                  <a:srgbClr val="C00000"/>
                 </a:solidFill>
                 <a:latin typeface="Garamond" panose="02020404030301010803" pitchFamily="18" charset="0"/>
                 <a:cs typeface="Times New Roman" panose="02020603050405020304" pitchFamily="18" charset="0"/>
@@ -1112,8 +1039,8 @@
         </p:nvSpPr>
         <p:spPr>
           <a:xfrm>
-            <a:off x="166681" y="1332703"/>
-            <a:ext cx="11699087" cy="4351338"/>
+            <a:off x="166681" y="927279"/>
+            <a:ext cx="11699087" cy="4756762"/>
           </a:xfrm>
           <a:prstGeom prst="rect">
             <a:avLst/>
@@ -1216,7 +1143,7 @@
           <p:nvPr userDrawn="1"/>
         </p:nvPicPr>
         <mc:AlternateContent xmlns:mc="http://schemas.openxmlformats.org/markup-compatibility/2006">
-          <mc:Choice xmlns:ma="http://schemas.microsoft.com/office/mac/drawingml/2008/main" xmlns:mv="urn:schemas-microsoft-com:mac:vml" xmlns="" Requires="ma">
+          <mc:Choice xmlns="" xmlns:mv="urn:schemas-microsoft-com:mac:vml" xmlns:ma="http://schemas.microsoft.com/office/mac/drawingml/2008/main" Requires="ma">
             <p:blipFill>
               <a:blip r:embed="rId3"/>
               <a:stretch>
@@ -1235,7 +1162,7 @@
         </mc:AlternateContent>
         <p:spPr>
           <a:xfrm>
-            <a:off x="11194348" y="464476"/>
+            <a:off x="11161308" y="65138"/>
             <a:ext cx="997652" cy="748239"/>
           </a:xfrm>
           <a:prstGeom prst="rect">
@@ -1243,152 +1170,6 @@
           </a:prstGeom>
         </p:spPr>
       </p:pic>
-      <p:sp>
-        <p:nvSpPr>
-          <p:cNvPr id="13" name="Rectangle 12">
-            <a:extLst>
-              <a:ext uri="{FF2B5EF4-FFF2-40B4-BE49-F238E27FC236}">
-                <a16:creationId xmlns:a16="http://schemas.microsoft.com/office/drawing/2014/main" id="{26381F13-A4A4-444E-9C5F-0C7501D9BF81}"/>
-              </a:ext>
-            </a:extLst>
-          </p:cNvPr>
-          <p:cNvSpPr/>
-          <p:nvPr userDrawn="1"/>
-        </p:nvSpPr>
-        <p:spPr>
-          <a:xfrm>
-            <a:off x="0" y="2713"/>
-            <a:ext cx="12192000" cy="302605"/>
-          </a:xfrm>
-          <a:prstGeom prst="rect">
-            <a:avLst/>
-          </a:prstGeom>
-          <a:solidFill>
-            <a:srgbClr val="990000"/>
-          </a:solidFill>
-          <a:ln w="9525" cap="flat" cmpd="sng" algn="ctr">
-            <a:noFill/>
-            <a:prstDash val="solid"/>
-          </a:ln>
-          <a:effectLst>
-            <a:outerShdw blurRad="40000" dist="23000" dir="5400000" rotWithShape="0">
-              <a:srgbClr val="000000">
-                <a:alpha val="35000"/>
-              </a:srgbClr>
-            </a:outerShdw>
-          </a:effectLst>
-        </p:spPr>
-        <p:txBody>
-          <a:bodyPr rtlCol="0" anchor="ctr"/>
-          <a:lstStyle/>
-          <a:p>
-            <a:pPr marL="0" marR="0" lvl="0" indent="0" algn="ctr" defTabSz="457200" eaLnBrk="1" fontAlgn="auto" latinLnBrk="0" hangingPunct="1">
-              <a:lnSpc>
-                <a:spcPct val="100000"/>
-              </a:lnSpc>
-              <a:spcBef>
-                <a:spcPts val="0"/>
-              </a:spcBef>
-              <a:spcAft>
-                <a:spcPts val="0"/>
-              </a:spcAft>
-              <a:buClrTx/>
-              <a:buSzTx/>
-              <a:buFontTx/>
-              <a:buNone/>
-              <a:tabLst/>
-              <a:defRPr/>
-            </a:pPr>
-            <a:endParaRPr kumimoji="0" lang="en-US" sz="4000" b="0" i="0" u="none" strike="noStrike" kern="0" cap="none" spc="0" normalizeH="0" baseline="0" noProof="0" dirty="0">
-              <a:ln>
-                <a:noFill/>
-              </a:ln>
-              <a:solidFill>
-                <a:prstClr val="white"/>
-              </a:solidFill>
-              <a:effectLst/>
-              <a:uLnTx/>
-              <a:uFillTx/>
-              <a:latin typeface="Times New Roman" panose="02020603050405020304" pitchFamily="18" charset="0"/>
-              <a:ea typeface="+mn-ea"/>
-              <a:cs typeface="Times New Roman" panose="02020603050405020304" pitchFamily="18" charset="0"/>
-            </a:endParaRPr>
-          </a:p>
-        </p:txBody>
-      </p:sp>
-      <p:sp>
-        <p:nvSpPr>
-          <p:cNvPr id="14" name="Rectangle 13">
-            <a:extLst>
-              <a:ext uri="{FF2B5EF4-FFF2-40B4-BE49-F238E27FC236}">
-                <a16:creationId xmlns:a16="http://schemas.microsoft.com/office/drawing/2014/main" id="{3477AB79-4F9F-47F3-934B-DC6AA693504D}"/>
-              </a:ext>
-            </a:extLst>
-          </p:cNvPr>
-          <p:cNvSpPr/>
-          <p:nvPr userDrawn="1"/>
-        </p:nvSpPr>
-        <p:spPr>
-          <a:xfrm flipV="1">
-            <a:off x="9522" y="294440"/>
-            <a:ext cx="12192000" cy="50800"/>
-          </a:xfrm>
-          <a:prstGeom prst="rect">
-            <a:avLst/>
-          </a:prstGeom>
-          <a:solidFill>
-            <a:srgbClr val="FFCC00"/>
-          </a:solidFill>
-          <a:ln w="9525" cap="flat" cmpd="sng" algn="ctr">
-            <a:noFill/>
-            <a:prstDash val="solid"/>
-          </a:ln>
-          <a:effectLst>
-            <a:outerShdw blurRad="40000" dist="20000" dir="5400000" rotWithShape="0">
-              <a:srgbClr val="000000">
-                <a:alpha val="38000"/>
-              </a:srgbClr>
-            </a:outerShdw>
-          </a:effectLst>
-        </p:spPr>
-        <p:txBody>
-          <a:bodyPr rtlCol="0" anchor="ctr"/>
-          <a:lstStyle/>
-          <a:p>
-            <a:pPr marL="0" marR="0" lvl="0" indent="0" algn="ctr" defTabSz="457200" eaLnBrk="1" fontAlgn="auto" latinLnBrk="0" hangingPunct="1">
-              <a:lnSpc>
-                <a:spcPct val="100000"/>
-              </a:lnSpc>
-              <a:spcBef>
-                <a:spcPts val="0"/>
-              </a:spcBef>
-              <a:spcAft>
-                <a:spcPts val="0"/>
-              </a:spcAft>
-              <a:buClrTx/>
-              <a:buSzTx/>
-              <a:buFontTx/>
-              <a:buNone/>
-              <a:tabLst/>
-              <a:defRPr/>
-            </a:pPr>
-            <a:endParaRPr kumimoji="0" lang="en-US" sz="1800" b="0" i="0" u="none" strike="noStrike" kern="0" cap="none" spc="0" normalizeH="0" baseline="0" noProof="0">
-              <a:ln>
-                <a:noFill/>
-              </a:ln>
-              <a:solidFill>
-                <a:srgbClr val="990000"/>
-              </a:solidFill>
-              <a:effectLst/>
-              <a:uLnTx/>
-              <a:uFillTx/>
-              <a:latin typeface="Calibri" panose="020F0502020204030204"/>
-              <a:ea typeface="+mn-ea"/>
-              <a:cs typeface="+mn-cs"/>
-            </a:endParaRPr>
-          </a:p>
-        </p:txBody>
-      </p:sp>
       <p:sp>
         <p:nvSpPr>
           <p:cNvPr id="17" name="Title 16">
@@ -1407,7 +1188,7 @@
         </p:nvSpPr>
         <p:spPr>
           <a:xfrm>
-            <a:off x="166680" y="430374"/>
+            <a:off x="166681" y="65138"/>
             <a:ext cx="10920419" cy="778828"/>
           </a:xfrm>
           <a:prstGeom prst="rect">
@@ -1481,79 +1262,6 @@
       </p:sp>
       <p:sp>
         <p:nvSpPr>
-          <p:cNvPr id="2" name="Rectangle 1">
-            <a:extLst>
-              <a:ext uri="{FF2B5EF4-FFF2-40B4-BE49-F238E27FC236}">
-                <a16:creationId xmlns:a16="http://schemas.microsoft.com/office/drawing/2014/main" id="{3FCCBD30-1AE3-4B91-A467-60C7B457AA6B}"/>
-              </a:ext>
-            </a:extLst>
-          </p:cNvPr>
-          <p:cNvSpPr/>
-          <p:nvPr userDrawn="1"/>
-        </p:nvSpPr>
-        <p:spPr>
-          <a:xfrm>
-            <a:off x="0" y="6223000"/>
-            <a:ext cx="12192000" cy="635000"/>
-          </a:xfrm>
-          <a:prstGeom prst="rect">
-            <a:avLst/>
-          </a:prstGeom>
-          <a:solidFill>
-            <a:srgbClr val="990000"/>
-          </a:solidFill>
-          <a:ln w="9525" cap="flat" cmpd="sng" algn="ctr">
-            <a:noFill/>
-            <a:prstDash val="solid"/>
-          </a:ln>
-          <a:effectLst>
-            <a:outerShdw blurRad="40000" dist="23000" dir="5400000" rotWithShape="0">
-              <a:srgbClr val="000000">
-                <a:alpha val="35000"/>
-              </a:srgbClr>
-            </a:outerShdw>
-          </a:effectLst>
-        </p:spPr>
-        <p:txBody>
-          <a:bodyPr rtlCol="0" anchor="ctr"/>
-          <a:lstStyle/>
-          <a:p>
-            <a:pPr marL="0" marR="0" lvl="0" indent="0" algn="ctr" defTabSz="457200" eaLnBrk="1" fontAlgn="auto" latinLnBrk="0" hangingPunct="1">
-              <a:lnSpc>
-                <a:spcPct val="100000"/>
-              </a:lnSpc>
-              <a:spcBef>
-                <a:spcPts val="0"/>
-              </a:spcBef>
-              <a:spcAft>
-                <a:spcPts val="0"/>
-              </a:spcAft>
-              <a:buClrTx/>
-              <a:buSzTx/>
-              <a:buFontTx/>
-              <a:buNone/>
-              <a:tabLst/>
-              <a:defRPr/>
-            </a:pPr>
-            <a:endParaRPr kumimoji="0" lang="en-US" sz="4000" b="0" i="0" u="none" strike="noStrike" kern="0" cap="none" spc="0" normalizeH="0" baseline="0" noProof="0" dirty="0">
-              <a:ln>
-                <a:noFill/>
-              </a:ln>
-              <a:solidFill>
-                <a:srgbClr val="FFC000"/>
-              </a:solidFill>
-              <a:effectLst/>
-              <a:uLnTx/>
-              <a:uFillTx/>
-              <a:latin typeface="Times New Roman" panose="02020603050405020304" pitchFamily="18" charset="0"/>
-              <a:ea typeface="+mn-ea"/>
-              <a:cs typeface="Times New Roman" panose="02020603050405020304" pitchFamily="18" charset="0"/>
-            </a:endParaRPr>
-          </a:p>
-        </p:txBody>
-      </p:sp>
-      <p:sp>
-        <p:nvSpPr>
           <p:cNvPr id="3" name="TextBox 2">
             <a:extLst>
               <a:ext uri="{FF2B5EF4-FFF2-40B4-BE49-F238E27FC236}">
@@ -1584,7 +1292,7 @@
             <a:r>
               <a:rPr lang="en-US" sz="1800" b="1" dirty="0">
                 <a:solidFill>
-                  <a:srgbClr val="FFC000"/>
+                  <a:srgbClr val="C00000"/>
                 </a:solidFill>
                 <a:latin typeface="Times New Roman" panose="02020603050405020304" pitchFamily="18" charset="0"/>
                 <a:cs typeface="Times New Roman" panose="02020603050405020304" pitchFamily="18" charset="0"/>
@@ -1594,7 +1302,7 @@
             <a:r>
               <a:rPr lang="en-US" sz="1800" dirty="0">
                 <a:solidFill>
-                  <a:srgbClr val="FFC000"/>
+                  <a:srgbClr val="C00000"/>
                 </a:solidFill>
                 <a:latin typeface="Times New Roman" panose="02020603050405020304" pitchFamily="18" charset="0"/>
                 <a:cs typeface="Times New Roman" panose="02020603050405020304" pitchFamily="18" charset="0"/>
@@ -1607,7 +1315,7 @@
             <a:r>
               <a:rPr lang="en-US" sz="1050" dirty="0">
                 <a:solidFill>
-                  <a:srgbClr val="FFC000"/>
+                  <a:srgbClr val="C00000"/>
                 </a:solidFill>
                 <a:latin typeface="Times New Roman" panose="02020603050405020304" pitchFamily="18" charset="0"/>
                 <a:cs typeface="Times New Roman" panose="02020603050405020304" pitchFamily="18" charset="0"/>
@@ -1620,7 +1328,7 @@
             <a:r>
               <a:rPr lang="en-US" sz="1050" dirty="0">
                 <a:solidFill>
-                  <a:srgbClr val="FFC000"/>
+                  <a:srgbClr val="C00000"/>
                 </a:solidFill>
                 <a:latin typeface="Garamond" panose="02020404030301010803" pitchFamily="18" charset="0"/>
                 <a:cs typeface="Times New Roman" panose="02020603050405020304" pitchFamily="18" charset="0"/>
@@ -1630,7 +1338,7 @@
             <a:r>
               <a:rPr lang="en-US" sz="1050" i="1" dirty="0">
                 <a:solidFill>
-                  <a:srgbClr val="FFC000"/>
+                  <a:srgbClr val="C00000"/>
                 </a:solidFill>
                 <a:latin typeface="Garamond" panose="02020404030301010803" pitchFamily="18" charset="0"/>
                 <a:cs typeface="Times New Roman" panose="02020603050405020304" pitchFamily="18" charset="0"/>
@@ -2405,7 +2113,7 @@
           <a:p>
             <a:r>
               <a:rPr lang="en-US" dirty="0"/>
-              <a:t>Fall 2021. CSCI 513.</a:t>
+              <a:t>Fall 2022. CSCI 513.</a:t>
             </a:r>
           </a:p>
           <a:p>
@@ -3125,8 +2833,8 @@
               </p:sp>
             </mc:Fallback>
           </mc:AlternateContent>
-          <mc:AlternateContent xmlns:mc="http://schemas.openxmlformats.org/markup-compatibility/2006">
-            <mc:Choice xmlns:a14="http://schemas.microsoft.com/office/drawing/2010/main" Requires="a14">
+          <mc:AlternateContent xmlns:mc="http://schemas.openxmlformats.org/markup-compatibility/2006" xmlns:a14="http://schemas.microsoft.com/office/drawing/2010/main">
+            <mc:Choice Requires="a14">
               <p:sp>
                 <p:nvSpPr>
                   <p:cNvPr id="15" name="Rectangle 14">
@@ -3177,7 +2885,7 @@
                 </p:txBody>
               </p:sp>
             </mc:Choice>
-            <mc:Fallback>
+            <mc:Fallback xmlns="">
               <p:sp>
                 <p:nvSpPr>
                   <p:cNvPr id="15" name="Rectangle 14">
@@ -6506,8 +6214,8 @@
           <a:chExt cx="0" cy="0"/>
         </a:xfrm>
       </p:grpSpPr>
-      <mc:AlternateContent xmlns:mc="http://schemas.openxmlformats.org/markup-compatibility/2006">
-        <mc:Choice xmlns:a14="http://schemas.microsoft.com/office/drawing/2010/main" Requires="a14">
+      <mc:AlternateContent xmlns:mc="http://schemas.openxmlformats.org/markup-compatibility/2006" xmlns:a14="http://schemas.microsoft.com/office/drawing/2010/main">
+        <mc:Choice Requires="a14">
           <p:sp>
             <p:nvSpPr>
               <p:cNvPr id="2" name="Content Placeholder 1">
@@ -6647,7 +6355,7 @@
             </p:txBody>
           </p:sp>
         </mc:Choice>
-        <mc:Fallback>
+        <mc:Fallback xmlns="">
           <p:sp>
             <p:nvSpPr>
               <p:cNvPr id="2" name="Content Placeholder 1">
@@ -7469,8 +7177,8 @@
           </a:p>
         </p:txBody>
       </p:sp>
-      <mc:AlternateContent xmlns:mc="http://schemas.openxmlformats.org/markup-compatibility/2006">
-        <mc:Choice xmlns:a14="http://schemas.microsoft.com/office/drawing/2010/main" Requires="a14">
+      <mc:AlternateContent xmlns:mc="http://schemas.openxmlformats.org/markup-compatibility/2006" xmlns:a14="http://schemas.microsoft.com/office/drawing/2010/main">
+        <mc:Choice Requires="a14">
           <p:sp>
             <p:nvSpPr>
               <p:cNvPr id="25" name="TextBox 24">
@@ -7540,7 +7248,7 @@
             </p:txBody>
           </p:sp>
         </mc:Choice>
-        <mc:Fallback>
+        <mc:Fallback xmlns="">
           <p:sp>
             <p:nvSpPr>
               <p:cNvPr id="25" name="TextBox 24">
@@ -14061,8 +13769,8 @@
           <a:chExt cx="0" cy="0"/>
         </a:xfrm>
       </p:grpSpPr>
-      <mc:AlternateContent xmlns:mc="http://schemas.openxmlformats.org/markup-compatibility/2006">
-        <mc:Choice xmlns:a14="http://schemas.microsoft.com/office/drawing/2010/main" Requires="a14">
+      <mc:AlternateContent xmlns:mc="http://schemas.openxmlformats.org/markup-compatibility/2006" xmlns:a14="http://schemas.microsoft.com/office/drawing/2010/main">
+        <mc:Choice Requires="a14">
           <p:sp>
             <p:nvSpPr>
               <p:cNvPr id="2" name="Content Placeholder 1">
@@ -14393,7 +14101,7 @@
             </p:txBody>
           </p:sp>
         </mc:Choice>
-        <mc:Fallback>
+        <mc:Fallback xmlns="">
           <p:sp>
             <p:nvSpPr>
               <p:cNvPr id="2" name="Content Placeholder 1">
@@ -16745,8 +16453,8 @@
           <a:chExt cx="0" cy="0"/>
         </a:xfrm>
       </p:grpSpPr>
-      <mc:AlternateContent xmlns:mc="http://schemas.openxmlformats.org/markup-compatibility/2006">
-        <mc:Choice xmlns:a14="http://schemas.microsoft.com/office/drawing/2010/main" Requires="a14">
+      <mc:AlternateContent xmlns:mc="http://schemas.openxmlformats.org/markup-compatibility/2006" xmlns:a14="http://schemas.microsoft.com/office/drawing/2010/main">
+        <mc:Choice Requires="a14">
           <p:sp>
             <p:nvSpPr>
               <p:cNvPr id="2" name="Content Placeholder 1">
@@ -17063,7 +16771,7 @@
             </p:txBody>
           </p:sp>
         </mc:Choice>
-        <mc:Fallback>
+        <mc:Fallback xmlns="">
           <p:sp>
             <p:nvSpPr>
               <p:cNvPr id="2" name="Content Placeholder 1">
@@ -39751,8 +39459,8 @@
           </a:p>
         </p:txBody>
       </p:sp>
-      <mc:AlternateContent xmlns:mc="http://schemas.openxmlformats.org/markup-compatibility/2006">
-        <mc:Choice xmlns:a14="http://schemas.microsoft.com/office/drawing/2010/main" Requires="a14">
+      <mc:AlternateContent xmlns:mc="http://schemas.openxmlformats.org/markup-compatibility/2006" xmlns:a14="http://schemas.microsoft.com/office/drawing/2010/main">
+        <mc:Choice Requires="a14">
           <p:sp>
             <p:nvSpPr>
               <p:cNvPr id="15" name="Content Placeholder 1">
@@ -39880,7 +39588,7 @@
             </p:txBody>
           </p:sp>
         </mc:Choice>
-        <mc:Fallback>
+        <mc:Fallback xmlns="">
           <p:sp>
             <p:nvSpPr>
               <p:cNvPr id="15" name="Content Placeholder 1">

--- a/teaching/cs513slides/lecture2-Timed-Models.pptx
+++ b/teaching/cs513slides/lecture2-Timed-Models.pptx
@@ -14,8 +14,8 @@
     <p:sldId id="256" r:id="rId2"/>
     <p:sldId id="278" r:id="rId3"/>
     <p:sldId id="364" r:id="rId4"/>
-    <p:sldId id="312" r:id="rId5"/>
-    <p:sldId id="315" r:id="rId6"/>
+    <p:sldId id="315" r:id="rId5"/>
+    <p:sldId id="312" r:id="rId6"/>
     <p:sldId id="316" r:id="rId7"/>
     <p:sldId id="272" r:id="rId8"/>
     <p:sldId id="289" r:id="rId9"/>
@@ -754,7 +754,7 @@
           <a:p>
             <a:fld id="{E586B107-AA8F-4C65-A94C-468C6EEC3A14}" type="slidenum">
               <a:rPr lang="en-US" smtClean="0"/>
-              <a:t>4</a:t>
+              <a:t>5</a:t>
             </a:fld>
             <a:endParaRPr lang="en-US"/>
           </a:p>
@@ -29908,1339 +29908,6 @@
           <a:chExt cx="0" cy="0"/>
         </a:xfrm>
       </p:grpSpPr>
-      <mc:AlternateContent xmlns:mc="http://schemas.openxmlformats.org/markup-compatibility/2006" xmlns:a14="http://schemas.microsoft.com/office/drawing/2010/main">
-        <mc:Choice Requires="a14">
-          <p:sp>
-            <p:nvSpPr>
-              <p:cNvPr id="2" name="Content Placeholder 1">
-                <a:extLst>
-                  <a:ext uri="{FF2B5EF4-FFF2-40B4-BE49-F238E27FC236}">
-                    <a16:creationId xmlns:a16="http://schemas.microsoft.com/office/drawing/2014/main" id="{AF1413F1-AD40-4865-8F98-875BCB561117}"/>
-                  </a:ext>
-                </a:extLst>
-              </p:cNvPr>
-              <p:cNvSpPr>
-                <a:spLocks noGrp="1"/>
-              </p:cNvSpPr>
-              <p:nvPr>
-                <p:ph idx="1"/>
-              </p:nvPr>
-            </p:nvSpPr>
-            <p:spPr>
-              <a:xfrm>
-                <a:off x="6954708" y="1526733"/>
-                <a:ext cx="4911060" cy="3772668"/>
-              </a:xfrm>
-            </p:spPr>
-            <p:txBody>
-              <a:bodyPr>
-                <a:normAutofit/>
-              </a:bodyPr>
-              <a:lstStyle/>
-              <a:p>
-                <a:r>
-                  <a:rPr lang="en-US" dirty="0"/>
-                  <a:t>Clock variables</a:t>
-                </a:r>
-              </a:p>
-              <a:p>
-                <a:pPr lvl="1"/>
-                <a:r>
-                  <a:rPr lang="en-US" dirty="0"/>
-                  <a:t>Like other state variables, can be used in guards</a:t>
-                </a:r>
-              </a:p>
-              <a:p>
-                <a:pPr lvl="1"/>
-                <a:r>
-                  <a:rPr lang="en-US" dirty="0"/>
-                  <a:t>Can be reset to 0 during mode switches</a:t>
-                </a:r>
-              </a:p>
-              <a:p>
-                <a:pPr lvl="1"/>
-                <a:r>
-                  <a:rPr lang="en-US" dirty="0"/>
-                  <a:t>When the machine is in a given mode for duration </a:t>
-                </a:r>
-                <a14:m>
-                  <m:oMath xmlns:m="http://schemas.openxmlformats.org/officeDocument/2006/math">
-                    <m:r>
-                      <a:rPr lang="en-US" b="0" i="1" smtClean="0">
-                        <a:latin typeface="Cambria Math" panose="02040503050406030204" pitchFamily="18" charset="0"/>
-                      </a:rPr>
-                      <m:t>𝛿</m:t>
-                    </m:r>
-                    <m:r>
-                      <a:rPr lang="en-US" b="0" i="1" smtClean="0">
-                        <a:latin typeface="Cambria Math" panose="02040503050406030204" pitchFamily="18" charset="0"/>
-                      </a:rPr>
-                      <m:t>, </m:t>
-                    </m:r>
-                  </m:oMath>
-                </a14:m>
-                <a:r>
-                  <a:rPr lang="en-US" dirty="0"/>
-                  <a:t>the clock variable increases by </a:t>
-                </a:r>
-                <a14:m>
-                  <m:oMath xmlns:m="http://schemas.openxmlformats.org/officeDocument/2006/math">
-                    <m:r>
-                      <a:rPr lang="en-US" b="0" i="1" smtClean="0">
-                        <a:latin typeface="Cambria Math" panose="02040503050406030204" pitchFamily="18" charset="0"/>
-                      </a:rPr>
-                      <m:t>𝛿</m:t>
-                    </m:r>
-                  </m:oMath>
-                </a14:m>
-                <a:endParaRPr lang="en-US" dirty="0"/>
-              </a:p>
-            </p:txBody>
-          </p:sp>
-        </mc:Choice>
-        <mc:Fallback xmlns="">
-          <p:sp>
-            <p:nvSpPr>
-              <p:cNvPr id="2" name="Content Placeholder 1">
-                <a:extLst>
-                  <a:ext uri="{FF2B5EF4-FFF2-40B4-BE49-F238E27FC236}">
-                    <a16:creationId xmlns:a16="http://schemas.microsoft.com/office/drawing/2014/main" id="{AF1413F1-AD40-4865-8F98-875BCB561117}"/>
-                  </a:ext>
-                </a:extLst>
-              </p:cNvPr>
-              <p:cNvSpPr>
-                <a:spLocks noGrp="1" noRot="1" noChangeAspect="1" noMove="1" noResize="1" noEditPoints="1" noAdjustHandles="1" noChangeArrowheads="1" noChangeShapeType="1" noTextEdit="1"/>
-              </p:cNvSpPr>
-              <p:nvPr>
-                <p:ph idx="1"/>
-              </p:nvPr>
-            </p:nvSpPr>
-            <p:spPr>
-              <a:xfrm>
-                <a:off x="6954708" y="1526733"/>
-                <a:ext cx="4911060" cy="3772668"/>
-              </a:xfrm>
-              <a:blipFill>
-                <a:blip r:embed="rId3"/>
-                <a:stretch>
-                  <a:fillRect l="-1615" t="-2585" b="-3716"/>
-                </a:stretch>
-              </a:blipFill>
-            </p:spPr>
-            <p:txBody>
-              <a:bodyPr/>
-              <a:lstStyle/>
-              <a:p>
-                <a:r>
-                  <a:rPr lang="en-US">
-                    <a:noFill/>
-                  </a:rPr>
-                  <a:t> </a:t>
-                </a:r>
-              </a:p>
-            </p:txBody>
-          </p:sp>
-        </mc:Fallback>
-      </mc:AlternateContent>
-      <p:sp>
-        <p:nvSpPr>
-          <p:cNvPr id="3" name="Title 2">
-            <a:extLst>
-              <a:ext uri="{FF2B5EF4-FFF2-40B4-BE49-F238E27FC236}">
-                <a16:creationId xmlns:a16="http://schemas.microsoft.com/office/drawing/2014/main" id="{E8DE0F86-9BC9-4767-9998-CE9356D1144E}"/>
-              </a:ext>
-            </a:extLst>
-          </p:cNvPr>
-          <p:cNvSpPr>
-            <a:spLocks noGrp="1"/>
-          </p:cNvSpPr>
-          <p:nvPr>
-            <p:ph type="title"/>
-          </p:nvPr>
-        </p:nvSpPr>
-        <p:spPr/>
-        <p:txBody>
-          <a:bodyPr/>
-          <a:lstStyle/>
-          <a:p>
-            <a:r>
-              <a:rPr lang="en-US" dirty="0"/>
-              <a:t>Timed Processes: explicit clock variables</a:t>
-            </a:r>
-          </a:p>
-        </p:txBody>
-      </p:sp>
-      <p:sp>
-        <p:nvSpPr>
-          <p:cNvPr id="4" name="Slide Number Placeholder 3">
-            <a:extLst>
-              <a:ext uri="{FF2B5EF4-FFF2-40B4-BE49-F238E27FC236}">
-                <a16:creationId xmlns:a16="http://schemas.microsoft.com/office/drawing/2014/main" id="{61F29896-4F17-4713-8362-247E6228FFA4}"/>
-              </a:ext>
-            </a:extLst>
-          </p:cNvPr>
-          <p:cNvSpPr>
-            <a:spLocks noGrp="1"/>
-          </p:cNvSpPr>
-          <p:nvPr>
-            <p:ph type="sldNum" sz="quarter" idx="12"/>
-          </p:nvPr>
-        </p:nvSpPr>
-        <p:spPr/>
-        <p:txBody>
-          <a:bodyPr/>
-          <a:lstStyle/>
-          <a:p>
-            <a:fld id="{29AAD378-655A-49C6-813C-9FD132EF7440}" type="slidenum">
-              <a:rPr lang="en-US" smtClean="0"/>
-              <a:pPr/>
-              <a:t>4</a:t>
-            </a:fld>
-            <a:endParaRPr lang="en-US" dirty="0"/>
-          </a:p>
-        </p:txBody>
-      </p:sp>
-      <p:grpSp>
-        <p:nvGrpSpPr>
-          <p:cNvPr id="5" name="Group 4">
-            <a:extLst>
-              <a:ext uri="{FF2B5EF4-FFF2-40B4-BE49-F238E27FC236}">
-                <a16:creationId xmlns:a16="http://schemas.microsoft.com/office/drawing/2014/main" id="{627D46C9-B905-45DC-BCE6-D9F5D597FD12}"/>
-              </a:ext>
-            </a:extLst>
-          </p:cNvPr>
-          <p:cNvGrpSpPr/>
-          <p:nvPr/>
-        </p:nvGrpSpPr>
-        <p:grpSpPr>
-          <a:xfrm>
-            <a:off x="72537" y="1453212"/>
-            <a:ext cx="6960123" cy="2714303"/>
-            <a:chOff x="218533" y="2084624"/>
-            <a:chExt cx="6960123" cy="2714303"/>
-          </a:xfrm>
-        </p:grpSpPr>
-        <p:sp>
-          <p:nvSpPr>
-            <p:cNvPr id="6" name="Oval 5">
-              <a:extLst>
-                <a:ext uri="{FF2B5EF4-FFF2-40B4-BE49-F238E27FC236}">
-                  <a16:creationId xmlns:a16="http://schemas.microsoft.com/office/drawing/2014/main" id="{110424B2-C0EA-4C19-A65F-2208D370E9E0}"/>
-                </a:ext>
-              </a:extLst>
-            </p:cNvPr>
-            <p:cNvSpPr/>
-            <p:nvPr/>
-          </p:nvSpPr>
-          <p:spPr>
-            <a:xfrm>
-              <a:off x="1420201" y="3028057"/>
-              <a:ext cx="826586" cy="624023"/>
-            </a:xfrm>
-            <a:prstGeom prst="ellipse">
-              <a:avLst/>
-            </a:prstGeom>
-            <a:ln w="25400"/>
-          </p:spPr>
-          <p:style>
-            <a:lnRef idx="2">
-              <a:schemeClr val="accent6"/>
-            </a:lnRef>
-            <a:fillRef idx="1">
-              <a:schemeClr val="lt1"/>
-            </a:fillRef>
-            <a:effectRef idx="0">
-              <a:schemeClr val="accent6"/>
-            </a:effectRef>
-            <a:fontRef idx="minor">
-              <a:schemeClr val="dk1"/>
-            </a:fontRef>
-          </p:style>
-          <p:txBody>
-            <a:bodyPr lIns="0" tIns="0" rIns="0" bIns="0" rtlCol="0" anchor="ctr"/>
-            <a:lstStyle/>
-            <a:p>
-              <a:pPr algn="ctr"/>
-              <a:r>
-                <a:rPr lang="en-US" dirty="0"/>
-                <a:t>off</a:t>
-              </a:r>
-              <a:endParaRPr lang="en-US" baseline="-25000" dirty="0"/>
-            </a:p>
-          </p:txBody>
-        </p:sp>
-        <p:sp>
-          <p:nvSpPr>
-            <p:cNvPr id="7" name="Oval 6">
-              <a:extLst>
-                <a:ext uri="{FF2B5EF4-FFF2-40B4-BE49-F238E27FC236}">
-                  <a16:creationId xmlns:a16="http://schemas.microsoft.com/office/drawing/2014/main" id="{72901C78-3E2E-4D68-9762-C6BF070EAE2D}"/>
-                </a:ext>
-              </a:extLst>
-            </p:cNvPr>
-            <p:cNvSpPr/>
-            <p:nvPr/>
-          </p:nvSpPr>
-          <p:spPr>
-            <a:xfrm>
-              <a:off x="3604600" y="3028057"/>
-              <a:ext cx="826586" cy="624023"/>
-            </a:xfrm>
-            <a:prstGeom prst="ellipse">
-              <a:avLst/>
-            </a:prstGeom>
-            <a:ln w="25400"/>
-          </p:spPr>
-          <p:style>
-            <a:lnRef idx="2">
-              <a:schemeClr val="accent6"/>
-            </a:lnRef>
-            <a:fillRef idx="1">
-              <a:schemeClr val="lt1"/>
-            </a:fillRef>
-            <a:effectRef idx="0">
-              <a:schemeClr val="accent6"/>
-            </a:effectRef>
-            <a:fontRef idx="minor">
-              <a:schemeClr val="dk1"/>
-            </a:fontRef>
-          </p:style>
-          <p:txBody>
-            <a:bodyPr lIns="0" tIns="0" rIns="0" bIns="0" rtlCol="0" anchor="ctr"/>
-            <a:lstStyle/>
-            <a:p>
-              <a:pPr algn="ctr"/>
-              <a:r>
-                <a:rPr lang="en-US" dirty="0"/>
-                <a:t>dim</a:t>
-              </a:r>
-              <a:endParaRPr lang="en-US" baseline="-25000" dirty="0"/>
-            </a:p>
-          </p:txBody>
-        </p:sp>
-        <p:sp>
-          <p:nvSpPr>
-            <p:cNvPr id="8" name="Oval 7">
-              <a:extLst>
-                <a:ext uri="{FF2B5EF4-FFF2-40B4-BE49-F238E27FC236}">
-                  <a16:creationId xmlns:a16="http://schemas.microsoft.com/office/drawing/2014/main" id="{04DBB024-D4C8-4B02-893A-021A4751E1BC}"/>
-                </a:ext>
-              </a:extLst>
-            </p:cNvPr>
-            <p:cNvSpPr/>
-            <p:nvPr/>
-          </p:nvSpPr>
-          <p:spPr>
-            <a:xfrm>
-              <a:off x="6140367" y="3028057"/>
-              <a:ext cx="826586" cy="624023"/>
-            </a:xfrm>
-            <a:prstGeom prst="ellipse">
-              <a:avLst/>
-            </a:prstGeom>
-            <a:ln w="25400"/>
-          </p:spPr>
-          <p:style>
-            <a:lnRef idx="2">
-              <a:schemeClr val="accent6"/>
-            </a:lnRef>
-            <a:fillRef idx="1">
-              <a:schemeClr val="lt1"/>
-            </a:fillRef>
-            <a:effectRef idx="0">
-              <a:schemeClr val="accent6"/>
-            </a:effectRef>
-            <a:fontRef idx="minor">
-              <a:schemeClr val="dk1"/>
-            </a:fontRef>
-          </p:style>
-          <p:txBody>
-            <a:bodyPr lIns="0" tIns="0" rIns="0" bIns="0" rtlCol="0" anchor="ctr"/>
-            <a:lstStyle/>
-            <a:p>
-              <a:pPr algn="ctr"/>
-              <a:r>
-                <a:rPr lang="en-US" dirty="0"/>
-                <a:t>bright</a:t>
-              </a:r>
-              <a:endParaRPr lang="en-US" baseline="-25000" dirty="0"/>
-            </a:p>
-          </p:txBody>
-        </p:sp>
-        <p:cxnSp>
-          <p:nvCxnSpPr>
-            <p:cNvPr id="9" name="Straight Arrow Connector 8">
-              <a:extLst>
-                <a:ext uri="{FF2B5EF4-FFF2-40B4-BE49-F238E27FC236}">
-                  <a16:creationId xmlns:a16="http://schemas.microsoft.com/office/drawing/2014/main" id="{A9B99FF3-5B9E-427B-8D2A-3437DB8EAACE}"/>
-                </a:ext>
-              </a:extLst>
-            </p:cNvPr>
-            <p:cNvCxnSpPr>
-              <a:stCxn id="6" idx="6"/>
-              <a:endCxn id="7" idx="2"/>
-            </p:cNvCxnSpPr>
-            <p:nvPr/>
-          </p:nvCxnSpPr>
-          <p:spPr>
-            <a:xfrm>
-              <a:off x="2246787" y="3340069"/>
-              <a:ext cx="1357813" cy="0"/>
-            </a:xfrm>
-            <a:prstGeom prst="straightConnector1">
-              <a:avLst/>
-            </a:prstGeom>
-            <a:ln w="25400">
-              <a:solidFill>
-                <a:schemeClr val="accent6"/>
-              </a:solidFill>
-              <a:tailEnd type="triangle" w="lg" len="lg"/>
-            </a:ln>
-          </p:spPr>
-          <p:style>
-            <a:lnRef idx="1">
-              <a:schemeClr val="accent1"/>
-            </a:lnRef>
-            <a:fillRef idx="0">
-              <a:schemeClr val="accent1"/>
-            </a:fillRef>
-            <a:effectRef idx="0">
-              <a:schemeClr val="accent1"/>
-            </a:effectRef>
-            <a:fontRef idx="minor">
-              <a:schemeClr val="tx1"/>
-            </a:fontRef>
-          </p:style>
-        </p:cxnSp>
-        <p:cxnSp>
-          <p:nvCxnSpPr>
-            <p:cNvPr id="10" name="Straight Arrow Connector 9">
-              <a:extLst>
-                <a:ext uri="{FF2B5EF4-FFF2-40B4-BE49-F238E27FC236}">
-                  <a16:creationId xmlns:a16="http://schemas.microsoft.com/office/drawing/2014/main" id="{4C948EFF-8209-45A4-812D-D2AB936F3B50}"/>
-                </a:ext>
-              </a:extLst>
-            </p:cNvPr>
-            <p:cNvCxnSpPr>
-              <a:cxnSpLocks/>
-              <a:stCxn id="7" idx="6"/>
-              <a:endCxn id="8" idx="2"/>
-            </p:cNvCxnSpPr>
-            <p:nvPr/>
-          </p:nvCxnSpPr>
-          <p:spPr>
-            <a:xfrm>
-              <a:off x="4431186" y="3340069"/>
-              <a:ext cx="1709181" cy="0"/>
-            </a:xfrm>
-            <a:prstGeom prst="straightConnector1">
-              <a:avLst/>
-            </a:prstGeom>
-            <a:ln w="25400">
-              <a:solidFill>
-                <a:schemeClr val="accent6"/>
-              </a:solidFill>
-              <a:tailEnd type="triangle" w="lg" len="lg"/>
-            </a:ln>
-          </p:spPr>
-          <p:style>
-            <a:lnRef idx="1">
-              <a:schemeClr val="accent1"/>
-            </a:lnRef>
-            <a:fillRef idx="0">
-              <a:schemeClr val="accent1"/>
-            </a:fillRef>
-            <a:effectRef idx="0">
-              <a:schemeClr val="accent1"/>
-            </a:effectRef>
-            <a:fontRef idx="minor">
-              <a:schemeClr val="tx1"/>
-            </a:fontRef>
-          </p:style>
-        </p:cxnSp>
-        <p:sp>
-          <p:nvSpPr>
-            <p:cNvPr id="11" name="Freeform: Shape 10">
-              <a:extLst>
-                <a:ext uri="{FF2B5EF4-FFF2-40B4-BE49-F238E27FC236}">
-                  <a16:creationId xmlns:a16="http://schemas.microsoft.com/office/drawing/2014/main" id="{9206947F-7874-42AD-921D-2E7FB6EED009}"/>
-                </a:ext>
-              </a:extLst>
-            </p:cNvPr>
-            <p:cNvSpPr/>
-            <p:nvPr/>
-          </p:nvSpPr>
-          <p:spPr>
-            <a:xfrm>
-              <a:off x="2081685" y="3601484"/>
-              <a:ext cx="4357535" cy="885991"/>
-            </a:xfrm>
-            <a:custGeom>
-              <a:avLst/>
-              <a:gdLst>
-                <a:gd name="connsiteX0" fmla="*/ 4445000 w 4445000"/>
-                <a:gd name="connsiteY0" fmla="*/ 33867 h 326122"/>
-                <a:gd name="connsiteX1" fmla="*/ 2065867 w 4445000"/>
-                <a:gd name="connsiteY1" fmla="*/ 325967 h 326122"/>
-                <a:gd name="connsiteX2" fmla="*/ 0 w 4445000"/>
-                <a:gd name="connsiteY2" fmla="*/ 0 h 326122"/>
-                <a:gd name="connsiteX0" fmla="*/ 4351866 w 4351866"/>
-                <a:gd name="connsiteY0" fmla="*/ 25400 h 326051"/>
-                <a:gd name="connsiteX1" fmla="*/ 2065867 w 4351866"/>
-                <a:gd name="connsiteY1" fmla="*/ 325967 h 326051"/>
-                <a:gd name="connsiteX2" fmla="*/ 0 w 4351866"/>
-                <a:gd name="connsiteY2" fmla="*/ 0 h 326051"/>
-                <a:gd name="connsiteX0" fmla="*/ 4246033 w 4246033"/>
-                <a:gd name="connsiteY0" fmla="*/ 21167 h 326024"/>
-                <a:gd name="connsiteX1" fmla="*/ 2065867 w 4246033"/>
-                <a:gd name="connsiteY1" fmla="*/ 325967 h 326024"/>
-                <a:gd name="connsiteX2" fmla="*/ 0 w 4246033"/>
-                <a:gd name="connsiteY2" fmla="*/ 0 h 326024"/>
-              </a:gdLst>
-              <a:ahLst/>
-              <a:cxnLst>
-                <a:cxn ang="0">
-                  <a:pos x="connsiteX0" y="connsiteY0"/>
-                </a:cxn>
-                <a:cxn ang="0">
-                  <a:pos x="connsiteX1" y="connsiteY1"/>
-                </a:cxn>
-                <a:cxn ang="0">
-                  <a:pos x="connsiteX2" y="connsiteY2"/>
-                </a:cxn>
-              </a:cxnLst>
-              <a:rect l="l" t="t" r="r" b="b"/>
-              <a:pathLst>
-                <a:path w="4246033" h="326024">
-                  <a:moveTo>
-                    <a:pt x="4246033" y="21167"/>
-                  </a:moveTo>
-                  <a:cubicBezTo>
-                    <a:pt x="3426883" y="170039"/>
-                    <a:pt x="2773539" y="329495"/>
-                    <a:pt x="2065867" y="325967"/>
-                  </a:cubicBezTo>
-                  <a:cubicBezTo>
-                    <a:pt x="1358195" y="322439"/>
-                    <a:pt x="662517" y="160161"/>
-                    <a:pt x="0" y="0"/>
-                  </a:cubicBezTo>
-                </a:path>
-              </a:pathLst>
-            </a:custGeom>
-            <a:ln w="25400">
-              <a:solidFill>
-                <a:schemeClr val="accent6"/>
-              </a:solidFill>
-              <a:tailEnd type="triangle" w="lg" len="lg"/>
-            </a:ln>
-          </p:spPr>
-          <p:style>
-            <a:lnRef idx="1">
-              <a:schemeClr val="accent1"/>
-            </a:lnRef>
-            <a:fillRef idx="0">
-              <a:schemeClr val="accent1"/>
-            </a:fillRef>
-            <a:effectRef idx="0">
-              <a:schemeClr val="accent1"/>
-            </a:effectRef>
-            <a:fontRef idx="minor">
-              <a:schemeClr val="tx1"/>
-            </a:fontRef>
-          </p:style>
-          <p:txBody>
-            <a:bodyPr rtlCol="0" anchor="ctr"/>
-            <a:lstStyle/>
-            <a:p>
-              <a:pPr algn="ctr"/>
-              <a:endParaRPr lang="en-US" dirty="0"/>
-            </a:p>
-          </p:txBody>
-        </p:sp>
-        <p:sp>
-          <p:nvSpPr>
-            <p:cNvPr id="12" name="Freeform: Shape 11">
-              <a:extLst>
-                <a:ext uri="{FF2B5EF4-FFF2-40B4-BE49-F238E27FC236}">
-                  <a16:creationId xmlns:a16="http://schemas.microsoft.com/office/drawing/2014/main" id="{0F4028D5-3351-4559-9BB4-619D09DBFC41}"/>
-                </a:ext>
-              </a:extLst>
-            </p:cNvPr>
-            <p:cNvSpPr/>
-            <p:nvPr/>
-          </p:nvSpPr>
-          <p:spPr>
-            <a:xfrm>
-              <a:off x="6797620" y="2824136"/>
-              <a:ext cx="381036" cy="373257"/>
-            </a:xfrm>
-            <a:custGeom>
-              <a:avLst/>
-              <a:gdLst>
-                <a:gd name="connsiteX0" fmla="*/ 135466 w 341178"/>
-                <a:gd name="connsiteY0" fmla="*/ 374093 h 374093"/>
-                <a:gd name="connsiteX1" fmla="*/ 292100 w 341178"/>
-                <a:gd name="connsiteY1" fmla="*/ 327526 h 374093"/>
-                <a:gd name="connsiteX2" fmla="*/ 338666 w 341178"/>
-                <a:gd name="connsiteY2" fmla="*/ 204760 h 374093"/>
-                <a:gd name="connsiteX3" fmla="*/ 317500 w 341178"/>
-                <a:gd name="connsiteY3" fmla="*/ 90460 h 374093"/>
-                <a:gd name="connsiteX4" fmla="*/ 173566 w 341178"/>
-                <a:gd name="connsiteY4" fmla="*/ 1560 h 374093"/>
-                <a:gd name="connsiteX5" fmla="*/ 67733 w 341178"/>
-                <a:gd name="connsiteY5" fmla="*/ 35426 h 374093"/>
-                <a:gd name="connsiteX6" fmla="*/ 21166 w 341178"/>
-                <a:gd name="connsiteY6" fmla="*/ 56593 h 374093"/>
-                <a:gd name="connsiteX7" fmla="*/ 0 w 341178"/>
-                <a:gd name="connsiteY7" fmla="*/ 251326 h 374093"/>
-                <a:gd name="connsiteX0" fmla="*/ 135466 w 341178"/>
-                <a:gd name="connsiteY0" fmla="*/ 373504 h 373504"/>
-                <a:gd name="connsiteX1" fmla="*/ 292100 w 341178"/>
-                <a:gd name="connsiteY1" fmla="*/ 326937 h 373504"/>
-                <a:gd name="connsiteX2" fmla="*/ 338666 w 341178"/>
-                <a:gd name="connsiteY2" fmla="*/ 204171 h 373504"/>
-                <a:gd name="connsiteX3" fmla="*/ 317500 w 341178"/>
-                <a:gd name="connsiteY3" fmla="*/ 89871 h 373504"/>
-                <a:gd name="connsiteX4" fmla="*/ 173566 w 341178"/>
-                <a:gd name="connsiteY4" fmla="*/ 971 h 373504"/>
-                <a:gd name="connsiteX5" fmla="*/ 21166 w 341178"/>
-                <a:gd name="connsiteY5" fmla="*/ 56004 h 373504"/>
-                <a:gd name="connsiteX6" fmla="*/ 0 w 341178"/>
-                <a:gd name="connsiteY6" fmla="*/ 250737 h 373504"/>
-                <a:gd name="connsiteX0" fmla="*/ 135466 w 341178"/>
-                <a:gd name="connsiteY0" fmla="*/ 372533 h 372533"/>
-                <a:gd name="connsiteX1" fmla="*/ 292100 w 341178"/>
-                <a:gd name="connsiteY1" fmla="*/ 325966 h 372533"/>
-                <a:gd name="connsiteX2" fmla="*/ 338666 w 341178"/>
-                <a:gd name="connsiteY2" fmla="*/ 203200 h 372533"/>
-                <a:gd name="connsiteX3" fmla="*/ 317500 w 341178"/>
-                <a:gd name="connsiteY3" fmla="*/ 88900 h 372533"/>
-                <a:gd name="connsiteX4" fmla="*/ 173566 w 341178"/>
-                <a:gd name="connsiteY4" fmla="*/ 0 h 372533"/>
-                <a:gd name="connsiteX5" fmla="*/ 29632 w 341178"/>
-                <a:gd name="connsiteY5" fmla="*/ 88900 h 372533"/>
-                <a:gd name="connsiteX6" fmla="*/ 0 w 341178"/>
-                <a:gd name="connsiteY6" fmla="*/ 249766 h 372533"/>
-                <a:gd name="connsiteX0" fmla="*/ 135466 w 339364"/>
-                <a:gd name="connsiteY0" fmla="*/ 373286 h 373286"/>
-                <a:gd name="connsiteX1" fmla="*/ 292100 w 339364"/>
-                <a:gd name="connsiteY1" fmla="*/ 326719 h 373286"/>
-                <a:gd name="connsiteX2" fmla="*/ 338666 w 339364"/>
-                <a:gd name="connsiteY2" fmla="*/ 203953 h 373286"/>
-                <a:gd name="connsiteX3" fmla="*/ 309033 w 339364"/>
-                <a:gd name="connsiteY3" fmla="*/ 55786 h 373286"/>
-                <a:gd name="connsiteX4" fmla="*/ 173566 w 339364"/>
-                <a:gd name="connsiteY4" fmla="*/ 753 h 373286"/>
-                <a:gd name="connsiteX5" fmla="*/ 29632 w 339364"/>
-                <a:gd name="connsiteY5" fmla="*/ 89653 h 373286"/>
-                <a:gd name="connsiteX6" fmla="*/ 0 w 339364"/>
-                <a:gd name="connsiteY6" fmla="*/ 250519 h 373286"/>
-                <a:gd name="connsiteX0" fmla="*/ 135466 w 347533"/>
-                <a:gd name="connsiteY0" fmla="*/ 373354 h 373354"/>
-                <a:gd name="connsiteX1" fmla="*/ 292100 w 347533"/>
-                <a:gd name="connsiteY1" fmla="*/ 326787 h 373354"/>
-                <a:gd name="connsiteX2" fmla="*/ 347132 w 347533"/>
-                <a:gd name="connsiteY2" fmla="*/ 220954 h 373354"/>
-                <a:gd name="connsiteX3" fmla="*/ 309033 w 347533"/>
-                <a:gd name="connsiteY3" fmla="*/ 55854 h 373354"/>
-                <a:gd name="connsiteX4" fmla="*/ 173566 w 347533"/>
-                <a:gd name="connsiteY4" fmla="*/ 821 h 373354"/>
-                <a:gd name="connsiteX5" fmla="*/ 29632 w 347533"/>
-                <a:gd name="connsiteY5" fmla="*/ 89721 h 373354"/>
-                <a:gd name="connsiteX6" fmla="*/ 0 w 347533"/>
-                <a:gd name="connsiteY6" fmla="*/ 250587 h 373354"/>
-                <a:gd name="connsiteX0" fmla="*/ 135466 w 381139"/>
-                <a:gd name="connsiteY0" fmla="*/ 373257 h 373257"/>
-                <a:gd name="connsiteX1" fmla="*/ 292100 w 381139"/>
-                <a:gd name="connsiteY1" fmla="*/ 326690 h 373257"/>
-                <a:gd name="connsiteX2" fmla="*/ 380999 w 381139"/>
-                <a:gd name="connsiteY2" fmla="*/ 195457 h 373257"/>
-                <a:gd name="connsiteX3" fmla="*/ 309033 w 381139"/>
-                <a:gd name="connsiteY3" fmla="*/ 55757 h 373257"/>
-                <a:gd name="connsiteX4" fmla="*/ 173566 w 381139"/>
-                <a:gd name="connsiteY4" fmla="*/ 724 h 373257"/>
-                <a:gd name="connsiteX5" fmla="*/ 29632 w 381139"/>
-                <a:gd name="connsiteY5" fmla="*/ 89624 h 373257"/>
-                <a:gd name="connsiteX6" fmla="*/ 0 w 381139"/>
-                <a:gd name="connsiteY6" fmla="*/ 250490 h 373257"/>
-                <a:gd name="connsiteX0" fmla="*/ 135466 w 381036"/>
-                <a:gd name="connsiteY0" fmla="*/ 373257 h 373257"/>
-                <a:gd name="connsiteX1" fmla="*/ 300567 w 381036"/>
-                <a:gd name="connsiteY1" fmla="*/ 313990 h 373257"/>
-                <a:gd name="connsiteX2" fmla="*/ 380999 w 381036"/>
-                <a:gd name="connsiteY2" fmla="*/ 195457 h 373257"/>
-                <a:gd name="connsiteX3" fmla="*/ 309033 w 381036"/>
-                <a:gd name="connsiteY3" fmla="*/ 55757 h 373257"/>
-                <a:gd name="connsiteX4" fmla="*/ 173566 w 381036"/>
-                <a:gd name="connsiteY4" fmla="*/ 724 h 373257"/>
-                <a:gd name="connsiteX5" fmla="*/ 29632 w 381036"/>
-                <a:gd name="connsiteY5" fmla="*/ 89624 h 373257"/>
-                <a:gd name="connsiteX6" fmla="*/ 0 w 381036"/>
-                <a:gd name="connsiteY6" fmla="*/ 250490 h 373257"/>
-              </a:gdLst>
-              <a:ahLst/>
-              <a:cxnLst>
-                <a:cxn ang="0">
-                  <a:pos x="connsiteX0" y="connsiteY0"/>
-                </a:cxn>
-                <a:cxn ang="0">
-                  <a:pos x="connsiteX1" y="connsiteY1"/>
-                </a:cxn>
-                <a:cxn ang="0">
-                  <a:pos x="connsiteX2" y="connsiteY2"/>
-                </a:cxn>
-                <a:cxn ang="0">
-                  <a:pos x="connsiteX3" y="connsiteY3"/>
-                </a:cxn>
-                <a:cxn ang="0">
-                  <a:pos x="connsiteX4" y="connsiteY4"/>
-                </a:cxn>
-                <a:cxn ang="0">
-                  <a:pos x="connsiteX5" y="connsiteY5"/>
-                </a:cxn>
-                <a:cxn ang="0">
-                  <a:pos x="connsiteX6" y="connsiteY6"/>
-                </a:cxn>
-              </a:cxnLst>
-              <a:rect l="l" t="t" r="r" b="b"/>
-              <a:pathLst>
-                <a:path w="381036" h="373257">
-                  <a:moveTo>
-                    <a:pt x="135466" y="373257"/>
-                  </a:moveTo>
-                  <a:cubicBezTo>
-                    <a:pt x="196849" y="364084"/>
-                    <a:pt x="259645" y="343623"/>
-                    <a:pt x="300567" y="313990"/>
-                  </a:cubicBezTo>
-                  <a:cubicBezTo>
-                    <a:pt x="341489" y="284357"/>
-                    <a:pt x="379588" y="238496"/>
-                    <a:pt x="380999" y="195457"/>
-                  </a:cubicBezTo>
-                  <a:cubicBezTo>
-                    <a:pt x="382410" y="152418"/>
-                    <a:pt x="343605" y="88212"/>
-                    <a:pt x="309033" y="55757"/>
-                  </a:cubicBezTo>
-                  <a:cubicBezTo>
-                    <a:pt x="274461" y="23302"/>
-                    <a:pt x="220133" y="-4920"/>
-                    <a:pt x="173566" y="724"/>
-                  </a:cubicBezTo>
-                  <a:cubicBezTo>
-                    <a:pt x="126999" y="6368"/>
-                    <a:pt x="58560" y="47996"/>
-                    <a:pt x="29632" y="89624"/>
-                  </a:cubicBezTo>
-                  <a:cubicBezTo>
-                    <a:pt x="18343" y="125607"/>
-                    <a:pt x="4938" y="171115"/>
-                    <a:pt x="0" y="250490"/>
-                  </a:cubicBezTo>
-                </a:path>
-              </a:pathLst>
-            </a:custGeom>
-            <a:ln w="25400">
-              <a:solidFill>
-                <a:schemeClr val="accent6"/>
-              </a:solidFill>
-              <a:tailEnd type="triangle" w="lg" len="lg"/>
-            </a:ln>
-          </p:spPr>
-          <p:style>
-            <a:lnRef idx="1">
-              <a:schemeClr val="accent1"/>
-            </a:lnRef>
-            <a:fillRef idx="0">
-              <a:schemeClr val="accent1"/>
-            </a:fillRef>
-            <a:effectRef idx="0">
-              <a:schemeClr val="accent1"/>
-            </a:effectRef>
-            <a:fontRef idx="minor">
-              <a:schemeClr val="tx1"/>
-            </a:fontRef>
-          </p:style>
-          <p:txBody>
-            <a:bodyPr rot="0" spcFirstLastPara="0" vertOverflow="overflow" horzOverflow="overflow" vert="horz" wrap="square" lIns="91440" tIns="45720" rIns="91440" bIns="45720" numCol="1" spcCol="0" rtlCol="0" fromWordArt="0" anchor="ctr" anchorCtr="0" forceAA="0" compatLnSpc="1">
-              <a:prstTxWarp prst="textNoShape">
-                <a:avLst/>
-              </a:prstTxWarp>
-              <a:noAutofit/>
-            </a:bodyPr>
-            <a:lstStyle/>
-            <a:p>
-              <a:pPr algn="ctr"/>
-              <a:endParaRPr lang="en-US">
-                <a:solidFill>
-                  <a:schemeClr val="tx1"/>
-                </a:solidFill>
-              </a:endParaRPr>
-            </a:p>
-          </p:txBody>
-        </p:sp>
-        <mc:AlternateContent xmlns:mc="http://schemas.openxmlformats.org/markup-compatibility/2006" xmlns:a14="http://schemas.microsoft.com/office/drawing/2010/main">
-          <mc:Choice Requires="a14">
-            <p:sp>
-              <p:nvSpPr>
-                <p:cNvPr id="13" name="TextBox 12">
-                  <a:extLst>
-                    <a:ext uri="{FF2B5EF4-FFF2-40B4-BE49-F238E27FC236}">
-                      <a16:creationId xmlns:a16="http://schemas.microsoft.com/office/drawing/2014/main" id="{B4911D0E-9194-4438-A253-DCA01D6D9420}"/>
-                    </a:ext>
-                  </a:extLst>
-                </p:cNvPr>
-                <p:cNvSpPr txBox="1"/>
-                <p:nvPr/>
-              </p:nvSpPr>
-              <p:spPr>
-                <a:xfrm>
-                  <a:off x="2336776" y="3311403"/>
-                  <a:ext cx="1324914" cy="584775"/>
-                </a:xfrm>
-                <a:prstGeom prst="rect">
-                  <a:avLst/>
-                </a:prstGeom>
-                <a:noFill/>
-              </p:spPr>
-              <p:txBody>
-                <a:bodyPr wrap="none" rtlCol="0">
-                  <a:spAutoFit/>
-                </a:bodyPr>
-                <a:lstStyle/>
-                <a:p>
-                  <a:r>
-                    <a:rPr lang="en-US" sz="1600" dirty="0"/>
-                    <a:t>(press==1)?</a:t>
-                  </a:r>
-                  <a14:m>
-                    <m:oMath xmlns:m="http://schemas.openxmlformats.org/officeDocument/2006/math">
-                      <m:r>
-                        <a:rPr lang="en-US" sz="1600" b="0" i="1" smtClean="0">
-                          <a:latin typeface="Cambria Math" panose="02040503050406030204" pitchFamily="18" charset="0"/>
-                        </a:rPr>
-                        <m:t>→</m:t>
-                      </m:r>
-                    </m:oMath>
-                  </a14:m>
-                  <a:endParaRPr lang="en-US" sz="1600" dirty="0"/>
-                </a:p>
-                <a:p>
-                  <a:r>
-                    <a:rPr lang="en-US" sz="1600" dirty="0"/>
-                    <a:t> c:=0</a:t>
-                  </a:r>
-                </a:p>
-              </p:txBody>
-            </p:sp>
-          </mc:Choice>
-          <mc:Fallback xmlns="">
-            <p:sp>
-              <p:nvSpPr>
-                <p:cNvPr id="13" name="TextBox 12">
-                  <a:extLst>
-                    <a:ext uri="{FF2B5EF4-FFF2-40B4-BE49-F238E27FC236}">
-                      <a16:creationId xmlns:a16="http://schemas.microsoft.com/office/drawing/2014/main" id="{B4911D0E-9194-4438-A253-DCA01D6D9420}"/>
-                    </a:ext>
-                  </a:extLst>
-                </p:cNvPr>
-                <p:cNvSpPr txBox="1">
-                  <a:spLocks noRot="1" noChangeAspect="1" noMove="1" noResize="1" noEditPoints="1" noAdjustHandles="1" noChangeArrowheads="1" noChangeShapeType="1" noTextEdit="1"/>
-                </p:cNvSpPr>
-                <p:nvPr/>
-              </p:nvSpPr>
-              <p:spPr>
-                <a:xfrm>
-                  <a:off x="2336776" y="3311403"/>
-                  <a:ext cx="1324914" cy="584775"/>
-                </a:xfrm>
-                <a:prstGeom prst="rect">
-                  <a:avLst/>
-                </a:prstGeom>
-                <a:blipFill>
-                  <a:blip r:embed="rId4"/>
-                  <a:stretch>
-                    <a:fillRect l="-2294" t="-3125" b="-12500"/>
-                  </a:stretch>
-                </a:blipFill>
-              </p:spPr>
-              <p:txBody>
-                <a:bodyPr/>
-                <a:lstStyle/>
-                <a:p>
-                  <a:r>
-                    <a:rPr lang="en-US">
-                      <a:noFill/>
-                    </a:rPr>
-                    <a:t> </a:t>
-                  </a:r>
-                </a:p>
-              </p:txBody>
-            </p:sp>
-          </mc:Fallback>
-        </mc:AlternateContent>
-        <p:sp>
-          <p:nvSpPr>
-            <p:cNvPr id="14" name="TextBox 13">
-              <a:extLst>
-                <a:ext uri="{FF2B5EF4-FFF2-40B4-BE49-F238E27FC236}">
-                  <a16:creationId xmlns:a16="http://schemas.microsoft.com/office/drawing/2014/main" id="{78181D0B-9CA7-4571-91D9-68C5E95EA2CD}"/>
-                </a:ext>
-              </a:extLst>
-            </p:cNvPr>
-            <p:cNvSpPr txBox="1"/>
-            <p:nvPr/>
-          </p:nvSpPr>
-          <p:spPr>
-            <a:xfrm>
-              <a:off x="3644938" y="4460373"/>
-              <a:ext cx="1153393" cy="338554"/>
-            </a:xfrm>
-            <a:prstGeom prst="rect">
-              <a:avLst/>
-            </a:prstGeom>
-            <a:noFill/>
-          </p:spPr>
-          <p:txBody>
-            <a:bodyPr wrap="none" rtlCol="0">
-              <a:spAutoFit/>
-            </a:bodyPr>
-            <a:lstStyle/>
-            <a:p>
-              <a:r>
-                <a:rPr lang="en-US" sz="1600" dirty="0"/>
-                <a:t>(press==1)?</a:t>
-              </a:r>
-            </a:p>
-          </p:txBody>
-        </p:sp>
-        <p:cxnSp>
-          <p:nvCxnSpPr>
-            <p:cNvPr id="15" name="Straight Arrow Connector 14">
-              <a:extLst>
-                <a:ext uri="{FF2B5EF4-FFF2-40B4-BE49-F238E27FC236}">
-                  <a16:creationId xmlns:a16="http://schemas.microsoft.com/office/drawing/2014/main" id="{398585CE-D023-42BB-BD59-5CA991A6A83C}"/>
-                </a:ext>
-              </a:extLst>
-            </p:cNvPr>
-            <p:cNvCxnSpPr>
-              <a:cxnSpLocks/>
-              <a:endCxn id="6" idx="2"/>
-            </p:cNvCxnSpPr>
-            <p:nvPr/>
-          </p:nvCxnSpPr>
-          <p:spPr>
-            <a:xfrm>
-              <a:off x="589102" y="3340069"/>
-              <a:ext cx="831099" cy="0"/>
-            </a:xfrm>
-            <a:prstGeom prst="straightConnector1">
-              <a:avLst/>
-            </a:prstGeom>
-            <a:ln w="25400">
-              <a:solidFill>
-                <a:schemeClr val="accent6"/>
-              </a:solidFill>
-              <a:tailEnd type="triangle" w="lg" len="lg"/>
-            </a:ln>
-          </p:spPr>
-          <p:style>
-            <a:lnRef idx="1">
-              <a:schemeClr val="accent1"/>
-            </a:lnRef>
-            <a:fillRef idx="0">
-              <a:schemeClr val="accent1"/>
-            </a:fillRef>
-            <a:effectRef idx="0">
-              <a:schemeClr val="accent1"/>
-            </a:effectRef>
-            <a:fontRef idx="minor">
-              <a:schemeClr val="tx1"/>
-            </a:fontRef>
-          </p:style>
-        </p:cxnSp>
-        <p:sp>
-          <p:nvSpPr>
-            <p:cNvPr id="16" name="TextBox 15">
-              <a:extLst>
-                <a:ext uri="{FF2B5EF4-FFF2-40B4-BE49-F238E27FC236}">
-                  <a16:creationId xmlns:a16="http://schemas.microsoft.com/office/drawing/2014/main" id="{46002ECD-173C-40F2-88AC-E7952A97C0D3}"/>
-                </a:ext>
-              </a:extLst>
-            </p:cNvPr>
-            <p:cNvSpPr txBox="1"/>
-            <p:nvPr/>
-          </p:nvSpPr>
-          <p:spPr>
-            <a:xfrm>
-              <a:off x="218533" y="2928958"/>
-              <a:ext cx="1000595" cy="338554"/>
-            </a:xfrm>
-            <a:prstGeom prst="rect">
-              <a:avLst/>
-            </a:prstGeom>
-            <a:noFill/>
-          </p:spPr>
-          <p:txBody>
-            <a:bodyPr wrap="none" rtlCol="0">
-              <a:spAutoFit/>
-            </a:bodyPr>
-            <a:lstStyle/>
-            <a:p>
-              <a:r>
-                <a:rPr lang="en-US" sz="1600" dirty="0"/>
-                <a:t>clock c:=0</a:t>
-              </a:r>
-            </a:p>
-          </p:txBody>
-        </p:sp>
-        <p:sp>
-          <p:nvSpPr>
-            <p:cNvPr id="17" name="Freeform: Shape 16">
-              <a:extLst>
-                <a:ext uri="{FF2B5EF4-FFF2-40B4-BE49-F238E27FC236}">
-                  <a16:creationId xmlns:a16="http://schemas.microsoft.com/office/drawing/2014/main" id="{1F7E5E64-F07C-4C11-8229-4B55AE5F9A90}"/>
-                </a:ext>
-              </a:extLst>
-            </p:cNvPr>
-            <p:cNvSpPr/>
-            <p:nvPr/>
-          </p:nvSpPr>
-          <p:spPr>
-            <a:xfrm>
-              <a:off x="1821116" y="2474254"/>
-              <a:ext cx="2120793" cy="573427"/>
-            </a:xfrm>
-            <a:custGeom>
-              <a:avLst/>
-              <a:gdLst>
-                <a:gd name="connsiteX0" fmla="*/ 2013217 w 2013217"/>
-                <a:gd name="connsiteY0" fmla="*/ 522518 h 522518"/>
-                <a:gd name="connsiteX1" fmla="*/ 1114185 w 2013217"/>
-                <a:gd name="connsiteY1" fmla="*/ 4 h 522518"/>
-                <a:gd name="connsiteX2" fmla="*/ 0 w 2013217"/>
-                <a:gd name="connsiteY2" fmla="*/ 514834 h 522518"/>
-              </a:gdLst>
-              <a:ahLst/>
-              <a:cxnLst>
-                <a:cxn ang="0">
-                  <a:pos x="connsiteX0" y="connsiteY0"/>
-                </a:cxn>
-                <a:cxn ang="0">
-                  <a:pos x="connsiteX1" y="connsiteY1"/>
-                </a:cxn>
-                <a:cxn ang="0">
-                  <a:pos x="connsiteX2" y="connsiteY2"/>
-                </a:cxn>
-              </a:cxnLst>
-              <a:rect l="l" t="t" r="r" b="b"/>
-              <a:pathLst>
-                <a:path w="2013217" h="522518">
-                  <a:moveTo>
-                    <a:pt x="2013217" y="522518"/>
-                  </a:moveTo>
-                  <a:cubicBezTo>
-                    <a:pt x="1731469" y="261901"/>
-                    <a:pt x="1449721" y="1285"/>
-                    <a:pt x="1114185" y="4"/>
-                  </a:cubicBezTo>
-                  <a:cubicBezTo>
-                    <a:pt x="778649" y="-1277"/>
-                    <a:pt x="389324" y="256778"/>
-                    <a:pt x="0" y="514834"/>
-                  </a:cubicBezTo>
-                </a:path>
-              </a:pathLst>
-            </a:custGeom>
-            <a:ln w="25400">
-              <a:solidFill>
-                <a:schemeClr val="accent6"/>
-              </a:solidFill>
-              <a:tailEnd type="triangle" w="lg" len="lg"/>
-            </a:ln>
-          </p:spPr>
-          <p:style>
-            <a:lnRef idx="1">
-              <a:schemeClr val="accent1"/>
-            </a:lnRef>
-            <a:fillRef idx="0">
-              <a:schemeClr val="accent1"/>
-            </a:fillRef>
-            <a:effectRef idx="0">
-              <a:schemeClr val="accent1"/>
-            </a:effectRef>
-            <a:fontRef idx="minor">
-              <a:schemeClr val="tx1"/>
-            </a:fontRef>
-          </p:style>
-          <p:txBody>
-            <a:bodyPr rtlCol="0" anchor="ctr"/>
-            <a:lstStyle/>
-            <a:p>
-              <a:pPr algn="ctr"/>
-              <a:endParaRPr lang="en-US">
-                <a:solidFill>
-                  <a:schemeClr val="tx1"/>
-                </a:solidFill>
-              </a:endParaRPr>
-            </a:p>
-          </p:txBody>
-        </p:sp>
-        <mc:AlternateContent xmlns:mc="http://schemas.openxmlformats.org/markup-compatibility/2006" xmlns:a14="http://schemas.microsoft.com/office/drawing/2010/main">
-          <mc:Choice Requires="a14">
-            <p:sp>
-              <p:nvSpPr>
-                <p:cNvPr id="18" name="TextBox 17">
-                  <a:extLst>
-                    <a:ext uri="{FF2B5EF4-FFF2-40B4-BE49-F238E27FC236}">
-                      <a16:creationId xmlns:a16="http://schemas.microsoft.com/office/drawing/2014/main" id="{DDD3D0B0-884E-4120-87AD-11584B5A5B56}"/>
-                    </a:ext>
-                  </a:extLst>
-                </p:cNvPr>
-                <p:cNvSpPr txBox="1"/>
-                <p:nvPr/>
-              </p:nvSpPr>
-              <p:spPr>
-                <a:xfrm>
-                  <a:off x="1962574" y="2084624"/>
-                  <a:ext cx="1837875" cy="338554"/>
-                </a:xfrm>
-                <a:prstGeom prst="rect">
-                  <a:avLst/>
-                </a:prstGeom>
-                <a:noFill/>
-              </p:spPr>
-              <p:txBody>
-                <a:bodyPr wrap="none" rtlCol="0">
-                  <a:spAutoFit/>
-                </a:bodyPr>
-                <a:lstStyle/>
-                <a:p>
-                  <a:r>
-                    <a:rPr lang="en-US" sz="1600" dirty="0"/>
-                    <a:t>(press==1)? </a:t>
-                  </a:r>
-                  <a14:m>
-                    <m:oMath xmlns:m="http://schemas.openxmlformats.org/officeDocument/2006/math">
-                      <m:r>
-                        <a:rPr lang="en-US" sz="1600" b="0" i="1" smtClean="0">
-                          <a:latin typeface="Cambria Math" panose="02040503050406030204" pitchFamily="18" charset="0"/>
-                        </a:rPr>
-                        <m:t>∧</m:t>
-                      </m:r>
-                    </m:oMath>
-                  </a14:m>
-                  <a:r>
-                    <a:rPr lang="en-US" sz="1600" dirty="0"/>
-                    <a:t> (c</a:t>
-                  </a:r>
-                  <a14:m>
-                    <m:oMath xmlns:m="http://schemas.openxmlformats.org/officeDocument/2006/math">
-                      <m:r>
-                        <a:rPr lang="en-US" sz="1600" b="0" i="1" smtClean="0">
-                          <a:latin typeface="Cambria Math" panose="02040503050406030204" pitchFamily="18" charset="0"/>
-                        </a:rPr>
-                        <m:t>≥</m:t>
-                      </m:r>
-                    </m:oMath>
-                  </a14:m>
-                  <a:r>
-                    <a:rPr lang="en-US" sz="1600" dirty="0"/>
-                    <a:t>1)</a:t>
-                  </a:r>
-                </a:p>
-              </p:txBody>
-            </p:sp>
-          </mc:Choice>
-          <mc:Fallback xmlns="">
-            <p:sp>
-              <p:nvSpPr>
-                <p:cNvPr id="18" name="TextBox 17">
-                  <a:extLst>
-                    <a:ext uri="{FF2B5EF4-FFF2-40B4-BE49-F238E27FC236}">
-                      <a16:creationId xmlns:a16="http://schemas.microsoft.com/office/drawing/2014/main" id="{DDD3D0B0-884E-4120-87AD-11584B5A5B56}"/>
-                    </a:ext>
-                  </a:extLst>
-                </p:cNvPr>
-                <p:cNvSpPr txBox="1">
-                  <a:spLocks noRot="1" noChangeAspect="1" noMove="1" noResize="1" noEditPoints="1" noAdjustHandles="1" noChangeArrowheads="1" noChangeShapeType="1" noTextEdit="1"/>
-                </p:cNvSpPr>
-                <p:nvPr/>
-              </p:nvSpPr>
-              <p:spPr>
-                <a:xfrm>
-                  <a:off x="1962574" y="2084624"/>
-                  <a:ext cx="1837875" cy="338554"/>
-                </a:xfrm>
-                <a:prstGeom prst="rect">
-                  <a:avLst/>
-                </a:prstGeom>
-                <a:blipFill>
-                  <a:blip r:embed="rId5"/>
-                  <a:stretch>
-                    <a:fillRect l="-1993" t="-5357" r="-664" b="-21429"/>
-                  </a:stretch>
-                </a:blipFill>
-              </p:spPr>
-              <p:txBody>
-                <a:bodyPr/>
-                <a:lstStyle/>
-                <a:p>
-                  <a:r>
-                    <a:rPr lang="en-US">
-                      <a:noFill/>
-                    </a:rPr>
-                    <a:t> </a:t>
-                  </a:r>
-                </a:p>
-              </p:txBody>
-            </p:sp>
-          </mc:Fallback>
-        </mc:AlternateContent>
-        <mc:AlternateContent xmlns:mc="http://schemas.openxmlformats.org/markup-compatibility/2006" xmlns:a14="http://schemas.microsoft.com/office/drawing/2010/main">
-          <mc:Choice Requires="a14">
-            <p:sp>
-              <p:nvSpPr>
-                <p:cNvPr id="19" name="TextBox 18">
-                  <a:extLst>
-                    <a:ext uri="{FF2B5EF4-FFF2-40B4-BE49-F238E27FC236}">
-                      <a16:creationId xmlns:a16="http://schemas.microsoft.com/office/drawing/2014/main" id="{7F1883DD-E135-49A9-BEB4-E89A818F0611}"/>
-                    </a:ext>
-                  </a:extLst>
-                </p:cNvPr>
-                <p:cNvSpPr txBox="1"/>
-                <p:nvPr/>
-              </p:nvSpPr>
-              <p:spPr>
-                <a:xfrm>
-                  <a:off x="4414591" y="2934966"/>
-                  <a:ext cx="1837875" cy="338554"/>
-                </a:xfrm>
-                <a:prstGeom prst="rect">
-                  <a:avLst/>
-                </a:prstGeom>
-                <a:noFill/>
-              </p:spPr>
-              <p:txBody>
-                <a:bodyPr wrap="none" rtlCol="0">
-                  <a:spAutoFit/>
-                </a:bodyPr>
-                <a:lstStyle/>
-                <a:p>
-                  <a:r>
-                    <a:rPr lang="en-US" sz="1600" dirty="0"/>
-                    <a:t>(press==1)? </a:t>
-                  </a:r>
-                  <a14:m>
-                    <m:oMath xmlns:m="http://schemas.openxmlformats.org/officeDocument/2006/math">
-                      <m:r>
-                        <a:rPr lang="en-US" sz="1600" b="0" i="1" smtClean="0">
-                          <a:latin typeface="Cambria Math" panose="02040503050406030204" pitchFamily="18" charset="0"/>
-                        </a:rPr>
-                        <m:t>∧</m:t>
-                      </m:r>
-                    </m:oMath>
-                  </a14:m>
-                  <a:r>
-                    <a:rPr lang="en-US" sz="1600" dirty="0"/>
-                    <a:t> (c</a:t>
-                  </a:r>
-                  <a14:m>
-                    <m:oMath xmlns:m="http://schemas.openxmlformats.org/officeDocument/2006/math">
-                      <m:r>
-                        <a:rPr lang="en-US" sz="1600" b="0" i="1" smtClean="0">
-                          <a:latin typeface="Cambria Math" panose="02040503050406030204" pitchFamily="18" charset="0"/>
-                        </a:rPr>
-                        <m:t>≤</m:t>
-                      </m:r>
-                    </m:oMath>
-                  </a14:m>
-                  <a:r>
-                    <a:rPr lang="en-US" sz="1600" dirty="0"/>
-                    <a:t>1)</a:t>
-                  </a:r>
-                </a:p>
-              </p:txBody>
-            </p:sp>
-          </mc:Choice>
-          <mc:Fallback xmlns="">
-            <p:sp>
-              <p:nvSpPr>
-                <p:cNvPr id="19" name="TextBox 18">
-                  <a:extLst>
-                    <a:ext uri="{FF2B5EF4-FFF2-40B4-BE49-F238E27FC236}">
-                      <a16:creationId xmlns:a16="http://schemas.microsoft.com/office/drawing/2014/main" id="{7F1883DD-E135-49A9-BEB4-E89A818F0611}"/>
-                    </a:ext>
-                  </a:extLst>
-                </p:cNvPr>
-                <p:cNvSpPr txBox="1">
-                  <a:spLocks noRot="1" noChangeAspect="1" noMove="1" noResize="1" noEditPoints="1" noAdjustHandles="1" noChangeArrowheads="1" noChangeShapeType="1" noTextEdit="1"/>
-                </p:cNvSpPr>
-                <p:nvPr/>
-              </p:nvSpPr>
-              <p:spPr>
-                <a:xfrm>
-                  <a:off x="4414591" y="2934966"/>
-                  <a:ext cx="1837875" cy="338554"/>
-                </a:xfrm>
-                <a:prstGeom prst="rect">
-                  <a:avLst/>
-                </a:prstGeom>
-                <a:blipFill>
-                  <a:blip r:embed="rId6"/>
-                  <a:stretch>
-                    <a:fillRect l="-1656" t="-5455" r="-662" b="-23636"/>
-                  </a:stretch>
-                </a:blipFill>
-              </p:spPr>
-              <p:txBody>
-                <a:bodyPr/>
-                <a:lstStyle/>
-                <a:p>
-                  <a:r>
-                    <a:rPr lang="en-US">
-                      <a:noFill/>
-                    </a:rPr>
-                    <a:t> </a:t>
-                  </a:r>
-                </a:p>
-              </p:txBody>
-            </p:sp>
-          </mc:Fallback>
-        </mc:AlternateContent>
-      </p:grpSp>
-    </p:spTree>
-    <p:extLst>
-      <p:ext uri="{BB962C8B-B14F-4D97-AF65-F5344CB8AC3E}">
-        <p14:creationId xmlns:p14="http://schemas.microsoft.com/office/powerpoint/2010/main" val="404187278"/>
-      </p:ext>
-    </p:extLst>
-  </p:cSld>
-  <p:clrMapOvr>
-    <a:masterClrMapping/>
-  </p:clrMapOvr>
-</p:sld>
-</file>
-
-<file path=ppt/slides/slide5.xml><?xml version="1.0" encoding="utf-8"?>
-<p:sld xmlns:a="http://schemas.openxmlformats.org/drawingml/2006/main" xmlns:r="http://schemas.openxmlformats.org/officeDocument/2006/relationships" xmlns:p="http://schemas.openxmlformats.org/presentationml/2006/main">
-  <p:cSld>
-    <p:spTree>
-      <p:nvGrpSpPr>
-        <p:cNvPr id="1" name=""/>
-        <p:cNvGrpSpPr/>
-        <p:nvPr/>
-      </p:nvGrpSpPr>
-      <p:grpSpPr>
-        <a:xfrm>
-          <a:off x="0" y="0"/>
-          <a:ext cx="0" cy="0"/>
-          <a:chOff x="0" y="0"/>
-          <a:chExt cx="0" cy="0"/>
-        </a:xfrm>
-      </p:grpSpPr>
       <p:sp>
         <p:nvSpPr>
           <p:cNvPr id="2" name="Content Placeholder 1">
@@ -31347,7 +30014,7 @@
             <a:fld id="{29AAD378-655A-49C6-813C-9FD132EF7440}" type="slidenum">
               <a:rPr lang="en-US" smtClean="0"/>
               <a:pPr/>
-              <a:t>5</a:t>
+              <a:t>4</a:t>
             </a:fld>
             <a:endParaRPr lang="en-US" dirty="0"/>
           </a:p>
@@ -33061,6 +31728,1339 @@
     <p:extLst>
       <p:ext uri="{BB962C8B-B14F-4D97-AF65-F5344CB8AC3E}">
         <p14:creationId xmlns:p14="http://schemas.microsoft.com/office/powerpoint/2010/main" val="2958356186"/>
+      </p:ext>
+    </p:extLst>
+  </p:cSld>
+  <p:clrMapOvr>
+    <a:masterClrMapping/>
+  </p:clrMapOvr>
+</p:sld>
+</file>
+
+<file path=ppt/slides/slide5.xml><?xml version="1.0" encoding="utf-8"?>
+<p:sld xmlns:a="http://schemas.openxmlformats.org/drawingml/2006/main" xmlns:r="http://schemas.openxmlformats.org/officeDocument/2006/relationships" xmlns:p="http://schemas.openxmlformats.org/presentationml/2006/main">
+  <p:cSld>
+    <p:spTree>
+      <p:nvGrpSpPr>
+        <p:cNvPr id="1" name=""/>
+        <p:cNvGrpSpPr/>
+        <p:nvPr/>
+      </p:nvGrpSpPr>
+      <p:grpSpPr>
+        <a:xfrm>
+          <a:off x="0" y="0"/>
+          <a:ext cx="0" cy="0"/>
+          <a:chOff x="0" y="0"/>
+          <a:chExt cx="0" cy="0"/>
+        </a:xfrm>
+      </p:grpSpPr>
+      <mc:AlternateContent xmlns:mc="http://schemas.openxmlformats.org/markup-compatibility/2006" xmlns:a14="http://schemas.microsoft.com/office/drawing/2010/main">
+        <mc:Choice Requires="a14">
+          <p:sp>
+            <p:nvSpPr>
+              <p:cNvPr id="2" name="Content Placeholder 1">
+                <a:extLst>
+                  <a:ext uri="{FF2B5EF4-FFF2-40B4-BE49-F238E27FC236}">
+                    <a16:creationId xmlns:a16="http://schemas.microsoft.com/office/drawing/2014/main" id="{AF1413F1-AD40-4865-8F98-875BCB561117}"/>
+                  </a:ext>
+                </a:extLst>
+              </p:cNvPr>
+              <p:cNvSpPr>
+                <a:spLocks noGrp="1"/>
+              </p:cNvSpPr>
+              <p:nvPr>
+                <p:ph idx="1"/>
+              </p:nvPr>
+            </p:nvSpPr>
+            <p:spPr>
+              <a:xfrm>
+                <a:off x="6954708" y="1526733"/>
+                <a:ext cx="4911060" cy="3772668"/>
+              </a:xfrm>
+            </p:spPr>
+            <p:txBody>
+              <a:bodyPr>
+                <a:normAutofit/>
+              </a:bodyPr>
+              <a:lstStyle/>
+              <a:p>
+                <a:r>
+                  <a:rPr lang="en-US" dirty="0"/>
+                  <a:t>Clock variables</a:t>
+                </a:r>
+              </a:p>
+              <a:p>
+                <a:pPr lvl="1"/>
+                <a:r>
+                  <a:rPr lang="en-US" dirty="0"/>
+                  <a:t>Like other state variables, can be used in guards</a:t>
+                </a:r>
+              </a:p>
+              <a:p>
+                <a:pPr lvl="1"/>
+                <a:r>
+                  <a:rPr lang="en-US" dirty="0"/>
+                  <a:t>Can be reset to 0 during mode switches</a:t>
+                </a:r>
+              </a:p>
+              <a:p>
+                <a:pPr lvl="1"/>
+                <a:r>
+                  <a:rPr lang="en-US" dirty="0"/>
+                  <a:t>When the machine is in a given mode for duration </a:t>
+                </a:r>
+                <a14:m>
+                  <m:oMath xmlns:m="http://schemas.openxmlformats.org/officeDocument/2006/math">
+                    <m:r>
+                      <a:rPr lang="en-US" b="0" i="1" smtClean="0">
+                        <a:latin typeface="Cambria Math" panose="02040503050406030204" pitchFamily="18" charset="0"/>
+                      </a:rPr>
+                      <m:t>𝛿</m:t>
+                    </m:r>
+                    <m:r>
+                      <a:rPr lang="en-US" b="0" i="1" smtClean="0">
+                        <a:latin typeface="Cambria Math" panose="02040503050406030204" pitchFamily="18" charset="0"/>
+                      </a:rPr>
+                      <m:t>, </m:t>
+                    </m:r>
+                  </m:oMath>
+                </a14:m>
+                <a:r>
+                  <a:rPr lang="en-US" dirty="0"/>
+                  <a:t>the clock variable increases by </a:t>
+                </a:r>
+                <a14:m>
+                  <m:oMath xmlns:m="http://schemas.openxmlformats.org/officeDocument/2006/math">
+                    <m:r>
+                      <a:rPr lang="en-US" b="0" i="1" smtClean="0">
+                        <a:latin typeface="Cambria Math" panose="02040503050406030204" pitchFamily="18" charset="0"/>
+                      </a:rPr>
+                      <m:t>𝛿</m:t>
+                    </m:r>
+                  </m:oMath>
+                </a14:m>
+                <a:endParaRPr lang="en-US" dirty="0"/>
+              </a:p>
+            </p:txBody>
+          </p:sp>
+        </mc:Choice>
+        <mc:Fallback xmlns="">
+          <p:sp>
+            <p:nvSpPr>
+              <p:cNvPr id="2" name="Content Placeholder 1">
+                <a:extLst>
+                  <a:ext uri="{FF2B5EF4-FFF2-40B4-BE49-F238E27FC236}">
+                    <a16:creationId xmlns:a16="http://schemas.microsoft.com/office/drawing/2014/main" id="{AF1413F1-AD40-4865-8F98-875BCB561117}"/>
+                  </a:ext>
+                </a:extLst>
+              </p:cNvPr>
+              <p:cNvSpPr>
+                <a:spLocks noGrp="1" noRot="1" noChangeAspect="1" noMove="1" noResize="1" noEditPoints="1" noAdjustHandles="1" noChangeArrowheads="1" noChangeShapeType="1" noTextEdit="1"/>
+              </p:cNvSpPr>
+              <p:nvPr>
+                <p:ph idx="1"/>
+              </p:nvPr>
+            </p:nvSpPr>
+            <p:spPr>
+              <a:xfrm>
+                <a:off x="6954708" y="1526733"/>
+                <a:ext cx="4911060" cy="3772668"/>
+              </a:xfrm>
+              <a:blipFill>
+                <a:blip r:embed="rId3"/>
+                <a:stretch>
+                  <a:fillRect l="-1615" t="-2585" b="-3716"/>
+                </a:stretch>
+              </a:blipFill>
+            </p:spPr>
+            <p:txBody>
+              <a:bodyPr/>
+              <a:lstStyle/>
+              <a:p>
+                <a:r>
+                  <a:rPr lang="en-US">
+                    <a:noFill/>
+                  </a:rPr>
+                  <a:t> </a:t>
+                </a:r>
+              </a:p>
+            </p:txBody>
+          </p:sp>
+        </mc:Fallback>
+      </mc:AlternateContent>
+      <p:sp>
+        <p:nvSpPr>
+          <p:cNvPr id="3" name="Title 2">
+            <a:extLst>
+              <a:ext uri="{FF2B5EF4-FFF2-40B4-BE49-F238E27FC236}">
+                <a16:creationId xmlns:a16="http://schemas.microsoft.com/office/drawing/2014/main" id="{E8DE0F86-9BC9-4767-9998-CE9356D1144E}"/>
+              </a:ext>
+            </a:extLst>
+          </p:cNvPr>
+          <p:cNvSpPr>
+            <a:spLocks noGrp="1"/>
+          </p:cNvSpPr>
+          <p:nvPr>
+            <p:ph type="title"/>
+          </p:nvPr>
+        </p:nvSpPr>
+        <p:spPr/>
+        <p:txBody>
+          <a:bodyPr/>
+          <a:lstStyle/>
+          <a:p>
+            <a:r>
+              <a:rPr lang="en-US" dirty="0"/>
+              <a:t>Timed Processes: explicit clock variables</a:t>
+            </a:r>
+          </a:p>
+        </p:txBody>
+      </p:sp>
+      <p:sp>
+        <p:nvSpPr>
+          <p:cNvPr id="4" name="Slide Number Placeholder 3">
+            <a:extLst>
+              <a:ext uri="{FF2B5EF4-FFF2-40B4-BE49-F238E27FC236}">
+                <a16:creationId xmlns:a16="http://schemas.microsoft.com/office/drawing/2014/main" id="{61F29896-4F17-4713-8362-247E6228FFA4}"/>
+              </a:ext>
+            </a:extLst>
+          </p:cNvPr>
+          <p:cNvSpPr>
+            <a:spLocks noGrp="1"/>
+          </p:cNvSpPr>
+          <p:nvPr>
+            <p:ph type="sldNum" sz="quarter" idx="12"/>
+          </p:nvPr>
+        </p:nvSpPr>
+        <p:spPr/>
+        <p:txBody>
+          <a:bodyPr/>
+          <a:lstStyle/>
+          <a:p>
+            <a:fld id="{29AAD378-655A-49C6-813C-9FD132EF7440}" type="slidenum">
+              <a:rPr lang="en-US" smtClean="0"/>
+              <a:pPr/>
+              <a:t>5</a:t>
+            </a:fld>
+            <a:endParaRPr lang="en-US" dirty="0"/>
+          </a:p>
+        </p:txBody>
+      </p:sp>
+      <p:grpSp>
+        <p:nvGrpSpPr>
+          <p:cNvPr id="5" name="Group 4">
+            <a:extLst>
+              <a:ext uri="{FF2B5EF4-FFF2-40B4-BE49-F238E27FC236}">
+                <a16:creationId xmlns:a16="http://schemas.microsoft.com/office/drawing/2014/main" id="{627D46C9-B905-45DC-BCE6-D9F5D597FD12}"/>
+              </a:ext>
+            </a:extLst>
+          </p:cNvPr>
+          <p:cNvGrpSpPr/>
+          <p:nvPr/>
+        </p:nvGrpSpPr>
+        <p:grpSpPr>
+          <a:xfrm>
+            <a:off x="72537" y="1453212"/>
+            <a:ext cx="6960123" cy="2714303"/>
+            <a:chOff x="218533" y="2084624"/>
+            <a:chExt cx="6960123" cy="2714303"/>
+          </a:xfrm>
+        </p:grpSpPr>
+        <p:sp>
+          <p:nvSpPr>
+            <p:cNvPr id="6" name="Oval 5">
+              <a:extLst>
+                <a:ext uri="{FF2B5EF4-FFF2-40B4-BE49-F238E27FC236}">
+                  <a16:creationId xmlns:a16="http://schemas.microsoft.com/office/drawing/2014/main" id="{110424B2-C0EA-4C19-A65F-2208D370E9E0}"/>
+                </a:ext>
+              </a:extLst>
+            </p:cNvPr>
+            <p:cNvSpPr/>
+            <p:nvPr/>
+          </p:nvSpPr>
+          <p:spPr>
+            <a:xfrm>
+              <a:off x="1420201" y="3028057"/>
+              <a:ext cx="826586" cy="624023"/>
+            </a:xfrm>
+            <a:prstGeom prst="ellipse">
+              <a:avLst/>
+            </a:prstGeom>
+            <a:ln w="25400"/>
+          </p:spPr>
+          <p:style>
+            <a:lnRef idx="2">
+              <a:schemeClr val="accent6"/>
+            </a:lnRef>
+            <a:fillRef idx="1">
+              <a:schemeClr val="lt1"/>
+            </a:fillRef>
+            <a:effectRef idx="0">
+              <a:schemeClr val="accent6"/>
+            </a:effectRef>
+            <a:fontRef idx="minor">
+              <a:schemeClr val="dk1"/>
+            </a:fontRef>
+          </p:style>
+          <p:txBody>
+            <a:bodyPr lIns="0" tIns="0" rIns="0" bIns="0" rtlCol="0" anchor="ctr"/>
+            <a:lstStyle/>
+            <a:p>
+              <a:pPr algn="ctr"/>
+              <a:r>
+                <a:rPr lang="en-US" dirty="0"/>
+                <a:t>off</a:t>
+              </a:r>
+              <a:endParaRPr lang="en-US" baseline="-25000" dirty="0"/>
+            </a:p>
+          </p:txBody>
+        </p:sp>
+        <p:sp>
+          <p:nvSpPr>
+            <p:cNvPr id="7" name="Oval 6">
+              <a:extLst>
+                <a:ext uri="{FF2B5EF4-FFF2-40B4-BE49-F238E27FC236}">
+                  <a16:creationId xmlns:a16="http://schemas.microsoft.com/office/drawing/2014/main" id="{72901C78-3E2E-4D68-9762-C6BF070EAE2D}"/>
+                </a:ext>
+              </a:extLst>
+            </p:cNvPr>
+            <p:cNvSpPr/>
+            <p:nvPr/>
+          </p:nvSpPr>
+          <p:spPr>
+            <a:xfrm>
+              <a:off x="3604600" y="3028057"/>
+              <a:ext cx="826586" cy="624023"/>
+            </a:xfrm>
+            <a:prstGeom prst="ellipse">
+              <a:avLst/>
+            </a:prstGeom>
+            <a:ln w="25400"/>
+          </p:spPr>
+          <p:style>
+            <a:lnRef idx="2">
+              <a:schemeClr val="accent6"/>
+            </a:lnRef>
+            <a:fillRef idx="1">
+              <a:schemeClr val="lt1"/>
+            </a:fillRef>
+            <a:effectRef idx="0">
+              <a:schemeClr val="accent6"/>
+            </a:effectRef>
+            <a:fontRef idx="minor">
+              <a:schemeClr val="dk1"/>
+            </a:fontRef>
+          </p:style>
+          <p:txBody>
+            <a:bodyPr lIns="0" tIns="0" rIns="0" bIns="0" rtlCol="0" anchor="ctr"/>
+            <a:lstStyle/>
+            <a:p>
+              <a:pPr algn="ctr"/>
+              <a:r>
+                <a:rPr lang="en-US" dirty="0"/>
+                <a:t>dim</a:t>
+              </a:r>
+              <a:endParaRPr lang="en-US" baseline="-25000" dirty="0"/>
+            </a:p>
+          </p:txBody>
+        </p:sp>
+        <p:sp>
+          <p:nvSpPr>
+            <p:cNvPr id="8" name="Oval 7">
+              <a:extLst>
+                <a:ext uri="{FF2B5EF4-FFF2-40B4-BE49-F238E27FC236}">
+                  <a16:creationId xmlns:a16="http://schemas.microsoft.com/office/drawing/2014/main" id="{04DBB024-D4C8-4B02-893A-021A4751E1BC}"/>
+                </a:ext>
+              </a:extLst>
+            </p:cNvPr>
+            <p:cNvSpPr/>
+            <p:nvPr/>
+          </p:nvSpPr>
+          <p:spPr>
+            <a:xfrm>
+              <a:off x="6140367" y="3028057"/>
+              <a:ext cx="826586" cy="624023"/>
+            </a:xfrm>
+            <a:prstGeom prst="ellipse">
+              <a:avLst/>
+            </a:prstGeom>
+            <a:ln w="25400"/>
+          </p:spPr>
+          <p:style>
+            <a:lnRef idx="2">
+              <a:schemeClr val="accent6"/>
+            </a:lnRef>
+            <a:fillRef idx="1">
+              <a:schemeClr val="lt1"/>
+            </a:fillRef>
+            <a:effectRef idx="0">
+              <a:schemeClr val="accent6"/>
+            </a:effectRef>
+            <a:fontRef idx="minor">
+              <a:schemeClr val="dk1"/>
+            </a:fontRef>
+          </p:style>
+          <p:txBody>
+            <a:bodyPr lIns="0" tIns="0" rIns="0" bIns="0" rtlCol="0" anchor="ctr"/>
+            <a:lstStyle/>
+            <a:p>
+              <a:pPr algn="ctr"/>
+              <a:r>
+                <a:rPr lang="en-US" dirty="0"/>
+                <a:t>bright</a:t>
+              </a:r>
+              <a:endParaRPr lang="en-US" baseline="-25000" dirty="0"/>
+            </a:p>
+          </p:txBody>
+        </p:sp>
+        <p:cxnSp>
+          <p:nvCxnSpPr>
+            <p:cNvPr id="9" name="Straight Arrow Connector 8">
+              <a:extLst>
+                <a:ext uri="{FF2B5EF4-FFF2-40B4-BE49-F238E27FC236}">
+                  <a16:creationId xmlns:a16="http://schemas.microsoft.com/office/drawing/2014/main" id="{A9B99FF3-5B9E-427B-8D2A-3437DB8EAACE}"/>
+                </a:ext>
+              </a:extLst>
+            </p:cNvPr>
+            <p:cNvCxnSpPr>
+              <a:stCxn id="6" idx="6"/>
+              <a:endCxn id="7" idx="2"/>
+            </p:cNvCxnSpPr>
+            <p:nvPr/>
+          </p:nvCxnSpPr>
+          <p:spPr>
+            <a:xfrm>
+              <a:off x="2246787" y="3340069"/>
+              <a:ext cx="1357813" cy="0"/>
+            </a:xfrm>
+            <a:prstGeom prst="straightConnector1">
+              <a:avLst/>
+            </a:prstGeom>
+            <a:ln w="25400">
+              <a:solidFill>
+                <a:schemeClr val="accent6"/>
+              </a:solidFill>
+              <a:tailEnd type="triangle" w="lg" len="lg"/>
+            </a:ln>
+          </p:spPr>
+          <p:style>
+            <a:lnRef idx="1">
+              <a:schemeClr val="accent1"/>
+            </a:lnRef>
+            <a:fillRef idx="0">
+              <a:schemeClr val="accent1"/>
+            </a:fillRef>
+            <a:effectRef idx="0">
+              <a:schemeClr val="accent1"/>
+            </a:effectRef>
+            <a:fontRef idx="minor">
+              <a:schemeClr val="tx1"/>
+            </a:fontRef>
+          </p:style>
+        </p:cxnSp>
+        <p:cxnSp>
+          <p:nvCxnSpPr>
+            <p:cNvPr id="10" name="Straight Arrow Connector 9">
+              <a:extLst>
+                <a:ext uri="{FF2B5EF4-FFF2-40B4-BE49-F238E27FC236}">
+                  <a16:creationId xmlns:a16="http://schemas.microsoft.com/office/drawing/2014/main" id="{4C948EFF-8209-45A4-812D-D2AB936F3B50}"/>
+                </a:ext>
+              </a:extLst>
+            </p:cNvPr>
+            <p:cNvCxnSpPr>
+              <a:cxnSpLocks/>
+              <a:stCxn id="7" idx="6"/>
+              <a:endCxn id="8" idx="2"/>
+            </p:cNvCxnSpPr>
+            <p:nvPr/>
+          </p:nvCxnSpPr>
+          <p:spPr>
+            <a:xfrm>
+              <a:off x="4431186" y="3340069"/>
+              <a:ext cx="1709181" cy="0"/>
+            </a:xfrm>
+            <a:prstGeom prst="straightConnector1">
+              <a:avLst/>
+            </a:prstGeom>
+            <a:ln w="25400">
+              <a:solidFill>
+                <a:schemeClr val="accent6"/>
+              </a:solidFill>
+              <a:tailEnd type="triangle" w="lg" len="lg"/>
+            </a:ln>
+          </p:spPr>
+          <p:style>
+            <a:lnRef idx="1">
+              <a:schemeClr val="accent1"/>
+            </a:lnRef>
+            <a:fillRef idx="0">
+              <a:schemeClr val="accent1"/>
+            </a:fillRef>
+            <a:effectRef idx="0">
+              <a:schemeClr val="accent1"/>
+            </a:effectRef>
+            <a:fontRef idx="minor">
+              <a:schemeClr val="tx1"/>
+            </a:fontRef>
+          </p:style>
+        </p:cxnSp>
+        <p:sp>
+          <p:nvSpPr>
+            <p:cNvPr id="11" name="Freeform: Shape 10">
+              <a:extLst>
+                <a:ext uri="{FF2B5EF4-FFF2-40B4-BE49-F238E27FC236}">
+                  <a16:creationId xmlns:a16="http://schemas.microsoft.com/office/drawing/2014/main" id="{9206947F-7874-42AD-921D-2E7FB6EED009}"/>
+                </a:ext>
+              </a:extLst>
+            </p:cNvPr>
+            <p:cNvSpPr/>
+            <p:nvPr/>
+          </p:nvSpPr>
+          <p:spPr>
+            <a:xfrm>
+              <a:off x="2081685" y="3601484"/>
+              <a:ext cx="4357535" cy="885991"/>
+            </a:xfrm>
+            <a:custGeom>
+              <a:avLst/>
+              <a:gdLst>
+                <a:gd name="connsiteX0" fmla="*/ 4445000 w 4445000"/>
+                <a:gd name="connsiteY0" fmla="*/ 33867 h 326122"/>
+                <a:gd name="connsiteX1" fmla="*/ 2065867 w 4445000"/>
+                <a:gd name="connsiteY1" fmla="*/ 325967 h 326122"/>
+                <a:gd name="connsiteX2" fmla="*/ 0 w 4445000"/>
+                <a:gd name="connsiteY2" fmla="*/ 0 h 326122"/>
+                <a:gd name="connsiteX0" fmla="*/ 4351866 w 4351866"/>
+                <a:gd name="connsiteY0" fmla="*/ 25400 h 326051"/>
+                <a:gd name="connsiteX1" fmla="*/ 2065867 w 4351866"/>
+                <a:gd name="connsiteY1" fmla="*/ 325967 h 326051"/>
+                <a:gd name="connsiteX2" fmla="*/ 0 w 4351866"/>
+                <a:gd name="connsiteY2" fmla="*/ 0 h 326051"/>
+                <a:gd name="connsiteX0" fmla="*/ 4246033 w 4246033"/>
+                <a:gd name="connsiteY0" fmla="*/ 21167 h 326024"/>
+                <a:gd name="connsiteX1" fmla="*/ 2065867 w 4246033"/>
+                <a:gd name="connsiteY1" fmla="*/ 325967 h 326024"/>
+                <a:gd name="connsiteX2" fmla="*/ 0 w 4246033"/>
+                <a:gd name="connsiteY2" fmla="*/ 0 h 326024"/>
+              </a:gdLst>
+              <a:ahLst/>
+              <a:cxnLst>
+                <a:cxn ang="0">
+                  <a:pos x="connsiteX0" y="connsiteY0"/>
+                </a:cxn>
+                <a:cxn ang="0">
+                  <a:pos x="connsiteX1" y="connsiteY1"/>
+                </a:cxn>
+                <a:cxn ang="0">
+                  <a:pos x="connsiteX2" y="connsiteY2"/>
+                </a:cxn>
+              </a:cxnLst>
+              <a:rect l="l" t="t" r="r" b="b"/>
+              <a:pathLst>
+                <a:path w="4246033" h="326024">
+                  <a:moveTo>
+                    <a:pt x="4246033" y="21167"/>
+                  </a:moveTo>
+                  <a:cubicBezTo>
+                    <a:pt x="3426883" y="170039"/>
+                    <a:pt x="2773539" y="329495"/>
+                    <a:pt x="2065867" y="325967"/>
+                  </a:cubicBezTo>
+                  <a:cubicBezTo>
+                    <a:pt x="1358195" y="322439"/>
+                    <a:pt x="662517" y="160161"/>
+                    <a:pt x="0" y="0"/>
+                  </a:cubicBezTo>
+                </a:path>
+              </a:pathLst>
+            </a:custGeom>
+            <a:ln w="25400">
+              <a:solidFill>
+                <a:schemeClr val="accent6"/>
+              </a:solidFill>
+              <a:tailEnd type="triangle" w="lg" len="lg"/>
+            </a:ln>
+          </p:spPr>
+          <p:style>
+            <a:lnRef idx="1">
+              <a:schemeClr val="accent1"/>
+            </a:lnRef>
+            <a:fillRef idx="0">
+              <a:schemeClr val="accent1"/>
+            </a:fillRef>
+            <a:effectRef idx="0">
+              <a:schemeClr val="accent1"/>
+            </a:effectRef>
+            <a:fontRef idx="minor">
+              <a:schemeClr val="tx1"/>
+            </a:fontRef>
+          </p:style>
+          <p:txBody>
+            <a:bodyPr rtlCol="0" anchor="ctr"/>
+            <a:lstStyle/>
+            <a:p>
+              <a:pPr algn="ctr"/>
+              <a:endParaRPr lang="en-US" dirty="0"/>
+            </a:p>
+          </p:txBody>
+        </p:sp>
+        <p:sp>
+          <p:nvSpPr>
+            <p:cNvPr id="12" name="Freeform: Shape 11">
+              <a:extLst>
+                <a:ext uri="{FF2B5EF4-FFF2-40B4-BE49-F238E27FC236}">
+                  <a16:creationId xmlns:a16="http://schemas.microsoft.com/office/drawing/2014/main" id="{0F4028D5-3351-4559-9BB4-619D09DBFC41}"/>
+                </a:ext>
+              </a:extLst>
+            </p:cNvPr>
+            <p:cNvSpPr/>
+            <p:nvPr/>
+          </p:nvSpPr>
+          <p:spPr>
+            <a:xfrm>
+              <a:off x="6797620" y="2824136"/>
+              <a:ext cx="381036" cy="373257"/>
+            </a:xfrm>
+            <a:custGeom>
+              <a:avLst/>
+              <a:gdLst>
+                <a:gd name="connsiteX0" fmla="*/ 135466 w 341178"/>
+                <a:gd name="connsiteY0" fmla="*/ 374093 h 374093"/>
+                <a:gd name="connsiteX1" fmla="*/ 292100 w 341178"/>
+                <a:gd name="connsiteY1" fmla="*/ 327526 h 374093"/>
+                <a:gd name="connsiteX2" fmla="*/ 338666 w 341178"/>
+                <a:gd name="connsiteY2" fmla="*/ 204760 h 374093"/>
+                <a:gd name="connsiteX3" fmla="*/ 317500 w 341178"/>
+                <a:gd name="connsiteY3" fmla="*/ 90460 h 374093"/>
+                <a:gd name="connsiteX4" fmla="*/ 173566 w 341178"/>
+                <a:gd name="connsiteY4" fmla="*/ 1560 h 374093"/>
+                <a:gd name="connsiteX5" fmla="*/ 67733 w 341178"/>
+                <a:gd name="connsiteY5" fmla="*/ 35426 h 374093"/>
+                <a:gd name="connsiteX6" fmla="*/ 21166 w 341178"/>
+                <a:gd name="connsiteY6" fmla="*/ 56593 h 374093"/>
+                <a:gd name="connsiteX7" fmla="*/ 0 w 341178"/>
+                <a:gd name="connsiteY7" fmla="*/ 251326 h 374093"/>
+                <a:gd name="connsiteX0" fmla="*/ 135466 w 341178"/>
+                <a:gd name="connsiteY0" fmla="*/ 373504 h 373504"/>
+                <a:gd name="connsiteX1" fmla="*/ 292100 w 341178"/>
+                <a:gd name="connsiteY1" fmla="*/ 326937 h 373504"/>
+                <a:gd name="connsiteX2" fmla="*/ 338666 w 341178"/>
+                <a:gd name="connsiteY2" fmla="*/ 204171 h 373504"/>
+                <a:gd name="connsiteX3" fmla="*/ 317500 w 341178"/>
+                <a:gd name="connsiteY3" fmla="*/ 89871 h 373504"/>
+                <a:gd name="connsiteX4" fmla="*/ 173566 w 341178"/>
+                <a:gd name="connsiteY4" fmla="*/ 971 h 373504"/>
+                <a:gd name="connsiteX5" fmla="*/ 21166 w 341178"/>
+                <a:gd name="connsiteY5" fmla="*/ 56004 h 373504"/>
+                <a:gd name="connsiteX6" fmla="*/ 0 w 341178"/>
+                <a:gd name="connsiteY6" fmla="*/ 250737 h 373504"/>
+                <a:gd name="connsiteX0" fmla="*/ 135466 w 341178"/>
+                <a:gd name="connsiteY0" fmla="*/ 372533 h 372533"/>
+                <a:gd name="connsiteX1" fmla="*/ 292100 w 341178"/>
+                <a:gd name="connsiteY1" fmla="*/ 325966 h 372533"/>
+                <a:gd name="connsiteX2" fmla="*/ 338666 w 341178"/>
+                <a:gd name="connsiteY2" fmla="*/ 203200 h 372533"/>
+                <a:gd name="connsiteX3" fmla="*/ 317500 w 341178"/>
+                <a:gd name="connsiteY3" fmla="*/ 88900 h 372533"/>
+                <a:gd name="connsiteX4" fmla="*/ 173566 w 341178"/>
+                <a:gd name="connsiteY4" fmla="*/ 0 h 372533"/>
+                <a:gd name="connsiteX5" fmla="*/ 29632 w 341178"/>
+                <a:gd name="connsiteY5" fmla="*/ 88900 h 372533"/>
+                <a:gd name="connsiteX6" fmla="*/ 0 w 341178"/>
+                <a:gd name="connsiteY6" fmla="*/ 249766 h 372533"/>
+                <a:gd name="connsiteX0" fmla="*/ 135466 w 339364"/>
+                <a:gd name="connsiteY0" fmla="*/ 373286 h 373286"/>
+                <a:gd name="connsiteX1" fmla="*/ 292100 w 339364"/>
+                <a:gd name="connsiteY1" fmla="*/ 326719 h 373286"/>
+                <a:gd name="connsiteX2" fmla="*/ 338666 w 339364"/>
+                <a:gd name="connsiteY2" fmla="*/ 203953 h 373286"/>
+                <a:gd name="connsiteX3" fmla="*/ 309033 w 339364"/>
+                <a:gd name="connsiteY3" fmla="*/ 55786 h 373286"/>
+                <a:gd name="connsiteX4" fmla="*/ 173566 w 339364"/>
+                <a:gd name="connsiteY4" fmla="*/ 753 h 373286"/>
+                <a:gd name="connsiteX5" fmla="*/ 29632 w 339364"/>
+                <a:gd name="connsiteY5" fmla="*/ 89653 h 373286"/>
+                <a:gd name="connsiteX6" fmla="*/ 0 w 339364"/>
+                <a:gd name="connsiteY6" fmla="*/ 250519 h 373286"/>
+                <a:gd name="connsiteX0" fmla="*/ 135466 w 347533"/>
+                <a:gd name="connsiteY0" fmla="*/ 373354 h 373354"/>
+                <a:gd name="connsiteX1" fmla="*/ 292100 w 347533"/>
+                <a:gd name="connsiteY1" fmla="*/ 326787 h 373354"/>
+                <a:gd name="connsiteX2" fmla="*/ 347132 w 347533"/>
+                <a:gd name="connsiteY2" fmla="*/ 220954 h 373354"/>
+                <a:gd name="connsiteX3" fmla="*/ 309033 w 347533"/>
+                <a:gd name="connsiteY3" fmla="*/ 55854 h 373354"/>
+                <a:gd name="connsiteX4" fmla="*/ 173566 w 347533"/>
+                <a:gd name="connsiteY4" fmla="*/ 821 h 373354"/>
+                <a:gd name="connsiteX5" fmla="*/ 29632 w 347533"/>
+                <a:gd name="connsiteY5" fmla="*/ 89721 h 373354"/>
+                <a:gd name="connsiteX6" fmla="*/ 0 w 347533"/>
+                <a:gd name="connsiteY6" fmla="*/ 250587 h 373354"/>
+                <a:gd name="connsiteX0" fmla="*/ 135466 w 381139"/>
+                <a:gd name="connsiteY0" fmla="*/ 373257 h 373257"/>
+                <a:gd name="connsiteX1" fmla="*/ 292100 w 381139"/>
+                <a:gd name="connsiteY1" fmla="*/ 326690 h 373257"/>
+                <a:gd name="connsiteX2" fmla="*/ 380999 w 381139"/>
+                <a:gd name="connsiteY2" fmla="*/ 195457 h 373257"/>
+                <a:gd name="connsiteX3" fmla="*/ 309033 w 381139"/>
+                <a:gd name="connsiteY3" fmla="*/ 55757 h 373257"/>
+                <a:gd name="connsiteX4" fmla="*/ 173566 w 381139"/>
+                <a:gd name="connsiteY4" fmla="*/ 724 h 373257"/>
+                <a:gd name="connsiteX5" fmla="*/ 29632 w 381139"/>
+                <a:gd name="connsiteY5" fmla="*/ 89624 h 373257"/>
+                <a:gd name="connsiteX6" fmla="*/ 0 w 381139"/>
+                <a:gd name="connsiteY6" fmla="*/ 250490 h 373257"/>
+                <a:gd name="connsiteX0" fmla="*/ 135466 w 381036"/>
+                <a:gd name="connsiteY0" fmla="*/ 373257 h 373257"/>
+                <a:gd name="connsiteX1" fmla="*/ 300567 w 381036"/>
+                <a:gd name="connsiteY1" fmla="*/ 313990 h 373257"/>
+                <a:gd name="connsiteX2" fmla="*/ 380999 w 381036"/>
+                <a:gd name="connsiteY2" fmla="*/ 195457 h 373257"/>
+                <a:gd name="connsiteX3" fmla="*/ 309033 w 381036"/>
+                <a:gd name="connsiteY3" fmla="*/ 55757 h 373257"/>
+                <a:gd name="connsiteX4" fmla="*/ 173566 w 381036"/>
+                <a:gd name="connsiteY4" fmla="*/ 724 h 373257"/>
+                <a:gd name="connsiteX5" fmla="*/ 29632 w 381036"/>
+                <a:gd name="connsiteY5" fmla="*/ 89624 h 373257"/>
+                <a:gd name="connsiteX6" fmla="*/ 0 w 381036"/>
+                <a:gd name="connsiteY6" fmla="*/ 250490 h 373257"/>
+              </a:gdLst>
+              <a:ahLst/>
+              <a:cxnLst>
+                <a:cxn ang="0">
+                  <a:pos x="connsiteX0" y="connsiteY0"/>
+                </a:cxn>
+                <a:cxn ang="0">
+                  <a:pos x="connsiteX1" y="connsiteY1"/>
+                </a:cxn>
+                <a:cxn ang="0">
+                  <a:pos x="connsiteX2" y="connsiteY2"/>
+                </a:cxn>
+                <a:cxn ang="0">
+                  <a:pos x="connsiteX3" y="connsiteY3"/>
+                </a:cxn>
+                <a:cxn ang="0">
+                  <a:pos x="connsiteX4" y="connsiteY4"/>
+                </a:cxn>
+                <a:cxn ang="0">
+                  <a:pos x="connsiteX5" y="connsiteY5"/>
+                </a:cxn>
+                <a:cxn ang="0">
+                  <a:pos x="connsiteX6" y="connsiteY6"/>
+                </a:cxn>
+              </a:cxnLst>
+              <a:rect l="l" t="t" r="r" b="b"/>
+              <a:pathLst>
+                <a:path w="381036" h="373257">
+                  <a:moveTo>
+                    <a:pt x="135466" y="373257"/>
+                  </a:moveTo>
+                  <a:cubicBezTo>
+                    <a:pt x="196849" y="364084"/>
+                    <a:pt x="259645" y="343623"/>
+                    <a:pt x="300567" y="313990"/>
+                  </a:cubicBezTo>
+                  <a:cubicBezTo>
+                    <a:pt x="341489" y="284357"/>
+                    <a:pt x="379588" y="238496"/>
+                    <a:pt x="380999" y="195457"/>
+                  </a:cubicBezTo>
+                  <a:cubicBezTo>
+                    <a:pt x="382410" y="152418"/>
+                    <a:pt x="343605" y="88212"/>
+                    <a:pt x="309033" y="55757"/>
+                  </a:cubicBezTo>
+                  <a:cubicBezTo>
+                    <a:pt x="274461" y="23302"/>
+                    <a:pt x="220133" y="-4920"/>
+                    <a:pt x="173566" y="724"/>
+                  </a:cubicBezTo>
+                  <a:cubicBezTo>
+                    <a:pt x="126999" y="6368"/>
+                    <a:pt x="58560" y="47996"/>
+                    <a:pt x="29632" y="89624"/>
+                  </a:cubicBezTo>
+                  <a:cubicBezTo>
+                    <a:pt x="18343" y="125607"/>
+                    <a:pt x="4938" y="171115"/>
+                    <a:pt x="0" y="250490"/>
+                  </a:cubicBezTo>
+                </a:path>
+              </a:pathLst>
+            </a:custGeom>
+            <a:ln w="25400">
+              <a:solidFill>
+                <a:schemeClr val="accent6"/>
+              </a:solidFill>
+              <a:tailEnd type="triangle" w="lg" len="lg"/>
+            </a:ln>
+          </p:spPr>
+          <p:style>
+            <a:lnRef idx="1">
+              <a:schemeClr val="accent1"/>
+            </a:lnRef>
+            <a:fillRef idx="0">
+              <a:schemeClr val="accent1"/>
+            </a:fillRef>
+            <a:effectRef idx="0">
+              <a:schemeClr val="accent1"/>
+            </a:effectRef>
+            <a:fontRef idx="minor">
+              <a:schemeClr val="tx1"/>
+            </a:fontRef>
+          </p:style>
+          <p:txBody>
+            <a:bodyPr rot="0" spcFirstLastPara="0" vertOverflow="overflow" horzOverflow="overflow" vert="horz" wrap="square" lIns="91440" tIns="45720" rIns="91440" bIns="45720" numCol="1" spcCol="0" rtlCol="0" fromWordArt="0" anchor="ctr" anchorCtr="0" forceAA="0" compatLnSpc="1">
+              <a:prstTxWarp prst="textNoShape">
+                <a:avLst/>
+              </a:prstTxWarp>
+              <a:noAutofit/>
+            </a:bodyPr>
+            <a:lstStyle/>
+            <a:p>
+              <a:pPr algn="ctr"/>
+              <a:endParaRPr lang="en-US">
+                <a:solidFill>
+                  <a:schemeClr val="tx1"/>
+                </a:solidFill>
+              </a:endParaRPr>
+            </a:p>
+          </p:txBody>
+        </p:sp>
+        <mc:AlternateContent xmlns:mc="http://schemas.openxmlformats.org/markup-compatibility/2006" xmlns:a14="http://schemas.microsoft.com/office/drawing/2010/main">
+          <mc:Choice Requires="a14">
+            <p:sp>
+              <p:nvSpPr>
+                <p:cNvPr id="13" name="TextBox 12">
+                  <a:extLst>
+                    <a:ext uri="{FF2B5EF4-FFF2-40B4-BE49-F238E27FC236}">
+                      <a16:creationId xmlns:a16="http://schemas.microsoft.com/office/drawing/2014/main" id="{B4911D0E-9194-4438-A253-DCA01D6D9420}"/>
+                    </a:ext>
+                  </a:extLst>
+                </p:cNvPr>
+                <p:cNvSpPr txBox="1"/>
+                <p:nvPr/>
+              </p:nvSpPr>
+              <p:spPr>
+                <a:xfrm>
+                  <a:off x="2336776" y="3311403"/>
+                  <a:ext cx="1324914" cy="584775"/>
+                </a:xfrm>
+                <a:prstGeom prst="rect">
+                  <a:avLst/>
+                </a:prstGeom>
+                <a:noFill/>
+              </p:spPr>
+              <p:txBody>
+                <a:bodyPr wrap="none" rtlCol="0">
+                  <a:spAutoFit/>
+                </a:bodyPr>
+                <a:lstStyle/>
+                <a:p>
+                  <a:r>
+                    <a:rPr lang="en-US" sz="1600" dirty="0"/>
+                    <a:t>(press==1)?</a:t>
+                  </a:r>
+                  <a14:m>
+                    <m:oMath xmlns:m="http://schemas.openxmlformats.org/officeDocument/2006/math">
+                      <m:r>
+                        <a:rPr lang="en-US" sz="1600" b="0" i="1" smtClean="0">
+                          <a:latin typeface="Cambria Math" panose="02040503050406030204" pitchFamily="18" charset="0"/>
+                        </a:rPr>
+                        <m:t>→</m:t>
+                      </m:r>
+                    </m:oMath>
+                  </a14:m>
+                  <a:endParaRPr lang="en-US" sz="1600" dirty="0"/>
+                </a:p>
+                <a:p>
+                  <a:r>
+                    <a:rPr lang="en-US" sz="1600" dirty="0"/>
+                    <a:t> c:=0</a:t>
+                  </a:r>
+                </a:p>
+              </p:txBody>
+            </p:sp>
+          </mc:Choice>
+          <mc:Fallback xmlns="">
+            <p:sp>
+              <p:nvSpPr>
+                <p:cNvPr id="13" name="TextBox 12">
+                  <a:extLst>
+                    <a:ext uri="{FF2B5EF4-FFF2-40B4-BE49-F238E27FC236}">
+                      <a16:creationId xmlns:a16="http://schemas.microsoft.com/office/drawing/2014/main" id="{B4911D0E-9194-4438-A253-DCA01D6D9420}"/>
+                    </a:ext>
+                  </a:extLst>
+                </p:cNvPr>
+                <p:cNvSpPr txBox="1">
+                  <a:spLocks noRot="1" noChangeAspect="1" noMove="1" noResize="1" noEditPoints="1" noAdjustHandles="1" noChangeArrowheads="1" noChangeShapeType="1" noTextEdit="1"/>
+                </p:cNvSpPr>
+                <p:nvPr/>
+              </p:nvSpPr>
+              <p:spPr>
+                <a:xfrm>
+                  <a:off x="2336776" y="3311403"/>
+                  <a:ext cx="1324914" cy="584775"/>
+                </a:xfrm>
+                <a:prstGeom prst="rect">
+                  <a:avLst/>
+                </a:prstGeom>
+                <a:blipFill>
+                  <a:blip r:embed="rId4"/>
+                  <a:stretch>
+                    <a:fillRect l="-2294" t="-3125" b="-12500"/>
+                  </a:stretch>
+                </a:blipFill>
+              </p:spPr>
+              <p:txBody>
+                <a:bodyPr/>
+                <a:lstStyle/>
+                <a:p>
+                  <a:r>
+                    <a:rPr lang="en-US">
+                      <a:noFill/>
+                    </a:rPr>
+                    <a:t> </a:t>
+                  </a:r>
+                </a:p>
+              </p:txBody>
+            </p:sp>
+          </mc:Fallback>
+        </mc:AlternateContent>
+        <p:sp>
+          <p:nvSpPr>
+            <p:cNvPr id="14" name="TextBox 13">
+              <a:extLst>
+                <a:ext uri="{FF2B5EF4-FFF2-40B4-BE49-F238E27FC236}">
+                  <a16:creationId xmlns:a16="http://schemas.microsoft.com/office/drawing/2014/main" id="{78181D0B-9CA7-4571-91D9-68C5E95EA2CD}"/>
+                </a:ext>
+              </a:extLst>
+            </p:cNvPr>
+            <p:cNvSpPr txBox="1"/>
+            <p:nvPr/>
+          </p:nvSpPr>
+          <p:spPr>
+            <a:xfrm>
+              <a:off x="3644938" y="4460373"/>
+              <a:ext cx="1153393" cy="338554"/>
+            </a:xfrm>
+            <a:prstGeom prst="rect">
+              <a:avLst/>
+            </a:prstGeom>
+            <a:noFill/>
+          </p:spPr>
+          <p:txBody>
+            <a:bodyPr wrap="none" rtlCol="0">
+              <a:spAutoFit/>
+            </a:bodyPr>
+            <a:lstStyle/>
+            <a:p>
+              <a:r>
+                <a:rPr lang="en-US" sz="1600" dirty="0"/>
+                <a:t>(press==1)?</a:t>
+              </a:r>
+            </a:p>
+          </p:txBody>
+        </p:sp>
+        <p:cxnSp>
+          <p:nvCxnSpPr>
+            <p:cNvPr id="15" name="Straight Arrow Connector 14">
+              <a:extLst>
+                <a:ext uri="{FF2B5EF4-FFF2-40B4-BE49-F238E27FC236}">
+                  <a16:creationId xmlns:a16="http://schemas.microsoft.com/office/drawing/2014/main" id="{398585CE-D023-42BB-BD59-5CA991A6A83C}"/>
+                </a:ext>
+              </a:extLst>
+            </p:cNvPr>
+            <p:cNvCxnSpPr>
+              <a:cxnSpLocks/>
+              <a:endCxn id="6" idx="2"/>
+            </p:cNvCxnSpPr>
+            <p:nvPr/>
+          </p:nvCxnSpPr>
+          <p:spPr>
+            <a:xfrm>
+              <a:off x="589102" y="3340069"/>
+              <a:ext cx="831099" cy="0"/>
+            </a:xfrm>
+            <a:prstGeom prst="straightConnector1">
+              <a:avLst/>
+            </a:prstGeom>
+            <a:ln w="25400">
+              <a:solidFill>
+                <a:schemeClr val="accent6"/>
+              </a:solidFill>
+              <a:tailEnd type="triangle" w="lg" len="lg"/>
+            </a:ln>
+          </p:spPr>
+          <p:style>
+            <a:lnRef idx="1">
+              <a:schemeClr val="accent1"/>
+            </a:lnRef>
+            <a:fillRef idx="0">
+              <a:schemeClr val="accent1"/>
+            </a:fillRef>
+            <a:effectRef idx="0">
+              <a:schemeClr val="accent1"/>
+            </a:effectRef>
+            <a:fontRef idx="minor">
+              <a:schemeClr val="tx1"/>
+            </a:fontRef>
+          </p:style>
+        </p:cxnSp>
+        <p:sp>
+          <p:nvSpPr>
+            <p:cNvPr id="16" name="TextBox 15">
+              <a:extLst>
+                <a:ext uri="{FF2B5EF4-FFF2-40B4-BE49-F238E27FC236}">
+                  <a16:creationId xmlns:a16="http://schemas.microsoft.com/office/drawing/2014/main" id="{46002ECD-173C-40F2-88AC-E7952A97C0D3}"/>
+                </a:ext>
+              </a:extLst>
+            </p:cNvPr>
+            <p:cNvSpPr txBox="1"/>
+            <p:nvPr/>
+          </p:nvSpPr>
+          <p:spPr>
+            <a:xfrm>
+              <a:off x="218533" y="2928958"/>
+              <a:ext cx="1000595" cy="338554"/>
+            </a:xfrm>
+            <a:prstGeom prst="rect">
+              <a:avLst/>
+            </a:prstGeom>
+            <a:noFill/>
+          </p:spPr>
+          <p:txBody>
+            <a:bodyPr wrap="none" rtlCol="0">
+              <a:spAutoFit/>
+            </a:bodyPr>
+            <a:lstStyle/>
+            <a:p>
+              <a:r>
+                <a:rPr lang="en-US" sz="1600" dirty="0"/>
+                <a:t>clock c:=0</a:t>
+              </a:r>
+            </a:p>
+          </p:txBody>
+        </p:sp>
+        <p:sp>
+          <p:nvSpPr>
+            <p:cNvPr id="17" name="Freeform: Shape 16">
+              <a:extLst>
+                <a:ext uri="{FF2B5EF4-FFF2-40B4-BE49-F238E27FC236}">
+                  <a16:creationId xmlns:a16="http://schemas.microsoft.com/office/drawing/2014/main" id="{1F7E5E64-F07C-4C11-8229-4B55AE5F9A90}"/>
+                </a:ext>
+              </a:extLst>
+            </p:cNvPr>
+            <p:cNvSpPr/>
+            <p:nvPr/>
+          </p:nvSpPr>
+          <p:spPr>
+            <a:xfrm>
+              <a:off x="1821116" y="2474254"/>
+              <a:ext cx="2120793" cy="573427"/>
+            </a:xfrm>
+            <a:custGeom>
+              <a:avLst/>
+              <a:gdLst>
+                <a:gd name="connsiteX0" fmla="*/ 2013217 w 2013217"/>
+                <a:gd name="connsiteY0" fmla="*/ 522518 h 522518"/>
+                <a:gd name="connsiteX1" fmla="*/ 1114185 w 2013217"/>
+                <a:gd name="connsiteY1" fmla="*/ 4 h 522518"/>
+                <a:gd name="connsiteX2" fmla="*/ 0 w 2013217"/>
+                <a:gd name="connsiteY2" fmla="*/ 514834 h 522518"/>
+              </a:gdLst>
+              <a:ahLst/>
+              <a:cxnLst>
+                <a:cxn ang="0">
+                  <a:pos x="connsiteX0" y="connsiteY0"/>
+                </a:cxn>
+                <a:cxn ang="0">
+                  <a:pos x="connsiteX1" y="connsiteY1"/>
+                </a:cxn>
+                <a:cxn ang="0">
+                  <a:pos x="connsiteX2" y="connsiteY2"/>
+                </a:cxn>
+              </a:cxnLst>
+              <a:rect l="l" t="t" r="r" b="b"/>
+              <a:pathLst>
+                <a:path w="2013217" h="522518">
+                  <a:moveTo>
+                    <a:pt x="2013217" y="522518"/>
+                  </a:moveTo>
+                  <a:cubicBezTo>
+                    <a:pt x="1731469" y="261901"/>
+                    <a:pt x="1449721" y="1285"/>
+                    <a:pt x="1114185" y="4"/>
+                  </a:cubicBezTo>
+                  <a:cubicBezTo>
+                    <a:pt x="778649" y="-1277"/>
+                    <a:pt x="389324" y="256778"/>
+                    <a:pt x="0" y="514834"/>
+                  </a:cubicBezTo>
+                </a:path>
+              </a:pathLst>
+            </a:custGeom>
+            <a:ln w="25400">
+              <a:solidFill>
+                <a:schemeClr val="accent6"/>
+              </a:solidFill>
+              <a:tailEnd type="triangle" w="lg" len="lg"/>
+            </a:ln>
+          </p:spPr>
+          <p:style>
+            <a:lnRef idx="1">
+              <a:schemeClr val="accent1"/>
+            </a:lnRef>
+            <a:fillRef idx="0">
+              <a:schemeClr val="accent1"/>
+            </a:fillRef>
+            <a:effectRef idx="0">
+              <a:schemeClr val="accent1"/>
+            </a:effectRef>
+            <a:fontRef idx="minor">
+              <a:schemeClr val="tx1"/>
+            </a:fontRef>
+          </p:style>
+          <p:txBody>
+            <a:bodyPr rtlCol="0" anchor="ctr"/>
+            <a:lstStyle/>
+            <a:p>
+              <a:pPr algn="ctr"/>
+              <a:endParaRPr lang="en-US">
+                <a:solidFill>
+                  <a:schemeClr val="tx1"/>
+                </a:solidFill>
+              </a:endParaRPr>
+            </a:p>
+          </p:txBody>
+        </p:sp>
+        <mc:AlternateContent xmlns:mc="http://schemas.openxmlformats.org/markup-compatibility/2006" xmlns:a14="http://schemas.microsoft.com/office/drawing/2010/main">
+          <mc:Choice Requires="a14">
+            <p:sp>
+              <p:nvSpPr>
+                <p:cNvPr id="18" name="TextBox 17">
+                  <a:extLst>
+                    <a:ext uri="{FF2B5EF4-FFF2-40B4-BE49-F238E27FC236}">
+                      <a16:creationId xmlns:a16="http://schemas.microsoft.com/office/drawing/2014/main" id="{DDD3D0B0-884E-4120-87AD-11584B5A5B56}"/>
+                    </a:ext>
+                  </a:extLst>
+                </p:cNvPr>
+                <p:cNvSpPr txBox="1"/>
+                <p:nvPr/>
+              </p:nvSpPr>
+              <p:spPr>
+                <a:xfrm>
+                  <a:off x="1962574" y="2084624"/>
+                  <a:ext cx="1837875" cy="338554"/>
+                </a:xfrm>
+                <a:prstGeom prst="rect">
+                  <a:avLst/>
+                </a:prstGeom>
+                <a:noFill/>
+              </p:spPr>
+              <p:txBody>
+                <a:bodyPr wrap="none" rtlCol="0">
+                  <a:spAutoFit/>
+                </a:bodyPr>
+                <a:lstStyle/>
+                <a:p>
+                  <a:r>
+                    <a:rPr lang="en-US" sz="1600" dirty="0"/>
+                    <a:t>(press==1)? </a:t>
+                  </a:r>
+                  <a14:m>
+                    <m:oMath xmlns:m="http://schemas.openxmlformats.org/officeDocument/2006/math">
+                      <m:r>
+                        <a:rPr lang="en-US" sz="1600" b="0" i="1" smtClean="0">
+                          <a:latin typeface="Cambria Math" panose="02040503050406030204" pitchFamily="18" charset="0"/>
+                        </a:rPr>
+                        <m:t>∧</m:t>
+                      </m:r>
+                    </m:oMath>
+                  </a14:m>
+                  <a:r>
+                    <a:rPr lang="en-US" sz="1600" dirty="0"/>
+                    <a:t> (c</a:t>
+                  </a:r>
+                  <a14:m>
+                    <m:oMath xmlns:m="http://schemas.openxmlformats.org/officeDocument/2006/math">
+                      <m:r>
+                        <a:rPr lang="en-US" sz="1600" b="0" i="1" smtClean="0">
+                          <a:latin typeface="Cambria Math" panose="02040503050406030204" pitchFamily="18" charset="0"/>
+                        </a:rPr>
+                        <m:t>≥</m:t>
+                      </m:r>
+                    </m:oMath>
+                  </a14:m>
+                  <a:r>
+                    <a:rPr lang="en-US" sz="1600" dirty="0"/>
+                    <a:t>1)</a:t>
+                  </a:r>
+                </a:p>
+              </p:txBody>
+            </p:sp>
+          </mc:Choice>
+          <mc:Fallback xmlns="">
+            <p:sp>
+              <p:nvSpPr>
+                <p:cNvPr id="18" name="TextBox 17">
+                  <a:extLst>
+                    <a:ext uri="{FF2B5EF4-FFF2-40B4-BE49-F238E27FC236}">
+                      <a16:creationId xmlns:a16="http://schemas.microsoft.com/office/drawing/2014/main" id="{DDD3D0B0-884E-4120-87AD-11584B5A5B56}"/>
+                    </a:ext>
+                  </a:extLst>
+                </p:cNvPr>
+                <p:cNvSpPr txBox="1">
+                  <a:spLocks noRot="1" noChangeAspect="1" noMove="1" noResize="1" noEditPoints="1" noAdjustHandles="1" noChangeArrowheads="1" noChangeShapeType="1" noTextEdit="1"/>
+                </p:cNvSpPr>
+                <p:nvPr/>
+              </p:nvSpPr>
+              <p:spPr>
+                <a:xfrm>
+                  <a:off x="1962574" y="2084624"/>
+                  <a:ext cx="1837875" cy="338554"/>
+                </a:xfrm>
+                <a:prstGeom prst="rect">
+                  <a:avLst/>
+                </a:prstGeom>
+                <a:blipFill>
+                  <a:blip r:embed="rId5"/>
+                  <a:stretch>
+                    <a:fillRect l="-1993" t="-5357" r="-664" b="-21429"/>
+                  </a:stretch>
+                </a:blipFill>
+              </p:spPr>
+              <p:txBody>
+                <a:bodyPr/>
+                <a:lstStyle/>
+                <a:p>
+                  <a:r>
+                    <a:rPr lang="en-US">
+                      <a:noFill/>
+                    </a:rPr>
+                    <a:t> </a:t>
+                  </a:r>
+                </a:p>
+              </p:txBody>
+            </p:sp>
+          </mc:Fallback>
+        </mc:AlternateContent>
+        <mc:AlternateContent xmlns:mc="http://schemas.openxmlformats.org/markup-compatibility/2006" xmlns:a14="http://schemas.microsoft.com/office/drawing/2010/main">
+          <mc:Choice Requires="a14">
+            <p:sp>
+              <p:nvSpPr>
+                <p:cNvPr id="19" name="TextBox 18">
+                  <a:extLst>
+                    <a:ext uri="{FF2B5EF4-FFF2-40B4-BE49-F238E27FC236}">
+                      <a16:creationId xmlns:a16="http://schemas.microsoft.com/office/drawing/2014/main" id="{7F1883DD-E135-49A9-BEB4-E89A818F0611}"/>
+                    </a:ext>
+                  </a:extLst>
+                </p:cNvPr>
+                <p:cNvSpPr txBox="1"/>
+                <p:nvPr/>
+              </p:nvSpPr>
+              <p:spPr>
+                <a:xfrm>
+                  <a:off x="4414591" y="2934966"/>
+                  <a:ext cx="1837875" cy="338554"/>
+                </a:xfrm>
+                <a:prstGeom prst="rect">
+                  <a:avLst/>
+                </a:prstGeom>
+                <a:noFill/>
+              </p:spPr>
+              <p:txBody>
+                <a:bodyPr wrap="none" rtlCol="0">
+                  <a:spAutoFit/>
+                </a:bodyPr>
+                <a:lstStyle/>
+                <a:p>
+                  <a:r>
+                    <a:rPr lang="en-US" sz="1600" dirty="0"/>
+                    <a:t>(press==1)? </a:t>
+                  </a:r>
+                  <a14:m>
+                    <m:oMath xmlns:m="http://schemas.openxmlformats.org/officeDocument/2006/math">
+                      <m:r>
+                        <a:rPr lang="en-US" sz="1600" b="0" i="1" smtClean="0">
+                          <a:latin typeface="Cambria Math" panose="02040503050406030204" pitchFamily="18" charset="0"/>
+                        </a:rPr>
+                        <m:t>∧</m:t>
+                      </m:r>
+                    </m:oMath>
+                  </a14:m>
+                  <a:r>
+                    <a:rPr lang="en-US" sz="1600" dirty="0"/>
+                    <a:t> (c</a:t>
+                  </a:r>
+                  <a14:m>
+                    <m:oMath xmlns:m="http://schemas.openxmlformats.org/officeDocument/2006/math">
+                      <m:r>
+                        <a:rPr lang="en-US" sz="1600" b="0" i="1" smtClean="0">
+                          <a:latin typeface="Cambria Math" panose="02040503050406030204" pitchFamily="18" charset="0"/>
+                        </a:rPr>
+                        <m:t>≤</m:t>
+                      </m:r>
+                    </m:oMath>
+                  </a14:m>
+                  <a:r>
+                    <a:rPr lang="en-US" sz="1600" dirty="0"/>
+                    <a:t>1)</a:t>
+                  </a:r>
+                </a:p>
+              </p:txBody>
+            </p:sp>
+          </mc:Choice>
+          <mc:Fallback xmlns="">
+            <p:sp>
+              <p:nvSpPr>
+                <p:cNvPr id="19" name="TextBox 18">
+                  <a:extLst>
+                    <a:ext uri="{FF2B5EF4-FFF2-40B4-BE49-F238E27FC236}">
+                      <a16:creationId xmlns:a16="http://schemas.microsoft.com/office/drawing/2014/main" id="{7F1883DD-E135-49A9-BEB4-E89A818F0611}"/>
+                    </a:ext>
+                  </a:extLst>
+                </p:cNvPr>
+                <p:cNvSpPr txBox="1">
+                  <a:spLocks noRot="1" noChangeAspect="1" noMove="1" noResize="1" noEditPoints="1" noAdjustHandles="1" noChangeArrowheads="1" noChangeShapeType="1" noTextEdit="1"/>
+                </p:cNvSpPr>
+                <p:nvPr/>
+              </p:nvSpPr>
+              <p:spPr>
+                <a:xfrm>
+                  <a:off x="4414591" y="2934966"/>
+                  <a:ext cx="1837875" cy="338554"/>
+                </a:xfrm>
+                <a:prstGeom prst="rect">
+                  <a:avLst/>
+                </a:prstGeom>
+                <a:blipFill>
+                  <a:blip r:embed="rId6"/>
+                  <a:stretch>
+                    <a:fillRect l="-1656" t="-5455" r="-662" b="-23636"/>
+                  </a:stretch>
+                </a:blipFill>
+              </p:spPr>
+              <p:txBody>
+                <a:bodyPr/>
+                <a:lstStyle/>
+                <a:p>
+                  <a:r>
+                    <a:rPr lang="en-US">
+                      <a:noFill/>
+                    </a:rPr>
+                    <a:t> </a:t>
+                  </a:r>
+                </a:p>
+              </p:txBody>
+            </p:sp>
+          </mc:Fallback>
+        </mc:AlternateContent>
+      </p:grpSp>
+    </p:spTree>
+    <p:extLst>
+      <p:ext uri="{BB962C8B-B14F-4D97-AF65-F5344CB8AC3E}">
+        <p14:creationId xmlns:p14="http://schemas.microsoft.com/office/powerpoint/2010/main" val="404187278"/>
       </p:ext>
     </p:extLst>
   </p:cSld>

--- a/teaching/cs513slides/lecture2-Timed-Models.pptx
+++ b/teaching/cs513slides/lecture2-Timed-Models.pptx
@@ -5,43 +5,44 @@
     <p:sldMasterId id="2147483648" r:id="rId1"/>
   </p:sldMasterIdLst>
   <p:notesMasterIdLst>
-    <p:notesMasterId r:id="rId33"/>
+    <p:notesMasterId r:id="rId34"/>
   </p:notesMasterIdLst>
   <p:handoutMasterIdLst>
-    <p:handoutMasterId r:id="rId34"/>
+    <p:handoutMasterId r:id="rId35"/>
   </p:handoutMasterIdLst>
   <p:sldIdLst>
     <p:sldId id="256" r:id="rId2"/>
     <p:sldId id="278" r:id="rId3"/>
     <p:sldId id="364" r:id="rId4"/>
-    <p:sldId id="315" r:id="rId5"/>
-    <p:sldId id="312" r:id="rId6"/>
+    <p:sldId id="366" r:id="rId5"/>
+    <p:sldId id="315" r:id="rId6"/>
     <p:sldId id="316" r:id="rId7"/>
-    <p:sldId id="272" r:id="rId8"/>
-    <p:sldId id="289" r:id="rId9"/>
-    <p:sldId id="313" r:id="rId10"/>
-    <p:sldId id="314" r:id="rId11"/>
-    <p:sldId id="317" r:id="rId12"/>
-    <p:sldId id="357" r:id="rId13"/>
-    <p:sldId id="318" r:id="rId14"/>
-    <p:sldId id="319" r:id="rId15"/>
-    <p:sldId id="320" r:id="rId16"/>
-    <p:sldId id="321" r:id="rId17"/>
-    <p:sldId id="322" r:id="rId18"/>
-    <p:sldId id="365" r:id="rId19"/>
-    <p:sldId id="328" r:id="rId20"/>
-    <p:sldId id="324" r:id="rId21"/>
-    <p:sldId id="325" r:id="rId22"/>
-    <p:sldId id="323" r:id="rId23"/>
-    <p:sldId id="326" r:id="rId24"/>
-    <p:sldId id="327" r:id="rId25"/>
-    <p:sldId id="363" r:id="rId26"/>
-    <p:sldId id="360" r:id="rId27"/>
-    <p:sldId id="361" r:id="rId28"/>
-    <p:sldId id="362" r:id="rId29"/>
-    <p:sldId id="329" r:id="rId30"/>
-    <p:sldId id="330" r:id="rId31"/>
-    <p:sldId id="331" r:id="rId32"/>
+    <p:sldId id="312" r:id="rId8"/>
+    <p:sldId id="272" r:id="rId9"/>
+    <p:sldId id="289" r:id="rId10"/>
+    <p:sldId id="313" r:id="rId11"/>
+    <p:sldId id="314" r:id="rId12"/>
+    <p:sldId id="317" r:id="rId13"/>
+    <p:sldId id="357" r:id="rId14"/>
+    <p:sldId id="318" r:id="rId15"/>
+    <p:sldId id="319" r:id="rId16"/>
+    <p:sldId id="320" r:id="rId17"/>
+    <p:sldId id="321" r:id="rId18"/>
+    <p:sldId id="322" r:id="rId19"/>
+    <p:sldId id="365" r:id="rId20"/>
+    <p:sldId id="328" r:id="rId21"/>
+    <p:sldId id="324" r:id="rId22"/>
+    <p:sldId id="325" r:id="rId23"/>
+    <p:sldId id="323" r:id="rId24"/>
+    <p:sldId id="326" r:id="rId25"/>
+    <p:sldId id="327" r:id="rId26"/>
+    <p:sldId id="363" r:id="rId27"/>
+    <p:sldId id="360" r:id="rId28"/>
+    <p:sldId id="361" r:id="rId29"/>
+    <p:sldId id="362" r:id="rId30"/>
+    <p:sldId id="329" r:id="rId31"/>
+    <p:sldId id="330" r:id="rId32"/>
+    <p:sldId id="331" r:id="rId33"/>
   </p:sldIdLst>
   <p:sldSz cx="12192000" cy="6858000"/>
   <p:notesSz cx="6858000" cy="9144000"/>
@@ -245,7 +246,7 @@
           <a:p>
             <a:fld id="{459B985A-4C37-4D1F-A437-E4A951A85D11}" type="datetimeFigureOut">
               <a:rPr lang="en-US" smtClean="0"/>
-              <a:t>8/29/2022</a:t>
+              <a:t>8/27/2023</a:t>
             </a:fld>
             <a:endParaRPr lang="en-US"/>
           </a:p>
@@ -340,6 +341,36 @@
 </p:handoutMaster>
 </file>
 
+<file path=ppt/ink/ink1.xml><?xml version="1.0" encoding="utf-8"?>
+<inkml:ink xmlns:inkml="http://www.w3.org/2003/InkML">
+  <inkml:definitions>
+    <inkml:context xml:id="ctx0">
+      <inkml:inkSource xml:id="inkSrc0">
+        <inkml:traceFormat>
+          <inkml:channel name="X" type="integer" max="1920" units="cm"/>
+          <inkml:channel name="Y" type="integer" max="1080" units="cm"/>
+          <inkml:channel name="T" type="integer" max="2.14748E9" units="dev"/>
+        </inkml:traceFormat>
+        <inkml:channelProperties>
+          <inkml:channelProperty channel="X" name="resolution" value="55.81395" units="1/cm"/>
+          <inkml:channelProperty channel="Y" name="resolution" value="55.95855" units="1/cm"/>
+          <inkml:channelProperty channel="T" name="resolution" value="1" units="1/dev"/>
+        </inkml:channelProperties>
+      </inkml:inkSource>
+      <inkml:timestamp xml:id="ts0" timeString="2023-08-28T05:14:25.999"/>
+    </inkml:context>
+    <inkml:brush xml:id="br0">
+      <inkml:brushProperty name="width" value="0.05292" units="cm"/>
+      <inkml:brushProperty name="height" value="0.05292" units="cm"/>
+      <inkml:brushProperty name="color" value="#FF0000"/>
+    </inkml:brush>
+  </inkml:definitions>
+  <inkml:trace contextRef="#ctx0" brushRef="#br0">5891 4639 0,'-17'18'16,"-1"-1"0,-17 36-1,0-18-15,-1 18 16,1 36-1,0-1 1,-18-35 0,53 88-1,35-53 1,0 36 15,36-19-31,17-16 16,36 16-1,-1-34 1,18-1 15,18-34-15,106 17 0,-71-53-1,-36 17 1,19-17-1,17 0 1,88 0 0,-123 0-1,17 0 1,53-17 0,71-19 15,-70 1-16,-72 17 1,125 18 0,-160 0-1,212 18 1,-141-18 0,0 0-1,71-35 1,-159 0-1,17 17 1,-70 0-16,53-17 31,17 17-31,18-35 32,-17 1-32,-71 34 31,17-35-31,1-18 15,-18 19 17,-18 16-32,-17-52 31,-18 35-15,-36-17-1,-69-89 1,-54 0-1,35 36 1,-105-89 0,53 88-1,-54 1 1,36 35 0,-88 0 15,88 70-16,-70 0 1,-54-17 0,124 35-1,18 0 1,-89 0 0,18 0-1,71 18 1,-177 17-1,88 0 1,1 36 0,52-36-1,-52 53 1,-142 53 0,212-35-1,-124 71 16,248-142-31,-142 88 32,142-87-17,34-1 1,-17 0 0,36-35 15,17 18-16,0-1-15,-18 1 32,18 0 30</inkml:trace>
+  <inkml:trace contextRef="#ctx0" brushRef="#br0" timeOffset="23155.71">12612 8326 0</inkml:trace>
+  <inkml:trace contextRef="#ctx0" brushRef="#br0" timeOffset="24986.44">13070 6967 0,'-17'0'62,"-18"36"-31,35-19-15,-36 71 0,19 1-1,-1-36-15,18-1 16,-18 72-1,18-71 1,0 53 0,18-36-1,0-17 1,-1-18 15,71 36-15,54 35-1,-54-71 1,-18-35-16,-17 18 16,88 17-1,0-35 1,71 0 0,17 18-1,-35-18 1,53 0-1,-88-36 1,35 36 0,-17-35-1,17 0 17,-53 17-32,-53-17 15,0-18 1,53 18-1,18 17 17,-89-17-17,89 17 1,-106 1 0,0-36-1,53 0 1,-88 35-1,34-35 1,90-35 0,-19 0 15,-70 52-31,18 1 16,-19 0-1,-34 17 16,17 18-15,-17 0 0,0 0 46,-18-17-15,0-1-31,-89 0-16,-34-70 15,35 53 1,-71-36 0,-35-17-1,-53 0 1,-35 0-1,-71 17 1,247 54 0,-105-1-16,-178 18 31,195 18-15,18 17-1,-124 35 1,89-34-1,34-19 1,-17 36 15,124-35-31,17 0 16,0-1 0,35 1-1</inkml:trace>
+</inkml:ink>
+</file>
+
 <file path=ppt/notesMasters/notesMaster1.xml><?xml version="1.0" encoding="utf-8"?>
 <p:notesMaster xmlns:a="http://schemas.openxmlformats.org/drawingml/2006/main" xmlns:r="http://schemas.openxmlformats.org/officeDocument/2006/relationships" xmlns:p="http://schemas.openxmlformats.org/presentationml/2006/main">
   <p:cSld>
@@ -422,7 +453,7 @@
           <a:p>
             <a:fld id="{6580C23F-98B7-41D4-A9FA-15A275A51486}" type="datetimeFigureOut">
               <a:rPr lang="en-US" smtClean="0"/>
-              <a:t>8/29/2022</a:t>
+              <a:t>8/27/2023</a:t>
             </a:fld>
             <a:endParaRPr lang="en-US"/>
           </a:p>
@@ -754,7 +785,7 @@
           <a:p>
             <a:fld id="{E586B107-AA8F-4C65-A94C-468C6EEC3A14}" type="slidenum">
               <a:rPr lang="en-US" smtClean="0"/>
-              <a:t>5</a:t>
+              <a:t>7</a:t>
             </a:fld>
             <a:endParaRPr lang="en-US"/>
           </a:p>
@@ -1143,7 +1174,7 @@
           <p:nvPr userDrawn="1"/>
         </p:nvPicPr>
         <mc:AlternateContent xmlns:mc="http://schemas.openxmlformats.org/markup-compatibility/2006">
-          <mc:Choice xmlns="" xmlns:mv="urn:schemas-microsoft-com:mac:vml" xmlns:ma="http://schemas.microsoft.com/office/mac/drawingml/2008/main" Requires="ma">
+          <mc:Choice xmlns:ma="http://schemas.microsoft.com/office/mac/drawingml/2008/main" xmlns:mv="urn:schemas-microsoft-com:mac:vml" xmlns="" Requires="ma">
             <p:blipFill>
               <a:blip r:embed="rId3"/>
               <a:stretch>
@@ -2113,7 +2144,7 @@
           <a:p>
             <a:r>
               <a:rPr lang="en-US" dirty="0"/>
-              <a:t>Fall 2022. CSCI 513.</a:t>
+              <a:t>Fall 2023. CSCI 513.</a:t>
             </a:r>
           </a:p>
           <a:p>
@@ -2192,6 +2223,1056 @@
           <a:chExt cx="0" cy="0"/>
         </a:xfrm>
       </p:grpSpPr>
+      <p:sp>
+        <p:nvSpPr>
+          <p:cNvPr id="3" name="Title 2">
+            <a:extLst>
+              <a:ext uri="{FF2B5EF4-FFF2-40B4-BE49-F238E27FC236}">
+                <a16:creationId xmlns:a16="http://schemas.microsoft.com/office/drawing/2014/main" id="{BC4F0192-A3CC-4EF6-91CD-BC3F41DD4243}"/>
+              </a:ext>
+            </a:extLst>
+          </p:cNvPr>
+          <p:cNvSpPr>
+            <a:spLocks noGrp="1"/>
+          </p:cNvSpPr>
+          <p:nvPr>
+            <p:ph type="title"/>
+          </p:nvPr>
+        </p:nvSpPr>
+        <p:spPr/>
+        <p:txBody>
+          <a:bodyPr/>
+          <a:lstStyle/>
+          <a:p>
+            <a:r>
+              <a:rPr lang="en-US" dirty="0"/>
+              <a:t>Timed State Machine representation</a:t>
+            </a:r>
+          </a:p>
+        </p:txBody>
+      </p:sp>
+      <p:sp>
+        <p:nvSpPr>
+          <p:cNvPr id="4" name="Slide Number Placeholder 3">
+            <a:extLst>
+              <a:ext uri="{FF2B5EF4-FFF2-40B4-BE49-F238E27FC236}">
+                <a16:creationId xmlns:a16="http://schemas.microsoft.com/office/drawing/2014/main" id="{9CDF16B1-994F-4B79-96D1-2BF7CA1AF3C7}"/>
+              </a:ext>
+            </a:extLst>
+          </p:cNvPr>
+          <p:cNvSpPr>
+            <a:spLocks noGrp="1"/>
+          </p:cNvSpPr>
+          <p:nvPr>
+            <p:ph type="sldNum" sz="quarter" idx="12"/>
+          </p:nvPr>
+        </p:nvSpPr>
+        <p:spPr/>
+        <p:txBody>
+          <a:bodyPr/>
+          <a:lstStyle/>
+          <a:p>
+            <a:fld id="{29AAD378-655A-49C6-813C-9FD132EF7440}" type="slidenum">
+              <a:rPr lang="en-US" smtClean="0"/>
+              <a:pPr/>
+              <a:t>10</a:t>
+            </a:fld>
+            <a:endParaRPr lang="en-US" dirty="0"/>
+          </a:p>
+        </p:txBody>
+      </p:sp>
+      <mc:AlternateContent xmlns:mc="http://schemas.openxmlformats.org/markup-compatibility/2006" xmlns:a14="http://schemas.microsoft.com/office/drawing/2010/main">
+        <mc:Choice Requires="a14">
+          <p:sp>
+            <p:nvSpPr>
+              <p:cNvPr id="15" name="Content Placeholder 1">
+                <a:extLst>
+                  <a:ext uri="{FF2B5EF4-FFF2-40B4-BE49-F238E27FC236}">
+                    <a16:creationId xmlns:a16="http://schemas.microsoft.com/office/drawing/2014/main" id="{5EA53375-71D9-4ECE-82D1-D172501957D4}"/>
+                  </a:ext>
+                </a:extLst>
+              </p:cNvPr>
+              <p:cNvSpPr>
+                <a:spLocks noGrp="1"/>
+              </p:cNvSpPr>
+              <p:nvPr>
+                <p:ph idx="1"/>
+              </p:nvPr>
+            </p:nvSpPr>
+            <p:spPr>
+              <a:xfrm>
+                <a:off x="5603847" y="1477107"/>
+                <a:ext cx="6350466" cy="4697190"/>
+              </a:xfrm>
+            </p:spPr>
+            <p:txBody>
+              <a:bodyPr>
+                <a:normAutofit lnSpcReduction="10000"/>
+              </a:bodyPr>
+              <a:lstStyle/>
+              <a:p>
+                <a:r>
+                  <a:rPr lang="en-US" dirty="0"/>
+                  <a:t>Mode captures whether x==</a:t>
+                </a:r>
+                <a14:m>
+                  <m:oMath xmlns:m="http://schemas.openxmlformats.org/officeDocument/2006/math">
+                    <m:r>
+                      <a:rPr lang="en-US" b="0" i="1" smtClean="0">
+                        <a:latin typeface="Cambria Math" panose="02040503050406030204" pitchFamily="18" charset="0"/>
+                      </a:rPr>
+                      <m:t>∅</m:t>
+                    </m:r>
+                  </m:oMath>
+                </a14:m>
+                <a:endParaRPr lang="en-US" dirty="0"/>
+              </a:p>
+              <a:p>
+                <a:r>
+                  <a:rPr lang="en-US" dirty="0"/>
+                  <a:t>Clock variable tracks the time that elapsed since x received a value</a:t>
+                </a:r>
+              </a:p>
+              <a:p>
+                <a:r>
+                  <a:rPr lang="en-US" dirty="0"/>
+                  <a:t>Guard ensures that </a:t>
+                </a:r>
+                <a:r>
+                  <a:rPr lang="en-US" dirty="0">
+                    <a:solidFill>
+                      <a:srgbClr val="FF0000"/>
+                    </a:solidFill>
+                  </a:rPr>
+                  <a:t>at least </a:t>
+                </a:r>
+                <a:r>
+                  <a:rPr lang="en-US" dirty="0"/>
+                  <a:t>2 seconds pass before the value of x is output </a:t>
+                </a:r>
+              </a:p>
+              <a:p>
+                <a:r>
+                  <a:rPr lang="en-US" dirty="0"/>
+                  <a:t>Guard </a:t>
+                </a:r>
+                <a:r>
+                  <a:rPr lang="en-US" b="1" i="1" dirty="0">
+                    <a:solidFill>
+                      <a:srgbClr val="FF0000"/>
+                    </a:solidFill>
+                  </a:rPr>
+                  <a:t>does not force </a:t>
+                </a:r>
+                <a:r>
+                  <a:rPr lang="en-US" dirty="0"/>
+                  <a:t>transitions</a:t>
+                </a:r>
+              </a:p>
+              <a:p>
+                <a:pPr lvl="1"/>
+                <a14:m>
+                  <m:oMath xmlns:m="http://schemas.openxmlformats.org/officeDocument/2006/math">
+                    <m:r>
+                      <m:rPr>
+                        <m:sty m:val="p"/>
+                      </m:rPr>
+                      <a:rPr lang="en-US" b="0" i="0" smtClean="0">
+                        <a:latin typeface="Cambria Math" panose="02040503050406030204" pitchFamily="18" charset="0"/>
+                      </a:rPr>
+                      <m:t>c</m:t>
+                    </m:r>
+                  </m:oMath>
+                </a14:m>
+                <a:r>
+                  <a:rPr lang="en-US" dirty="0"/>
+                  <a:t> can keep increasing while process remains in mode full</a:t>
+                </a:r>
+              </a:p>
+              <a:p>
+                <a:r>
+                  <a:rPr lang="en-US" dirty="0"/>
+                  <a:t>How do we make sure that process does not remain in full mode for </a:t>
+                </a:r>
+                <a:r>
+                  <a:rPr lang="en-US" dirty="0">
+                    <a:solidFill>
+                      <a:srgbClr val="FF0000"/>
+                    </a:solidFill>
+                  </a:rPr>
+                  <a:t>at most</a:t>
+                </a:r>
+                <a:r>
+                  <a:rPr lang="en-US" dirty="0"/>
+                  <a:t> 3 seconds?</a:t>
+                </a:r>
+              </a:p>
+            </p:txBody>
+          </p:sp>
+        </mc:Choice>
+        <mc:Fallback xmlns="">
+          <p:sp>
+            <p:nvSpPr>
+              <p:cNvPr id="15" name="Content Placeholder 1">
+                <a:extLst>
+                  <a:ext uri="{FF2B5EF4-FFF2-40B4-BE49-F238E27FC236}">
+                    <a16:creationId xmlns:a16="http://schemas.microsoft.com/office/drawing/2014/main" id="{5EA53375-71D9-4ECE-82D1-D172501957D4}"/>
+                  </a:ext>
+                </a:extLst>
+              </p:cNvPr>
+              <p:cNvSpPr>
+                <a:spLocks noGrp="1" noRot="1" noChangeAspect="1" noMove="1" noResize="1" noEditPoints="1" noAdjustHandles="1" noChangeArrowheads="1" noChangeShapeType="1" noTextEdit="1"/>
+              </p:cNvSpPr>
+              <p:nvPr>
+                <p:ph idx="1"/>
+              </p:nvPr>
+            </p:nvSpPr>
+            <p:spPr>
+              <a:xfrm>
+                <a:off x="5603847" y="1477107"/>
+                <a:ext cx="6350466" cy="4697190"/>
+              </a:xfrm>
+              <a:blipFill>
+                <a:blip r:embed="rId2"/>
+                <a:stretch>
+                  <a:fillRect l="-1152" t="-2853"/>
+                </a:stretch>
+              </a:blipFill>
+            </p:spPr>
+            <p:txBody>
+              <a:bodyPr/>
+              <a:lstStyle/>
+              <a:p>
+                <a:r>
+                  <a:rPr lang="en-US">
+                    <a:noFill/>
+                  </a:rPr>
+                  <a:t> </a:t>
+                </a:r>
+              </a:p>
+            </p:txBody>
+          </p:sp>
+        </mc:Fallback>
+      </mc:AlternateContent>
+      <p:grpSp>
+        <p:nvGrpSpPr>
+          <p:cNvPr id="11" name="Group 10">
+            <a:extLst>
+              <a:ext uri="{FF2B5EF4-FFF2-40B4-BE49-F238E27FC236}">
+                <a16:creationId xmlns:a16="http://schemas.microsoft.com/office/drawing/2014/main" id="{C35BC812-BBEB-48C8-951E-46DB418FC731}"/>
+              </a:ext>
+            </a:extLst>
+          </p:cNvPr>
+          <p:cNvGrpSpPr/>
+          <p:nvPr/>
+        </p:nvGrpSpPr>
+        <p:grpSpPr>
+          <a:xfrm>
+            <a:off x="314511" y="1810435"/>
+            <a:ext cx="5104700" cy="2293032"/>
+            <a:chOff x="314511" y="1810435"/>
+            <a:chExt cx="5104700" cy="2293032"/>
+          </a:xfrm>
+        </p:grpSpPr>
+        <p:grpSp>
+          <p:nvGrpSpPr>
+            <p:cNvPr id="16" name="Group 15">
+              <a:extLst>
+                <a:ext uri="{FF2B5EF4-FFF2-40B4-BE49-F238E27FC236}">
+                  <a16:creationId xmlns:a16="http://schemas.microsoft.com/office/drawing/2014/main" id="{917C8B1E-13DC-4D61-A3D3-3228EB5DA76F}"/>
+                </a:ext>
+              </a:extLst>
+            </p:cNvPr>
+            <p:cNvGrpSpPr/>
+            <p:nvPr/>
+          </p:nvGrpSpPr>
+          <p:grpSpPr>
+            <a:xfrm>
+              <a:off x="314511" y="1810435"/>
+              <a:ext cx="4851187" cy="2293032"/>
+              <a:chOff x="1244813" y="1428772"/>
+              <a:chExt cx="4851187" cy="2293032"/>
+            </a:xfrm>
+          </p:grpSpPr>
+          <p:sp>
+            <p:nvSpPr>
+              <p:cNvPr id="5" name="Oval 4">
+                <a:extLst>
+                  <a:ext uri="{FF2B5EF4-FFF2-40B4-BE49-F238E27FC236}">
+                    <a16:creationId xmlns:a16="http://schemas.microsoft.com/office/drawing/2014/main" id="{53211FC1-AAFE-4C59-A896-A4B872C9BBAD}"/>
+                  </a:ext>
+                </a:extLst>
+              </p:cNvPr>
+              <p:cNvSpPr/>
+              <p:nvPr/>
+            </p:nvSpPr>
+            <p:spPr>
+              <a:xfrm>
+                <a:off x="2319233" y="2290134"/>
+                <a:ext cx="1084794" cy="624023"/>
+              </a:xfrm>
+              <a:prstGeom prst="ellipse">
+                <a:avLst/>
+              </a:prstGeom>
+              <a:ln w="25400"/>
+            </p:spPr>
+            <p:style>
+              <a:lnRef idx="2">
+                <a:schemeClr val="accent6"/>
+              </a:lnRef>
+              <a:fillRef idx="1">
+                <a:schemeClr val="lt1"/>
+              </a:fillRef>
+              <a:effectRef idx="0">
+                <a:schemeClr val="accent6"/>
+              </a:effectRef>
+              <a:fontRef idx="minor">
+                <a:schemeClr val="dk1"/>
+              </a:fontRef>
+            </p:style>
+            <p:txBody>
+              <a:bodyPr lIns="0" tIns="0" rIns="0" bIns="0" rtlCol="0" anchor="ctr"/>
+              <a:lstStyle/>
+              <a:p>
+                <a:pPr algn="ctr"/>
+                <a:r>
+                  <a:rPr lang="en-US" dirty="0"/>
+                  <a:t>empty</a:t>
+                </a:r>
+                <a:endParaRPr lang="en-US" baseline="-25000" dirty="0"/>
+              </a:p>
+            </p:txBody>
+          </p:sp>
+          <p:sp>
+            <p:nvSpPr>
+              <p:cNvPr id="6" name="Oval 5">
+                <a:extLst>
+                  <a:ext uri="{FF2B5EF4-FFF2-40B4-BE49-F238E27FC236}">
+                    <a16:creationId xmlns:a16="http://schemas.microsoft.com/office/drawing/2014/main" id="{504FD206-C939-4D69-A62F-0B97EA183469}"/>
+                  </a:ext>
+                </a:extLst>
+              </p:cNvPr>
+              <p:cNvSpPr/>
+              <p:nvPr/>
+            </p:nvSpPr>
+            <p:spPr>
+              <a:xfrm>
+                <a:off x="5269414" y="2290133"/>
+                <a:ext cx="826586" cy="624023"/>
+              </a:xfrm>
+              <a:prstGeom prst="ellipse">
+                <a:avLst/>
+              </a:prstGeom>
+              <a:ln w="25400"/>
+            </p:spPr>
+            <p:style>
+              <a:lnRef idx="2">
+                <a:schemeClr val="accent6"/>
+              </a:lnRef>
+              <a:fillRef idx="1">
+                <a:schemeClr val="lt1"/>
+              </a:fillRef>
+              <a:effectRef idx="0">
+                <a:schemeClr val="accent6"/>
+              </a:effectRef>
+              <a:fontRef idx="minor">
+                <a:schemeClr val="dk1"/>
+              </a:fontRef>
+            </p:style>
+            <p:txBody>
+              <a:bodyPr lIns="0" tIns="0" rIns="0" bIns="0" rtlCol="0" anchor="ctr"/>
+              <a:lstStyle/>
+              <a:p>
+                <a:pPr algn="ctr"/>
+                <a:r>
+                  <a:rPr lang="en-US" dirty="0"/>
+                  <a:t>full</a:t>
+                </a:r>
+                <a:endParaRPr lang="en-US" baseline="-25000" dirty="0"/>
+              </a:p>
+            </p:txBody>
+          </p:sp>
+          <p:sp>
+            <p:nvSpPr>
+              <p:cNvPr id="7" name="Freeform: Shape 6">
+                <a:extLst>
+                  <a:ext uri="{FF2B5EF4-FFF2-40B4-BE49-F238E27FC236}">
+                    <a16:creationId xmlns:a16="http://schemas.microsoft.com/office/drawing/2014/main" id="{4F9BBDF3-B6A7-4D0B-9ED5-C0802B044277}"/>
+                  </a:ext>
+                </a:extLst>
+              </p:cNvPr>
+              <p:cNvSpPr/>
+              <p:nvPr/>
+            </p:nvSpPr>
+            <p:spPr>
+              <a:xfrm>
+                <a:off x="2796988" y="1805508"/>
+                <a:ext cx="2650992" cy="530438"/>
+              </a:xfrm>
+              <a:custGeom>
+                <a:avLst/>
+                <a:gdLst>
+                  <a:gd name="connsiteX0" fmla="*/ 0 w 2650992"/>
+                  <a:gd name="connsiteY0" fmla="*/ 476650 h 530438"/>
+                  <a:gd name="connsiteX1" fmla="*/ 1198709 w 2650992"/>
+                  <a:gd name="connsiteY1" fmla="*/ 240 h 530438"/>
+                  <a:gd name="connsiteX2" fmla="*/ 2650992 w 2650992"/>
+                  <a:gd name="connsiteY2" fmla="*/ 530438 h 530438"/>
+                </a:gdLst>
+                <a:ahLst/>
+                <a:cxnLst>
+                  <a:cxn ang="0">
+                    <a:pos x="connsiteX0" y="connsiteY0"/>
+                  </a:cxn>
+                  <a:cxn ang="0">
+                    <a:pos x="connsiteX1" y="connsiteY1"/>
+                  </a:cxn>
+                  <a:cxn ang="0">
+                    <a:pos x="connsiteX2" y="connsiteY2"/>
+                  </a:cxn>
+                </a:cxnLst>
+                <a:rect l="l" t="t" r="r" b="b"/>
+                <a:pathLst>
+                  <a:path w="2650992" h="530438">
+                    <a:moveTo>
+                      <a:pt x="0" y="476650"/>
+                    </a:moveTo>
+                    <a:cubicBezTo>
+                      <a:pt x="378438" y="233962"/>
+                      <a:pt x="756877" y="-8725"/>
+                      <a:pt x="1198709" y="240"/>
+                    </a:cubicBezTo>
+                    <a:cubicBezTo>
+                      <a:pt x="1640541" y="9205"/>
+                      <a:pt x="2145766" y="269821"/>
+                      <a:pt x="2650992" y="530438"/>
+                    </a:cubicBezTo>
+                  </a:path>
+                </a:pathLst>
+              </a:custGeom>
+              <a:noFill/>
+              <a:ln w="25400">
+                <a:solidFill>
+                  <a:schemeClr val="accent6"/>
+                </a:solidFill>
+                <a:headEnd type="triangle" w="lg" len="lg"/>
+                <a:tailEnd type="none" w="lg" len="lg"/>
+              </a:ln>
+            </p:spPr>
+            <p:style>
+              <a:lnRef idx="2">
+                <a:schemeClr val="accent1">
+                  <a:shade val="50000"/>
+                </a:schemeClr>
+              </a:lnRef>
+              <a:fillRef idx="1">
+                <a:schemeClr val="accent1"/>
+              </a:fillRef>
+              <a:effectRef idx="0">
+                <a:schemeClr val="accent1"/>
+              </a:effectRef>
+              <a:fontRef idx="minor">
+                <a:schemeClr val="lt1"/>
+              </a:fontRef>
+            </p:style>
+            <p:txBody>
+              <a:bodyPr rtlCol="0" anchor="ctr"/>
+              <a:lstStyle/>
+              <a:p>
+                <a:pPr algn="ctr"/>
+                <a:endParaRPr lang="en-US" dirty="0">
+                  <a:solidFill>
+                    <a:schemeClr val="tx1"/>
+                  </a:solidFill>
+                </a:endParaRPr>
+              </a:p>
+            </p:txBody>
+          </p:sp>
+          <p:sp>
+            <p:nvSpPr>
+              <p:cNvPr id="8" name="Freeform: Shape 7">
+                <a:extLst>
+                  <a:ext uri="{FF2B5EF4-FFF2-40B4-BE49-F238E27FC236}">
+                    <a16:creationId xmlns:a16="http://schemas.microsoft.com/office/drawing/2014/main" id="{A42D8E79-D767-4B95-AFD8-1C4E08EFA1C9}"/>
+                  </a:ext>
+                </a:extLst>
+              </p:cNvPr>
+              <p:cNvSpPr/>
+              <p:nvPr/>
+            </p:nvSpPr>
+            <p:spPr>
+              <a:xfrm>
+                <a:off x="2796988" y="2891232"/>
+                <a:ext cx="2650992" cy="514955"/>
+              </a:xfrm>
+              <a:custGeom>
+                <a:avLst/>
+                <a:gdLst>
+                  <a:gd name="connsiteX0" fmla="*/ 2781620 w 2781620"/>
+                  <a:gd name="connsiteY0" fmla="*/ 0 h 514955"/>
+                  <a:gd name="connsiteX1" fmla="*/ 1483018 w 2781620"/>
+                  <a:gd name="connsiteY1" fmla="*/ 514831 h 514955"/>
+                  <a:gd name="connsiteX2" fmla="*/ 0 w 2781620"/>
+                  <a:gd name="connsiteY2" fmla="*/ 38421 h 514955"/>
+                </a:gdLst>
+                <a:ahLst/>
+                <a:cxnLst>
+                  <a:cxn ang="0">
+                    <a:pos x="connsiteX0" y="connsiteY0"/>
+                  </a:cxn>
+                  <a:cxn ang="0">
+                    <a:pos x="connsiteX1" y="connsiteY1"/>
+                  </a:cxn>
+                  <a:cxn ang="0">
+                    <a:pos x="connsiteX2" y="connsiteY2"/>
+                  </a:cxn>
+                </a:cxnLst>
+                <a:rect l="l" t="t" r="r" b="b"/>
+                <a:pathLst>
+                  <a:path w="2781620" h="514955">
+                    <a:moveTo>
+                      <a:pt x="2781620" y="0"/>
+                    </a:moveTo>
+                    <a:cubicBezTo>
+                      <a:pt x="2364120" y="254214"/>
+                      <a:pt x="1946621" y="508428"/>
+                      <a:pt x="1483018" y="514831"/>
+                    </a:cubicBezTo>
+                    <a:cubicBezTo>
+                      <a:pt x="1019415" y="521234"/>
+                      <a:pt x="509707" y="279827"/>
+                      <a:pt x="0" y="38421"/>
+                    </a:cubicBezTo>
+                  </a:path>
+                </a:pathLst>
+              </a:custGeom>
+              <a:noFill/>
+              <a:ln w="25400">
+                <a:solidFill>
+                  <a:schemeClr val="accent6"/>
+                </a:solidFill>
+                <a:headEnd type="triangle" w="lg" len="lg"/>
+                <a:tailEnd type="none" w="lg" len="lg"/>
+              </a:ln>
+            </p:spPr>
+            <p:style>
+              <a:lnRef idx="2">
+                <a:schemeClr val="accent1">
+                  <a:shade val="50000"/>
+                </a:schemeClr>
+              </a:lnRef>
+              <a:fillRef idx="1">
+                <a:schemeClr val="accent1"/>
+              </a:fillRef>
+              <a:effectRef idx="0">
+                <a:schemeClr val="accent1"/>
+              </a:effectRef>
+              <a:fontRef idx="minor">
+                <a:schemeClr val="lt1"/>
+              </a:fontRef>
+            </p:style>
+            <p:txBody>
+              <a:bodyPr rtlCol="0" anchor="ctr"/>
+              <a:lstStyle/>
+              <a:p>
+                <a:pPr algn="ctr"/>
+                <a:endParaRPr lang="en-US"/>
+              </a:p>
+            </p:txBody>
+          </p:sp>
+          <mc:AlternateContent xmlns:mc="http://schemas.openxmlformats.org/markup-compatibility/2006" xmlns:a14="http://schemas.microsoft.com/office/drawing/2010/main">
+            <mc:Choice Requires="a14">
+              <p:sp>
+                <p:nvSpPr>
+                  <p:cNvPr id="9" name="Rectangle 8">
+                    <a:extLst>
+                      <a:ext uri="{FF2B5EF4-FFF2-40B4-BE49-F238E27FC236}">
+                        <a16:creationId xmlns:a16="http://schemas.microsoft.com/office/drawing/2014/main" id="{61663339-CECC-44D2-B770-885260A735AA}"/>
+                      </a:ext>
+                    </a:extLst>
+                  </p:cNvPr>
+                  <p:cNvSpPr/>
+                  <p:nvPr/>
+                </p:nvSpPr>
+                <p:spPr>
+                  <a:xfrm>
+                    <a:off x="2789577" y="1428772"/>
+                    <a:ext cx="2398516" cy="369332"/>
+                  </a:xfrm>
+                  <a:prstGeom prst="rect">
+                    <a:avLst/>
+                  </a:prstGeom>
+                </p:spPr>
+                <p:txBody>
+                  <a:bodyPr wrap="square">
+                    <a:spAutoFit/>
+                  </a:bodyPr>
+                  <a:lstStyle/>
+                  <a:p>
+                    <a:pPr algn="ctr"/>
+                    <a:r>
+                      <a:rPr lang="en-US" dirty="0"/>
+                      <a:t>c</a:t>
+                    </a:r>
+                    <a14:m>
+                      <m:oMath xmlns:m="http://schemas.openxmlformats.org/officeDocument/2006/math">
+                        <m:r>
+                          <a:rPr lang="en-US" i="1">
+                            <a:latin typeface="Cambria Math" panose="02040503050406030204" pitchFamily="18" charset="0"/>
+                          </a:rPr>
+                          <m:t>≥2</m:t>
+                        </m:r>
+                      </m:oMath>
+                    </a14:m>
+                    <a:r>
+                      <a:rPr lang="en-US" dirty="0"/>
+                      <a:t> </a:t>
+                    </a:r>
+                    <a14:m>
+                      <m:oMath xmlns:m="http://schemas.openxmlformats.org/officeDocument/2006/math">
+                        <m:r>
+                          <a:rPr lang="en-US" i="1" dirty="0">
+                            <a:latin typeface="Cambria Math" panose="02040503050406030204" pitchFamily="18" charset="0"/>
+                          </a:rPr>
+                          <m:t>→</m:t>
+                        </m:r>
+                      </m:oMath>
+                    </a14:m>
+                    <a:r>
+                      <a:rPr lang="en-US" dirty="0"/>
+                      <a:t> out:=x, x≔</a:t>
+                    </a:r>
+                    <a14:m>
+                      <m:oMath xmlns:m="http://schemas.openxmlformats.org/officeDocument/2006/math">
+                        <m:r>
+                          <a:rPr lang="en-US" b="0" i="1" smtClean="0">
+                            <a:latin typeface="Cambria Math" panose="02040503050406030204" pitchFamily="18" charset="0"/>
+                          </a:rPr>
+                          <m:t>∅</m:t>
+                        </m:r>
+                      </m:oMath>
+                    </a14:m>
+                    <a:endParaRPr lang="en-US" dirty="0"/>
+                  </a:p>
+                </p:txBody>
+              </p:sp>
+            </mc:Choice>
+            <mc:Fallback xmlns="">
+              <p:sp>
+                <p:nvSpPr>
+                  <p:cNvPr id="9" name="Rectangle 8">
+                    <a:extLst>
+                      <a:ext uri="{FF2B5EF4-FFF2-40B4-BE49-F238E27FC236}">
+                        <a16:creationId xmlns:a16="http://schemas.microsoft.com/office/drawing/2014/main" id="{61663339-CECC-44D2-B770-885260A735AA}"/>
+                      </a:ext>
+                    </a:extLst>
+                  </p:cNvPr>
+                  <p:cNvSpPr>
+                    <a:spLocks noRot="1" noChangeAspect="1" noMove="1" noResize="1" noEditPoints="1" noAdjustHandles="1" noChangeArrowheads="1" noChangeShapeType="1" noTextEdit="1"/>
+                  </p:cNvSpPr>
+                  <p:nvPr/>
+                </p:nvSpPr>
+                <p:spPr>
+                  <a:xfrm>
+                    <a:off x="2789577" y="1428772"/>
+                    <a:ext cx="2398516" cy="369332"/>
+                  </a:xfrm>
+                  <a:prstGeom prst="rect">
+                    <a:avLst/>
+                  </a:prstGeom>
+                  <a:blipFill>
+                    <a:blip r:embed="rId3"/>
+                    <a:stretch>
+                      <a:fillRect t="-13115" b="-24590"/>
+                    </a:stretch>
+                  </a:blipFill>
+                </p:spPr>
+                <p:txBody>
+                  <a:bodyPr/>
+                  <a:lstStyle/>
+                  <a:p>
+                    <a:r>
+                      <a:rPr lang="en-US">
+                        <a:noFill/>
+                      </a:rPr>
+                      <a:t> </a:t>
+                    </a:r>
+                  </a:p>
+                </p:txBody>
+              </p:sp>
+            </mc:Fallback>
+          </mc:AlternateContent>
+          <mc:AlternateContent xmlns:mc="http://schemas.openxmlformats.org/markup-compatibility/2006" xmlns:a14="http://schemas.microsoft.com/office/drawing/2010/main">
+            <mc:Choice Requires="a14">
+              <p:sp>
+                <p:nvSpPr>
+                  <p:cNvPr id="10" name="Rectangle 9">
+                    <a:extLst>
+                      <a:ext uri="{FF2B5EF4-FFF2-40B4-BE49-F238E27FC236}">
+                        <a16:creationId xmlns:a16="http://schemas.microsoft.com/office/drawing/2014/main" id="{AD7ECBEF-4ECC-4F04-92F9-E1667C7F0BEC}"/>
+                      </a:ext>
+                    </a:extLst>
+                  </p:cNvPr>
+                  <p:cNvSpPr/>
+                  <p:nvPr/>
+                </p:nvSpPr>
+                <p:spPr>
+                  <a:xfrm>
+                    <a:off x="3287962" y="3352472"/>
+                    <a:ext cx="1669047" cy="369332"/>
+                  </a:xfrm>
+                  <a:prstGeom prst="rect">
+                    <a:avLst/>
+                  </a:prstGeom>
+                </p:spPr>
+                <p:txBody>
+                  <a:bodyPr wrap="none">
+                    <a:spAutoFit/>
+                  </a:bodyPr>
+                  <a:lstStyle/>
+                  <a:p>
+                    <a:pPr algn="ctr"/>
+                    <a:r>
+                      <a:rPr lang="en-US" dirty="0"/>
+                      <a:t>in?</a:t>
+                    </a:r>
+                    <a14:m>
+                      <m:oMath xmlns:m="http://schemas.openxmlformats.org/officeDocument/2006/math">
+                        <m:r>
+                          <a:rPr lang="en-US" i="1" dirty="0">
+                            <a:latin typeface="Cambria Math" panose="02040503050406030204" pitchFamily="18" charset="0"/>
+                          </a:rPr>
+                          <m:t>→</m:t>
+                        </m:r>
+                      </m:oMath>
+                    </a14:m>
+                    <a:r>
+                      <a:rPr lang="en-US" dirty="0"/>
+                      <a:t> x:=in, c:=0</a:t>
+                    </a:r>
+                  </a:p>
+                </p:txBody>
+              </p:sp>
+            </mc:Choice>
+            <mc:Fallback xmlns="">
+              <p:sp>
+                <p:nvSpPr>
+                  <p:cNvPr id="10" name="Rectangle 9">
+                    <a:extLst>
+                      <a:ext uri="{FF2B5EF4-FFF2-40B4-BE49-F238E27FC236}">
+                        <a16:creationId xmlns:a16="http://schemas.microsoft.com/office/drawing/2014/main" id="{AD7ECBEF-4ECC-4F04-92F9-E1667C7F0BEC}"/>
+                      </a:ext>
+                    </a:extLst>
+                  </p:cNvPr>
+                  <p:cNvSpPr>
+                    <a:spLocks noRot="1" noChangeAspect="1" noMove="1" noResize="1" noEditPoints="1" noAdjustHandles="1" noChangeArrowheads="1" noChangeShapeType="1" noTextEdit="1"/>
+                  </p:cNvSpPr>
+                  <p:nvPr/>
+                </p:nvSpPr>
+                <p:spPr>
+                  <a:xfrm>
+                    <a:off x="3287962" y="3352472"/>
+                    <a:ext cx="1669047" cy="369332"/>
+                  </a:xfrm>
+                  <a:prstGeom prst="rect">
+                    <a:avLst/>
+                  </a:prstGeom>
+                  <a:blipFill>
+                    <a:blip r:embed="rId4"/>
+                    <a:stretch>
+                      <a:fillRect l="-2920" t="-10000" r="-2555" b="-26667"/>
+                    </a:stretch>
+                  </a:blipFill>
+                </p:spPr>
+                <p:txBody>
+                  <a:bodyPr/>
+                  <a:lstStyle/>
+                  <a:p>
+                    <a:r>
+                      <a:rPr lang="en-US">
+                        <a:noFill/>
+                      </a:rPr>
+                      <a:t> </a:t>
+                    </a:r>
+                  </a:p>
+                </p:txBody>
+              </p:sp>
+            </mc:Fallback>
+          </mc:AlternateContent>
+          <p:cxnSp>
+            <p:nvCxnSpPr>
+              <p:cNvPr id="12" name="Straight Arrow Connector 11">
+                <a:extLst>
+                  <a:ext uri="{FF2B5EF4-FFF2-40B4-BE49-F238E27FC236}">
+                    <a16:creationId xmlns:a16="http://schemas.microsoft.com/office/drawing/2014/main" id="{E8A40F54-3117-40ED-9F28-C44282AB1BB4}"/>
+                  </a:ext>
+                </a:extLst>
+              </p:cNvPr>
+              <p:cNvCxnSpPr>
+                <a:cxnSpLocks/>
+                <a:endCxn id="5" idx="2"/>
+              </p:cNvCxnSpPr>
+              <p:nvPr/>
+            </p:nvCxnSpPr>
+            <p:spPr>
+              <a:xfrm>
+                <a:off x="1244813" y="2602144"/>
+                <a:ext cx="1074420" cy="2"/>
+              </a:xfrm>
+              <a:prstGeom prst="straightConnector1">
+                <a:avLst/>
+              </a:prstGeom>
+              <a:noFill/>
+              <a:ln w="25400">
+                <a:solidFill>
+                  <a:schemeClr val="accent6"/>
+                </a:solidFill>
+                <a:tailEnd type="triangle" w="lg" len="lg"/>
+              </a:ln>
+            </p:spPr>
+            <p:style>
+              <a:lnRef idx="2">
+                <a:schemeClr val="accent1">
+                  <a:shade val="50000"/>
+                </a:schemeClr>
+              </a:lnRef>
+              <a:fillRef idx="1">
+                <a:schemeClr val="accent1"/>
+              </a:fillRef>
+              <a:effectRef idx="0">
+                <a:schemeClr val="accent1"/>
+              </a:effectRef>
+              <a:fontRef idx="minor">
+                <a:schemeClr val="lt1"/>
+              </a:fontRef>
+            </p:style>
+          </p:cxnSp>
+          <p:sp>
+            <p:nvSpPr>
+              <p:cNvPr id="14" name="Rectangle 13">
+                <a:extLst>
+                  <a:ext uri="{FF2B5EF4-FFF2-40B4-BE49-F238E27FC236}">
+                    <a16:creationId xmlns:a16="http://schemas.microsoft.com/office/drawing/2014/main" id="{5978578B-1E05-458F-820C-D924FF033114}"/>
+                  </a:ext>
+                </a:extLst>
+              </p:cNvPr>
+              <p:cNvSpPr/>
+              <p:nvPr/>
+            </p:nvSpPr>
+            <p:spPr>
+              <a:xfrm>
+                <a:off x="1382512" y="2204154"/>
+                <a:ext cx="577401" cy="369332"/>
+              </a:xfrm>
+              <a:prstGeom prst="rect">
+                <a:avLst/>
+              </a:prstGeom>
+            </p:spPr>
+            <p:txBody>
+              <a:bodyPr wrap="none">
+                <a:spAutoFit/>
+              </a:bodyPr>
+              <a:lstStyle/>
+              <a:p>
+                <a:pPr algn="ctr"/>
+                <a:r>
+                  <a:rPr lang="en-US" dirty="0"/>
+                  <a:t>c:=0</a:t>
+                </a:r>
+              </a:p>
+            </p:txBody>
+          </p:sp>
+        </p:grpSp>
+        <p:sp>
+          <p:nvSpPr>
+            <p:cNvPr id="2" name="Freeform: Shape 1">
+              <a:extLst>
+                <a:ext uri="{FF2B5EF4-FFF2-40B4-BE49-F238E27FC236}">
+                  <a16:creationId xmlns:a16="http://schemas.microsoft.com/office/drawing/2014/main" id="{53369D7D-4043-4492-9918-C0F6EE397266}"/>
+                </a:ext>
+              </a:extLst>
+            </p:cNvPr>
+            <p:cNvSpPr/>
+            <p:nvPr/>
+          </p:nvSpPr>
+          <p:spPr>
+            <a:xfrm>
+              <a:off x="5033042" y="2561846"/>
+              <a:ext cx="386169" cy="355356"/>
+            </a:xfrm>
+            <a:custGeom>
+              <a:avLst/>
+              <a:gdLst>
+                <a:gd name="connsiteX0" fmla="*/ 122945 w 386169"/>
+                <a:gd name="connsiteY0" fmla="*/ 327351 h 355356"/>
+                <a:gd name="connsiteX1" fmla="*/ 299677 w 386169"/>
+                <a:gd name="connsiteY1" fmla="*/ 350403 h 355356"/>
+                <a:gd name="connsiteX2" fmla="*/ 384202 w 386169"/>
+                <a:gd name="connsiteY2" fmla="*/ 242826 h 355356"/>
+                <a:gd name="connsiteX3" fmla="*/ 338097 w 386169"/>
+                <a:gd name="connsiteY3" fmla="*/ 58409 h 355356"/>
+                <a:gd name="connsiteX4" fmla="*/ 115261 w 386169"/>
+                <a:gd name="connsiteY4" fmla="*/ 4621 h 355356"/>
+                <a:gd name="connsiteX5" fmla="*/ 0 w 386169"/>
+                <a:gd name="connsiteY5" fmla="*/ 158302 h 355356"/>
+              </a:gdLst>
+              <a:ahLst/>
+              <a:cxnLst>
+                <a:cxn ang="0">
+                  <a:pos x="connsiteX0" y="connsiteY0"/>
+                </a:cxn>
+                <a:cxn ang="0">
+                  <a:pos x="connsiteX1" y="connsiteY1"/>
+                </a:cxn>
+                <a:cxn ang="0">
+                  <a:pos x="connsiteX2" y="connsiteY2"/>
+                </a:cxn>
+                <a:cxn ang="0">
+                  <a:pos x="connsiteX3" y="connsiteY3"/>
+                </a:cxn>
+                <a:cxn ang="0">
+                  <a:pos x="connsiteX4" y="connsiteY4"/>
+                </a:cxn>
+                <a:cxn ang="0">
+                  <a:pos x="connsiteX5" y="connsiteY5"/>
+                </a:cxn>
+              </a:cxnLst>
+              <a:rect l="l" t="t" r="r" b="b"/>
+              <a:pathLst>
+                <a:path w="386169" h="355356">
+                  <a:moveTo>
+                    <a:pt x="122945" y="327351"/>
+                  </a:moveTo>
+                  <a:cubicBezTo>
+                    <a:pt x="189539" y="345920"/>
+                    <a:pt x="256134" y="364490"/>
+                    <a:pt x="299677" y="350403"/>
+                  </a:cubicBezTo>
+                  <a:cubicBezTo>
+                    <a:pt x="343220" y="336316"/>
+                    <a:pt x="377799" y="291492"/>
+                    <a:pt x="384202" y="242826"/>
+                  </a:cubicBezTo>
+                  <a:cubicBezTo>
+                    <a:pt x="390605" y="194160"/>
+                    <a:pt x="382920" y="98110"/>
+                    <a:pt x="338097" y="58409"/>
+                  </a:cubicBezTo>
+                  <a:cubicBezTo>
+                    <a:pt x="293274" y="18708"/>
+                    <a:pt x="171611" y="-12028"/>
+                    <a:pt x="115261" y="4621"/>
+                  </a:cubicBezTo>
+                  <a:cubicBezTo>
+                    <a:pt x="58911" y="21270"/>
+                    <a:pt x="29455" y="89786"/>
+                    <a:pt x="0" y="158302"/>
+                  </a:cubicBezTo>
+                </a:path>
+              </a:pathLst>
+            </a:custGeom>
+            <a:noFill/>
+            <a:ln w="25400">
+              <a:solidFill>
+                <a:schemeClr val="accent6"/>
+              </a:solidFill>
+              <a:tailEnd type="triangle" w="lg" len="lg"/>
+            </a:ln>
+          </p:spPr>
+          <p:style>
+            <a:lnRef idx="2">
+              <a:schemeClr val="accent1">
+                <a:shade val="50000"/>
+              </a:schemeClr>
+            </a:lnRef>
+            <a:fillRef idx="1">
+              <a:schemeClr val="accent1"/>
+            </a:fillRef>
+            <a:effectRef idx="0">
+              <a:schemeClr val="accent1"/>
+            </a:effectRef>
+            <a:fontRef idx="minor">
+              <a:schemeClr val="lt1"/>
+            </a:fontRef>
+          </p:style>
+          <p:txBody>
+            <a:bodyPr rtlCol="0" anchor="ctr"/>
+            <a:lstStyle/>
+            <a:p>
+              <a:pPr algn="ctr"/>
+              <a:endParaRPr lang="en-US">
+                <a:solidFill>
+                  <a:schemeClr val="tx1"/>
+                </a:solidFill>
+              </a:endParaRPr>
+            </a:p>
+          </p:txBody>
+        </p:sp>
+      </p:grpSp>
+      <p:sp>
+        <p:nvSpPr>
+          <p:cNvPr id="17" name="Rectangle 16">
+            <a:extLst>
+              <a:ext uri="{FF2B5EF4-FFF2-40B4-BE49-F238E27FC236}">
+                <a16:creationId xmlns:a16="http://schemas.microsoft.com/office/drawing/2014/main" id="{6587F0B4-CCBF-460F-A6B5-01728E9CFDEE}"/>
+              </a:ext>
+            </a:extLst>
+          </p:cNvPr>
+          <p:cNvSpPr/>
+          <p:nvPr/>
+        </p:nvSpPr>
+        <p:spPr>
+          <a:xfrm>
+            <a:off x="5014597" y="2192514"/>
+            <a:ext cx="466794" cy="369332"/>
+          </a:xfrm>
+          <a:prstGeom prst="rect">
+            <a:avLst/>
+          </a:prstGeom>
+        </p:spPr>
+        <p:txBody>
+          <a:bodyPr wrap="none">
+            <a:spAutoFit/>
+          </a:bodyPr>
+          <a:lstStyle/>
+          <a:p>
+            <a:r>
+              <a:rPr lang="en-US" dirty="0"/>
+              <a:t>in?</a:t>
+            </a:r>
+          </a:p>
+        </p:txBody>
+      </p:sp>
+    </p:spTree>
+    <p:extLst>
+      <p:ext uri="{BB962C8B-B14F-4D97-AF65-F5344CB8AC3E}">
+        <p14:creationId xmlns:p14="http://schemas.microsoft.com/office/powerpoint/2010/main" val="1278187007"/>
+      </p:ext>
+    </p:extLst>
+  </p:cSld>
+  <p:clrMapOvr>
+    <a:masterClrMapping/>
+  </p:clrMapOvr>
+</p:sld>
+</file>
+
+<file path=ppt/slides/slide11.xml><?xml version="1.0" encoding="utf-8"?>
+<p:sld xmlns:a="http://schemas.openxmlformats.org/drawingml/2006/main" xmlns:r="http://schemas.openxmlformats.org/officeDocument/2006/relationships" xmlns:p="http://schemas.openxmlformats.org/presentationml/2006/main">
+  <p:cSld>
+    <p:spTree>
+      <p:nvGrpSpPr>
+        <p:cNvPr id="1" name=""/>
+        <p:cNvGrpSpPr/>
+        <p:nvPr/>
+      </p:nvGrpSpPr>
+      <p:grpSpPr>
+        <a:xfrm>
+          <a:off x="0" y="0"/>
+          <a:ext cx="0" cy="0"/>
+          <a:chOff x="0" y="0"/>
+          <a:chExt cx="0" cy="0"/>
+        </a:xfrm>
+      </p:grpSpPr>
       <mc:AlternateContent xmlns:mc="http://schemas.openxmlformats.org/markup-compatibility/2006" xmlns:a14="http://schemas.microsoft.com/office/drawing/2010/main">
         <mc:Choice Requires="a14">
           <p:sp>
@@ -2212,22 +3293,24 @@
             </p:nvSpPr>
             <p:spPr>
               <a:xfrm>
-                <a:off x="5892095" y="1332703"/>
-                <a:ext cx="5973674" cy="4351338"/>
+                <a:off x="5892095" y="1039906"/>
+                <a:ext cx="5973674" cy="5244353"/>
               </a:xfrm>
             </p:spPr>
             <p:txBody>
-              <a:bodyPr/>
+              <a:bodyPr>
+                <a:normAutofit/>
+              </a:bodyPr>
               <a:lstStyle/>
               <a:p>
                 <a:r>
-                  <a:rPr lang="en-US" dirty="0"/>
+                  <a:rPr lang="en-US" sz="2400" dirty="0"/>
                   <a:t>Attempt 1: we could make the guard </a:t>
                 </a:r>
                 <a14:m>
                   <m:oMath xmlns:m="http://schemas.openxmlformats.org/officeDocument/2006/math">
                     <m:r>
-                      <a:rPr lang="en-US" b="0" i="1" smtClean="0">
+                      <a:rPr lang="en-US" sz="2400" b="0" i="1" smtClean="0">
                         <a:latin typeface="Cambria Math" panose="02040503050406030204" pitchFamily="18" charset="0"/>
                       </a:rPr>
                       <m:t>2≤</m:t>
@@ -2236,48 +3319,71 @@
                       <m:rPr>
                         <m:sty m:val="p"/>
                       </m:rPr>
-                      <a:rPr lang="en-US" b="0" i="0" smtClean="0">
+                      <a:rPr lang="en-US" sz="2400" b="0" i="0" smtClean="0">
                         <a:latin typeface="Cambria Math" panose="02040503050406030204" pitchFamily="18" charset="0"/>
                       </a:rPr>
                       <m:t>c</m:t>
                     </m:r>
                     <m:r>
-                      <a:rPr lang="en-US" b="0" i="1" smtClean="0">
+                      <a:rPr lang="en-US" sz="2400" b="0" i="1" smtClean="0">
                         <a:latin typeface="Cambria Math" panose="02040503050406030204" pitchFamily="18" charset="0"/>
                       </a:rPr>
                       <m:t>≤3</m:t>
                     </m:r>
                   </m:oMath>
                 </a14:m>
-                <a:endParaRPr lang="en-US" b="0" dirty="0"/>
+                <a:endParaRPr lang="en-US" sz="2400" b="0" dirty="0"/>
               </a:p>
               <a:p>
                 <a:r>
-                  <a:rPr lang="en-US" dirty="0"/>
+                  <a:rPr lang="en-US" sz="2400" dirty="0"/>
                   <a:t>Attempt 1 fails because: </a:t>
                 </a:r>
               </a:p>
               <a:p>
                 <a:pPr lvl="1"/>
                 <a:r>
-                  <a:rPr lang="en-US" dirty="0"/>
-                  <a:t>You could keep getting new input (self-loop executes)</a:t>
+                  <a:rPr lang="en-US" sz="2400" dirty="0"/>
+                  <a:t>You could keep getting new input (self-loop executes) till </a:t>
+                </a:r>
+                <a14:m>
+                  <m:oMath xmlns:m="http://schemas.openxmlformats.org/officeDocument/2006/math">
+                    <m:r>
+                      <a:rPr lang="en-US" sz="2400" b="0" i="1" smtClean="0">
+                        <a:latin typeface="Cambria Math" panose="02040503050406030204" pitchFamily="18" charset="0"/>
+                      </a:rPr>
+                      <m:t>𝑐</m:t>
+                    </m:r>
+                    <m:r>
+                      <a:rPr lang="en-US" sz="2400" b="0" i="1" smtClean="0">
+                        <a:latin typeface="Cambria Math" panose="02040503050406030204" pitchFamily="18" charset="0"/>
+                      </a:rPr>
+                      <m:t>≥3</m:t>
+                    </m:r>
+                  </m:oMath>
+                </a14:m>
+                <a:endParaRPr lang="en-US" sz="2400" dirty="0"/>
+              </a:p>
+              <a:p>
+                <a:r>
+                  <a:rPr lang="en-US" sz="2400" dirty="0"/>
+                  <a:t>Larger problem: Guards are non-forcing: nothing requires the guard to be executed</a:t>
                 </a:r>
               </a:p>
               <a:p>
                 <a:r>
-                  <a:rPr lang="en-US" dirty="0"/>
+                  <a:rPr lang="en-US" sz="2400" dirty="0"/>
                   <a:t>We can fix this by introducing </a:t>
                 </a:r>
                 <a:r>
-                  <a:rPr lang="en-US" b="1" dirty="0"/>
+                  <a:rPr lang="en-US" sz="2400" b="1" dirty="0"/>
                   <a:t>clock invariants</a:t>
                 </a:r>
               </a:p>
               <a:p>
                 <a:r>
-                  <a:rPr lang="en-US" dirty="0"/>
-                  <a:t>Clock invariant: expression that must evaluate to true at all times</a:t>
+                  <a:rPr lang="en-US" sz="2400" dirty="0"/>
+                  <a:t>Clock invariant of any mode: symbolic expression that must evaluate to true at all times, and if not, the process must exit that mode</a:t>
                 </a:r>
               </a:p>
             </p:txBody>
@@ -2302,13 +3408,13 @@
             </p:nvSpPr>
             <p:spPr>
               <a:xfrm>
-                <a:off x="5892095" y="1332703"/>
-                <a:ext cx="5973674" cy="4351338"/>
+                <a:off x="5892095" y="1039906"/>
+                <a:ext cx="5973674" cy="5244353"/>
               </a:xfrm>
               <a:blipFill>
                 <a:blip r:embed="rId2"/>
                 <a:stretch>
-                  <a:fillRect l="-1328" t="-2384" r="-3166"/>
+                  <a:fillRect l="-817" t="-1628" r="-2043"/>
                 </a:stretch>
               </a:blipFill>
             </p:spPr>
@@ -2351,7 +3457,7 @@
             <a:fld id="{29AAD378-655A-49C6-813C-9FD132EF7440}" type="slidenum">
               <a:rPr lang="en-US" smtClean="0"/>
               <a:pPr/>
-              <a:t>10</a:t>
+              <a:t>11</a:t>
             </a:fld>
             <a:endParaRPr lang="en-US" dirty="0"/>
           </a:p>
@@ -3187,7 +4293,7 @@
 </p:sld>
 </file>
 
-<file path=ppt/slides/slide11.xml><?xml version="1.0" encoding="utf-8"?>
+<file path=ppt/slides/slide12.xml><?xml version="1.0" encoding="utf-8"?>
 <p:sld xmlns:a="http://schemas.openxmlformats.org/drawingml/2006/main" xmlns:r="http://schemas.openxmlformats.org/officeDocument/2006/relationships" xmlns:p="http://schemas.openxmlformats.org/presentationml/2006/main">
   <p:cSld>
     <p:spTree>
@@ -3385,7 +4491,7 @@
             <a:fld id="{29AAD378-655A-49C6-813C-9FD132EF7440}" type="slidenum">
               <a:rPr lang="en-US" smtClean="0"/>
               <a:pPr/>
-              <a:t>11</a:t>
+              <a:t>12</a:t>
             </a:fld>
             <a:endParaRPr lang="en-US" dirty="0"/>
           </a:p>
@@ -4303,7 +5409,7 @@
 </p:sld>
 </file>
 
-<file path=ppt/slides/slide12.xml><?xml version="1.0" encoding="utf-8"?>
+<file path=ppt/slides/slide13.xml><?xml version="1.0" encoding="utf-8"?>
 <p:sld xmlns:a="http://schemas.openxmlformats.org/drawingml/2006/main" xmlns:r="http://schemas.openxmlformats.org/officeDocument/2006/relationships" xmlns:p="http://schemas.openxmlformats.org/presentationml/2006/main">
   <p:cSld>
     <p:spTree>
@@ -4666,7 +5772,7 @@
             <a:fld id="{29AAD378-655A-49C6-813C-9FD132EF7440}" type="slidenum">
               <a:rPr lang="en-US" smtClean="0"/>
               <a:pPr/>
-              <a:t>12</a:t>
+              <a:t>13</a:t>
             </a:fld>
             <a:endParaRPr lang="en-US" dirty="0"/>
           </a:p>
@@ -6197,7 +7303,7 @@
 </p:sld>
 </file>
 
-<file path=ppt/slides/slide13.xml><?xml version="1.0" encoding="utf-8"?>
+<file path=ppt/slides/slide14.xml><?xml version="1.0" encoding="utf-8"?>
 <p:sld xmlns:a="http://schemas.openxmlformats.org/drawingml/2006/main" xmlns:r="http://schemas.openxmlformats.org/officeDocument/2006/relationships" xmlns:p="http://schemas.openxmlformats.org/presentationml/2006/main">
   <p:cSld>
     <p:spTree>
@@ -6323,7 +7429,7 @@
                       <a:srgbClr val="7030A0"/>
                     </a:solidFill>
                   </a:rPr>
-                  <a:t># </a:t>
+                  <a:t>* </a:t>
                 </a:r>
                 <a:r>
                   <a:rPr lang="en-US" dirty="0"/>
@@ -6451,7 +7557,7 @@
             <a:fld id="{29AAD378-655A-49C6-813C-9FD132EF7440}" type="slidenum">
               <a:rPr lang="en-US" smtClean="0"/>
               <a:pPr/>
-              <a:t>13</a:t>
+              <a:t>14</a:t>
             </a:fld>
             <a:endParaRPr lang="en-US" dirty="0"/>
           </a:p>
@@ -7242,7 +8348,7 @@
                       <a:srgbClr val="7030A0"/>
                     </a:solidFill>
                   </a:rPr>
-                  <a:t>#</a:t>
+                  <a:t>*</a:t>
                 </a:r>
               </a:p>
             </p:txBody>
@@ -7306,7 +8412,7 @@
 </p:sld>
 </file>
 
-<file path=ppt/slides/slide14.xml><?xml version="1.0" encoding="utf-8"?>
+<file path=ppt/slides/slide15.xml><?xml version="1.0" encoding="utf-8"?>
 <p:sld xmlns:a="http://schemas.openxmlformats.org/drawingml/2006/main" xmlns:r="http://schemas.openxmlformats.org/officeDocument/2006/relationships" xmlns:p="http://schemas.openxmlformats.org/presentationml/2006/main">
   <p:cSld>
     <p:spTree>
@@ -7673,7 +8779,7 @@
             <a:fld id="{29AAD378-655A-49C6-813C-9FD132EF7440}" type="slidenum">
               <a:rPr lang="en-US" smtClean="0"/>
               <a:pPr/>
-              <a:t>14</a:t>
+              <a:t>15</a:t>
             </a:fld>
             <a:endParaRPr lang="en-US" dirty="0"/>
           </a:p>
@@ -7692,7 +8798,7 @@
 </p:sld>
 </file>
 
-<file path=ppt/slides/slide15.xml><?xml version="1.0" encoding="utf-8"?>
+<file path=ppt/slides/slide16.xml><?xml version="1.0" encoding="utf-8"?>
 <p:sld xmlns:a="http://schemas.openxmlformats.org/drawingml/2006/main" xmlns:r="http://schemas.openxmlformats.org/officeDocument/2006/relationships" xmlns:p="http://schemas.openxmlformats.org/presentationml/2006/main">
   <p:cSld>
     <p:spTree>
@@ -7761,7 +8867,7 @@
             <a:fld id="{29AAD378-655A-49C6-813C-9FD132EF7440}" type="slidenum">
               <a:rPr lang="en-US" smtClean="0"/>
               <a:pPr/>
-              <a:t>15</a:t>
+              <a:t>16</a:t>
             </a:fld>
             <a:endParaRPr lang="en-US" dirty="0"/>
           </a:p>
@@ -9858,7 +10964,7 @@
 </p:sld>
 </file>
 
-<file path=ppt/slides/slide16.xml><?xml version="1.0" encoding="utf-8"?>
+<file path=ppt/slides/slide17.xml><?xml version="1.0" encoding="utf-8"?>
 <p:sld xmlns:a="http://schemas.openxmlformats.org/drawingml/2006/main" xmlns:r="http://schemas.openxmlformats.org/officeDocument/2006/relationships" xmlns:p="http://schemas.openxmlformats.org/presentationml/2006/main">
   <p:cSld>
     <p:spTree>
@@ -9927,7 +11033,7 @@
             <a:fld id="{29AAD378-655A-49C6-813C-9FD132EF7440}" type="slidenum">
               <a:rPr lang="en-US" smtClean="0"/>
               <a:pPr/>
-              <a:t>16</a:t>
+              <a:t>17</a:t>
             </a:fld>
             <a:endParaRPr lang="en-US" dirty="0"/>
           </a:p>
@@ -13752,7 +14858,7 @@
 </p:sld>
 </file>
 
-<file path=ppt/slides/slide17.xml><?xml version="1.0" encoding="utf-8"?>
+<file path=ppt/slides/slide18.xml><?xml version="1.0" encoding="utf-8"?>
 <p:sld xmlns:a="http://schemas.openxmlformats.org/drawingml/2006/main" xmlns:r="http://schemas.openxmlformats.org/officeDocument/2006/relationships" xmlns:p="http://schemas.openxmlformats.org/presentationml/2006/main">
   <p:cSld>
     <p:spTree>
@@ -14197,7 +15303,7 @@
             <a:fld id="{29AAD378-655A-49C6-813C-9FD132EF7440}" type="slidenum">
               <a:rPr lang="en-US" smtClean="0"/>
               <a:pPr/>
-              <a:t>17</a:t>
+              <a:t>18</a:t>
             </a:fld>
             <a:endParaRPr lang="en-US" dirty="0"/>
           </a:p>
@@ -16436,7 +17542,7 @@
 </p:sld>
 </file>
 
-<file path=ppt/slides/slide18.xml><?xml version="1.0" encoding="utf-8"?>
+<file path=ppt/slides/slide19.xml><?xml version="1.0" encoding="utf-8"?>
 <p:sld xmlns:a="http://schemas.openxmlformats.org/drawingml/2006/main" xmlns:r="http://schemas.openxmlformats.org/officeDocument/2006/relationships" xmlns:p="http://schemas.openxmlformats.org/presentationml/2006/main">
   <p:cSld>
     <p:spTree>
@@ -16867,7 +17973,7 @@
             <a:fld id="{29AAD378-655A-49C6-813C-9FD132EF7440}" type="slidenum">
               <a:rPr lang="en-US" smtClean="0"/>
               <a:pPr/>
-              <a:t>18</a:t>
+              <a:t>19</a:t>
             </a:fld>
             <a:endParaRPr lang="en-US" dirty="0"/>
           </a:p>
@@ -18828,180 +19934,6 @@
 </p:sld>
 </file>
 
-<file path=ppt/slides/slide19.xml><?xml version="1.0" encoding="utf-8"?>
-<p:sld xmlns:a="http://schemas.openxmlformats.org/drawingml/2006/main" xmlns:r="http://schemas.openxmlformats.org/officeDocument/2006/relationships" xmlns:p="http://schemas.openxmlformats.org/presentationml/2006/main">
-  <p:cSld>
-    <p:spTree>
-      <p:nvGrpSpPr>
-        <p:cNvPr id="1" name=""/>
-        <p:cNvGrpSpPr/>
-        <p:nvPr/>
-      </p:nvGrpSpPr>
-      <p:grpSpPr>
-        <a:xfrm>
-          <a:off x="0" y="0"/>
-          <a:ext cx="0" cy="0"/>
-          <a:chOff x="0" y="0"/>
-          <a:chExt cx="0" cy="0"/>
-        </a:xfrm>
-      </p:grpSpPr>
-      <p:sp>
-        <p:nvSpPr>
-          <p:cNvPr id="2" name="Content Placeholder 1">
-            <a:extLst>
-              <a:ext uri="{FF2B5EF4-FFF2-40B4-BE49-F238E27FC236}">
-                <a16:creationId xmlns:a16="http://schemas.microsoft.com/office/drawing/2014/main" id="{AEEA4B2A-81A2-4549-B0BB-23A31312B083}"/>
-              </a:ext>
-            </a:extLst>
-          </p:cNvPr>
-          <p:cNvSpPr>
-            <a:spLocks noGrp="1"/>
-          </p:cNvSpPr>
-          <p:nvPr>
-            <p:ph idx="1"/>
-          </p:nvPr>
-        </p:nvSpPr>
-        <p:spPr>
-          <a:xfrm>
-            <a:off x="405205" y="1299029"/>
-            <a:ext cx="10443368" cy="3949584"/>
-          </a:xfrm>
-        </p:spPr>
-        <p:txBody>
-          <a:bodyPr/>
-          <a:lstStyle/>
-          <a:p>
-            <a:r>
-              <a:rPr lang="en-US" dirty="0"/>
-              <a:t>Most material that follows is from this paper:</a:t>
-            </a:r>
-          </a:p>
-          <a:p>
-            <a:pPr marL="0" indent="0">
-              <a:buNone/>
-            </a:pPr>
-            <a:r>
-              <a:rPr lang="en-US" dirty="0"/>
-              <a:t>Z. Jiang, M. </a:t>
-            </a:r>
-            <a:r>
-              <a:rPr lang="en-US" dirty="0" err="1"/>
-              <a:t>Pajic</a:t>
-            </a:r>
-            <a:r>
-              <a:rPr lang="en-US" dirty="0"/>
-              <a:t>, S. </a:t>
-            </a:r>
-            <a:r>
-              <a:rPr lang="en-US" dirty="0" err="1"/>
-              <a:t>Moarref</a:t>
-            </a:r>
-            <a:r>
-              <a:rPr lang="en-US" dirty="0"/>
-              <a:t>, R. Alur, R. </a:t>
-            </a:r>
-            <a:r>
-              <a:rPr lang="en-US" dirty="0" err="1"/>
-              <a:t>Mangharam</a:t>
-            </a:r>
-            <a:r>
-              <a:rPr lang="en-US" dirty="0"/>
-              <a:t>, </a:t>
-            </a:r>
-            <a:r>
-              <a:rPr lang="en-US" i="1" dirty="0"/>
-              <a:t>Modeling and Verification of a Dual Chamber Implantable Pacemaker</a:t>
-            </a:r>
-            <a:r>
-              <a:rPr lang="en-US" dirty="0"/>
-              <a:t>, In Proceedings of Tools and Algorithms for the Construction and Analysis of Systems (TACAS), 2012.  </a:t>
-            </a:r>
-          </a:p>
-          <a:p>
-            <a:r>
-              <a:rPr lang="en-US" dirty="0"/>
-              <a:t>The textbook has detailed descriptions of some other pacemaker components</a:t>
-            </a:r>
-          </a:p>
-          <a:p>
-            <a:pPr marL="0" indent="0">
-              <a:buNone/>
-            </a:pPr>
-            <a:endParaRPr lang="en-US" dirty="0"/>
-          </a:p>
-        </p:txBody>
-      </p:sp>
-      <p:sp>
-        <p:nvSpPr>
-          <p:cNvPr id="3" name="Title 2">
-            <a:extLst>
-              <a:ext uri="{FF2B5EF4-FFF2-40B4-BE49-F238E27FC236}">
-                <a16:creationId xmlns:a16="http://schemas.microsoft.com/office/drawing/2014/main" id="{3ADCEEBE-9909-446B-8D6C-C858EF6D0C7C}"/>
-              </a:ext>
-            </a:extLst>
-          </p:cNvPr>
-          <p:cNvSpPr>
-            <a:spLocks noGrp="1"/>
-          </p:cNvSpPr>
-          <p:nvPr>
-            <p:ph type="title"/>
-          </p:nvPr>
-        </p:nvSpPr>
-        <p:spPr/>
-        <p:txBody>
-          <a:bodyPr/>
-          <a:lstStyle/>
-          <a:p>
-            <a:r>
-              <a:rPr lang="en-US" dirty="0"/>
-              <a:t>Pacemaker Modeling as a Timed Process</a:t>
-            </a:r>
-          </a:p>
-        </p:txBody>
-      </p:sp>
-      <p:sp>
-        <p:nvSpPr>
-          <p:cNvPr id="4" name="Slide Number Placeholder 3">
-            <a:extLst>
-              <a:ext uri="{FF2B5EF4-FFF2-40B4-BE49-F238E27FC236}">
-                <a16:creationId xmlns:a16="http://schemas.microsoft.com/office/drawing/2014/main" id="{979D84FF-0FBD-4423-A6FF-63A9EDF6CA0B}"/>
-              </a:ext>
-            </a:extLst>
-          </p:cNvPr>
-          <p:cNvSpPr>
-            <a:spLocks noGrp="1"/>
-          </p:cNvSpPr>
-          <p:nvPr>
-            <p:ph type="sldNum" sz="quarter" idx="12"/>
-          </p:nvPr>
-        </p:nvSpPr>
-        <p:spPr/>
-        <p:txBody>
-          <a:bodyPr/>
-          <a:lstStyle/>
-          <a:p>
-            <a:fld id="{29AAD378-655A-49C6-813C-9FD132EF7440}" type="slidenum">
-              <a:rPr lang="en-US" smtClean="0"/>
-              <a:pPr/>
-              <a:t>19</a:t>
-            </a:fld>
-            <a:endParaRPr lang="en-US" dirty="0"/>
-          </a:p>
-        </p:txBody>
-      </p:sp>
-    </p:spTree>
-    <p:extLst>
-      <p:ext uri="{BB962C8B-B14F-4D97-AF65-F5344CB8AC3E}">
-        <p14:creationId xmlns:p14="http://schemas.microsoft.com/office/powerpoint/2010/main" val="727806109"/>
-      </p:ext>
-    </p:extLst>
-  </p:cSld>
-  <p:clrMapOvr>
-    <a:masterClrMapping/>
-  </p:clrMapOvr>
-</p:sld>
-</file>
-
 <file path=ppt/slides/slide2.xml><?xml version="1.0" encoding="utf-8"?>
 <p:sld xmlns:a="http://schemas.openxmlformats.org/drawingml/2006/main" xmlns:r="http://schemas.openxmlformats.org/officeDocument/2006/relationships" xmlns:p="http://schemas.openxmlformats.org/presentationml/2006/main">
   <p:cSld>
@@ -19198,6 +20130,180 @@
           <p:cNvPr id="2" name="Content Placeholder 1">
             <a:extLst>
               <a:ext uri="{FF2B5EF4-FFF2-40B4-BE49-F238E27FC236}">
+                <a16:creationId xmlns:a16="http://schemas.microsoft.com/office/drawing/2014/main" id="{AEEA4B2A-81A2-4549-B0BB-23A31312B083}"/>
+              </a:ext>
+            </a:extLst>
+          </p:cNvPr>
+          <p:cNvSpPr>
+            <a:spLocks noGrp="1"/>
+          </p:cNvSpPr>
+          <p:nvPr>
+            <p:ph idx="1"/>
+          </p:nvPr>
+        </p:nvSpPr>
+        <p:spPr>
+          <a:xfrm>
+            <a:off x="405205" y="1299029"/>
+            <a:ext cx="10443368" cy="3949584"/>
+          </a:xfrm>
+        </p:spPr>
+        <p:txBody>
+          <a:bodyPr/>
+          <a:lstStyle/>
+          <a:p>
+            <a:r>
+              <a:rPr lang="en-US" dirty="0"/>
+              <a:t>Most material that follows is from this paper:</a:t>
+            </a:r>
+          </a:p>
+          <a:p>
+            <a:pPr marL="0" indent="0">
+              <a:buNone/>
+            </a:pPr>
+            <a:r>
+              <a:rPr lang="en-US" dirty="0"/>
+              <a:t>Z. Jiang, M. </a:t>
+            </a:r>
+            <a:r>
+              <a:rPr lang="en-US" dirty="0" err="1"/>
+              <a:t>Pajic</a:t>
+            </a:r>
+            <a:r>
+              <a:rPr lang="en-US" dirty="0"/>
+              <a:t>, S. </a:t>
+            </a:r>
+            <a:r>
+              <a:rPr lang="en-US" dirty="0" err="1"/>
+              <a:t>Moarref</a:t>
+            </a:r>
+            <a:r>
+              <a:rPr lang="en-US" dirty="0"/>
+              <a:t>, R. Alur, R. </a:t>
+            </a:r>
+            <a:r>
+              <a:rPr lang="en-US" dirty="0" err="1"/>
+              <a:t>Mangharam</a:t>
+            </a:r>
+            <a:r>
+              <a:rPr lang="en-US" dirty="0"/>
+              <a:t>, </a:t>
+            </a:r>
+            <a:r>
+              <a:rPr lang="en-US" i="1" dirty="0"/>
+              <a:t>Modeling and Verification of a Dual Chamber Implantable Pacemaker</a:t>
+            </a:r>
+            <a:r>
+              <a:rPr lang="en-US" dirty="0"/>
+              <a:t>, In Proceedings of Tools and Algorithms for the Construction and Analysis of Systems (TACAS), 2012.  </a:t>
+            </a:r>
+          </a:p>
+          <a:p>
+            <a:r>
+              <a:rPr lang="en-US" dirty="0"/>
+              <a:t>Alur’s textbook has detailed descriptions of some other pacemaker components</a:t>
+            </a:r>
+          </a:p>
+          <a:p>
+            <a:pPr marL="0" indent="0">
+              <a:buNone/>
+            </a:pPr>
+            <a:endParaRPr lang="en-US" dirty="0"/>
+          </a:p>
+        </p:txBody>
+      </p:sp>
+      <p:sp>
+        <p:nvSpPr>
+          <p:cNvPr id="3" name="Title 2">
+            <a:extLst>
+              <a:ext uri="{FF2B5EF4-FFF2-40B4-BE49-F238E27FC236}">
+                <a16:creationId xmlns:a16="http://schemas.microsoft.com/office/drawing/2014/main" id="{3ADCEEBE-9909-446B-8D6C-C858EF6D0C7C}"/>
+              </a:ext>
+            </a:extLst>
+          </p:cNvPr>
+          <p:cNvSpPr>
+            <a:spLocks noGrp="1"/>
+          </p:cNvSpPr>
+          <p:nvPr>
+            <p:ph type="title"/>
+          </p:nvPr>
+        </p:nvSpPr>
+        <p:spPr/>
+        <p:txBody>
+          <a:bodyPr/>
+          <a:lstStyle/>
+          <a:p>
+            <a:r>
+              <a:rPr lang="en-US" dirty="0"/>
+              <a:t>Pacemaker Modeling as a Timed Process</a:t>
+            </a:r>
+          </a:p>
+        </p:txBody>
+      </p:sp>
+      <p:sp>
+        <p:nvSpPr>
+          <p:cNvPr id="4" name="Slide Number Placeholder 3">
+            <a:extLst>
+              <a:ext uri="{FF2B5EF4-FFF2-40B4-BE49-F238E27FC236}">
+                <a16:creationId xmlns:a16="http://schemas.microsoft.com/office/drawing/2014/main" id="{979D84FF-0FBD-4423-A6FF-63A9EDF6CA0B}"/>
+              </a:ext>
+            </a:extLst>
+          </p:cNvPr>
+          <p:cNvSpPr>
+            <a:spLocks noGrp="1"/>
+          </p:cNvSpPr>
+          <p:nvPr>
+            <p:ph type="sldNum" sz="quarter" idx="12"/>
+          </p:nvPr>
+        </p:nvSpPr>
+        <p:spPr/>
+        <p:txBody>
+          <a:bodyPr/>
+          <a:lstStyle/>
+          <a:p>
+            <a:fld id="{29AAD378-655A-49C6-813C-9FD132EF7440}" type="slidenum">
+              <a:rPr lang="en-US" smtClean="0"/>
+              <a:pPr/>
+              <a:t>20</a:t>
+            </a:fld>
+            <a:endParaRPr lang="en-US" dirty="0"/>
+          </a:p>
+        </p:txBody>
+      </p:sp>
+    </p:spTree>
+    <p:extLst>
+      <p:ext uri="{BB962C8B-B14F-4D97-AF65-F5344CB8AC3E}">
+        <p14:creationId xmlns:p14="http://schemas.microsoft.com/office/powerpoint/2010/main" val="727806109"/>
+      </p:ext>
+    </p:extLst>
+  </p:cSld>
+  <p:clrMapOvr>
+    <a:masterClrMapping/>
+  </p:clrMapOvr>
+</p:sld>
+</file>
+
+<file path=ppt/slides/slide21.xml><?xml version="1.0" encoding="utf-8"?>
+<p:sld xmlns:a="http://schemas.openxmlformats.org/drawingml/2006/main" xmlns:r="http://schemas.openxmlformats.org/officeDocument/2006/relationships" xmlns:p="http://schemas.openxmlformats.org/presentationml/2006/main">
+  <p:cSld>
+    <p:spTree>
+      <p:nvGrpSpPr>
+        <p:cNvPr id="1" name=""/>
+        <p:cNvGrpSpPr/>
+        <p:nvPr/>
+      </p:nvGrpSpPr>
+      <p:grpSpPr>
+        <a:xfrm>
+          <a:off x="0" y="0"/>
+          <a:ext cx="0" cy="0"/>
+          <a:chOff x="0" y="0"/>
+          <a:chExt cx="0" cy="0"/>
+        </a:xfrm>
+      </p:grpSpPr>
+      <p:sp>
+        <p:nvSpPr>
+          <p:cNvPr id="2" name="Content Placeholder 1">
+            <a:extLst>
+              <a:ext uri="{FF2B5EF4-FFF2-40B4-BE49-F238E27FC236}">
                 <a16:creationId xmlns:a16="http://schemas.microsoft.com/office/drawing/2014/main" id="{2E7498B7-9DF3-4ACB-A04A-28486CD859C3}"/>
               </a:ext>
             </a:extLst>
@@ -19301,7 +20407,7 @@
             <a:fld id="{29AAD378-655A-49C6-813C-9FD132EF7440}" type="slidenum">
               <a:rPr lang="en-US" smtClean="0"/>
               <a:pPr/>
-              <a:t>20</a:t>
+              <a:t>21</a:t>
             </a:fld>
             <a:endParaRPr lang="en-US" dirty="0"/>
           </a:p>
@@ -19385,7 +20491,7 @@
 </p:sld>
 </file>
 
-<file path=ppt/slides/slide21.xml><?xml version="1.0" encoding="utf-8"?>
+<file path=ppt/slides/slide22.xml><?xml version="1.0" encoding="utf-8"?>
 <p:sld xmlns:a="http://schemas.openxmlformats.org/drawingml/2006/main" xmlns:r="http://schemas.openxmlformats.org/officeDocument/2006/relationships" xmlns:p="http://schemas.openxmlformats.org/presentationml/2006/main">
   <p:cSld>
     <p:spTree>
@@ -19516,7 +20622,7 @@
             <a:fld id="{29AAD378-655A-49C6-813C-9FD132EF7440}" type="slidenum">
               <a:rPr lang="en-US" smtClean="0"/>
               <a:pPr/>
-              <a:t>21</a:t>
+              <a:t>22</a:t>
             </a:fld>
             <a:endParaRPr lang="en-US" dirty="0"/>
           </a:p>
@@ -19573,7 +20679,7 @@
 </p:sld>
 </file>
 
-<file path=ppt/slides/slide22.xml><?xml version="1.0" encoding="utf-8"?>
+<file path=ppt/slides/slide23.xml><?xml version="1.0" encoding="utf-8"?>
 <p:sld xmlns:a="http://schemas.openxmlformats.org/drawingml/2006/main" xmlns:r="http://schemas.openxmlformats.org/officeDocument/2006/relationships" xmlns:p="http://schemas.openxmlformats.org/presentationml/2006/main">
   <p:cSld>
     <p:spTree>
@@ -19642,7 +20748,7 @@
             <a:fld id="{29AAD378-655A-49C6-813C-9FD132EF7440}" type="slidenum">
               <a:rPr lang="en-US" smtClean="0"/>
               <a:pPr/>
-              <a:t>22</a:t>
+              <a:t>23</a:t>
             </a:fld>
             <a:endParaRPr lang="en-US" dirty="0"/>
           </a:p>
@@ -19920,7 +21026,7 @@
 </p:sld>
 </file>
 
-<file path=ppt/slides/slide23.xml><?xml version="1.0" encoding="utf-8"?>
+<file path=ppt/slides/slide24.xml><?xml version="1.0" encoding="utf-8"?>
 <p:sld xmlns:a="http://schemas.openxmlformats.org/drawingml/2006/main" xmlns:r="http://schemas.openxmlformats.org/officeDocument/2006/relationships" xmlns:p="http://schemas.openxmlformats.org/presentationml/2006/main">
   <p:cSld>
     <p:spTree>
@@ -20037,7 +21143,7 @@
             <a:fld id="{29AAD378-655A-49C6-813C-9FD132EF7440}" type="slidenum">
               <a:rPr lang="en-US" smtClean="0"/>
               <a:pPr/>
-              <a:t>23</a:t>
+              <a:t>24</a:t>
             </a:fld>
             <a:endParaRPr lang="en-US" dirty="0"/>
           </a:p>
@@ -20476,7 +21582,7 @@
 </p:sld>
 </file>
 
-<file path=ppt/slides/slide24.xml><?xml version="1.0" encoding="utf-8"?>
+<file path=ppt/slides/slide25.xml><?xml version="1.0" encoding="utf-8"?>
 <p:sld xmlns:a="http://schemas.openxmlformats.org/drawingml/2006/main" xmlns:r="http://schemas.openxmlformats.org/officeDocument/2006/relationships" xmlns:p="http://schemas.openxmlformats.org/presentationml/2006/main">
   <p:cSld>
     <p:spTree>
@@ -20545,7 +21651,7 @@
             <a:fld id="{29AAD378-655A-49C6-813C-9FD132EF7440}" type="slidenum">
               <a:rPr lang="en-US" smtClean="0"/>
               <a:pPr/>
-              <a:t>24</a:t>
+              <a:t>25</a:t>
             </a:fld>
             <a:endParaRPr lang="en-US" dirty="0"/>
           </a:p>
@@ -22200,7 +23306,7 @@
 </p:sld>
 </file>
 
-<file path=ppt/slides/slide25.xml><?xml version="1.0" encoding="utf-8"?>
+<file path=ppt/slides/slide26.xml><?xml version="1.0" encoding="utf-8"?>
 <p:sld xmlns:a="http://schemas.openxmlformats.org/drawingml/2006/main" xmlns:r="http://schemas.openxmlformats.org/officeDocument/2006/relationships" xmlns:p="http://schemas.openxmlformats.org/presentationml/2006/main" show="0">
   <p:cSld>
     <p:spTree>
@@ -22292,7 +23398,7 @@
             <a:fld id="{29AAD378-655A-49C6-813C-9FD132EF7440}" type="slidenum">
               <a:rPr lang="en-US" smtClean="0"/>
               <a:pPr/>
-              <a:t>25</a:t>
+              <a:t>26</a:t>
             </a:fld>
             <a:endParaRPr lang="en-US" dirty="0"/>
           </a:p>
@@ -22311,7 +23417,7 @@
 </p:sld>
 </file>
 
-<file path=ppt/slides/slide26.xml><?xml version="1.0" encoding="utf-8"?>
+<file path=ppt/slides/slide27.xml><?xml version="1.0" encoding="utf-8"?>
 <p:sld xmlns:a="http://schemas.openxmlformats.org/drawingml/2006/main" xmlns:r="http://schemas.openxmlformats.org/officeDocument/2006/relationships" xmlns:p="http://schemas.openxmlformats.org/presentationml/2006/main" show="0">
   <p:cSld>
     <p:spTree>
@@ -22419,7 +23525,7 @@
             <a:fld id="{29AAD378-655A-49C6-813C-9FD132EF7440}" type="slidenum">
               <a:rPr lang="en-US" smtClean="0"/>
               <a:pPr/>
-              <a:t>26</a:t>
+              <a:t>27</a:t>
             </a:fld>
             <a:endParaRPr lang="en-US" dirty="0"/>
           </a:p>
@@ -24488,7 +25594,7 @@
 </p:sld>
 </file>
 
-<file path=ppt/slides/slide27.xml><?xml version="1.0" encoding="utf-8"?>
+<file path=ppt/slides/slide28.xml><?xml version="1.0" encoding="utf-8"?>
 <p:sld xmlns:a="http://schemas.openxmlformats.org/drawingml/2006/main" xmlns:r="http://schemas.openxmlformats.org/officeDocument/2006/relationships" xmlns:p="http://schemas.openxmlformats.org/presentationml/2006/main" show="0">
   <p:cSld>
     <p:spTree>
@@ -24567,7 +25673,7 @@
             <a:fld id="{29AAD378-655A-49C6-813C-9FD132EF7440}" type="slidenum">
               <a:rPr lang="en-US" smtClean="0"/>
               <a:pPr/>
-              <a:t>27</a:t>
+              <a:t>28</a:t>
             </a:fld>
             <a:endParaRPr lang="en-US" dirty="0"/>
           </a:p>
@@ -26236,7 +27342,7 @@
 </p:sld>
 </file>
 
-<file path=ppt/slides/slide28.xml><?xml version="1.0" encoding="utf-8"?>
+<file path=ppt/slides/slide29.xml><?xml version="1.0" encoding="utf-8"?>
 <p:sld xmlns:a="http://schemas.openxmlformats.org/drawingml/2006/main" xmlns:r="http://schemas.openxmlformats.org/officeDocument/2006/relationships" xmlns:p="http://schemas.openxmlformats.org/presentationml/2006/main" show="0">
   <p:cSld>
     <p:spTree>
@@ -26537,7 +27643,7 @@
             <a:fld id="{29AAD378-655A-49C6-813C-9FD132EF7440}" type="slidenum">
               <a:rPr lang="en-US" smtClean="0"/>
               <a:pPr/>
-              <a:t>28</a:t>
+              <a:t>29</a:t>
             </a:fld>
             <a:endParaRPr lang="en-US" dirty="0"/>
           </a:p>
@@ -27688,161 +28794,6 @@
 </p:sld>
 </file>
 
-<file path=ppt/slides/slide29.xml><?xml version="1.0" encoding="utf-8"?>
-<p:sld xmlns:a="http://schemas.openxmlformats.org/drawingml/2006/main" xmlns:r="http://schemas.openxmlformats.org/officeDocument/2006/relationships" xmlns:p="http://schemas.openxmlformats.org/presentationml/2006/main" show="0">
-  <p:cSld>
-    <p:spTree>
-      <p:nvGrpSpPr>
-        <p:cNvPr id="1" name=""/>
-        <p:cNvGrpSpPr/>
-        <p:nvPr/>
-      </p:nvGrpSpPr>
-      <p:grpSpPr>
-        <a:xfrm>
-          <a:off x="0" y="0"/>
-          <a:ext cx="0" cy="0"/>
-          <a:chOff x="0" y="0"/>
-          <a:chExt cx="0" cy="0"/>
-        </a:xfrm>
-      </p:grpSpPr>
-      <p:sp>
-        <p:nvSpPr>
-          <p:cNvPr id="2" name="Content Placeholder 1">
-            <a:extLst>
-              <a:ext uri="{FF2B5EF4-FFF2-40B4-BE49-F238E27FC236}">
-                <a16:creationId xmlns:a16="http://schemas.microsoft.com/office/drawing/2014/main" id="{DFA09703-B856-4EA9-866F-380E2415574D}"/>
-              </a:ext>
-            </a:extLst>
-          </p:cNvPr>
-          <p:cNvSpPr>
-            <a:spLocks noGrp="1"/>
-          </p:cNvSpPr>
-          <p:nvPr>
-            <p:ph idx="1"/>
-          </p:nvPr>
-        </p:nvSpPr>
-        <p:spPr>
-          <a:xfrm>
-            <a:off x="70640" y="1777999"/>
-            <a:ext cx="11923719" cy="3334328"/>
-          </a:xfrm>
-        </p:spPr>
-        <p:txBody>
-          <a:bodyPr>
-            <a:normAutofit/>
-          </a:bodyPr>
-          <a:lstStyle/>
-          <a:p>
-            <a:r>
-              <a:rPr lang="en-US" dirty="0"/>
-              <a:t>Useful tool to do timing analysis and explore properties of timed processes</a:t>
-            </a:r>
-          </a:p>
-          <a:p>
-            <a:r>
-              <a:rPr lang="en-US" dirty="0"/>
-              <a:t>State-space of timed automata is infinite (clocks can become arbitrarily large!)</a:t>
-            </a:r>
-          </a:p>
-          <a:p>
-            <a:r>
-              <a:rPr lang="en-US" dirty="0"/>
-              <a:t>But some questions about timed automata behavior can still be answered exactly</a:t>
-            </a:r>
-          </a:p>
-          <a:p>
-            <a:pPr lvl="1"/>
-            <a:r>
-              <a:rPr lang="en-US" dirty="0"/>
-              <a:t>Does the automaton accept any string? (also known as emptiness problem)</a:t>
-            </a:r>
-          </a:p>
-          <a:p>
-            <a:pPr lvl="1"/>
-            <a:r>
-              <a:rPr lang="en-US" dirty="0"/>
-              <a:t>Reachability of a particular configuration</a:t>
-            </a:r>
-          </a:p>
-          <a:p>
-            <a:r>
-              <a:rPr lang="en-US" dirty="0"/>
-              <a:t>We will revisit this later in the course</a:t>
-            </a:r>
-          </a:p>
-        </p:txBody>
-      </p:sp>
-      <p:sp>
-        <p:nvSpPr>
-          <p:cNvPr id="3" name="Title 2">
-            <a:extLst>
-              <a:ext uri="{FF2B5EF4-FFF2-40B4-BE49-F238E27FC236}">
-                <a16:creationId xmlns:a16="http://schemas.microsoft.com/office/drawing/2014/main" id="{08E63D95-9115-4756-939E-25F4A2B56DD1}"/>
-              </a:ext>
-            </a:extLst>
-          </p:cNvPr>
-          <p:cNvSpPr>
-            <a:spLocks noGrp="1"/>
-          </p:cNvSpPr>
-          <p:nvPr>
-            <p:ph type="title"/>
-          </p:nvPr>
-        </p:nvSpPr>
-        <p:spPr/>
-        <p:txBody>
-          <a:bodyPr/>
-          <a:lstStyle/>
-          <a:p>
-            <a:r>
-              <a:rPr lang="en-US" dirty="0"/>
-              <a:t>Timed Automata</a:t>
-            </a:r>
-          </a:p>
-        </p:txBody>
-      </p:sp>
-      <p:sp>
-        <p:nvSpPr>
-          <p:cNvPr id="4" name="Slide Number Placeholder 3">
-            <a:extLst>
-              <a:ext uri="{FF2B5EF4-FFF2-40B4-BE49-F238E27FC236}">
-                <a16:creationId xmlns:a16="http://schemas.microsoft.com/office/drawing/2014/main" id="{D33B109C-0E13-46D3-AFEC-5AC90CE77B59}"/>
-              </a:ext>
-            </a:extLst>
-          </p:cNvPr>
-          <p:cNvSpPr>
-            <a:spLocks noGrp="1"/>
-          </p:cNvSpPr>
-          <p:nvPr>
-            <p:ph type="sldNum" sz="quarter" idx="12"/>
-          </p:nvPr>
-        </p:nvSpPr>
-        <p:spPr/>
-        <p:txBody>
-          <a:bodyPr/>
-          <a:lstStyle/>
-          <a:p>
-            <a:fld id="{29AAD378-655A-49C6-813C-9FD132EF7440}" type="slidenum">
-              <a:rPr lang="en-US" smtClean="0"/>
-              <a:pPr/>
-              <a:t>29</a:t>
-            </a:fld>
-            <a:endParaRPr lang="en-US" dirty="0"/>
-          </a:p>
-        </p:txBody>
-      </p:sp>
-    </p:spTree>
-    <p:extLst>
-      <p:ext uri="{BB962C8B-B14F-4D97-AF65-F5344CB8AC3E}">
-        <p14:creationId xmlns:p14="http://schemas.microsoft.com/office/powerpoint/2010/main" val="1338835917"/>
-      </p:ext>
-    </p:extLst>
-  </p:cSld>
-  <p:clrMapOvr>
-    <a:masterClrMapping/>
-  </p:clrMapOvr>
-</p:sld>
-</file>
-
 <file path=ppt/slides/slide3.xml><?xml version="1.0" encoding="utf-8"?>
 <p:sld xmlns:a="http://schemas.openxmlformats.org/drawingml/2006/main" xmlns:r="http://schemas.openxmlformats.org/officeDocument/2006/relationships" xmlns:p="http://schemas.openxmlformats.org/presentationml/2006/main">
   <p:cSld>
@@ -28092,6 +29043,161 @@
       </p:grpSpPr>
       <p:sp>
         <p:nvSpPr>
+          <p:cNvPr id="2" name="Content Placeholder 1">
+            <a:extLst>
+              <a:ext uri="{FF2B5EF4-FFF2-40B4-BE49-F238E27FC236}">
+                <a16:creationId xmlns:a16="http://schemas.microsoft.com/office/drawing/2014/main" id="{DFA09703-B856-4EA9-866F-380E2415574D}"/>
+              </a:ext>
+            </a:extLst>
+          </p:cNvPr>
+          <p:cNvSpPr>
+            <a:spLocks noGrp="1"/>
+          </p:cNvSpPr>
+          <p:nvPr>
+            <p:ph idx="1"/>
+          </p:nvPr>
+        </p:nvSpPr>
+        <p:spPr>
+          <a:xfrm>
+            <a:off x="70640" y="1777999"/>
+            <a:ext cx="11923719" cy="3334328"/>
+          </a:xfrm>
+        </p:spPr>
+        <p:txBody>
+          <a:bodyPr>
+            <a:normAutofit/>
+          </a:bodyPr>
+          <a:lstStyle/>
+          <a:p>
+            <a:r>
+              <a:rPr lang="en-US" dirty="0"/>
+              <a:t>Useful tool to do timing analysis and explore properties of timed processes</a:t>
+            </a:r>
+          </a:p>
+          <a:p>
+            <a:r>
+              <a:rPr lang="en-US" dirty="0"/>
+              <a:t>State-space of timed automata is infinite (clocks can become arbitrarily large!)</a:t>
+            </a:r>
+          </a:p>
+          <a:p>
+            <a:r>
+              <a:rPr lang="en-US" dirty="0"/>
+              <a:t>But some questions about timed automata behavior can still be answered exactly</a:t>
+            </a:r>
+          </a:p>
+          <a:p>
+            <a:pPr lvl="1"/>
+            <a:r>
+              <a:rPr lang="en-US" dirty="0"/>
+              <a:t>Does the automaton accept any string? (also known as emptiness problem)</a:t>
+            </a:r>
+          </a:p>
+          <a:p>
+            <a:pPr lvl="1"/>
+            <a:r>
+              <a:rPr lang="en-US" dirty="0"/>
+              <a:t>Reachability of a particular configuration</a:t>
+            </a:r>
+          </a:p>
+          <a:p>
+            <a:r>
+              <a:rPr lang="en-US" dirty="0"/>
+              <a:t>We will revisit this later in the course</a:t>
+            </a:r>
+          </a:p>
+        </p:txBody>
+      </p:sp>
+      <p:sp>
+        <p:nvSpPr>
+          <p:cNvPr id="3" name="Title 2">
+            <a:extLst>
+              <a:ext uri="{FF2B5EF4-FFF2-40B4-BE49-F238E27FC236}">
+                <a16:creationId xmlns:a16="http://schemas.microsoft.com/office/drawing/2014/main" id="{08E63D95-9115-4756-939E-25F4A2B56DD1}"/>
+              </a:ext>
+            </a:extLst>
+          </p:cNvPr>
+          <p:cNvSpPr>
+            <a:spLocks noGrp="1"/>
+          </p:cNvSpPr>
+          <p:nvPr>
+            <p:ph type="title"/>
+          </p:nvPr>
+        </p:nvSpPr>
+        <p:spPr/>
+        <p:txBody>
+          <a:bodyPr/>
+          <a:lstStyle/>
+          <a:p>
+            <a:r>
+              <a:rPr lang="en-US" dirty="0"/>
+              <a:t>Timed Automata</a:t>
+            </a:r>
+          </a:p>
+        </p:txBody>
+      </p:sp>
+      <p:sp>
+        <p:nvSpPr>
+          <p:cNvPr id="4" name="Slide Number Placeholder 3">
+            <a:extLst>
+              <a:ext uri="{FF2B5EF4-FFF2-40B4-BE49-F238E27FC236}">
+                <a16:creationId xmlns:a16="http://schemas.microsoft.com/office/drawing/2014/main" id="{D33B109C-0E13-46D3-AFEC-5AC90CE77B59}"/>
+              </a:ext>
+            </a:extLst>
+          </p:cNvPr>
+          <p:cNvSpPr>
+            <a:spLocks noGrp="1"/>
+          </p:cNvSpPr>
+          <p:nvPr>
+            <p:ph type="sldNum" sz="quarter" idx="12"/>
+          </p:nvPr>
+        </p:nvSpPr>
+        <p:spPr/>
+        <p:txBody>
+          <a:bodyPr/>
+          <a:lstStyle/>
+          <a:p>
+            <a:fld id="{29AAD378-655A-49C6-813C-9FD132EF7440}" type="slidenum">
+              <a:rPr lang="en-US" smtClean="0"/>
+              <a:pPr/>
+              <a:t>30</a:t>
+            </a:fld>
+            <a:endParaRPr lang="en-US" dirty="0"/>
+          </a:p>
+        </p:txBody>
+      </p:sp>
+    </p:spTree>
+    <p:extLst>
+      <p:ext uri="{BB962C8B-B14F-4D97-AF65-F5344CB8AC3E}">
+        <p14:creationId xmlns:p14="http://schemas.microsoft.com/office/powerpoint/2010/main" val="1338835917"/>
+      </p:ext>
+    </p:extLst>
+  </p:cSld>
+  <p:clrMapOvr>
+    <a:masterClrMapping/>
+  </p:clrMapOvr>
+</p:sld>
+</file>
+
+<file path=ppt/slides/slide31.xml><?xml version="1.0" encoding="utf-8"?>
+<p:sld xmlns:a="http://schemas.openxmlformats.org/drawingml/2006/main" xmlns:r="http://schemas.openxmlformats.org/officeDocument/2006/relationships" xmlns:p="http://schemas.openxmlformats.org/presentationml/2006/main" show="0">
+  <p:cSld>
+    <p:spTree>
+      <p:nvGrpSpPr>
+        <p:cNvPr id="1" name=""/>
+        <p:cNvGrpSpPr/>
+        <p:nvPr/>
+      </p:nvGrpSpPr>
+      <p:grpSpPr>
+        <a:xfrm>
+          <a:off x="0" y="0"/>
+          <a:ext cx="0" cy="0"/>
+          <a:chOff x="0" y="0"/>
+          <a:chExt cx="0" cy="0"/>
+        </a:xfrm>
+      </p:grpSpPr>
+      <p:sp>
+        <p:nvSpPr>
           <p:cNvPr id="3" name="Title 2">
             <a:extLst>
               <a:ext uri="{FF2B5EF4-FFF2-40B4-BE49-F238E27FC236}">
@@ -28142,7 +29248,7 @@
             <a:fld id="{29AAD378-655A-49C6-813C-9FD132EF7440}" type="slidenum">
               <a:rPr lang="en-US" smtClean="0"/>
               <a:pPr/>
-              <a:t>30</a:t>
+              <a:t>31</a:t>
             </a:fld>
             <a:endParaRPr lang="en-US" dirty="0"/>
           </a:p>
@@ -29729,7 +30835,7 @@
 </p:sld>
 </file>
 
-<file path=ppt/slides/slide31.xml><?xml version="1.0" encoding="utf-8"?>
+<file path=ppt/slides/slide32.xml><?xml version="1.0" encoding="utf-8"?>
 <p:sld xmlns:a="http://schemas.openxmlformats.org/drawingml/2006/main" xmlns:r="http://schemas.openxmlformats.org/officeDocument/2006/relationships" xmlns:p="http://schemas.openxmlformats.org/presentationml/2006/main" show="0">
   <p:cSld>
     <p:spTree>
@@ -29872,7 +30978,7 @@
             <a:fld id="{29AAD378-655A-49C6-813C-9FD132EF7440}" type="slidenum">
               <a:rPr lang="en-US" smtClean="0"/>
               <a:pPr/>
-              <a:t>31</a:t>
+              <a:t>32</a:t>
             </a:fld>
             <a:endParaRPr lang="en-US" dirty="0"/>
           </a:p>
@@ -29892,6 +30998,1467 @@
 </file>
 
 <file path=ppt/slides/slide4.xml><?xml version="1.0" encoding="utf-8"?>
+<p:sld xmlns:a="http://schemas.openxmlformats.org/drawingml/2006/main" xmlns:r="http://schemas.openxmlformats.org/officeDocument/2006/relationships" xmlns:p="http://schemas.openxmlformats.org/presentationml/2006/main">
+  <p:cSld>
+    <p:spTree>
+      <p:nvGrpSpPr>
+        <p:cNvPr id="1" name=""/>
+        <p:cNvGrpSpPr/>
+        <p:nvPr/>
+      </p:nvGrpSpPr>
+      <p:grpSpPr>
+        <a:xfrm>
+          <a:off x="0" y="0"/>
+          <a:ext cx="0" cy="0"/>
+          <a:chOff x="0" y="0"/>
+          <a:chExt cx="0" cy="0"/>
+        </a:xfrm>
+      </p:grpSpPr>
+      <p:sp>
+        <p:nvSpPr>
+          <p:cNvPr id="4" name="Slide Number Placeholder 3">
+            <a:extLst>
+              <a:ext uri="{FF2B5EF4-FFF2-40B4-BE49-F238E27FC236}">
+                <a16:creationId xmlns:a16="http://schemas.microsoft.com/office/drawing/2014/main" id="{B9CF518B-959C-4626-AD99-E108A08B1AD9}"/>
+              </a:ext>
+            </a:extLst>
+          </p:cNvPr>
+          <p:cNvSpPr>
+            <a:spLocks noGrp="1"/>
+          </p:cNvSpPr>
+          <p:nvPr>
+            <p:ph type="sldNum" sz="quarter" idx="12"/>
+          </p:nvPr>
+        </p:nvSpPr>
+        <p:spPr/>
+        <p:txBody>
+          <a:bodyPr/>
+          <a:lstStyle/>
+          <a:p>
+            <a:fld id="{29AAD378-655A-49C6-813C-9FD132EF7440}" type="slidenum">
+              <a:rPr lang="en-US" smtClean="0"/>
+              <a:pPr/>
+              <a:t>4</a:t>
+            </a:fld>
+            <a:endParaRPr lang="en-US" dirty="0"/>
+          </a:p>
+        </p:txBody>
+      </p:sp>
+      <p:sp>
+        <p:nvSpPr>
+          <p:cNvPr id="5" name="Content Placeholder 1">
+            <a:extLst>
+              <a:ext uri="{FF2B5EF4-FFF2-40B4-BE49-F238E27FC236}">
+                <a16:creationId xmlns:a16="http://schemas.microsoft.com/office/drawing/2014/main" id="{C8D79018-1335-44E9-A469-6C3DA3B7CC55}"/>
+              </a:ext>
+            </a:extLst>
+          </p:cNvPr>
+          <p:cNvSpPr txBox="1">
+            <a:spLocks noGrp="1"/>
+          </p:cNvSpPr>
+          <p:nvPr>
+            <p:ph idx="1"/>
+          </p:nvPr>
+        </p:nvSpPr>
+        <p:spPr>
+          <a:xfrm>
+            <a:off x="7307804" y="1042075"/>
+            <a:ext cx="4736107" cy="5215849"/>
+          </a:xfrm>
+          <a:prstGeom prst="rect">
+            <a:avLst/>
+          </a:prstGeom>
+        </p:spPr>
+        <p:txBody>
+          <a:bodyPr vert="horz" lIns="91440" tIns="45720" rIns="91440" bIns="45720" rtlCol="0">
+            <a:normAutofit/>
+          </a:bodyPr>
+          <a:lstStyle>
+            <a:lvl1pPr marL="457200" marR="0" indent="-457200" algn="l" defTabSz="914400" rtl="0" eaLnBrk="1" fontAlgn="auto" latinLnBrk="0" hangingPunct="1">
+              <a:lnSpc>
+                <a:spcPct val="90000"/>
+              </a:lnSpc>
+              <a:spcBef>
+                <a:spcPts val="1000"/>
+              </a:spcBef>
+              <a:spcAft>
+                <a:spcPts val="0"/>
+              </a:spcAft>
+              <a:buClr>
+                <a:srgbClr val="FF9B9B"/>
+              </a:buClr>
+              <a:buSzPct val="80000"/>
+              <a:buFont typeface="Wingdings 3" panose="05040102010807070707" pitchFamily="18" charset="2"/>
+              <a:buChar char=""/>
+              <a:tabLst/>
+              <a:defRPr lang="en-US" sz="2800" kern="1200" noProof="0">
+                <a:solidFill>
+                  <a:schemeClr val="tx1"/>
+                </a:solidFill>
+                <a:latin typeface="+mn-lt"/>
+                <a:ea typeface="+mn-ea"/>
+                <a:cs typeface="+mn-cs"/>
+              </a:defRPr>
+            </a:lvl1pPr>
+            <a:lvl2pPr marL="685800" marR="0" indent="-274320" algn="l" defTabSz="914400" rtl="0" eaLnBrk="1" fontAlgn="auto" latinLnBrk="0" hangingPunct="1">
+              <a:lnSpc>
+                <a:spcPct val="90000"/>
+              </a:lnSpc>
+              <a:spcBef>
+                <a:spcPts val="500"/>
+              </a:spcBef>
+              <a:spcAft>
+                <a:spcPts val="0"/>
+              </a:spcAft>
+              <a:buClr>
+                <a:srgbClr val="FFA3A3"/>
+              </a:buClr>
+              <a:buSzPct val="75000"/>
+              <a:buFont typeface="Wingdings 3" panose="05040102010807070707" pitchFamily="18" charset="2"/>
+              <a:buChar char=""/>
+              <a:tabLst/>
+              <a:defRPr lang="en-US" sz="2800" kern="1200" noProof="0">
+                <a:solidFill>
+                  <a:schemeClr val="tx1"/>
+                </a:solidFill>
+                <a:latin typeface="+mn-lt"/>
+                <a:ea typeface="+mn-ea"/>
+                <a:cs typeface="+mn-cs"/>
+              </a:defRPr>
+            </a:lvl2pPr>
+            <a:lvl3pPr marL="1143000" marR="0" indent="-228600" algn="l" defTabSz="914400" rtl="0" eaLnBrk="1" fontAlgn="auto" latinLnBrk="0" hangingPunct="1">
+              <a:lnSpc>
+                <a:spcPct val="90000"/>
+              </a:lnSpc>
+              <a:spcBef>
+                <a:spcPts val="500"/>
+              </a:spcBef>
+              <a:spcAft>
+                <a:spcPts val="0"/>
+              </a:spcAft>
+              <a:buClr>
+                <a:srgbClr val="FF9797"/>
+              </a:buClr>
+              <a:buSzPct val="70000"/>
+              <a:buFont typeface="Wingdings 3" panose="05040102010807070707" pitchFamily="18" charset="2"/>
+              <a:buChar char=""/>
+              <a:tabLst/>
+              <a:defRPr lang="en-US" sz="2800" kern="1200" noProof="0">
+                <a:solidFill>
+                  <a:schemeClr val="tx1"/>
+                </a:solidFill>
+                <a:latin typeface="+mn-lt"/>
+                <a:ea typeface="+mn-ea"/>
+                <a:cs typeface="+mn-cs"/>
+              </a:defRPr>
+            </a:lvl3pPr>
+            <a:lvl4pPr marL="1600200" marR="0" indent="-228600" algn="l" defTabSz="914400" rtl="0" eaLnBrk="1" fontAlgn="auto" latinLnBrk="0" hangingPunct="1">
+              <a:lnSpc>
+                <a:spcPct val="90000"/>
+              </a:lnSpc>
+              <a:spcBef>
+                <a:spcPts val="500"/>
+              </a:spcBef>
+              <a:spcAft>
+                <a:spcPts val="0"/>
+              </a:spcAft>
+              <a:buClr>
+                <a:srgbClr val="FF9B9B"/>
+              </a:buClr>
+              <a:buSzPct val="65000"/>
+              <a:buFont typeface="Wingdings 3" panose="05040102010807070707" pitchFamily="18" charset="2"/>
+              <a:buChar char=""/>
+              <a:tabLst/>
+              <a:defRPr lang="en-US" sz="2800" kern="1200" noProof="0">
+                <a:solidFill>
+                  <a:schemeClr val="tx1"/>
+                </a:solidFill>
+                <a:latin typeface="+mn-lt"/>
+                <a:ea typeface="+mn-ea"/>
+                <a:cs typeface="+mn-cs"/>
+              </a:defRPr>
+            </a:lvl4pPr>
+            <a:lvl5pPr marL="2057400" marR="0" indent="-228600" algn="l" defTabSz="914400" rtl="0" eaLnBrk="1" fontAlgn="auto" latinLnBrk="0" hangingPunct="1">
+              <a:lnSpc>
+                <a:spcPct val="90000"/>
+              </a:lnSpc>
+              <a:spcBef>
+                <a:spcPts val="500"/>
+              </a:spcBef>
+              <a:spcAft>
+                <a:spcPts val="0"/>
+              </a:spcAft>
+              <a:buClr>
+                <a:srgbClr val="FF9B9B"/>
+              </a:buClr>
+              <a:buSzPct val="60000"/>
+              <a:buFont typeface="Wingdings 3" panose="05040102010807070707" pitchFamily="18" charset="2"/>
+              <a:buChar char=""/>
+              <a:tabLst/>
+              <a:defRPr lang="en-US" sz="2800" kern="1200" noProof="0">
+                <a:solidFill>
+                  <a:schemeClr val="tx1"/>
+                </a:solidFill>
+                <a:latin typeface="+mn-lt"/>
+                <a:ea typeface="+mn-ea"/>
+                <a:cs typeface="+mn-cs"/>
+              </a:defRPr>
+            </a:lvl5pPr>
+            <a:lvl6pPr marL="2514600" indent="-228600" algn="l" defTabSz="914400" rtl="0" eaLnBrk="1" latinLnBrk="0" hangingPunct="1">
+              <a:lnSpc>
+                <a:spcPct val="90000"/>
+              </a:lnSpc>
+              <a:spcBef>
+                <a:spcPts val="500"/>
+              </a:spcBef>
+              <a:buFont typeface="Arial" panose="020B0604020202020204" pitchFamily="34" charset="0"/>
+              <a:buChar char="•"/>
+              <a:defRPr sz="1800" kern="1200">
+                <a:solidFill>
+                  <a:schemeClr val="tx1"/>
+                </a:solidFill>
+                <a:latin typeface="+mn-lt"/>
+                <a:ea typeface="+mn-ea"/>
+                <a:cs typeface="+mn-cs"/>
+              </a:defRPr>
+            </a:lvl6pPr>
+            <a:lvl7pPr marL="2971800" indent="-228600" algn="l" defTabSz="914400" rtl="0" eaLnBrk="1" latinLnBrk="0" hangingPunct="1">
+              <a:lnSpc>
+                <a:spcPct val="90000"/>
+              </a:lnSpc>
+              <a:spcBef>
+                <a:spcPts val="500"/>
+              </a:spcBef>
+              <a:buFont typeface="Arial" panose="020B0604020202020204" pitchFamily="34" charset="0"/>
+              <a:buChar char="•"/>
+              <a:defRPr sz="1800" kern="1200">
+                <a:solidFill>
+                  <a:schemeClr val="tx1"/>
+                </a:solidFill>
+                <a:latin typeface="+mn-lt"/>
+                <a:ea typeface="+mn-ea"/>
+                <a:cs typeface="+mn-cs"/>
+              </a:defRPr>
+            </a:lvl7pPr>
+            <a:lvl8pPr marL="3429000" indent="-228600" algn="l" defTabSz="914400" rtl="0" eaLnBrk="1" latinLnBrk="0" hangingPunct="1">
+              <a:lnSpc>
+                <a:spcPct val="90000"/>
+              </a:lnSpc>
+              <a:spcBef>
+                <a:spcPts val="500"/>
+              </a:spcBef>
+              <a:buFont typeface="Arial" panose="020B0604020202020204" pitchFamily="34" charset="0"/>
+              <a:buChar char="•"/>
+              <a:defRPr sz="1800" kern="1200">
+                <a:solidFill>
+                  <a:schemeClr val="tx1"/>
+                </a:solidFill>
+                <a:latin typeface="+mn-lt"/>
+                <a:ea typeface="+mn-ea"/>
+                <a:cs typeface="+mn-cs"/>
+              </a:defRPr>
+            </a:lvl8pPr>
+            <a:lvl9pPr marL="3886200" indent="-228600" algn="l" defTabSz="914400" rtl="0" eaLnBrk="1" latinLnBrk="0" hangingPunct="1">
+              <a:lnSpc>
+                <a:spcPct val="90000"/>
+              </a:lnSpc>
+              <a:spcBef>
+                <a:spcPts val="500"/>
+              </a:spcBef>
+              <a:buFont typeface="Arial" panose="020B0604020202020204" pitchFamily="34" charset="0"/>
+              <a:buChar char="•"/>
+              <a:defRPr sz="1800" kern="1200">
+                <a:solidFill>
+                  <a:schemeClr val="tx1"/>
+                </a:solidFill>
+                <a:latin typeface="+mn-lt"/>
+                <a:ea typeface="+mn-ea"/>
+                <a:cs typeface="+mn-cs"/>
+              </a:defRPr>
+            </a:lvl9pPr>
+          </a:lstStyle>
+          <a:p>
+            <a:pPr marL="0" indent="0">
+              <a:buNone/>
+            </a:pPr>
+            <a:r>
+              <a:rPr lang="en-US" dirty="0"/>
+              <a:t>Like asynchronous ESMs, have input, output channels, state variables</a:t>
+            </a:r>
+          </a:p>
+          <a:p>
+            <a:r>
+              <a:rPr lang="en-US" dirty="0"/>
+              <a:t>Special type of state variable called “clock” </a:t>
+            </a:r>
+          </a:p>
+          <a:p>
+            <a:r>
+              <a:rPr lang="en-US" dirty="0"/>
+              <a:t>Clock variables evolve continuously in time</a:t>
+            </a:r>
+          </a:p>
+          <a:p>
+            <a:r>
+              <a:rPr lang="en-US" dirty="0"/>
+              <a:t>ESM can “stay” in a mode with clock increasing monotonically from the start value</a:t>
+            </a:r>
+          </a:p>
+        </p:txBody>
+      </p:sp>
+      <p:sp>
+        <p:nvSpPr>
+          <p:cNvPr id="6" name="Title 2">
+            <a:extLst>
+              <a:ext uri="{FF2B5EF4-FFF2-40B4-BE49-F238E27FC236}">
+                <a16:creationId xmlns:a16="http://schemas.microsoft.com/office/drawing/2014/main" id="{053EEAFD-D8C1-433D-B3B6-2FC9F9E46E87}"/>
+              </a:ext>
+            </a:extLst>
+          </p:cNvPr>
+          <p:cNvSpPr>
+            <a:spLocks noGrp="1"/>
+          </p:cNvSpPr>
+          <p:nvPr>
+            <p:ph type="title"/>
+          </p:nvPr>
+        </p:nvSpPr>
+        <p:spPr/>
+        <p:txBody>
+          <a:bodyPr/>
+          <a:lstStyle/>
+          <a:p>
+            <a:r>
+              <a:rPr lang="en-US" dirty="0"/>
+              <a:t>Timed ESMs</a:t>
+            </a:r>
+          </a:p>
+        </p:txBody>
+      </p:sp>
+      <p:grpSp>
+        <p:nvGrpSpPr>
+          <p:cNvPr id="7" name="Group 6">
+            <a:extLst>
+              <a:ext uri="{FF2B5EF4-FFF2-40B4-BE49-F238E27FC236}">
+                <a16:creationId xmlns:a16="http://schemas.microsoft.com/office/drawing/2014/main" id="{D3CFBD06-9B2D-448F-8B35-5DD52C30E9E2}"/>
+              </a:ext>
+            </a:extLst>
+          </p:cNvPr>
+          <p:cNvGrpSpPr/>
+          <p:nvPr/>
+        </p:nvGrpSpPr>
+        <p:grpSpPr>
+          <a:xfrm>
+            <a:off x="326232" y="1714470"/>
+            <a:ext cx="6960123" cy="2714303"/>
+            <a:chOff x="218533" y="2084624"/>
+            <a:chExt cx="6960123" cy="2714303"/>
+          </a:xfrm>
+        </p:grpSpPr>
+        <p:sp>
+          <p:nvSpPr>
+            <p:cNvPr id="8" name="Oval 7">
+              <a:extLst>
+                <a:ext uri="{FF2B5EF4-FFF2-40B4-BE49-F238E27FC236}">
+                  <a16:creationId xmlns:a16="http://schemas.microsoft.com/office/drawing/2014/main" id="{A823F517-8E33-4CED-BED3-4301CF1C780E}"/>
+                </a:ext>
+              </a:extLst>
+            </p:cNvPr>
+            <p:cNvSpPr/>
+            <p:nvPr/>
+          </p:nvSpPr>
+          <p:spPr>
+            <a:xfrm>
+              <a:off x="1420201" y="3028057"/>
+              <a:ext cx="826586" cy="624023"/>
+            </a:xfrm>
+            <a:prstGeom prst="ellipse">
+              <a:avLst/>
+            </a:prstGeom>
+            <a:ln w="25400"/>
+          </p:spPr>
+          <p:style>
+            <a:lnRef idx="2">
+              <a:schemeClr val="accent6"/>
+            </a:lnRef>
+            <a:fillRef idx="1">
+              <a:schemeClr val="lt1"/>
+            </a:fillRef>
+            <a:effectRef idx="0">
+              <a:schemeClr val="accent6"/>
+            </a:effectRef>
+            <a:fontRef idx="minor">
+              <a:schemeClr val="dk1"/>
+            </a:fontRef>
+          </p:style>
+          <p:txBody>
+            <a:bodyPr lIns="0" tIns="0" rIns="0" bIns="0" rtlCol="0" anchor="ctr"/>
+            <a:lstStyle/>
+            <a:p>
+              <a:pPr algn="ctr"/>
+              <a:r>
+                <a:rPr lang="en-US" dirty="0"/>
+                <a:t>off</a:t>
+              </a:r>
+              <a:endParaRPr lang="en-US" baseline="-25000" dirty="0"/>
+            </a:p>
+          </p:txBody>
+        </p:sp>
+        <p:sp>
+          <p:nvSpPr>
+            <p:cNvPr id="9" name="Oval 8">
+              <a:extLst>
+                <a:ext uri="{FF2B5EF4-FFF2-40B4-BE49-F238E27FC236}">
+                  <a16:creationId xmlns:a16="http://schemas.microsoft.com/office/drawing/2014/main" id="{DBB7CD3B-4A49-4562-BDD6-99A93846A141}"/>
+                </a:ext>
+              </a:extLst>
+            </p:cNvPr>
+            <p:cNvSpPr/>
+            <p:nvPr/>
+          </p:nvSpPr>
+          <p:spPr>
+            <a:xfrm>
+              <a:off x="3604600" y="3028057"/>
+              <a:ext cx="826586" cy="624023"/>
+            </a:xfrm>
+            <a:prstGeom prst="ellipse">
+              <a:avLst/>
+            </a:prstGeom>
+            <a:ln w="25400"/>
+          </p:spPr>
+          <p:style>
+            <a:lnRef idx="2">
+              <a:schemeClr val="accent6"/>
+            </a:lnRef>
+            <a:fillRef idx="1">
+              <a:schemeClr val="lt1"/>
+            </a:fillRef>
+            <a:effectRef idx="0">
+              <a:schemeClr val="accent6"/>
+            </a:effectRef>
+            <a:fontRef idx="minor">
+              <a:schemeClr val="dk1"/>
+            </a:fontRef>
+          </p:style>
+          <p:txBody>
+            <a:bodyPr lIns="0" tIns="0" rIns="0" bIns="0" rtlCol="0" anchor="ctr"/>
+            <a:lstStyle/>
+            <a:p>
+              <a:pPr algn="ctr"/>
+              <a:r>
+                <a:rPr lang="en-US" dirty="0"/>
+                <a:t>dim</a:t>
+              </a:r>
+              <a:endParaRPr lang="en-US" baseline="-25000" dirty="0"/>
+            </a:p>
+          </p:txBody>
+        </p:sp>
+        <p:sp>
+          <p:nvSpPr>
+            <p:cNvPr id="10" name="Oval 9">
+              <a:extLst>
+                <a:ext uri="{FF2B5EF4-FFF2-40B4-BE49-F238E27FC236}">
+                  <a16:creationId xmlns:a16="http://schemas.microsoft.com/office/drawing/2014/main" id="{06B2EE56-D1AC-419F-9DE7-4A243D5A81E9}"/>
+                </a:ext>
+              </a:extLst>
+            </p:cNvPr>
+            <p:cNvSpPr/>
+            <p:nvPr/>
+          </p:nvSpPr>
+          <p:spPr>
+            <a:xfrm>
+              <a:off x="6140367" y="3028057"/>
+              <a:ext cx="826586" cy="624023"/>
+            </a:xfrm>
+            <a:prstGeom prst="ellipse">
+              <a:avLst/>
+            </a:prstGeom>
+            <a:ln w="25400"/>
+          </p:spPr>
+          <p:style>
+            <a:lnRef idx="2">
+              <a:schemeClr val="accent6"/>
+            </a:lnRef>
+            <a:fillRef idx="1">
+              <a:schemeClr val="lt1"/>
+            </a:fillRef>
+            <a:effectRef idx="0">
+              <a:schemeClr val="accent6"/>
+            </a:effectRef>
+            <a:fontRef idx="minor">
+              <a:schemeClr val="dk1"/>
+            </a:fontRef>
+          </p:style>
+          <p:txBody>
+            <a:bodyPr lIns="0" tIns="0" rIns="0" bIns="0" rtlCol="0" anchor="ctr"/>
+            <a:lstStyle/>
+            <a:p>
+              <a:pPr algn="ctr"/>
+              <a:r>
+                <a:rPr lang="en-US" dirty="0"/>
+                <a:t>bright</a:t>
+              </a:r>
+              <a:endParaRPr lang="en-US" baseline="-25000" dirty="0"/>
+            </a:p>
+          </p:txBody>
+        </p:sp>
+        <p:cxnSp>
+          <p:nvCxnSpPr>
+            <p:cNvPr id="11" name="Straight Arrow Connector 10">
+              <a:extLst>
+                <a:ext uri="{FF2B5EF4-FFF2-40B4-BE49-F238E27FC236}">
+                  <a16:creationId xmlns:a16="http://schemas.microsoft.com/office/drawing/2014/main" id="{3ECCAFCF-44D5-4857-9CDC-00DDC9F4AA8E}"/>
+                </a:ext>
+              </a:extLst>
+            </p:cNvPr>
+            <p:cNvCxnSpPr>
+              <a:stCxn id="8" idx="6"/>
+              <a:endCxn id="9" idx="2"/>
+            </p:cNvCxnSpPr>
+            <p:nvPr/>
+          </p:nvCxnSpPr>
+          <p:spPr>
+            <a:xfrm>
+              <a:off x="2246787" y="3340069"/>
+              <a:ext cx="1357813" cy="0"/>
+            </a:xfrm>
+            <a:prstGeom prst="straightConnector1">
+              <a:avLst/>
+            </a:prstGeom>
+            <a:ln w="25400">
+              <a:solidFill>
+                <a:schemeClr val="accent6"/>
+              </a:solidFill>
+              <a:tailEnd type="triangle" w="lg" len="lg"/>
+            </a:ln>
+          </p:spPr>
+          <p:style>
+            <a:lnRef idx="1">
+              <a:schemeClr val="accent1"/>
+            </a:lnRef>
+            <a:fillRef idx="0">
+              <a:schemeClr val="accent1"/>
+            </a:fillRef>
+            <a:effectRef idx="0">
+              <a:schemeClr val="accent1"/>
+            </a:effectRef>
+            <a:fontRef idx="minor">
+              <a:schemeClr val="tx1"/>
+            </a:fontRef>
+          </p:style>
+        </p:cxnSp>
+        <p:cxnSp>
+          <p:nvCxnSpPr>
+            <p:cNvPr id="12" name="Straight Arrow Connector 11">
+              <a:extLst>
+                <a:ext uri="{FF2B5EF4-FFF2-40B4-BE49-F238E27FC236}">
+                  <a16:creationId xmlns:a16="http://schemas.microsoft.com/office/drawing/2014/main" id="{FF3E9DEA-5C3B-4764-BD5D-C9906631F25B}"/>
+                </a:ext>
+              </a:extLst>
+            </p:cNvPr>
+            <p:cNvCxnSpPr>
+              <a:cxnSpLocks/>
+              <a:stCxn id="9" idx="6"/>
+              <a:endCxn id="10" idx="2"/>
+            </p:cNvCxnSpPr>
+            <p:nvPr/>
+          </p:nvCxnSpPr>
+          <p:spPr>
+            <a:xfrm>
+              <a:off x="4431186" y="3340069"/>
+              <a:ext cx="1709181" cy="0"/>
+            </a:xfrm>
+            <a:prstGeom prst="straightConnector1">
+              <a:avLst/>
+            </a:prstGeom>
+            <a:ln w="25400">
+              <a:solidFill>
+                <a:schemeClr val="accent6"/>
+              </a:solidFill>
+              <a:tailEnd type="triangle" w="lg" len="lg"/>
+            </a:ln>
+          </p:spPr>
+          <p:style>
+            <a:lnRef idx="1">
+              <a:schemeClr val="accent1"/>
+            </a:lnRef>
+            <a:fillRef idx="0">
+              <a:schemeClr val="accent1"/>
+            </a:fillRef>
+            <a:effectRef idx="0">
+              <a:schemeClr val="accent1"/>
+            </a:effectRef>
+            <a:fontRef idx="minor">
+              <a:schemeClr val="tx1"/>
+            </a:fontRef>
+          </p:style>
+        </p:cxnSp>
+        <p:sp>
+          <p:nvSpPr>
+            <p:cNvPr id="13" name="Freeform: Shape 12">
+              <a:extLst>
+                <a:ext uri="{FF2B5EF4-FFF2-40B4-BE49-F238E27FC236}">
+                  <a16:creationId xmlns:a16="http://schemas.microsoft.com/office/drawing/2014/main" id="{3A1A4639-C9ED-43BF-B0B6-45457D2EED2E}"/>
+                </a:ext>
+              </a:extLst>
+            </p:cNvPr>
+            <p:cNvSpPr/>
+            <p:nvPr/>
+          </p:nvSpPr>
+          <p:spPr>
+            <a:xfrm>
+              <a:off x="2081685" y="3601484"/>
+              <a:ext cx="4357535" cy="885991"/>
+            </a:xfrm>
+            <a:custGeom>
+              <a:avLst/>
+              <a:gdLst>
+                <a:gd name="connsiteX0" fmla="*/ 4445000 w 4445000"/>
+                <a:gd name="connsiteY0" fmla="*/ 33867 h 326122"/>
+                <a:gd name="connsiteX1" fmla="*/ 2065867 w 4445000"/>
+                <a:gd name="connsiteY1" fmla="*/ 325967 h 326122"/>
+                <a:gd name="connsiteX2" fmla="*/ 0 w 4445000"/>
+                <a:gd name="connsiteY2" fmla="*/ 0 h 326122"/>
+                <a:gd name="connsiteX0" fmla="*/ 4351866 w 4351866"/>
+                <a:gd name="connsiteY0" fmla="*/ 25400 h 326051"/>
+                <a:gd name="connsiteX1" fmla="*/ 2065867 w 4351866"/>
+                <a:gd name="connsiteY1" fmla="*/ 325967 h 326051"/>
+                <a:gd name="connsiteX2" fmla="*/ 0 w 4351866"/>
+                <a:gd name="connsiteY2" fmla="*/ 0 h 326051"/>
+                <a:gd name="connsiteX0" fmla="*/ 4246033 w 4246033"/>
+                <a:gd name="connsiteY0" fmla="*/ 21167 h 326024"/>
+                <a:gd name="connsiteX1" fmla="*/ 2065867 w 4246033"/>
+                <a:gd name="connsiteY1" fmla="*/ 325967 h 326024"/>
+                <a:gd name="connsiteX2" fmla="*/ 0 w 4246033"/>
+                <a:gd name="connsiteY2" fmla="*/ 0 h 326024"/>
+              </a:gdLst>
+              <a:ahLst/>
+              <a:cxnLst>
+                <a:cxn ang="0">
+                  <a:pos x="connsiteX0" y="connsiteY0"/>
+                </a:cxn>
+                <a:cxn ang="0">
+                  <a:pos x="connsiteX1" y="connsiteY1"/>
+                </a:cxn>
+                <a:cxn ang="0">
+                  <a:pos x="connsiteX2" y="connsiteY2"/>
+                </a:cxn>
+              </a:cxnLst>
+              <a:rect l="l" t="t" r="r" b="b"/>
+              <a:pathLst>
+                <a:path w="4246033" h="326024">
+                  <a:moveTo>
+                    <a:pt x="4246033" y="21167"/>
+                  </a:moveTo>
+                  <a:cubicBezTo>
+                    <a:pt x="3426883" y="170039"/>
+                    <a:pt x="2773539" y="329495"/>
+                    <a:pt x="2065867" y="325967"/>
+                  </a:cubicBezTo>
+                  <a:cubicBezTo>
+                    <a:pt x="1358195" y="322439"/>
+                    <a:pt x="662517" y="160161"/>
+                    <a:pt x="0" y="0"/>
+                  </a:cubicBezTo>
+                </a:path>
+              </a:pathLst>
+            </a:custGeom>
+            <a:ln w="25400">
+              <a:solidFill>
+                <a:schemeClr val="accent6"/>
+              </a:solidFill>
+              <a:tailEnd type="triangle" w="lg" len="lg"/>
+            </a:ln>
+          </p:spPr>
+          <p:style>
+            <a:lnRef idx="1">
+              <a:schemeClr val="accent1"/>
+            </a:lnRef>
+            <a:fillRef idx="0">
+              <a:schemeClr val="accent1"/>
+            </a:fillRef>
+            <a:effectRef idx="0">
+              <a:schemeClr val="accent1"/>
+            </a:effectRef>
+            <a:fontRef idx="minor">
+              <a:schemeClr val="tx1"/>
+            </a:fontRef>
+          </p:style>
+          <p:txBody>
+            <a:bodyPr rtlCol="0" anchor="ctr"/>
+            <a:lstStyle/>
+            <a:p>
+              <a:pPr algn="ctr"/>
+              <a:endParaRPr lang="en-US" dirty="0"/>
+            </a:p>
+          </p:txBody>
+        </p:sp>
+        <p:sp>
+          <p:nvSpPr>
+            <p:cNvPr id="14" name="Freeform: Shape 13">
+              <a:extLst>
+                <a:ext uri="{FF2B5EF4-FFF2-40B4-BE49-F238E27FC236}">
+                  <a16:creationId xmlns:a16="http://schemas.microsoft.com/office/drawing/2014/main" id="{5AFCFD1C-B530-41D3-8C71-4C4BEC463381}"/>
+                </a:ext>
+              </a:extLst>
+            </p:cNvPr>
+            <p:cNvSpPr/>
+            <p:nvPr/>
+          </p:nvSpPr>
+          <p:spPr>
+            <a:xfrm>
+              <a:off x="6797620" y="2824136"/>
+              <a:ext cx="381036" cy="373257"/>
+            </a:xfrm>
+            <a:custGeom>
+              <a:avLst/>
+              <a:gdLst>
+                <a:gd name="connsiteX0" fmla="*/ 135466 w 341178"/>
+                <a:gd name="connsiteY0" fmla="*/ 374093 h 374093"/>
+                <a:gd name="connsiteX1" fmla="*/ 292100 w 341178"/>
+                <a:gd name="connsiteY1" fmla="*/ 327526 h 374093"/>
+                <a:gd name="connsiteX2" fmla="*/ 338666 w 341178"/>
+                <a:gd name="connsiteY2" fmla="*/ 204760 h 374093"/>
+                <a:gd name="connsiteX3" fmla="*/ 317500 w 341178"/>
+                <a:gd name="connsiteY3" fmla="*/ 90460 h 374093"/>
+                <a:gd name="connsiteX4" fmla="*/ 173566 w 341178"/>
+                <a:gd name="connsiteY4" fmla="*/ 1560 h 374093"/>
+                <a:gd name="connsiteX5" fmla="*/ 67733 w 341178"/>
+                <a:gd name="connsiteY5" fmla="*/ 35426 h 374093"/>
+                <a:gd name="connsiteX6" fmla="*/ 21166 w 341178"/>
+                <a:gd name="connsiteY6" fmla="*/ 56593 h 374093"/>
+                <a:gd name="connsiteX7" fmla="*/ 0 w 341178"/>
+                <a:gd name="connsiteY7" fmla="*/ 251326 h 374093"/>
+                <a:gd name="connsiteX0" fmla="*/ 135466 w 341178"/>
+                <a:gd name="connsiteY0" fmla="*/ 373504 h 373504"/>
+                <a:gd name="connsiteX1" fmla="*/ 292100 w 341178"/>
+                <a:gd name="connsiteY1" fmla="*/ 326937 h 373504"/>
+                <a:gd name="connsiteX2" fmla="*/ 338666 w 341178"/>
+                <a:gd name="connsiteY2" fmla="*/ 204171 h 373504"/>
+                <a:gd name="connsiteX3" fmla="*/ 317500 w 341178"/>
+                <a:gd name="connsiteY3" fmla="*/ 89871 h 373504"/>
+                <a:gd name="connsiteX4" fmla="*/ 173566 w 341178"/>
+                <a:gd name="connsiteY4" fmla="*/ 971 h 373504"/>
+                <a:gd name="connsiteX5" fmla="*/ 21166 w 341178"/>
+                <a:gd name="connsiteY5" fmla="*/ 56004 h 373504"/>
+                <a:gd name="connsiteX6" fmla="*/ 0 w 341178"/>
+                <a:gd name="connsiteY6" fmla="*/ 250737 h 373504"/>
+                <a:gd name="connsiteX0" fmla="*/ 135466 w 341178"/>
+                <a:gd name="connsiteY0" fmla="*/ 372533 h 372533"/>
+                <a:gd name="connsiteX1" fmla="*/ 292100 w 341178"/>
+                <a:gd name="connsiteY1" fmla="*/ 325966 h 372533"/>
+                <a:gd name="connsiteX2" fmla="*/ 338666 w 341178"/>
+                <a:gd name="connsiteY2" fmla="*/ 203200 h 372533"/>
+                <a:gd name="connsiteX3" fmla="*/ 317500 w 341178"/>
+                <a:gd name="connsiteY3" fmla="*/ 88900 h 372533"/>
+                <a:gd name="connsiteX4" fmla="*/ 173566 w 341178"/>
+                <a:gd name="connsiteY4" fmla="*/ 0 h 372533"/>
+                <a:gd name="connsiteX5" fmla="*/ 29632 w 341178"/>
+                <a:gd name="connsiteY5" fmla="*/ 88900 h 372533"/>
+                <a:gd name="connsiteX6" fmla="*/ 0 w 341178"/>
+                <a:gd name="connsiteY6" fmla="*/ 249766 h 372533"/>
+                <a:gd name="connsiteX0" fmla="*/ 135466 w 339364"/>
+                <a:gd name="connsiteY0" fmla="*/ 373286 h 373286"/>
+                <a:gd name="connsiteX1" fmla="*/ 292100 w 339364"/>
+                <a:gd name="connsiteY1" fmla="*/ 326719 h 373286"/>
+                <a:gd name="connsiteX2" fmla="*/ 338666 w 339364"/>
+                <a:gd name="connsiteY2" fmla="*/ 203953 h 373286"/>
+                <a:gd name="connsiteX3" fmla="*/ 309033 w 339364"/>
+                <a:gd name="connsiteY3" fmla="*/ 55786 h 373286"/>
+                <a:gd name="connsiteX4" fmla="*/ 173566 w 339364"/>
+                <a:gd name="connsiteY4" fmla="*/ 753 h 373286"/>
+                <a:gd name="connsiteX5" fmla="*/ 29632 w 339364"/>
+                <a:gd name="connsiteY5" fmla="*/ 89653 h 373286"/>
+                <a:gd name="connsiteX6" fmla="*/ 0 w 339364"/>
+                <a:gd name="connsiteY6" fmla="*/ 250519 h 373286"/>
+                <a:gd name="connsiteX0" fmla="*/ 135466 w 347533"/>
+                <a:gd name="connsiteY0" fmla="*/ 373354 h 373354"/>
+                <a:gd name="connsiteX1" fmla="*/ 292100 w 347533"/>
+                <a:gd name="connsiteY1" fmla="*/ 326787 h 373354"/>
+                <a:gd name="connsiteX2" fmla="*/ 347132 w 347533"/>
+                <a:gd name="connsiteY2" fmla="*/ 220954 h 373354"/>
+                <a:gd name="connsiteX3" fmla="*/ 309033 w 347533"/>
+                <a:gd name="connsiteY3" fmla="*/ 55854 h 373354"/>
+                <a:gd name="connsiteX4" fmla="*/ 173566 w 347533"/>
+                <a:gd name="connsiteY4" fmla="*/ 821 h 373354"/>
+                <a:gd name="connsiteX5" fmla="*/ 29632 w 347533"/>
+                <a:gd name="connsiteY5" fmla="*/ 89721 h 373354"/>
+                <a:gd name="connsiteX6" fmla="*/ 0 w 347533"/>
+                <a:gd name="connsiteY6" fmla="*/ 250587 h 373354"/>
+                <a:gd name="connsiteX0" fmla="*/ 135466 w 381139"/>
+                <a:gd name="connsiteY0" fmla="*/ 373257 h 373257"/>
+                <a:gd name="connsiteX1" fmla="*/ 292100 w 381139"/>
+                <a:gd name="connsiteY1" fmla="*/ 326690 h 373257"/>
+                <a:gd name="connsiteX2" fmla="*/ 380999 w 381139"/>
+                <a:gd name="connsiteY2" fmla="*/ 195457 h 373257"/>
+                <a:gd name="connsiteX3" fmla="*/ 309033 w 381139"/>
+                <a:gd name="connsiteY3" fmla="*/ 55757 h 373257"/>
+                <a:gd name="connsiteX4" fmla="*/ 173566 w 381139"/>
+                <a:gd name="connsiteY4" fmla="*/ 724 h 373257"/>
+                <a:gd name="connsiteX5" fmla="*/ 29632 w 381139"/>
+                <a:gd name="connsiteY5" fmla="*/ 89624 h 373257"/>
+                <a:gd name="connsiteX6" fmla="*/ 0 w 381139"/>
+                <a:gd name="connsiteY6" fmla="*/ 250490 h 373257"/>
+                <a:gd name="connsiteX0" fmla="*/ 135466 w 381036"/>
+                <a:gd name="connsiteY0" fmla="*/ 373257 h 373257"/>
+                <a:gd name="connsiteX1" fmla="*/ 300567 w 381036"/>
+                <a:gd name="connsiteY1" fmla="*/ 313990 h 373257"/>
+                <a:gd name="connsiteX2" fmla="*/ 380999 w 381036"/>
+                <a:gd name="connsiteY2" fmla="*/ 195457 h 373257"/>
+                <a:gd name="connsiteX3" fmla="*/ 309033 w 381036"/>
+                <a:gd name="connsiteY3" fmla="*/ 55757 h 373257"/>
+                <a:gd name="connsiteX4" fmla="*/ 173566 w 381036"/>
+                <a:gd name="connsiteY4" fmla="*/ 724 h 373257"/>
+                <a:gd name="connsiteX5" fmla="*/ 29632 w 381036"/>
+                <a:gd name="connsiteY5" fmla="*/ 89624 h 373257"/>
+                <a:gd name="connsiteX6" fmla="*/ 0 w 381036"/>
+                <a:gd name="connsiteY6" fmla="*/ 250490 h 373257"/>
+              </a:gdLst>
+              <a:ahLst/>
+              <a:cxnLst>
+                <a:cxn ang="0">
+                  <a:pos x="connsiteX0" y="connsiteY0"/>
+                </a:cxn>
+                <a:cxn ang="0">
+                  <a:pos x="connsiteX1" y="connsiteY1"/>
+                </a:cxn>
+                <a:cxn ang="0">
+                  <a:pos x="connsiteX2" y="connsiteY2"/>
+                </a:cxn>
+                <a:cxn ang="0">
+                  <a:pos x="connsiteX3" y="connsiteY3"/>
+                </a:cxn>
+                <a:cxn ang="0">
+                  <a:pos x="connsiteX4" y="connsiteY4"/>
+                </a:cxn>
+                <a:cxn ang="0">
+                  <a:pos x="connsiteX5" y="connsiteY5"/>
+                </a:cxn>
+                <a:cxn ang="0">
+                  <a:pos x="connsiteX6" y="connsiteY6"/>
+                </a:cxn>
+              </a:cxnLst>
+              <a:rect l="l" t="t" r="r" b="b"/>
+              <a:pathLst>
+                <a:path w="381036" h="373257">
+                  <a:moveTo>
+                    <a:pt x="135466" y="373257"/>
+                  </a:moveTo>
+                  <a:cubicBezTo>
+                    <a:pt x="196849" y="364084"/>
+                    <a:pt x="259645" y="343623"/>
+                    <a:pt x="300567" y="313990"/>
+                  </a:cubicBezTo>
+                  <a:cubicBezTo>
+                    <a:pt x="341489" y="284357"/>
+                    <a:pt x="379588" y="238496"/>
+                    <a:pt x="380999" y="195457"/>
+                  </a:cubicBezTo>
+                  <a:cubicBezTo>
+                    <a:pt x="382410" y="152418"/>
+                    <a:pt x="343605" y="88212"/>
+                    <a:pt x="309033" y="55757"/>
+                  </a:cubicBezTo>
+                  <a:cubicBezTo>
+                    <a:pt x="274461" y="23302"/>
+                    <a:pt x="220133" y="-4920"/>
+                    <a:pt x="173566" y="724"/>
+                  </a:cubicBezTo>
+                  <a:cubicBezTo>
+                    <a:pt x="126999" y="6368"/>
+                    <a:pt x="58560" y="47996"/>
+                    <a:pt x="29632" y="89624"/>
+                  </a:cubicBezTo>
+                  <a:cubicBezTo>
+                    <a:pt x="18343" y="125607"/>
+                    <a:pt x="4938" y="171115"/>
+                    <a:pt x="0" y="250490"/>
+                  </a:cubicBezTo>
+                </a:path>
+              </a:pathLst>
+            </a:custGeom>
+            <a:ln w="25400">
+              <a:solidFill>
+                <a:schemeClr val="accent6"/>
+              </a:solidFill>
+              <a:tailEnd type="triangle" w="lg" len="lg"/>
+            </a:ln>
+          </p:spPr>
+          <p:style>
+            <a:lnRef idx="1">
+              <a:schemeClr val="accent1"/>
+            </a:lnRef>
+            <a:fillRef idx="0">
+              <a:schemeClr val="accent1"/>
+            </a:fillRef>
+            <a:effectRef idx="0">
+              <a:schemeClr val="accent1"/>
+            </a:effectRef>
+            <a:fontRef idx="minor">
+              <a:schemeClr val="tx1"/>
+            </a:fontRef>
+          </p:style>
+          <p:txBody>
+            <a:bodyPr rot="0" spcFirstLastPara="0" vertOverflow="overflow" horzOverflow="overflow" vert="horz" wrap="square" lIns="91440" tIns="45720" rIns="91440" bIns="45720" numCol="1" spcCol="0" rtlCol="0" fromWordArt="0" anchor="ctr" anchorCtr="0" forceAA="0" compatLnSpc="1">
+              <a:prstTxWarp prst="textNoShape">
+                <a:avLst/>
+              </a:prstTxWarp>
+              <a:noAutofit/>
+            </a:bodyPr>
+            <a:lstStyle/>
+            <a:p>
+              <a:pPr algn="ctr"/>
+              <a:endParaRPr lang="en-US">
+                <a:solidFill>
+                  <a:schemeClr val="tx1"/>
+                </a:solidFill>
+              </a:endParaRPr>
+            </a:p>
+          </p:txBody>
+        </p:sp>
+        <mc:AlternateContent xmlns:mc="http://schemas.openxmlformats.org/markup-compatibility/2006" xmlns:a14="http://schemas.microsoft.com/office/drawing/2010/main">
+          <mc:Choice Requires="a14">
+            <p:sp>
+              <p:nvSpPr>
+                <p:cNvPr id="15" name="TextBox 14">
+                  <a:extLst>
+                    <a:ext uri="{FF2B5EF4-FFF2-40B4-BE49-F238E27FC236}">
+                      <a16:creationId xmlns:a16="http://schemas.microsoft.com/office/drawing/2014/main" id="{B24ADF4F-A6F6-4D72-BC9C-67F1E62A4F69}"/>
+                    </a:ext>
+                  </a:extLst>
+                </p:cNvPr>
+                <p:cNvSpPr txBox="1"/>
+                <p:nvPr/>
+              </p:nvSpPr>
+              <p:spPr>
+                <a:xfrm>
+                  <a:off x="2336776" y="3311403"/>
+                  <a:ext cx="1324914" cy="584775"/>
+                </a:xfrm>
+                <a:prstGeom prst="rect">
+                  <a:avLst/>
+                </a:prstGeom>
+                <a:noFill/>
+              </p:spPr>
+              <p:txBody>
+                <a:bodyPr wrap="none" rtlCol="0">
+                  <a:spAutoFit/>
+                </a:bodyPr>
+                <a:lstStyle/>
+                <a:p>
+                  <a:r>
+                    <a:rPr lang="en-US" sz="1600" dirty="0"/>
+                    <a:t>(press==1)?</a:t>
+                  </a:r>
+                  <a14:m>
+                    <m:oMath xmlns:m="http://schemas.openxmlformats.org/officeDocument/2006/math">
+                      <m:r>
+                        <a:rPr lang="en-US" sz="1600" b="0" i="1" smtClean="0">
+                          <a:latin typeface="Cambria Math" panose="02040503050406030204" pitchFamily="18" charset="0"/>
+                        </a:rPr>
+                        <m:t>→</m:t>
+                      </m:r>
+                    </m:oMath>
+                  </a14:m>
+                  <a:endParaRPr lang="en-US" sz="1600" dirty="0"/>
+                </a:p>
+                <a:p>
+                  <a:r>
+                    <a:rPr lang="en-US" sz="1600" dirty="0"/>
+                    <a:t> c:=0</a:t>
+                  </a:r>
+                </a:p>
+              </p:txBody>
+            </p:sp>
+          </mc:Choice>
+          <mc:Fallback xmlns="">
+            <p:sp>
+              <p:nvSpPr>
+                <p:cNvPr id="13" name="TextBox 12">
+                  <a:extLst>
+                    <a:ext uri="{FF2B5EF4-FFF2-40B4-BE49-F238E27FC236}">
+                      <a16:creationId xmlns:a16="http://schemas.microsoft.com/office/drawing/2014/main" id="{B4911D0E-9194-4438-A253-DCA01D6D9420}"/>
+                    </a:ext>
+                  </a:extLst>
+                </p:cNvPr>
+                <p:cNvSpPr txBox="1">
+                  <a:spLocks noRot="1" noChangeAspect="1" noMove="1" noResize="1" noEditPoints="1" noAdjustHandles="1" noChangeArrowheads="1" noChangeShapeType="1" noTextEdit="1"/>
+                </p:cNvSpPr>
+                <p:nvPr/>
+              </p:nvSpPr>
+              <p:spPr>
+                <a:xfrm>
+                  <a:off x="2336776" y="3311403"/>
+                  <a:ext cx="1324914" cy="584775"/>
+                </a:xfrm>
+                <a:prstGeom prst="rect">
+                  <a:avLst/>
+                </a:prstGeom>
+                <a:blipFill>
+                  <a:blip r:embed="rId4"/>
+                  <a:stretch>
+                    <a:fillRect l="-2294" t="-3125" b="-12500"/>
+                  </a:stretch>
+                </a:blipFill>
+              </p:spPr>
+              <p:txBody>
+                <a:bodyPr/>
+                <a:lstStyle/>
+                <a:p>
+                  <a:r>
+                    <a:rPr lang="en-US">
+                      <a:noFill/>
+                    </a:rPr>
+                    <a:t> </a:t>
+                  </a:r>
+                </a:p>
+              </p:txBody>
+            </p:sp>
+          </mc:Fallback>
+        </mc:AlternateContent>
+        <p:sp>
+          <p:nvSpPr>
+            <p:cNvPr id="16" name="TextBox 15">
+              <a:extLst>
+                <a:ext uri="{FF2B5EF4-FFF2-40B4-BE49-F238E27FC236}">
+                  <a16:creationId xmlns:a16="http://schemas.microsoft.com/office/drawing/2014/main" id="{1BD27D04-24B0-436E-8C32-7A6018C4D585}"/>
+                </a:ext>
+              </a:extLst>
+            </p:cNvPr>
+            <p:cNvSpPr txBox="1"/>
+            <p:nvPr/>
+          </p:nvSpPr>
+          <p:spPr>
+            <a:xfrm>
+              <a:off x="3644938" y="4460373"/>
+              <a:ext cx="1153393" cy="338554"/>
+            </a:xfrm>
+            <a:prstGeom prst="rect">
+              <a:avLst/>
+            </a:prstGeom>
+            <a:noFill/>
+          </p:spPr>
+          <p:txBody>
+            <a:bodyPr wrap="none" rtlCol="0">
+              <a:spAutoFit/>
+            </a:bodyPr>
+            <a:lstStyle/>
+            <a:p>
+              <a:r>
+                <a:rPr lang="en-US" sz="1600" dirty="0"/>
+                <a:t>(press==1)?</a:t>
+              </a:r>
+            </a:p>
+          </p:txBody>
+        </p:sp>
+        <p:cxnSp>
+          <p:nvCxnSpPr>
+            <p:cNvPr id="17" name="Straight Arrow Connector 16">
+              <a:extLst>
+                <a:ext uri="{FF2B5EF4-FFF2-40B4-BE49-F238E27FC236}">
+                  <a16:creationId xmlns:a16="http://schemas.microsoft.com/office/drawing/2014/main" id="{5932C973-5CF2-4FBF-9EF3-6DC25D618A7E}"/>
+                </a:ext>
+              </a:extLst>
+            </p:cNvPr>
+            <p:cNvCxnSpPr>
+              <a:cxnSpLocks/>
+              <a:endCxn id="8" idx="2"/>
+            </p:cNvCxnSpPr>
+            <p:nvPr/>
+          </p:nvCxnSpPr>
+          <p:spPr>
+            <a:xfrm>
+              <a:off x="589102" y="3340069"/>
+              <a:ext cx="831099" cy="0"/>
+            </a:xfrm>
+            <a:prstGeom prst="straightConnector1">
+              <a:avLst/>
+            </a:prstGeom>
+            <a:ln w="25400">
+              <a:solidFill>
+                <a:schemeClr val="accent6"/>
+              </a:solidFill>
+              <a:tailEnd type="triangle" w="lg" len="lg"/>
+            </a:ln>
+          </p:spPr>
+          <p:style>
+            <a:lnRef idx="1">
+              <a:schemeClr val="accent1"/>
+            </a:lnRef>
+            <a:fillRef idx="0">
+              <a:schemeClr val="accent1"/>
+            </a:fillRef>
+            <a:effectRef idx="0">
+              <a:schemeClr val="accent1"/>
+            </a:effectRef>
+            <a:fontRef idx="minor">
+              <a:schemeClr val="tx1"/>
+            </a:fontRef>
+          </p:style>
+        </p:cxnSp>
+        <p:sp>
+          <p:nvSpPr>
+            <p:cNvPr id="18" name="TextBox 17">
+              <a:extLst>
+                <a:ext uri="{FF2B5EF4-FFF2-40B4-BE49-F238E27FC236}">
+                  <a16:creationId xmlns:a16="http://schemas.microsoft.com/office/drawing/2014/main" id="{FF6F7BB9-25C4-4A90-AC21-43A582B8AF6A}"/>
+                </a:ext>
+              </a:extLst>
+            </p:cNvPr>
+            <p:cNvSpPr txBox="1"/>
+            <p:nvPr/>
+          </p:nvSpPr>
+          <p:spPr>
+            <a:xfrm>
+              <a:off x="218533" y="2928958"/>
+              <a:ext cx="1000595" cy="338554"/>
+            </a:xfrm>
+            <a:prstGeom prst="rect">
+              <a:avLst/>
+            </a:prstGeom>
+            <a:noFill/>
+          </p:spPr>
+          <p:txBody>
+            <a:bodyPr wrap="none" rtlCol="0">
+              <a:spAutoFit/>
+            </a:bodyPr>
+            <a:lstStyle/>
+            <a:p>
+              <a:r>
+                <a:rPr lang="en-US" sz="1600" dirty="0"/>
+                <a:t>clock c:=0</a:t>
+              </a:r>
+            </a:p>
+          </p:txBody>
+        </p:sp>
+        <p:sp>
+          <p:nvSpPr>
+            <p:cNvPr id="19" name="Freeform: Shape 18">
+              <a:extLst>
+                <a:ext uri="{FF2B5EF4-FFF2-40B4-BE49-F238E27FC236}">
+                  <a16:creationId xmlns:a16="http://schemas.microsoft.com/office/drawing/2014/main" id="{768063C6-EF21-45A6-87AC-B9A613FF3380}"/>
+                </a:ext>
+              </a:extLst>
+            </p:cNvPr>
+            <p:cNvSpPr/>
+            <p:nvPr/>
+          </p:nvSpPr>
+          <p:spPr>
+            <a:xfrm>
+              <a:off x="1821116" y="2474254"/>
+              <a:ext cx="2120793" cy="573427"/>
+            </a:xfrm>
+            <a:custGeom>
+              <a:avLst/>
+              <a:gdLst>
+                <a:gd name="connsiteX0" fmla="*/ 2013217 w 2013217"/>
+                <a:gd name="connsiteY0" fmla="*/ 522518 h 522518"/>
+                <a:gd name="connsiteX1" fmla="*/ 1114185 w 2013217"/>
+                <a:gd name="connsiteY1" fmla="*/ 4 h 522518"/>
+                <a:gd name="connsiteX2" fmla="*/ 0 w 2013217"/>
+                <a:gd name="connsiteY2" fmla="*/ 514834 h 522518"/>
+              </a:gdLst>
+              <a:ahLst/>
+              <a:cxnLst>
+                <a:cxn ang="0">
+                  <a:pos x="connsiteX0" y="connsiteY0"/>
+                </a:cxn>
+                <a:cxn ang="0">
+                  <a:pos x="connsiteX1" y="connsiteY1"/>
+                </a:cxn>
+                <a:cxn ang="0">
+                  <a:pos x="connsiteX2" y="connsiteY2"/>
+                </a:cxn>
+              </a:cxnLst>
+              <a:rect l="l" t="t" r="r" b="b"/>
+              <a:pathLst>
+                <a:path w="2013217" h="522518">
+                  <a:moveTo>
+                    <a:pt x="2013217" y="522518"/>
+                  </a:moveTo>
+                  <a:cubicBezTo>
+                    <a:pt x="1731469" y="261901"/>
+                    <a:pt x="1449721" y="1285"/>
+                    <a:pt x="1114185" y="4"/>
+                  </a:cubicBezTo>
+                  <a:cubicBezTo>
+                    <a:pt x="778649" y="-1277"/>
+                    <a:pt x="389324" y="256778"/>
+                    <a:pt x="0" y="514834"/>
+                  </a:cubicBezTo>
+                </a:path>
+              </a:pathLst>
+            </a:custGeom>
+            <a:ln w="25400">
+              <a:solidFill>
+                <a:schemeClr val="accent6"/>
+              </a:solidFill>
+              <a:tailEnd type="triangle" w="lg" len="lg"/>
+            </a:ln>
+          </p:spPr>
+          <p:style>
+            <a:lnRef idx="1">
+              <a:schemeClr val="accent1"/>
+            </a:lnRef>
+            <a:fillRef idx="0">
+              <a:schemeClr val="accent1"/>
+            </a:fillRef>
+            <a:effectRef idx="0">
+              <a:schemeClr val="accent1"/>
+            </a:effectRef>
+            <a:fontRef idx="minor">
+              <a:schemeClr val="tx1"/>
+            </a:fontRef>
+          </p:style>
+          <p:txBody>
+            <a:bodyPr rtlCol="0" anchor="ctr"/>
+            <a:lstStyle/>
+            <a:p>
+              <a:pPr algn="ctr"/>
+              <a:endParaRPr lang="en-US">
+                <a:solidFill>
+                  <a:schemeClr val="tx1"/>
+                </a:solidFill>
+              </a:endParaRPr>
+            </a:p>
+          </p:txBody>
+        </p:sp>
+        <mc:AlternateContent xmlns:mc="http://schemas.openxmlformats.org/markup-compatibility/2006" xmlns:a14="http://schemas.microsoft.com/office/drawing/2010/main">
+          <mc:Choice Requires="a14">
+            <p:sp>
+              <p:nvSpPr>
+                <p:cNvPr id="20" name="TextBox 19">
+                  <a:extLst>
+                    <a:ext uri="{FF2B5EF4-FFF2-40B4-BE49-F238E27FC236}">
+                      <a16:creationId xmlns:a16="http://schemas.microsoft.com/office/drawing/2014/main" id="{D68B06B2-4E00-421A-91B7-66154E0F5752}"/>
+                    </a:ext>
+                  </a:extLst>
+                </p:cNvPr>
+                <p:cNvSpPr txBox="1"/>
+                <p:nvPr/>
+              </p:nvSpPr>
+              <p:spPr>
+                <a:xfrm>
+                  <a:off x="1962574" y="2084624"/>
+                  <a:ext cx="1837875" cy="338554"/>
+                </a:xfrm>
+                <a:prstGeom prst="rect">
+                  <a:avLst/>
+                </a:prstGeom>
+                <a:noFill/>
+              </p:spPr>
+              <p:txBody>
+                <a:bodyPr wrap="none" rtlCol="0">
+                  <a:spAutoFit/>
+                </a:bodyPr>
+                <a:lstStyle/>
+                <a:p>
+                  <a:r>
+                    <a:rPr lang="en-US" sz="1600" dirty="0"/>
+                    <a:t>(press==1)? </a:t>
+                  </a:r>
+                  <a14:m>
+                    <m:oMath xmlns:m="http://schemas.openxmlformats.org/officeDocument/2006/math">
+                      <m:r>
+                        <a:rPr lang="en-US" sz="1600" b="0" i="1" smtClean="0">
+                          <a:latin typeface="Cambria Math" panose="02040503050406030204" pitchFamily="18" charset="0"/>
+                        </a:rPr>
+                        <m:t>∧</m:t>
+                      </m:r>
+                    </m:oMath>
+                  </a14:m>
+                  <a:r>
+                    <a:rPr lang="en-US" sz="1600" dirty="0"/>
+                    <a:t> (c</a:t>
+                  </a:r>
+                  <a14:m>
+                    <m:oMath xmlns:m="http://schemas.openxmlformats.org/officeDocument/2006/math">
+                      <m:r>
+                        <a:rPr lang="en-US" sz="1600" b="0" i="1" smtClean="0">
+                          <a:latin typeface="Cambria Math" panose="02040503050406030204" pitchFamily="18" charset="0"/>
+                        </a:rPr>
+                        <m:t>≥</m:t>
+                      </m:r>
+                    </m:oMath>
+                  </a14:m>
+                  <a:r>
+                    <a:rPr lang="en-US" sz="1600" dirty="0"/>
+                    <a:t>1)</a:t>
+                  </a:r>
+                </a:p>
+              </p:txBody>
+            </p:sp>
+          </mc:Choice>
+          <mc:Fallback xmlns="">
+            <p:sp>
+              <p:nvSpPr>
+                <p:cNvPr id="18" name="TextBox 17">
+                  <a:extLst>
+                    <a:ext uri="{FF2B5EF4-FFF2-40B4-BE49-F238E27FC236}">
+                      <a16:creationId xmlns:a16="http://schemas.microsoft.com/office/drawing/2014/main" id="{DDD3D0B0-884E-4120-87AD-11584B5A5B56}"/>
+                    </a:ext>
+                  </a:extLst>
+                </p:cNvPr>
+                <p:cNvSpPr txBox="1">
+                  <a:spLocks noRot="1" noChangeAspect="1" noMove="1" noResize="1" noEditPoints="1" noAdjustHandles="1" noChangeArrowheads="1" noChangeShapeType="1" noTextEdit="1"/>
+                </p:cNvSpPr>
+                <p:nvPr/>
+              </p:nvSpPr>
+              <p:spPr>
+                <a:xfrm>
+                  <a:off x="1962574" y="2084624"/>
+                  <a:ext cx="1837875" cy="338554"/>
+                </a:xfrm>
+                <a:prstGeom prst="rect">
+                  <a:avLst/>
+                </a:prstGeom>
+                <a:blipFill>
+                  <a:blip r:embed="rId5"/>
+                  <a:stretch>
+                    <a:fillRect l="-1993" t="-5357" r="-664" b="-21429"/>
+                  </a:stretch>
+                </a:blipFill>
+              </p:spPr>
+              <p:txBody>
+                <a:bodyPr/>
+                <a:lstStyle/>
+                <a:p>
+                  <a:r>
+                    <a:rPr lang="en-US">
+                      <a:noFill/>
+                    </a:rPr>
+                    <a:t> </a:t>
+                  </a:r>
+                </a:p>
+              </p:txBody>
+            </p:sp>
+          </mc:Fallback>
+        </mc:AlternateContent>
+        <mc:AlternateContent xmlns:mc="http://schemas.openxmlformats.org/markup-compatibility/2006" xmlns:a14="http://schemas.microsoft.com/office/drawing/2010/main">
+          <mc:Choice Requires="a14">
+            <p:sp>
+              <p:nvSpPr>
+                <p:cNvPr id="21" name="TextBox 20">
+                  <a:extLst>
+                    <a:ext uri="{FF2B5EF4-FFF2-40B4-BE49-F238E27FC236}">
+                      <a16:creationId xmlns:a16="http://schemas.microsoft.com/office/drawing/2014/main" id="{36FB8762-5F33-4B73-98C3-3FE2A0E36A6E}"/>
+                    </a:ext>
+                  </a:extLst>
+                </p:cNvPr>
+                <p:cNvSpPr txBox="1"/>
+                <p:nvPr/>
+              </p:nvSpPr>
+              <p:spPr>
+                <a:xfrm>
+                  <a:off x="4414591" y="2934966"/>
+                  <a:ext cx="1837875" cy="338554"/>
+                </a:xfrm>
+                <a:prstGeom prst="rect">
+                  <a:avLst/>
+                </a:prstGeom>
+                <a:noFill/>
+              </p:spPr>
+              <p:txBody>
+                <a:bodyPr wrap="none" rtlCol="0">
+                  <a:spAutoFit/>
+                </a:bodyPr>
+                <a:lstStyle/>
+                <a:p>
+                  <a:r>
+                    <a:rPr lang="en-US" sz="1600" dirty="0"/>
+                    <a:t>(press==1)? </a:t>
+                  </a:r>
+                  <a14:m>
+                    <m:oMath xmlns:m="http://schemas.openxmlformats.org/officeDocument/2006/math">
+                      <m:r>
+                        <a:rPr lang="en-US" sz="1600" b="0" i="1" smtClean="0">
+                          <a:latin typeface="Cambria Math" panose="02040503050406030204" pitchFamily="18" charset="0"/>
+                        </a:rPr>
+                        <m:t>∧</m:t>
+                      </m:r>
+                    </m:oMath>
+                  </a14:m>
+                  <a:r>
+                    <a:rPr lang="en-US" sz="1600" dirty="0"/>
+                    <a:t> (c</a:t>
+                  </a:r>
+                  <a14:m>
+                    <m:oMath xmlns:m="http://schemas.openxmlformats.org/officeDocument/2006/math">
+                      <m:r>
+                        <a:rPr lang="en-US" sz="1600" b="0" i="1" smtClean="0">
+                          <a:latin typeface="Cambria Math" panose="02040503050406030204" pitchFamily="18" charset="0"/>
+                        </a:rPr>
+                        <m:t>≤</m:t>
+                      </m:r>
+                    </m:oMath>
+                  </a14:m>
+                  <a:r>
+                    <a:rPr lang="en-US" sz="1600" dirty="0"/>
+                    <a:t>1)</a:t>
+                  </a:r>
+                </a:p>
+              </p:txBody>
+            </p:sp>
+          </mc:Choice>
+          <mc:Fallback xmlns="">
+            <p:sp>
+              <p:nvSpPr>
+                <p:cNvPr id="19" name="TextBox 18">
+                  <a:extLst>
+                    <a:ext uri="{FF2B5EF4-FFF2-40B4-BE49-F238E27FC236}">
+                      <a16:creationId xmlns:a16="http://schemas.microsoft.com/office/drawing/2014/main" id="{7F1883DD-E135-49A9-BEB4-E89A818F0611}"/>
+                    </a:ext>
+                  </a:extLst>
+                </p:cNvPr>
+                <p:cNvSpPr txBox="1">
+                  <a:spLocks noRot="1" noChangeAspect="1" noMove="1" noResize="1" noEditPoints="1" noAdjustHandles="1" noChangeArrowheads="1" noChangeShapeType="1" noTextEdit="1"/>
+                </p:cNvSpPr>
+                <p:nvPr/>
+              </p:nvSpPr>
+              <p:spPr>
+                <a:xfrm>
+                  <a:off x="4414591" y="2934966"/>
+                  <a:ext cx="1837875" cy="338554"/>
+                </a:xfrm>
+                <a:prstGeom prst="rect">
+                  <a:avLst/>
+                </a:prstGeom>
+                <a:blipFill>
+                  <a:blip r:embed="rId6"/>
+                  <a:stretch>
+                    <a:fillRect l="-1656" t="-5455" r="-662" b="-23636"/>
+                  </a:stretch>
+                </a:blipFill>
+              </p:spPr>
+              <p:txBody>
+                <a:bodyPr/>
+                <a:lstStyle/>
+                <a:p>
+                  <a:r>
+                    <a:rPr lang="en-US">
+                      <a:noFill/>
+                    </a:rPr>
+                    <a:t> </a:t>
+                  </a:r>
+                </a:p>
+              </p:txBody>
+            </p:sp>
+          </mc:Fallback>
+        </mc:AlternateContent>
+      </p:grpSp>
+    </p:spTree>
+    <p:extLst>
+      <p:ext uri="{BB962C8B-B14F-4D97-AF65-F5344CB8AC3E}">
+        <p14:creationId xmlns:p14="http://schemas.microsoft.com/office/powerpoint/2010/main" val="840328071"/>
+      </p:ext>
+    </p:extLst>
+  </p:cSld>
+  <p:clrMapOvr>
+    <a:masterClrMapping/>
+  </p:clrMapOvr>
+</p:sld>
+</file>
+
+<file path=ppt/slides/slide5.xml><?xml version="1.0" encoding="utf-8"?>
 <p:sld xmlns:a="http://schemas.openxmlformats.org/drawingml/2006/main" xmlns:r="http://schemas.openxmlformats.org/officeDocument/2006/relationships" xmlns:p="http://schemas.openxmlformats.org/presentationml/2006/main">
   <p:cSld>
     <p:spTree>
@@ -29936,7 +32503,7 @@
           <a:p>
             <a:r>
               <a:rPr lang="en-US" dirty="0"/>
-              <a:t>Mode switch</a:t>
+              <a:t>Mode switch: discrete action</a:t>
             </a:r>
           </a:p>
           <a:p>
@@ -29985,7 +32552,7 @@
           <a:p>
             <a:r>
               <a:rPr lang="en-US" dirty="0"/>
-              <a:t>Transitions in a timed state machine</a:t>
+              <a:t>Transitions of a timed ESM</a:t>
             </a:r>
           </a:p>
         </p:txBody>
@@ -30014,7 +32581,7 @@
             <a:fld id="{29AAD378-655A-49C6-813C-9FD132EF7440}" type="slidenum">
               <a:rPr lang="en-US" smtClean="0"/>
               <a:pPr/>
-              <a:t>4</a:t>
+              <a:t>5</a:t>
             </a:fld>
             <a:endParaRPr lang="en-US" dirty="0"/>
           </a:p>
@@ -31737,7 +34304,1660 @@
 </p:sld>
 </file>
 
-<file path=ppt/slides/slide5.xml><?xml version="1.0" encoding="utf-8"?>
+<file path=ppt/slides/slide6.xml><?xml version="1.0" encoding="utf-8"?>
+<p:sld xmlns:a="http://schemas.openxmlformats.org/drawingml/2006/main" xmlns:r="http://schemas.openxmlformats.org/officeDocument/2006/relationships" xmlns:p="http://schemas.openxmlformats.org/presentationml/2006/main">
+  <p:cSld>
+    <p:spTree>
+      <p:nvGrpSpPr>
+        <p:cNvPr id="1" name=""/>
+        <p:cNvGrpSpPr/>
+        <p:nvPr/>
+      </p:nvGrpSpPr>
+      <p:grpSpPr>
+        <a:xfrm>
+          <a:off x="0" y="0"/>
+          <a:ext cx="0" cy="0"/>
+          <a:chOff x="0" y="0"/>
+          <a:chExt cx="0" cy="0"/>
+        </a:xfrm>
+      </p:grpSpPr>
+      <p:sp>
+        <p:nvSpPr>
+          <p:cNvPr id="4" name="Slide Number Placeholder 3">
+            <a:extLst>
+              <a:ext uri="{FF2B5EF4-FFF2-40B4-BE49-F238E27FC236}">
+                <a16:creationId xmlns:a16="http://schemas.microsoft.com/office/drawing/2014/main" id="{B9CF518B-959C-4626-AD99-E108A08B1AD9}"/>
+              </a:ext>
+            </a:extLst>
+          </p:cNvPr>
+          <p:cNvSpPr>
+            <a:spLocks noGrp="1"/>
+          </p:cNvSpPr>
+          <p:nvPr>
+            <p:ph type="sldNum" sz="quarter" idx="12"/>
+          </p:nvPr>
+        </p:nvSpPr>
+        <p:spPr/>
+        <p:txBody>
+          <a:bodyPr/>
+          <a:lstStyle/>
+          <a:p>
+            <a:fld id="{29AAD378-655A-49C6-813C-9FD132EF7440}" type="slidenum">
+              <a:rPr lang="en-US" smtClean="0"/>
+              <a:pPr/>
+              <a:t>6</a:t>
+            </a:fld>
+            <a:endParaRPr lang="en-US" dirty="0"/>
+          </a:p>
+        </p:txBody>
+      </p:sp>
+      <mc:AlternateContent xmlns:mc="http://schemas.openxmlformats.org/markup-compatibility/2006" xmlns:a14="http://schemas.microsoft.com/office/drawing/2010/main">
+        <mc:Choice Requires="a14">
+          <p:sp>
+            <p:nvSpPr>
+              <p:cNvPr id="5" name="Content Placeholder 1">
+                <a:extLst>
+                  <a:ext uri="{FF2B5EF4-FFF2-40B4-BE49-F238E27FC236}">
+                    <a16:creationId xmlns:a16="http://schemas.microsoft.com/office/drawing/2014/main" id="{C8D79018-1335-44E9-A469-6C3DA3B7CC55}"/>
+                  </a:ext>
+                </a:extLst>
+              </p:cNvPr>
+              <p:cNvSpPr txBox="1">
+                <a:spLocks noGrp="1"/>
+              </p:cNvSpPr>
+              <p:nvPr>
+                <p:ph idx="1"/>
+              </p:nvPr>
+            </p:nvSpPr>
+            <p:spPr>
+              <a:xfrm>
+                <a:off x="7129661" y="1332703"/>
+                <a:ext cx="4736107" cy="4479700"/>
+              </a:xfrm>
+              <a:prstGeom prst="rect">
+                <a:avLst/>
+              </a:prstGeom>
+            </p:spPr>
+            <p:txBody>
+              <a:bodyPr vert="horz" lIns="91440" tIns="45720" rIns="91440" bIns="45720" rtlCol="0">
+                <a:normAutofit/>
+              </a:bodyPr>
+              <a:lstStyle>
+                <a:lvl1pPr marL="457200" marR="0" indent="-457200" algn="l" defTabSz="914400" rtl="0" eaLnBrk="1" fontAlgn="auto" latinLnBrk="0" hangingPunct="1">
+                  <a:lnSpc>
+                    <a:spcPct val="90000"/>
+                  </a:lnSpc>
+                  <a:spcBef>
+                    <a:spcPts val="1000"/>
+                  </a:spcBef>
+                  <a:spcAft>
+                    <a:spcPts val="0"/>
+                  </a:spcAft>
+                  <a:buClr>
+                    <a:srgbClr val="FF9B9B"/>
+                  </a:buClr>
+                  <a:buSzPct val="80000"/>
+                  <a:buFont typeface="Wingdings 3" panose="05040102010807070707" pitchFamily="18" charset="2"/>
+                  <a:buChar char=""/>
+                  <a:tabLst/>
+                  <a:defRPr lang="en-US" sz="2800" kern="1200" noProof="0">
+                    <a:solidFill>
+                      <a:schemeClr val="tx1"/>
+                    </a:solidFill>
+                    <a:latin typeface="+mn-lt"/>
+                    <a:ea typeface="+mn-ea"/>
+                    <a:cs typeface="+mn-cs"/>
+                  </a:defRPr>
+                </a:lvl1pPr>
+                <a:lvl2pPr marL="685800" marR="0" indent="-274320" algn="l" defTabSz="914400" rtl="0" eaLnBrk="1" fontAlgn="auto" latinLnBrk="0" hangingPunct="1">
+                  <a:lnSpc>
+                    <a:spcPct val="90000"/>
+                  </a:lnSpc>
+                  <a:spcBef>
+                    <a:spcPts val="500"/>
+                  </a:spcBef>
+                  <a:spcAft>
+                    <a:spcPts val="0"/>
+                  </a:spcAft>
+                  <a:buClr>
+                    <a:srgbClr val="FFA3A3"/>
+                  </a:buClr>
+                  <a:buSzPct val="75000"/>
+                  <a:buFont typeface="Wingdings 3" panose="05040102010807070707" pitchFamily="18" charset="2"/>
+                  <a:buChar char=""/>
+                  <a:tabLst/>
+                  <a:defRPr lang="en-US" sz="2800" kern="1200" noProof="0">
+                    <a:solidFill>
+                      <a:schemeClr val="tx1"/>
+                    </a:solidFill>
+                    <a:latin typeface="+mn-lt"/>
+                    <a:ea typeface="+mn-ea"/>
+                    <a:cs typeface="+mn-cs"/>
+                  </a:defRPr>
+                </a:lvl2pPr>
+                <a:lvl3pPr marL="1143000" marR="0" indent="-228600" algn="l" defTabSz="914400" rtl="0" eaLnBrk="1" fontAlgn="auto" latinLnBrk="0" hangingPunct="1">
+                  <a:lnSpc>
+                    <a:spcPct val="90000"/>
+                  </a:lnSpc>
+                  <a:spcBef>
+                    <a:spcPts val="500"/>
+                  </a:spcBef>
+                  <a:spcAft>
+                    <a:spcPts val="0"/>
+                  </a:spcAft>
+                  <a:buClr>
+                    <a:srgbClr val="FF9797"/>
+                  </a:buClr>
+                  <a:buSzPct val="70000"/>
+                  <a:buFont typeface="Wingdings 3" panose="05040102010807070707" pitchFamily="18" charset="2"/>
+                  <a:buChar char=""/>
+                  <a:tabLst/>
+                  <a:defRPr lang="en-US" sz="2800" kern="1200" noProof="0">
+                    <a:solidFill>
+                      <a:schemeClr val="tx1"/>
+                    </a:solidFill>
+                    <a:latin typeface="+mn-lt"/>
+                    <a:ea typeface="+mn-ea"/>
+                    <a:cs typeface="+mn-cs"/>
+                  </a:defRPr>
+                </a:lvl3pPr>
+                <a:lvl4pPr marL="1600200" marR="0" indent="-228600" algn="l" defTabSz="914400" rtl="0" eaLnBrk="1" fontAlgn="auto" latinLnBrk="0" hangingPunct="1">
+                  <a:lnSpc>
+                    <a:spcPct val="90000"/>
+                  </a:lnSpc>
+                  <a:spcBef>
+                    <a:spcPts val="500"/>
+                  </a:spcBef>
+                  <a:spcAft>
+                    <a:spcPts val="0"/>
+                  </a:spcAft>
+                  <a:buClr>
+                    <a:srgbClr val="FF9B9B"/>
+                  </a:buClr>
+                  <a:buSzPct val="65000"/>
+                  <a:buFont typeface="Wingdings 3" panose="05040102010807070707" pitchFamily="18" charset="2"/>
+                  <a:buChar char=""/>
+                  <a:tabLst/>
+                  <a:defRPr lang="en-US" sz="2800" kern="1200" noProof="0">
+                    <a:solidFill>
+                      <a:schemeClr val="tx1"/>
+                    </a:solidFill>
+                    <a:latin typeface="+mn-lt"/>
+                    <a:ea typeface="+mn-ea"/>
+                    <a:cs typeface="+mn-cs"/>
+                  </a:defRPr>
+                </a:lvl4pPr>
+                <a:lvl5pPr marL="2057400" marR="0" indent="-228600" algn="l" defTabSz="914400" rtl="0" eaLnBrk="1" fontAlgn="auto" latinLnBrk="0" hangingPunct="1">
+                  <a:lnSpc>
+                    <a:spcPct val="90000"/>
+                  </a:lnSpc>
+                  <a:spcBef>
+                    <a:spcPts val="500"/>
+                  </a:spcBef>
+                  <a:spcAft>
+                    <a:spcPts val="0"/>
+                  </a:spcAft>
+                  <a:buClr>
+                    <a:srgbClr val="FF9B9B"/>
+                  </a:buClr>
+                  <a:buSzPct val="60000"/>
+                  <a:buFont typeface="Wingdings 3" panose="05040102010807070707" pitchFamily="18" charset="2"/>
+                  <a:buChar char=""/>
+                  <a:tabLst/>
+                  <a:defRPr lang="en-US" sz="2800" kern="1200" noProof="0">
+                    <a:solidFill>
+                      <a:schemeClr val="tx1"/>
+                    </a:solidFill>
+                    <a:latin typeface="+mn-lt"/>
+                    <a:ea typeface="+mn-ea"/>
+                    <a:cs typeface="+mn-cs"/>
+                  </a:defRPr>
+                </a:lvl5pPr>
+                <a:lvl6pPr marL="2514600" indent="-228600" algn="l" defTabSz="914400" rtl="0" eaLnBrk="1" latinLnBrk="0" hangingPunct="1">
+                  <a:lnSpc>
+                    <a:spcPct val="90000"/>
+                  </a:lnSpc>
+                  <a:spcBef>
+                    <a:spcPts val="500"/>
+                  </a:spcBef>
+                  <a:buFont typeface="Arial" panose="020B0604020202020204" pitchFamily="34" charset="0"/>
+                  <a:buChar char="•"/>
+                  <a:defRPr sz="1800" kern="1200">
+                    <a:solidFill>
+                      <a:schemeClr val="tx1"/>
+                    </a:solidFill>
+                    <a:latin typeface="+mn-lt"/>
+                    <a:ea typeface="+mn-ea"/>
+                    <a:cs typeface="+mn-cs"/>
+                  </a:defRPr>
+                </a:lvl6pPr>
+                <a:lvl7pPr marL="2971800" indent="-228600" algn="l" defTabSz="914400" rtl="0" eaLnBrk="1" latinLnBrk="0" hangingPunct="1">
+                  <a:lnSpc>
+                    <a:spcPct val="90000"/>
+                  </a:lnSpc>
+                  <a:spcBef>
+                    <a:spcPts val="500"/>
+                  </a:spcBef>
+                  <a:buFont typeface="Arial" panose="020B0604020202020204" pitchFamily="34" charset="0"/>
+                  <a:buChar char="•"/>
+                  <a:defRPr sz="1800" kern="1200">
+                    <a:solidFill>
+                      <a:schemeClr val="tx1"/>
+                    </a:solidFill>
+                    <a:latin typeface="+mn-lt"/>
+                    <a:ea typeface="+mn-ea"/>
+                    <a:cs typeface="+mn-cs"/>
+                  </a:defRPr>
+                </a:lvl7pPr>
+                <a:lvl8pPr marL="3429000" indent="-228600" algn="l" defTabSz="914400" rtl="0" eaLnBrk="1" latinLnBrk="0" hangingPunct="1">
+                  <a:lnSpc>
+                    <a:spcPct val="90000"/>
+                  </a:lnSpc>
+                  <a:spcBef>
+                    <a:spcPts val="500"/>
+                  </a:spcBef>
+                  <a:buFont typeface="Arial" panose="020B0604020202020204" pitchFamily="34" charset="0"/>
+                  <a:buChar char="•"/>
+                  <a:defRPr sz="1800" kern="1200">
+                    <a:solidFill>
+                      <a:schemeClr val="tx1"/>
+                    </a:solidFill>
+                    <a:latin typeface="+mn-lt"/>
+                    <a:ea typeface="+mn-ea"/>
+                    <a:cs typeface="+mn-cs"/>
+                  </a:defRPr>
+                </a:lvl8pPr>
+                <a:lvl9pPr marL="3886200" indent="-228600" algn="l" defTabSz="914400" rtl="0" eaLnBrk="1" latinLnBrk="0" hangingPunct="1">
+                  <a:lnSpc>
+                    <a:spcPct val="90000"/>
+                  </a:lnSpc>
+                  <a:spcBef>
+                    <a:spcPts val="500"/>
+                  </a:spcBef>
+                  <a:buFont typeface="Arial" panose="020B0604020202020204" pitchFamily="34" charset="0"/>
+                  <a:buChar char="•"/>
+                  <a:defRPr sz="1800" kern="1200">
+                    <a:solidFill>
+                      <a:schemeClr val="tx1"/>
+                    </a:solidFill>
+                    <a:latin typeface="+mn-lt"/>
+                    <a:ea typeface="+mn-ea"/>
+                    <a:cs typeface="+mn-cs"/>
+                  </a:defRPr>
+                </a:lvl9pPr>
+              </a:lstStyle>
+              <a:p>
+                <a:pPr marL="0" indent="0">
+                  <a:buNone/>
+                </a:pPr>
+                <a:r>
+                  <a:rPr lang="en-US" dirty="0"/>
+                  <a:t>In a mode: Timed action</a:t>
+                </a:r>
+              </a:p>
+              <a:p>
+                <a:r>
+                  <a:rPr lang="en-US" dirty="0"/>
+                  <a:t>When machine stays in any given mode for time </a:t>
+                </a:r>
+                <a14:m>
+                  <m:oMath xmlns:m="http://schemas.openxmlformats.org/officeDocument/2006/math">
+                    <m:r>
+                      <a:rPr lang="en-US" i="1">
+                        <a:latin typeface="Cambria Math" panose="02040503050406030204" pitchFamily="18" charset="0"/>
+                      </a:rPr>
+                      <m:t>𝛿</m:t>
+                    </m:r>
+                    <m:r>
+                      <a:rPr lang="en-US" i="1">
+                        <a:latin typeface="Cambria Math" panose="02040503050406030204" pitchFamily="18" charset="0"/>
+                      </a:rPr>
+                      <m:t>, </m:t>
+                    </m:r>
+                  </m:oMath>
+                </a14:m>
+                <a:r>
+                  <a:rPr lang="en-US" dirty="0"/>
+                  <a:t>each clock variable increases by </a:t>
+                </a:r>
+                <a14:m>
+                  <m:oMath xmlns:m="http://schemas.openxmlformats.org/officeDocument/2006/math">
+                    <m:r>
+                      <a:rPr lang="en-US" i="1">
+                        <a:latin typeface="Cambria Math" panose="02040503050406030204" pitchFamily="18" charset="0"/>
+                      </a:rPr>
+                      <m:t>𝛿</m:t>
+                    </m:r>
+                  </m:oMath>
+                </a14:m>
+                <a:r>
+                  <a:rPr lang="en-US" dirty="0"/>
+                  <a:t> and all other state variables remain unchanged</a:t>
+                </a:r>
+              </a:p>
+              <a:p>
+                <a:r>
+                  <a:rPr lang="en-US" dirty="0"/>
+                  <a:t>Captures timing constraints</a:t>
+                </a:r>
+              </a:p>
+              <a:p>
+                <a:pPr lvl="1"/>
+                <a:r>
+                  <a:rPr lang="en-US" sz="2400" dirty="0"/>
+                  <a:t>Resetting c to 0 from off</a:t>
+                </a:r>
+                <a14:m>
+                  <m:oMath xmlns:m="http://schemas.openxmlformats.org/officeDocument/2006/math">
+                    <m:r>
+                      <a:rPr lang="en-US" sz="2400" b="0" i="1" smtClean="0">
+                        <a:latin typeface="Cambria Math" panose="02040503050406030204" pitchFamily="18" charset="0"/>
+                      </a:rPr>
+                      <m:t>→</m:t>
+                    </m:r>
+                  </m:oMath>
+                </a14:m>
+                <a:r>
+                  <a:rPr lang="en-US" sz="2400" dirty="0"/>
+                  <a:t>dim and guard c</a:t>
+                </a:r>
+                <a14:m>
+                  <m:oMath xmlns:m="http://schemas.openxmlformats.org/officeDocument/2006/math">
+                    <m:r>
+                      <a:rPr lang="en-US" sz="2400" b="0" i="1" smtClean="0">
+                        <a:latin typeface="Cambria Math" panose="02040503050406030204" pitchFamily="18" charset="0"/>
+                      </a:rPr>
+                      <m:t>≥</m:t>
+                    </m:r>
+                  </m:oMath>
+                </a14:m>
+                <a:r>
+                  <a:rPr lang="en-US" sz="2400" dirty="0"/>
+                  <a:t>1 from dim</a:t>
+                </a:r>
+                <a14:m>
+                  <m:oMath xmlns:m="http://schemas.openxmlformats.org/officeDocument/2006/math">
+                    <m:r>
+                      <a:rPr lang="en-US" sz="2400" b="0" i="1" smtClean="0">
+                        <a:latin typeface="Cambria Math" panose="02040503050406030204" pitchFamily="18" charset="0"/>
+                      </a:rPr>
+                      <m:t>→</m:t>
+                    </m:r>
+                  </m:oMath>
+                </a14:m>
+                <a:r>
+                  <a:rPr lang="en-US" sz="2400" dirty="0"/>
+                  <a:t>off specifies that these mode switches are </a:t>
+                </a:r>
+                <a14:m>
+                  <m:oMath xmlns:m="http://schemas.openxmlformats.org/officeDocument/2006/math">
+                    <m:r>
+                      <a:rPr lang="en-US" sz="2400" b="0" i="1" smtClean="0">
+                        <a:latin typeface="Cambria Math" panose="02040503050406030204" pitchFamily="18" charset="0"/>
+                      </a:rPr>
+                      <m:t>≥</m:t>
+                    </m:r>
+                  </m:oMath>
+                </a14:m>
+                <a:r>
+                  <a:rPr lang="en-US" sz="2400" dirty="0"/>
+                  <a:t>1 second apart</a:t>
+                </a:r>
+              </a:p>
+            </p:txBody>
+          </p:sp>
+        </mc:Choice>
+        <mc:Fallback xmlns="">
+          <p:sp>
+            <p:nvSpPr>
+              <p:cNvPr id="5" name="Content Placeholder 1">
+                <a:extLst>
+                  <a:ext uri="{FF2B5EF4-FFF2-40B4-BE49-F238E27FC236}">
+                    <a16:creationId xmlns:a16="http://schemas.microsoft.com/office/drawing/2014/main" id="{C8D79018-1335-44E9-A469-6C3DA3B7CC55}"/>
+                  </a:ext>
+                </a:extLst>
+              </p:cNvPr>
+              <p:cNvSpPr txBox="1">
+                <a:spLocks noGrp="1" noRot="1" noChangeAspect="1" noMove="1" noResize="1" noEditPoints="1" noAdjustHandles="1" noChangeArrowheads="1" noChangeShapeType="1" noTextEdit="1"/>
+              </p:cNvSpPr>
+              <p:nvPr>
+                <p:ph idx="1"/>
+              </p:nvPr>
+            </p:nvSpPr>
+            <p:spPr>
+              <a:xfrm>
+                <a:off x="7129661" y="1332703"/>
+                <a:ext cx="4736107" cy="4479700"/>
+              </a:xfrm>
+              <a:prstGeom prst="rect">
+                <a:avLst/>
+              </a:prstGeom>
+              <a:blipFill>
+                <a:blip r:embed="rId2"/>
+                <a:stretch>
+                  <a:fillRect l="-2706" t="-2316" r="-3093" b="-1771"/>
+                </a:stretch>
+              </a:blipFill>
+            </p:spPr>
+            <p:txBody>
+              <a:bodyPr/>
+              <a:lstStyle/>
+              <a:p>
+                <a:r>
+                  <a:rPr lang="en-US">
+                    <a:noFill/>
+                  </a:rPr>
+                  <a:t> </a:t>
+                </a:r>
+              </a:p>
+            </p:txBody>
+          </p:sp>
+        </mc:Fallback>
+      </mc:AlternateContent>
+      <p:sp>
+        <p:nvSpPr>
+          <p:cNvPr id="6" name="Title 2">
+            <a:extLst>
+              <a:ext uri="{FF2B5EF4-FFF2-40B4-BE49-F238E27FC236}">
+                <a16:creationId xmlns:a16="http://schemas.microsoft.com/office/drawing/2014/main" id="{053EEAFD-D8C1-433D-B3B6-2FC9F9E46E87}"/>
+              </a:ext>
+            </a:extLst>
+          </p:cNvPr>
+          <p:cNvSpPr>
+            <a:spLocks noGrp="1"/>
+          </p:cNvSpPr>
+          <p:nvPr>
+            <p:ph type="title"/>
+          </p:nvPr>
+        </p:nvSpPr>
+        <p:spPr/>
+        <p:txBody>
+          <a:bodyPr/>
+          <a:lstStyle/>
+          <a:p>
+            <a:r>
+              <a:rPr lang="en-US" dirty="0"/>
+              <a:t>Transitions of a timed ESM</a:t>
+            </a:r>
+          </a:p>
+        </p:txBody>
+      </p:sp>
+      <p:grpSp>
+        <p:nvGrpSpPr>
+          <p:cNvPr id="7" name="Group 6">
+            <a:extLst>
+              <a:ext uri="{FF2B5EF4-FFF2-40B4-BE49-F238E27FC236}">
+                <a16:creationId xmlns:a16="http://schemas.microsoft.com/office/drawing/2014/main" id="{D3CFBD06-9B2D-448F-8B35-5DD52C30E9E2}"/>
+              </a:ext>
+            </a:extLst>
+          </p:cNvPr>
+          <p:cNvGrpSpPr/>
+          <p:nvPr/>
+        </p:nvGrpSpPr>
+        <p:grpSpPr>
+          <a:xfrm>
+            <a:off x="326232" y="1714470"/>
+            <a:ext cx="6960123" cy="2714303"/>
+            <a:chOff x="218533" y="2084624"/>
+            <a:chExt cx="6960123" cy="2714303"/>
+          </a:xfrm>
+        </p:grpSpPr>
+        <p:sp>
+          <p:nvSpPr>
+            <p:cNvPr id="8" name="Oval 7">
+              <a:extLst>
+                <a:ext uri="{FF2B5EF4-FFF2-40B4-BE49-F238E27FC236}">
+                  <a16:creationId xmlns:a16="http://schemas.microsoft.com/office/drawing/2014/main" id="{A823F517-8E33-4CED-BED3-4301CF1C780E}"/>
+                </a:ext>
+              </a:extLst>
+            </p:cNvPr>
+            <p:cNvSpPr/>
+            <p:nvPr/>
+          </p:nvSpPr>
+          <p:spPr>
+            <a:xfrm>
+              <a:off x="1420201" y="3028057"/>
+              <a:ext cx="826586" cy="624023"/>
+            </a:xfrm>
+            <a:prstGeom prst="ellipse">
+              <a:avLst/>
+            </a:prstGeom>
+            <a:ln w="25400"/>
+          </p:spPr>
+          <p:style>
+            <a:lnRef idx="2">
+              <a:schemeClr val="accent6"/>
+            </a:lnRef>
+            <a:fillRef idx="1">
+              <a:schemeClr val="lt1"/>
+            </a:fillRef>
+            <a:effectRef idx="0">
+              <a:schemeClr val="accent6"/>
+            </a:effectRef>
+            <a:fontRef idx="minor">
+              <a:schemeClr val="dk1"/>
+            </a:fontRef>
+          </p:style>
+          <p:txBody>
+            <a:bodyPr lIns="0" tIns="0" rIns="0" bIns="0" rtlCol="0" anchor="ctr"/>
+            <a:lstStyle/>
+            <a:p>
+              <a:pPr algn="ctr"/>
+              <a:r>
+                <a:rPr lang="en-US" dirty="0"/>
+                <a:t>off</a:t>
+              </a:r>
+              <a:endParaRPr lang="en-US" baseline="-25000" dirty="0"/>
+            </a:p>
+          </p:txBody>
+        </p:sp>
+        <p:sp>
+          <p:nvSpPr>
+            <p:cNvPr id="9" name="Oval 8">
+              <a:extLst>
+                <a:ext uri="{FF2B5EF4-FFF2-40B4-BE49-F238E27FC236}">
+                  <a16:creationId xmlns:a16="http://schemas.microsoft.com/office/drawing/2014/main" id="{DBB7CD3B-4A49-4562-BDD6-99A93846A141}"/>
+                </a:ext>
+              </a:extLst>
+            </p:cNvPr>
+            <p:cNvSpPr/>
+            <p:nvPr/>
+          </p:nvSpPr>
+          <p:spPr>
+            <a:xfrm>
+              <a:off x="3604600" y="3028057"/>
+              <a:ext cx="826586" cy="624023"/>
+            </a:xfrm>
+            <a:prstGeom prst="ellipse">
+              <a:avLst/>
+            </a:prstGeom>
+            <a:ln w="25400"/>
+          </p:spPr>
+          <p:style>
+            <a:lnRef idx="2">
+              <a:schemeClr val="accent6"/>
+            </a:lnRef>
+            <a:fillRef idx="1">
+              <a:schemeClr val="lt1"/>
+            </a:fillRef>
+            <a:effectRef idx="0">
+              <a:schemeClr val="accent6"/>
+            </a:effectRef>
+            <a:fontRef idx="minor">
+              <a:schemeClr val="dk1"/>
+            </a:fontRef>
+          </p:style>
+          <p:txBody>
+            <a:bodyPr lIns="0" tIns="0" rIns="0" bIns="0" rtlCol="0" anchor="ctr"/>
+            <a:lstStyle/>
+            <a:p>
+              <a:pPr algn="ctr"/>
+              <a:r>
+                <a:rPr lang="en-US" dirty="0"/>
+                <a:t>dim</a:t>
+              </a:r>
+              <a:endParaRPr lang="en-US" baseline="-25000" dirty="0"/>
+            </a:p>
+          </p:txBody>
+        </p:sp>
+        <p:sp>
+          <p:nvSpPr>
+            <p:cNvPr id="10" name="Oval 9">
+              <a:extLst>
+                <a:ext uri="{FF2B5EF4-FFF2-40B4-BE49-F238E27FC236}">
+                  <a16:creationId xmlns:a16="http://schemas.microsoft.com/office/drawing/2014/main" id="{06B2EE56-D1AC-419F-9DE7-4A243D5A81E9}"/>
+                </a:ext>
+              </a:extLst>
+            </p:cNvPr>
+            <p:cNvSpPr/>
+            <p:nvPr/>
+          </p:nvSpPr>
+          <p:spPr>
+            <a:xfrm>
+              <a:off x="6140367" y="3028057"/>
+              <a:ext cx="826586" cy="624023"/>
+            </a:xfrm>
+            <a:prstGeom prst="ellipse">
+              <a:avLst/>
+            </a:prstGeom>
+            <a:ln w="25400"/>
+          </p:spPr>
+          <p:style>
+            <a:lnRef idx="2">
+              <a:schemeClr val="accent6"/>
+            </a:lnRef>
+            <a:fillRef idx="1">
+              <a:schemeClr val="lt1"/>
+            </a:fillRef>
+            <a:effectRef idx="0">
+              <a:schemeClr val="accent6"/>
+            </a:effectRef>
+            <a:fontRef idx="minor">
+              <a:schemeClr val="dk1"/>
+            </a:fontRef>
+          </p:style>
+          <p:txBody>
+            <a:bodyPr lIns="0" tIns="0" rIns="0" bIns="0" rtlCol="0" anchor="ctr"/>
+            <a:lstStyle/>
+            <a:p>
+              <a:pPr algn="ctr"/>
+              <a:r>
+                <a:rPr lang="en-US" dirty="0"/>
+                <a:t>bright</a:t>
+              </a:r>
+              <a:endParaRPr lang="en-US" baseline="-25000" dirty="0"/>
+            </a:p>
+          </p:txBody>
+        </p:sp>
+        <p:cxnSp>
+          <p:nvCxnSpPr>
+            <p:cNvPr id="11" name="Straight Arrow Connector 10">
+              <a:extLst>
+                <a:ext uri="{FF2B5EF4-FFF2-40B4-BE49-F238E27FC236}">
+                  <a16:creationId xmlns:a16="http://schemas.microsoft.com/office/drawing/2014/main" id="{3ECCAFCF-44D5-4857-9CDC-00DDC9F4AA8E}"/>
+                </a:ext>
+              </a:extLst>
+            </p:cNvPr>
+            <p:cNvCxnSpPr>
+              <a:stCxn id="8" idx="6"/>
+              <a:endCxn id="9" idx="2"/>
+            </p:cNvCxnSpPr>
+            <p:nvPr/>
+          </p:nvCxnSpPr>
+          <p:spPr>
+            <a:xfrm>
+              <a:off x="2246787" y="3340069"/>
+              <a:ext cx="1357813" cy="0"/>
+            </a:xfrm>
+            <a:prstGeom prst="straightConnector1">
+              <a:avLst/>
+            </a:prstGeom>
+            <a:ln w="25400">
+              <a:solidFill>
+                <a:schemeClr val="accent6"/>
+              </a:solidFill>
+              <a:tailEnd type="triangle" w="lg" len="lg"/>
+            </a:ln>
+          </p:spPr>
+          <p:style>
+            <a:lnRef idx="1">
+              <a:schemeClr val="accent1"/>
+            </a:lnRef>
+            <a:fillRef idx="0">
+              <a:schemeClr val="accent1"/>
+            </a:fillRef>
+            <a:effectRef idx="0">
+              <a:schemeClr val="accent1"/>
+            </a:effectRef>
+            <a:fontRef idx="minor">
+              <a:schemeClr val="tx1"/>
+            </a:fontRef>
+          </p:style>
+        </p:cxnSp>
+        <p:cxnSp>
+          <p:nvCxnSpPr>
+            <p:cNvPr id="12" name="Straight Arrow Connector 11">
+              <a:extLst>
+                <a:ext uri="{FF2B5EF4-FFF2-40B4-BE49-F238E27FC236}">
+                  <a16:creationId xmlns:a16="http://schemas.microsoft.com/office/drawing/2014/main" id="{FF3E9DEA-5C3B-4764-BD5D-C9906631F25B}"/>
+                </a:ext>
+              </a:extLst>
+            </p:cNvPr>
+            <p:cNvCxnSpPr>
+              <a:cxnSpLocks/>
+              <a:stCxn id="9" idx="6"/>
+              <a:endCxn id="10" idx="2"/>
+            </p:cNvCxnSpPr>
+            <p:nvPr/>
+          </p:nvCxnSpPr>
+          <p:spPr>
+            <a:xfrm>
+              <a:off x="4431186" y="3340069"/>
+              <a:ext cx="1709181" cy="0"/>
+            </a:xfrm>
+            <a:prstGeom prst="straightConnector1">
+              <a:avLst/>
+            </a:prstGeom>
+            <a:ln w="25400">
+              <a:solidFill>
+                <a:schemeClr val="accent6"/>
+              </a:solidFill>
+              <a:tailEnd type="triangle" w="lg" len="lg"/>
+            </a:ln>
+          </p:spPr>
+          <p:style>
+            <a:lnRef idx="1">
+              <a:schemeClr val="accent1"/>
+            </a:lnRef>
+            <a:fillRef idx="0">
+              <a:schemeClr val="accent1"/>
+            </a:fillRef>
+            <a:effectRef idx="0">
+              <a:schemeClr val="accent1"/>
+            </a:effectRef>
+            <a:fontRef idx="minor">
+              <a:schemeClr val="tx1"/>
+            </a:fontRef>
+          </p:style>
+        </p:cxnSp>
+        <p:sp>
+          <p:nvSpPr>
+            <p:cNvPr id="13" name="Freeform: Shape 12">
+              <a:extLst>
+                <a:ext uri="{FF2B5EF4-FFF2-40B4-BE49-F238E27FC236}">
+                  <a16:creationId xmlns:a16="http://schemas.microsoft.com/office/drawing/2014/main" id="{3A1A4639-C9ED-43BF-B0B6-45457D2EED2E}"/>
+                </a:ext>
+              </a:extLst>
+            </p:cNvPr>
+            <p:cNvSpPr/>
+            <p:nvPr/>
+          </p:nvSpPr>
+          <p:spPr>
+            <a:xfrm>
+              <a:off x="2081685" y="3601484"/>
+              <a:ext cx="4357535" cy="885991"/>
+            </a:xfrm>
+            <a:custGeom>
+              <a:avLst/>
+              <a:gdLst>
+                <a:gd name="connsiteX0" fmla="*/ 4445000 w 4445000"/>
+                <a:gd name="connsiteY0" fmla="*/ 33867 h 326122"/>
+                <a:gd name="connsiteX1" fmla="*/ 2065867 w 4445000"/>
+                <a:gd name="connsiteY1" fmla="*/ 325967 h 326122"/>
+                <a:gd name="connsiteX2" fmla="*/ 0 w 4445000"/>
+                <a:gd name="connsiteY2" fmla="*/ 0 h 326122"/>
+                <a:gd name="connsiteX0" fmla="*/ 4351866 w 4351866"/>
+                <a:gd name="connsiteY0" fmla="*/ 25400 h 326051"/>
+                <a:gd name="connsiteX1" fmla="*/ 2065867 w 4351866"/>
+                <a:gd name="connsiteY1" fmla="*/ 325967 h 326051"/>
+                <a:gd name="connsiteX2" fmla="*/ 0 w 4351866"/>
+                <a:gd name="connsiteY2" fmla="*/ 0 h 326051"/>
+                <a:gd name="connsiteX0" fmla="*/ 4246033 w 4246033"/>
+                <a:gd name="connsiteY0" fmla="*/ 21167 h 326024"/>
+                <a:gd name="connsiteX1" fmla="*/ 2065867 w 4246033"/>
+                <a:gd name="connsiteY1" fmla="*/ 325967 h 326024"/>
+                <a:gd name="connsiteX2" fmla="*/ 0 w 4246033"/>
+                <a:gd name="connsiteY2" fmla="*/ 0 h 326024"/>
+              </a:gdLst>
+              <a:ahLst/>
+              <a:cxnLst>
+                <a:cxn ang="0">
+                  <a:pos x="connsiteX0" y="connsiteY0"/>
+                </a:cxn>
+                <a:cxn ang="0">
+                  <a:pos x="connsiteX1" y="connsiteY1"/>
+                </a:cxn>
+                <a:cxn ang="0">
+                  <a:pos x="connsiteX2" y="connsiteY2"/>
+                </a:cxn>
+              </a:cxnLst>
+              <a:rect l="l" t="t" r="r" b="b"/>
+              <a:pathLst>
+                <a:path w="4246033" h="326024">
+                  <a:moveTo>
+                    <a:pt x="4246033" y="21167"/>
+                  </a:moveTo>
+                  <a:cubicBezTo>
+                    <a:pt x="3426883" y="170039"/>
+                    <a:pt x="2773539" y="329495"/>
+                    <a:pt x="2065867" y="325967"/>
+                  </a:cubicBezTo>
+                  <a:cubicBezTo>
+                    <a:pt x="1358195" y="322439"/>
+                    <a:pt x="662517" y="160161"/>
+                    <a:pt x="0" y="0"/>
+                  </a:cubicBezTo>
+                </a:path>
+              </a:pathLst>
+            </a:custGeom>
+            <a:ln w="25400">
+              <a:solidFill>
+                <a:schemeClr val="accent6"/>
+              </a:solidFill>
+              <a:tailEnd type="triangle" w="lg" len="lg"/>
+            </a:ln>
+          </p:spPr>
+          <p:style>
+            <a:lnRef idx="1">
+              <a:schemeClr val="accent1"/>
+            </a:lnRef>
+            <a:fillRef idx="0">
+              <a:schemeClr val="accent1"/>
+            </a:fillRef>
+            <a:effectRef idx="0">
+              <a:schemeClr val="accent1"/>
+            </a:effectRef>
+            <a:fontRef idx="minor">
+              <a:schemeClr val="tx1"/>
+            </a:fontRef>
+          </p:style>
+          <p:txBody>
+            <a:bodyPr rtlCol="0" anchor="ctr"/>
+            <a:lstStyle/>
+            <a:p>
+              <a:pPr algn="ctr"/>
+              <a:endParaRPr lang="en-US" dirty="0"/>
+            </a:p>
+          </p:txBody>
+        </p:sp>
+        <p:sp>
+          <p:nvSpPr>
+            <p:cNvPr id="14" name="Freeform: Shape 13">
+              <a:extLst>
+                <a:ext uri="{FF2B5EF4-FFF2-40B4-BE49-F238E27FC236}">
+                  <a16:creationId xmlns:a16="http://schemas.microsoft.com/office/drawing/2014/main" id="{5AFCFD1C-B530-41D3-8C71-4C4BEC463381}"/>
+                </a:ext>
+              </a:extLst>
+            </p:cNvPr>
+            <p:cNvSpPr/>
+            <p:nvPr/>
+          </p:nvSpPr>
+          <p:spPr>
+            <a:xfrm>
+              <a:off x="6797620" y="2824136"/>
+              <a:ext cx="381036" cy="373257"/>
+            </a:xfrm>
+            <a:custGeom>
+              <a:avLst/>
+              <a:gdLst>
+                <a:gd name="connsiteX0" fmla="*/ 135466 w 341178"/>
+                <a:gd name="connsiteY0" fmla="*/ 374093 h 374093"/>
+                <a:gd name="connsiteX1" fmla="*/ 292100 w 341178"/>
+                <a:gd name="connsiteY1" fmla="*/ 327526 h 374093"/>
+                <a:gd name="connsiteX2" fmla="*/ 338666 w 341178"/>
+                <a:gd name="connsiteY2" fmla="*/ 204760 h 374093"/>
+                <a:gd name="connsiteX3" fmla="*/ 317500 w 341178"/>
+                <a:gd name="connsiteY3" fmla="*/ 90460 h 374093"/>
+                <a:gd name="connsiteX4" fmla="*/ 173566 w 341178"/>
+                <a:gd name="connsiteY4" fmla="*/ 1560 h 374093"/>
+                <a:gd name="connsiteX5" fmla="*/ 67733 w 341178"/>
+                <a:gd name="connsiteY5" fmla="*/ 35426 h 374093"/>
+                <a:gd name="connsiteX6" fmla="*/ 21166 w 341178"/>
+                <a:gd name="connsiteY6" fmla="*/ 56593 h 374093"/>
+                <a:gd name="connsiteX7" fmla="*/ 0 w 341178"/>
+                <a:gd name="connsiteY7" fmla="*/ 251326 h 374093"/>
+                <a:gd name="connsiteX0" fmla="*/ 135466 w 341178"/>
+                <a:gd name="connsiteY0" fmla="*/ 373504 h 373504"/>
+                <a:gd name="connsiteX1" fmla="*/ 292100 w 341178"/>
+                <a:gd name="connsiteY1" fmla="*/ 326937 h 373504"/>
+                <a:gd name="connsiteX2" fmla="*/ 338666 w 341178"/>
+                <a:gd name="connsiteY2" fmla="*/ 204171 h 373504"/>
+                <a:gd name="connsiteX3" fmla="*/ 317500 w 341178"/>
+                <a:gd name="connsiteY3" fmla="*/ 89871 h 373504"/>
+                <a:gd name="connsiteX4" fmla="*/ 173566 w 341178"/>
+                <a:gd name="connsiteY4" fmla="*/ 971 h 373504"/>
+                <a:gd name="connsiteX5" fmla="*/ 21166 w 341178"/>
+                <a:gd name="connsiteY5" fmla="*/ 56004 h 373504"/>
+                <a:gd name="connsiteX6" fmla="*/ 0 w 341178"/>
+                <a:gd name="connsiteY6" fmla="*/ 250737 h 373504"/>
+                <a:gd name="connsiteX0" fmla="*/ 135466 w 341178"/>
+                <a:gd name="connsiteY0" fmla="*/ 372533 h 372533"/>
+                <a:gd name="connsiteX1" fmla="*/ 292100 w 341178"/>
+                <a:gd name="connsiteY1" fmla="*/ 325966 h 372533"/>
+                <a:gd name="connsiteX2" fmla="*/ 338666 w 341178"/>
+                <a:gd name="connsiteY2" fmla="*/ 203200 h 372533"/>
+                <a:gd name="connsiteX3" fmla="*/ 317500 w 341178"/>
+                <a:gd name="connsiteY3" fmla="*/ 88900 h 372533"/>
+                <a:gd name="connsiteX4" fmla="*/ 173566 w 341178"/>
+                <a:gd name="connsiteY4" fmla="*/ 0 h 372533"/>
+                <a:gd name="connsiteX5" fmla="*/ 29632 w 341178"/>
+                <a:gd name="connsiteY5" fmla="*/ 88900 h 372533"/>
+                <a:gd name="connsiteX6" fmla="*/ 0 w 341178"/>
+                <a:gd name="connsiteY6" fmla="*/ 249766 h 372533"/>
+                <a:gd name="connsiteX0" fmla="*/ 135466 w 339364"/>
+                <a:gd name="connsiteY0" fmla="*/ 373286 h 373286"/>
+                <a:gd name="connsiteX1" fmla="*/ 292100 w 339364"/>
+                <a:gd name="connsiteY1" fmla="*/ 326719 h 373286"/>
+                <a:gd name="connsiteX2" fmla="*/ 338666 w 339364"/>
+                <a:gd name="connsiteY2" fmla="*/ 203953 h 373286"/>
+                <a:gd name="connsiteX3" fmla="*/ 309033 w 339364"/>
+                <a:gd name="connsiteY3" fmla="*/ 55786 h 373286"/>
+                <a:gd name="connsiteX4" fmla="*/ 173566 w 339364"/>
+                <a:gd name="connsiteY4" fmla="*/ 753 h 373286"/>
+                <a:gd name="connsiteX5" fmla="*/ 29632 w 339364"/>
+                <a:gd name="connsiteY5" fmla="*/ 89653 h 373286"/>
+                <a:gd name="connsiteX6" fmla="*/ 0 w 339364"/>
+                <a:gd name="connsiteY6" fmla="*/ 250519 h 373286"/>
+                <a:gd name="connsiteX0" fmla="*/ 135466 w 347533"/>
+                <a:gd name="connsiteY0" fmla="*/ 373354 h 373354"/>
+                <a:gd name="connsiteX1" fmla="*/ 292100 w 347533"/>
+                <a:gd name="connsiteY1" fmla="*/ 326787 h 373354"/>
+                <a:gd name="connsiteX2" fmla="*/ 347132 w 347533"/>
+                <a:gd name="connsiteY2" fmla="*/ 220954 h 373354"/>
+                <a:gd name="connsiteX3" fmla="*/ 309033 w 347533"/>
+                <a:gd name="connsiteY3" fmla="*/ 55854 h 373354"/>
+                <a:gd name="connsiteX4" fmla="*/ 173566 w 347533"/>
+                <a:gd name="connsiteY4" fmla="*/ 821 h 373354"/>
+                <a:gd name="connsiteX5" fmla="*/ 29632 w 347533"/>
+                <a:gd name="connsiteY5" fmla="*/ 89721 h 373354"/>
+                <a:gd name="connsiteX6" fmla="*/ 0 w 347533"/>
+                <a:gd name="connsiteY6" fmla="*/ 250587 h 373354"/>
+                <a:gd name="connsiteX0" fmla="*/ 135466 w 381139"/>
+                <a:gd name="connsiteY0" fmla="*/ 373257 h 373257"/>
+                <a:gd name="connsiteX1" fmla="*/ 292100 w 381139"/>
+                <a:gd name="connsiteY1" fmla="*/ 326690 h 373257"/>
+                <a:gd name="connsiteX2" fmla="*/ 380999 w 381139"/>
+                <a:gd name="connsiteY2" fmla="*/ 195457 h 373257"/>
+                <a:gd name="connsiteX3" fmla="*/ 309033 w 381139"/>
+                <a:gd name="connsiteY3" fmla="*/ 55757 h 373257"/>
+                <a:gd name="connsiteX4" fmla="*/ 173566 w 381139"/>
+                <a:gd name="connsiteY4" fmla="*/ 724 h 373257"/>
+                <a:gd name="connsiteX5" fmla="*/ 29632 w 381139"/>
+                <a:gd name="connsiteY5" fmla="*/ 89624 h 373257"/>
+                <a:gd name="connsiteX6" fmla="*/ 0 w 381139"/>
+                <a:gd name="connsiteY6" fmla="*/ 250490 h 373257"/>
+                <a:gd name="connsiteX0" fmla="*/ 135466 w 381036"/>
+                <a:gd name="connsiteY0" fmla="*/ 373257 h 373257"/>
+                <a:gd name="connsiteX1" fmla="*/ 300567 w 381036"/>
+                <a:gd name="connsiteY1" fmla="*/ 313990 h 373257"/>
+                <a:gd name="connsiteX2" fmla="*/ 380999 w 381036"/>
+                <a:gd name="connsiteY2" fmla="*/ 195457 h 373257"/>
+                <a:gd name="connsiteX3" fmla="*/ 309033 w 381036"/>
+                <a:gd name="connsiteY3" fmla="*/ 55757 h 373257"/>
+                <a:gd name="connsiteX4" fmla="*/ 173566 w 381036"/>
+                <a:gd name="connsiteY4" fmla="*/ 724 h 373257"/>
+                <a:gd name="connsiteX5" fmla="*/ 29632 w 381036"/>
+                <a:gd name="connsiteY5" fmla="*/ 89624 h 373257"/>
+                <a:gd name="connsiteX6" fmla="*/ 0 w 381036"/>
+                <a:gd name="connsiteY6" fmla="*/ 250490 h 373257"/>
+              </a:gdLst>
+              <a:ahLst/>
+              <a:cxnLst>
+                <a:cxn ang="0">
+                  <a:pos x="connsiteX0" y="connsiteY0"/>
+                </a:cxn>
+                <a:cxn ang="0">
+                  <a:pos x="connsiteX1" y="connsiteY1"/>
+                </a:cxn>
+                <a:cxn ang="0">
+                  <a:pos x="connsiteX2" y="connsiteY2"/>
+                </a:cxn>
+                <a:cxn ang="0">
+                  <a:pos x="connsiteX3" y="connsiteY3"/>
+                </a:cxn>
+                <a:cxn ang="0">
+                  <a:pos x="connsiteX4" y="connsiteY4"/>
+                </a:cxn>
+                <a:cxn ang="0">
+                  <a:pos x="connsiteX5" y="connsiteY5"/>
+                </a:cxn>
+                <a:cxn ang="0">
+                  <a:pos x="connsiteX6" y="connsiteY6"/>
+                </a:cxn>
+              </a:cxnLst>
+              <a:rect l="l" t="t" r="r" b="b"/>
+              <a:pathLst>
+                <a:path w="381036" h="373257">
+                  <a:moveTo>
+                    <a:pt x="135466" y="373257"/>
+                  </a:moveTo>
+                  <a:cubicBezTo>
+                    <a:pt x="196849" y="364084"/>
+                    <a:pt x="259645" y="343623"/>
+                    <a:pt x="300567" y="313990"/>
+                  </a:cubicBezTo>
+                  <a:cubicBezTo>
+                    <a:pt x="341489" y="284357"/>
+                    <a:pt x="379588" y="238496"/>
+                    <a:pt x="380999" y="195457"/>
+                  </a:cubicBezTo>
+                  <a:cubicBezTo>
+                    <a:pt x="382410" y="152418"/>
+                    <a:pt x="343605" y="88212"/>
+                    <a:pt x="309033" y="55757"/>
+                  </a:cubicBezTo>
+                  <a:cubicBezTo>
+                    <a:pt x="274461" y="23302"/>
+                    <a:pt x="220133" y="-4920"/>
+                    <a:pt x="173566" y="724"/>
+                  </a:cubicBezTo>
+                  <a:cubicBezTo>
+                    <a:pt x="126999" y="6368"/>
+                    <a:pt x="58560" y="47996"/>
+                    <a:pt x="29632" y="89624"/>
+                  </a:cubicBezTo>
+                  <a:cubicBezTo>
+                    <a:pt x="18343" y="125607"/>
+                    <a:pt x="4938" y="171115"/>
+                    <a:pt x="0" y="250490"/>
+                  </a:cubicBezTo>
+                </a:path>
+              </a:pathLst>
+            </a:custGeom>
+            <a:ln w="25400">
+              <a:solidFill>
+                <a:schemeClr val="accent6"/>
+              </a:solidFill>
+              <a:tailEnd type="triangle" w="lg" len="lg"/>
+            </a:ln>
+          </p:spPr>
+          <p:style>
+            <a:lnRef idx="1">
+              <a:schemeClr val="accent1"/>
+            </a:lnRef>
+            <a:fillRef idx="0">
+              <a:schemeClr val="accent1"/>
+            </a:fillRef>
+            <a:effectRef idx="0">
+              <a:schemeClr val="accent1"/>
+            </a:effectRef>
+            <a:fontRef idx="minor">
+              <a:schemeClr val="tx1"/>
+            </a:fontRef>
+          </p:style>
+          <p:txBody>
+            <a:bodyPr rot="0" spcFirstLastPara="0" vertOverflow="overflow" horzOverflow="overflow" vert="horz" wrap="square" lIns="91440" tIns="45720" rIns="91440" bIns="45720" numCol="1" spcCol="0" rtlCol="0" fromWordArt="0" anchor="ctr" anchorCtr="0" forceAA="0" compatLnSpc="1">
+              <a:prstTxWarp prst="textNoShape">
+                <a:avLst/>
+              </a:prstTxWarp>
+              <a:noAutofit/>
+            </a:bodyPr>
+            <a:lstStyle/>
+            <a:p>
+              <a:pPr algn="ctr"/>
+              <a:endParaRPr lang="en-US">
+                <a:solidFill>
+                  <a:schemeClr val="tx1"/>
+                </a:solidFill>
+              </a:endParaRPr>
+            </a:p>
+          </p:txBody>
+        </p:sp>
+        <mc:AlternateContent xmlns:mc="http://schemas.openxmlformats.org/markup-compatibility/2006" xmlns:a14="http://schemas.microsoft.com/office/drawing/2010/main">
+          <mc:Choice Requires="a14">
+            <p:sp>
+              <p:nvSpPr>
+                <p:cNvPr id="15" name="TextBox 14">
+                  <a:extLst>
+                    <a:ext uri="{FF2B5EF4-FFF2-40B4-BE49-F238E27FC236}">
+                      <a16:creationId xmlns:a16="http://schemas.microsoft.com/office/drawing/2014/main" id="{B24ADF4F-A6F6-4D72-BC9C-67F1E62A4F69}"/>
+                    </a:ext>
+                  </a:extLst>
+                </p:cNvPr>
+                <p:cNvSpPr txBox="1"/>
+                <p:nvPr/>
+              </p:nvSpPr>
+              <p:spPr>
+                <a:xfrm>
+                  <a:off x="2336776" y="3311403"/>
+                  <a:ext cx="1324914" cy="584775"/>
+                </a:xfrm>
+                <a:prstGeom prst="rect">
+                  <a:avLst/>
+                </a:prstGeom>
+                <a:noFill/>
+              </p:spPr>
+              <p:txBody>
+                <a:bodyPr wrap="none" rtlCol="0">
+                  <a:spAutoFit/>
+                </a:bodyPr>
+                <a:lstStyle/>
+                <a:p>
+                  <a:r>
+                    <a:rPr lang="en-US" sz="1600" dirty="0"/>
+                    <a:t>(press==1)?</a:t>
+                  </a:r>
+                  <a14:m>
+                    <m:oMath xmlns:m="http://schemas.openxmlformats.org/officeDocument/2006/math">
+                      <m:r>
+                        <a:rPr lang="en-US" sz="1600" b="0" i="1" smtClean="0">
+                          <a:latin typeface="Cambria Math" panose="02040503050406030204" pitchFamily="18" charset="0"/>
+                        </a:rPr>
+                        <m:t>→</m:t>
+                      </m:r>
+                    </m:oMath>
+                  </a14:m>
+                  <a:endParaRPr lang="en-US" sz="1600" dirty="0"/>
+                </a:p>
+                <a:p>
+                  <a:r>
+                    <a:rPr lang="en-US" sz="1600" dirty="0"/>
+                    <a:t> c:=0</a:t>
+                  </a:r>
+                </a:p>
+              </p:txBody>
+            </p:sp>
+          </mc:Choice>
+          <mc:Fallback xmlns="">
+            <p:sp>
+              <p:nvSpPr>
+                <p:cNvPr id="13" name="TextBox 12">
+                  <a:extLst>
+                    <a:ext uri="{FF2B5EF4-FFF2-40B4-BE49-F238E27FC236}">
+                      <a16:creationId xmlns:a16="http://schemas.microsoft.com/office/drawing/2014/main" id="{B4911D0E-9194-4438-A253-DCA01D6D9420}"/>
+                    </a:ext>
+                  </a:extLst>
+                </p:cNvPr>
+                <p:cNvSpPr txBox="1">
+                  <a:spLocks noRot="1" noChangeAspect="1" noMove="1" noResize="1" noEditPoints="1" noAdjustHandles="1" noChangeArrowheads="1" noChangeShapeType="1" noTextEdit="1"/>
+                </p:cNvSpPr>
+                <p:nvPr/>
+              </p:nvSpPr>
+              <p:spPr>
+                <a:xfrm>
+                  <a:off x="2336776" y="3311403"/>
+                  <a:ext cx="1324914" cy="584775"/>
+                </a:xfrm>
+                <a:prstGeom prst="rect">
+                  <a:avLst/>
+                </a:prstGeom>
+                <a:blipFill>
+                  <a:blip r:embed="rId4"/>
+                  <a:stretch>
+                    <a:fillRect l="-2294" t="-3125" b="-12500"/>
+                  </a:stretch>
+                </a:blipFill>
+              </p:spPr>
+              <p:txBody>
+                <a:bodyPr/>
+                <a:lstStyle/>
+                <a:p>
+                  <a:r>
+                    <a:rPr lang="en-US">
+                      <a:noFill/>
+                    </a:rPr>
+                    <a:t> </a:t>
+                  </a:r>
+                </a:p>
+              </p:txBody>
+            </p:sp>
+          </mc:Fallback>
+        </mc:AlternateContent>
+        <p:sp>
+          <p:nvSpPr>
+            <p:cNvPr id="16" name="TextBox 15">
+              <a:extLst>
+                <a:ext uri="{FF2B5EF4-FFF2-40B4-BE49-F238E27FC236}">
+                  <a16:creationId xmlns:a16="http://schemas.microsoft.com/office/drawing/2014/main" id="{1BD27D04-24B0-436E-8C32-7A6018C4D585}"/>
+                </a:ext>
+              </a:extLst>
+            </p:cNvPr>
+            <p:cNvSpPr txBox="1"/>
+            <p:nvPr/>
+          </p:nvSpPr>
+          <p:spPr>
+            <a:xfrm>
+              <a:off x="3644938" y="4460373"/>
+              <a:ext cx="1153393" cy="338554"/>
+            </a:xfrm>
+            <a:prstGeom prst="rect">
+              <a:avLst/>
+            </a:prstGeom>
+            <a:noFill/>
+          </p:spPr>
+          <p:txBody>
+            <a:bodyPr wrap="none" rtlCol="0">
+              <a:spAutoFit/>
+            </a:bodyPr>
+            <a:lstStyle/>
+            <a:p>
+              <a:r>
+                <a:rPr lang="en-US" sz="1600" dirty="0"/>
+                <a:t>(press==1)?</a:t>
+              </a:r>
+            </a:p>
+          </p:txBody>
+        </p:sp>
+        <p:cxnSp>
+          <p:nvCxnSpPr>
+            <p:cNvPr id="17" name="Straight Arrow Connector 16">
+              <a:extLst>
+                <a:ext uri="{FF2B5EF4-FFF2-40B4-BE49-F238E27FC236}">
+                  <a16:creationId xmlns:a16="http://schemas.microsoft.com/office/drawing/2014/main" id="{5932C973-5CF2-4FBF-9EF3-6DC25D618A7E}"/>
+                </a:ext>
+              </a:extLst>
+            </p:cNvPr>
+            <p:cNvCxnSpPr>
+              <a:cxnSpLocks/>
+              <a:endCxn id="8" idx="2"/>
+            </p:cNvCxnSpPr>
+            <p:nvPr/>
+          </p:nvCxnSpPr>
+          <p:spPr>
+            <a:xfrm>
+              <a:off x="589102" y="3340069"/>
+              <a:ext cx="831099" cy="0"/>
+            </a:xfrm>
+            <a:prstGeom prst="straightConnector1">
+              <a:avLst/>
+            </a:prstGeom>
+            <a:ln w="25400">
+              <a:solidFill>
+                <a:schemeClr val="accent6"/>
+              </a:solidFill>
+              <a:tailEnd type="triangle" w="lg" len="lg"/>
+            </a:ln>
+          </p:spPr>
+          <p:style>
+            <a:lnRef idx="1">
+              <a:schemeClr val="accent1"/>
+            </a:lnRef>
+            <a:fillRef idx="0">
+              <a:schemeClr val="accent1"/>
+            </a:fillRef>
+            <a:effectRef idx="0">
+              <a:schemeClr val="accent1"/>
+            </a:effectRef>
+            <a:fontRef idx="minor">
+              <a:schemeClr val="tx1"/>
+            </a:fontRef>
+          </p:style>
+        </p:cxnSp>
+        <p:sp>
+          <p:nvSpPr>
+            <p:cNvPr id="18" name="TextBox 17">
+              <a:extLst>
+                <a:ext uri="{FF2B5EF4-FFF2-40B4-BE49-F238E27FC236}">
+                  <a16:creationId xmlns:a16="http://schemas.microsoft.com/office/drawing/2014/main" id="{FF6F7BB9-25C4-4A90-AC21-43A582B8AF6A}"/>
+                </a:ext>
+              </a:extLst>
+            </p:cNvPr>
+            <p:cNvSpPr txBox="1"/>
+            <p:nvPr/>
+          </p:nvSpPr>
+          <p:spPr>
+            <a:xfrm>
+              <a:off x="218533" y="2928958"/>
+              <a:ext cx="1000595" cy="338554"/>
+            </a:xfrm>
+            <a:prstGeom prst="rect">
+              <a:avLst/>
+            </a:prstGeom>
+            <a:noFill/>
+          </p:spPr>
+          <p:txBody>
+            <a:bodyPr wrap="none" rtlCol="0">
+              <a:spAutoFit/>
+            </a:bodyPr>
+            <a:lstStyle/>
+            <a:p>
+              <a:r>
+                <a:rPr lang="en-US" sz="1600" dirty="0"/>
+                <a:t>clock c:=0</a:t>
+              </a:r>
+            </a:p>
+          </p:txBody>
+        </p:sp>
+        <p:sp>
+          <p:nvSpPr>
+            <p:cNvPr id="19" name="Freeform: Shape 18">
+              <a:extLst>
+                <a:ext uri="{FF2B5EF4-FFF2-40B4-BE49-F238E27FC236}">
+                  <a16:creationId xmlns:a16="http://schemas.microsoft.com/office/drawing/2014/main" id="{768063C6-EF21-45A6-87AC-B9A613FF3380}"/>
+                </a:ext>
+              </a:extLst>
+            </p:cNvPr>
+            <p:cNvSpPr/>
+            <p:nvPr/>
+          </p:nvSpPr>
+          <p:spPr>
+            <a:xfrm>
+              <a:off x="1821116" y="2474254"/>
+              <a:ext cx="2120793" cy="573427"/>
+            </a:xfrm>
+            <a:custGeom>
+              <a:avLst/>
+              <a:gdLst>
+                <a:gd name="connsiteX0" fmla="*/ 2013217 w 2013217"/>
+                <a:gd name="connsiteY0" fmla="*/ 522518 h 522518"/>
+                <a:gd name="connsiteX1" fmla="*/ 1114185 w 2013217"/>
+                <a:gd name="connsiteY1" fmla="*/ 4 h 522518"/>
+                <a:gd name="connsiteX2" fmla="*/ 0 w 2013217"/>
+                <a:gd name="connsiteY2" fmla="*/ 514834 h 522518"/>
+              </a:gdLst>
+              <a:ahLst/>
+              <a:cxnLst>
+                <a:cxn ang="0">
+                  <a:pos x="connsiteX0" y="connsiteY0"/>
+                </a:cxn>
+                <a:cxn ang="0">
+                  <a:pos x="connsiteX1" y="connsiteY1"/>
+                </a:cxn>
+                <a:cxn ang="0">
+                  <a:pos x="connsiteX2" y="connsiteY2"/>
+                </a:cxn>
+              </a:cxnLst>
+              <a:rect l="l" t="t" r="r" b="b"/>
+              <a:pathLst>
+                <a:path w="2013217" h="522518">
+                  <a:moveTo>
+                    <a:pt x="2013217" y="522518"/>
+                  </a:moveTo>
+                  <a:cubicBezTo>
+                    <a:pt x="1731469" y="261901"/>
+                    <a:pt x="1449721" y="1285"/>
+                    <a:pt x="1114185" y="4"/>
+                  </a:cubicBezTo>
+                  <a:cubicBezTo>
+                    <a:pt x="778649" y="-1277"/>
+                    <a:pt x="389324" y="256778"/>
+                    <a:pt x="0" y="514834"/>
+                  </a:cubicBezTo>
+                </a:path>
+              </a:pathLst>
+            </a:custGeom>
+            <a:ln w="25400">
+              <a:solidFill>
+                <a:schemeClr val="accent6"/>
+              </a:solidFill>
+              <a:tailEnd type="triangle" w="lg" len="lg"/>
+            </a:ln>
+          </p:spPr>
+          <p:style>
+            <a:lnRef idx="1">
+              <a:schemeClr val="accent1"/>
+            </a:lnRef>
+            <a:fillRef idx="0">
+              <a:schemeClr val="accent1"/>
+            </a:fillRef>
+            <a:effectRef idx="0">
+              <a:schemeClr val="accent1"/>
+            </a:effectRef>
+            <a:fontRef idx="minor">
+              <a:schemeClr val="tx1"/>
+            </a:fontRef>
+          </p:style>
+          <p:txBody>
+            <a:bodyPr rtlCol="0" anchor="ctr"/>
+            <a:lstStyle/>
+            <a:p>
+              <a:pPr algn="ctr"/>
+              <a:endParaRPr lang="en-US">
+                <a:solidFill>
+                  <a:schemeClr val="tx1"/>
+                </a:solidFill>
+              </a:endParaRPr>
+            </a:p>
+          </p:txBody>
+        </p:sp>
+        <mc:AlternateContent xmlns:mc="http://schemas.openxmlformats.org/markup-compatibility/2006" xmlns:a14="http://schemas.microsoft.com/office/drawing/2010/main">
+          <mc:Choice Requires="a14">
+            <p:sp>
+              <p:nvSpPr>
+                <p:cNvPr id="20" name="TextBox 19">
+                  <a:extLst>
+                    <a:ext uri="{FF2B5EF4-FFF2-40B4-BE49-F238E27FC236}">
+                      <a16:creationId xmlns:a16="http://schemas.microsoft.com/office/drawing/2014/main" id="{D68B06B2-4E00-421A-91B7-66154E0F5752}"/>
+                    </a:ext>
+                  </a:extLst>
+                </p:cNvPr>
+                <p:cNvSpPr txBox="1"/>
+                <p:nvPr/>
+              </p:nvSpPr>
+              <p:spPr>
+                <a:xfrm>
+                  <a:off x="1962574" y="2084624"/>
+                  <a:ext cx="1837875" cy="338554"/>
+                </a:xfrm>
+                <a:prstGeom prst="rect">
+                  <a:avLst/>
+                </a:prstGeom>
+                <a:noFill/>
+              </p:spPr>
+              <p:txBody>
+                <a:bodyPr wrap="none" rtlCol="0">
+                  <a:spAutoFit/>
+                </a:bodyPr>
+                <a:lstStyle/>
+                <a:p>
+                  <a:r>
+                    <a:rPr lang="en-US" sz="1600" dirty="0"/>
+                    <a:t>(press==1)? </a:t>
+                  </a:r>
+                  <a14:m>
+                    <m:oMath xmlns:m="http://schemas.openxmlformats.org/officeDocument/2006/math">
+                      <m:r>
+                        <a:rPr lang="en-US" sz="1600" b="0" i="1" smtClean="0">
+                          <a:latin typeface="Cambria Math" panose="02040503050406030204" pitchFamily="18" charset="0"/>
+                        </a:rPr>
+                        <m:t>∧</m:t>
+                      </m:r>
+                    </m:oMath>
+                  </a14:m>
+                  <a:r>
+                    <a:rPr lang="en-US" sz="1600" dirty="0"/>
+                    <a:t> (c</a:t>
+                  </a:r>
+                  <a14:m>
+                    <m:oMath xmlns:m="http://schemas.openxmlformats.org/officeDocument/2006/math">
+                      <m:r>
+                        <a:rPr lang="en-US" sz="1600" b="0" i="1" smtClean="0">
+                          <a:latin typeface="Cambria Math" panose="02040503050406030204" pitchFamily="18" charset="0"/>
+                        </a:rPr>
+                        <m:t>≥</m:t>
+                      </m:r>
+                    </m:oMath>
+                  </a14:m>
+                  <a:r>
+                    <a:rPr lang="en-US" sz="1600" dirty="0"/>
+                    <a:t>1)</a:t>
+                  </a:r>
+                </a:p>
+              </p:txBody>
+            </p:sp>
+          </mc:Choice>
+          <mc:Fallback xmlns="">
+            <p:sp>
+              <p:nvSpPr>
+                <p:cNvPr id="18" name="TextBox 17">
+                  <a:extLst>
+                    <a:ext uri="{FF2B5EF4-FFF2-40B4-BE49-F238E27FC236}">
+                      <a16:creationId xmlns:a16="http://schemas.microsoft.com/office/drawing/2014/main" id="{DDD3D0B0-884E-4120-87AD-11584B5A5B56}"/>
+                    </a:ext>
+                  </a:extLst>
+                </p:cNvPr>
+                <p:cNvSpPr txBox="1">
+                  <a:spLocks noRot="1" noChangeAspect="1" noMove="1" noResize="1" noEditPoints="1" noAdjustHandles="1" noChangeArrowheads="1" noChangeShapeType="1" noTextEdit="1"/>
+                </p:cNvSpPr>
+                <p:nvPr/>
+              </p:nvSpPr>
+              <p:spPr>
+                <a:xfrm>
+                  <a:off x="1962574" y="2084624"/>
+                  <a:ext cx="1837875" cy="338554"/>
+                </a:xfrm>
+                <a:prstGeom prst="rect">
+                  <a:avLst/>
+                </a:prstGeom>
+                <a:blipFill>
+                  <a:blip r:embed="rId5"/>
+                  <a:stretch>
+                    <a:fillRect l="-1993" t="-5357" r="-664" b="-21429"/>
+                  </a:stretch>
+                </a:blipFill>
+              </p:spPr>
+              <p:txBody>
+                <a:bodyPr/>
+                <a:lstStyle/>
+                <a:p>
+                  <a:r>
+                    <a:rPr lang="en-US">
+                      <a:noFill/>
+                    </a:rPr>
+                    <a:t> </a:t>
+                  </a:r>
+                </a:p>
+              </p:txBody>
+            </p:sp>
+          </mc:Fallback>
+        </mc:AlternateContent>
+        <mc:AlternateContent xmlns:mc="http://schemas.openxmlformats.org/markup-compatibility/2006" xmlns:a14="http://schemas.microsoft.com/office/drawing/2010/main">
+          <mc:Choice Requires="a14">
+            <p:sp>
+              <p:nvSpPr>
+                <p:cNvPr id="21" name="TextBox 20">
+                  <a:extLst>
+                    <a:ext uri="{FF2B5EF4-FFF2-40B4-BE49-F238E27FC236}">
+                      <a16:creationId xmlns:a16="http://schemas.microsoft.com/office/drawing/2014/main" id="{36FB8762-5F33-4B73-98C3-3FE2A0E36A6E}"/>
+                    </a:ext>
+                  </a:extLst>
+                </p:cNvPr>
+                <p:cNvSpPr txBox="1"/>
+                <p:nvPr/>
+              </p:nvSpPr>
+              <p:spPr>
+                <a:xfrm>
+                  <a:off x="4414591" y="2934966"/>
+                  <a:ext cx="1837875" cy="338554"/>
+                </a:xfrm>
+                <a:prstGeom prst="rect">
+                  <a:avLst/>
+                </a:prstGeom>
+                <a:noFill/>
+              </p:spPr>
+              <p:txBody>
+                <a:bodyPr wrap="none" rtlCol="0">
+                  <a:spAutoFit/>
+                </a:bodyPr>
+                <a:lstStyle/>
+                <a:p>
+                  <a:r>
+                    <a:rPr lang="en-US" sz="1600" dirty="0"/>
+                    <a:t>(press==1)? </a:t>
+                  </a:r>
+                  <a14:m>
+                    <m:oMath xmlns:m="http://schemas.openxmlformats.org/officeDocument/2006/math">
+                      <m:r>
+                        <a:rPr lang="en-US" sz="1600" b="0" i="1" smtClean="0">
+                          <a:latin typeface="Cambria Math" panose="02040503050406030204" pitchFamily="18" charset="0"/>
+                        </a:rPr>
+                        <m:t>∧</m:t>
+                      </m:r>
+                    </m:oMath>
+                  </a14:m>
+                  <a:r>
+                    <a:rPr lang="en-US" sz="1600" dirty="0"/>
+                    <a:t> (c</a:t>
+                  </a:r>
+                  <a14:m>
+                    <m:oMath xmlns:m="http://schemas.openxmlformats.org/officeDocument/2006/math">
+                      <m:r>
+                        <a:rPr lang="en-US" sz="1600" b="0" i="1" smtClean="0">
+                          <a:latin typeface="Cambria Math" panose="02040503050406030204" pitchFamily="18" charset="0"/>
+                        </a:rPr>
+                        <m:t>≤</m:t>
+                      </m:r>
+                    </m:oMath>
+                  </a14:m>
+                  <a:r>
+                    <a:rPr lang="en-US" sz="1600" dirty="0"/>
+                    <a:t>1)</a:t>
+                  </a:r>
+                </a:p>
+              </p:txBody>
+            </p:sp>
+          </mc:Choice>
+          <mc:Fallback xmlns="">
+            <p:sp>
+              <p:nvSpPr>
+                <p:cNvPr id="19" name="TextBox 18">
+                  <a:extLst>
+                    <a:ext uri="{FF2B5EF4-FFF2-40B4-BE49-F238E27FC236}">
+                      <a16:creationId xmlns:a16="http://schemas.microsoft.com/office/drawing/2014/main" id="{7F1883DD-E135-49A9-BEB4-E89A818F0611}"/>
+                    </a:ext>
+                  </a:extLst>
+                </p:cNvPr>
+                <p:cNvSpPr txBox="1">
+                  <a:spLocks noRot="1" noChangeAspect="1" noMove="1" noResize="1" noEditPoints="1" noAdjustHandles="1" noChangeArrowheads="1" noChangeShapeType="1" noTextEdit="1"/>
+                </p:cNvSpPr>
+                <p:nvPr/>
+              </p:nvSpPr>
+              <p:spPr>
+                <a:xfrm>
+                  <a:off x="4414591" y="2934966"/>
+                  <a:ext cx="1837875" cy="338554"/>
+                </a:xfrm>
+                <a:prstGeom prst="rect">
+                  <a:avLst/>
+                </a:prstGeom>
+                <a:blipFill>
+                  <a:blip r:embed="rId6"/>
+                  <a:stretch>
+                    <a:fillRect l="-1656" t="-5455" r="-662" b="-23636"/>
+                  </a:stretch>
+                </a:blipFill>
+              </p:spPr>
+              <p:txBody>
+                <a:bodyPr/>
+                <a:lstStyle/>
+                <a:p>
+                  <a:r>
+                    <a:rPr lang="en-US">
+                      <a:noFill/>
+                    </a:rPr>
+                    <a:t> </a:t>
+                  </a:r>
+                </a:p>
+              </p:txBody>
+            </p:sp>
+          </mc:Fallback>
+        </mc:AlternateContent>
+      </p:grpSp>
+      <mc:AlternateContent xmlns:mc="http://schemas.openxmlformats.org/markup-compatibility/2006" xmlns:p14="http://schemas.microsoft.com/office/powerpoint/2010/main">
+        <mc:Choice Requires="p14">
+          <p:contentPart p14:bwMode="auto" r:id="rId7">
+            <p14:nvContentPartPr>
+              <p14:cNvPr id="2" name="Ink 1">
+                <a:extLst>
+                  <a:ext uri="{FF2B5EF4-FFF2-40B4-BE49-F238E27FC236}">
+                    <a16:creationId xmlns:a16="http://schemas.microsoft.com/office/drawing/2014/main" id="{A501F683-0D61-6BFA-D9FC-83E935E0BF43}"/>
+                  </a:ext>
+                </a:extLst>
+              </p14:cNvPr>
+              <p14:cNvContentPartPr/>
+              <p14:nvPr/>
+            </p14:nvContentPartPr>
+            <p14:xfrm>
+              <a:off x="1898640" y="1441440"/>
+              <a:ext cx="4210560" cy="1556280"/>
+            </p14:xfrm>
+          </p:contentPart>
+        </mc:Choice>
+        <mc:Fallback xmlns="">
+          <p:pic>
+            <p:nvPicPr>
+              <p:cNvPr id="2" name="Ink 1">
+                <a:extLst>
+                  <a:ext uri="{FF2B5EF4-FFF2-40B4-BE49-F238E27FC236}">
+                    <a16:creationId xmlns:a16="http://schemas.microsoft.com/office/drawing/2014/main" id="{A501F683-0D61-6BFA-D9FC-83E935E0BF43}"/>
+                  </a:ext>
+                </a:extLst>
+              </p:cNvPr>
+              <p:cNvPicPr/>
+              <p:nvPr/>
+            </p:nvPicPr>
+            <p:blipFill>
+              <a:blip r:embed="rId8"/>
+              <a:stretch>
+                <a:fillRect/>
+              </a:stretch>
+            </p:blipFill>
+            <p:spPr>
+              <a:xfrm>
+                <a:off x="1889280" y="1432080"/>
+                <a:ext cx="4229280" cy="1575000"/>
+              </a:xfrm>
+              <a:prstGeom prst="rect">
+                <a:avLst/>
+              </a:prstGeom>
+            </p:spPr>
+          </p:pic>
+        </mc:Fallback>
+      </mc:AlternateContent>
+    </p:spTree>
+    <p:extLst>
+      <p:ext uri="{BB962C8B-B14F-4D97-AF65-F5344CB8AC3E}">
+        <p14:creationId xmlns:p14="http://schemas.microsoft.com/office/powerpoint/2010/main" val="2887111299"/>
+      </p:ext>
+    </p:extLst>
+  </p:cSld>
+  <p:clrMapOvr>
+    <a:masterClrMapping/>
+  </p:clrMapOvr>
+</p:sld>
+</file>
+
+<file path=ppt/slides/slide7.xml><?xml version="1.0" encoding="utf-8"?>
 <p:sld xmlns:a="http://schemas.openxmlformats.org/drawingml/2006/main" xmlns:r="http://schemas.openxmlformats.org/officeDocument/2006/relationships" xmlns:p="http://schemas.openxmlformats.org/presentationml/2006/main">
   <p:cSld>
     <p:spTree>
@@ -31940,7 +36160,7 @@
             <a:fld id="{29AAD378-655A-49C6-813C-9FD132EF7440}" type="slidenum">
               <a:rPr lang="en-US" smtClean="0"/>
               <a:pPr/>
-              <a:t>5</a:t>
+              <a:t>7</a:t>
             </a:fld>
             <a:endParaRPr lang="en-US" dirty="0"/>
           </a:p>
@@ -33070,1609 +37290,7 @@
 </p:sld>
 </file>
 
-<file path=ppt/slides/slide6.xml><?xml version="1.0" encoding="utf-8"?>
-<p:sld xmlns:a="http://schemas.openxmlformats.org/drawingml/2006/main" xmlns:r="http://schemas.openxmlformats.org/officeDocument/2006/relationships" xmlns:p="http://schemas.openxmlformats.org/presentationml/2006/main">
-  <p:cSld>
-    <p:spTree>
-      <p:nvGrpSpPr>
-        <p:cNvPr id="1" name=""/>
-        <p:cNvGrpSpPr/>
-        <p:nvPr/>
-      </p:nvGrpSpPr>
-      <p:grpSpPr>
-        <a:xfrm>
-          <a:off x="0" y="0"/>
-          <a:ext cx="0" cy="0"/>
-          <a:chOff x="0" y="0"/>
-          <a:chExt cx="0" cy="0"/>
-        </a:xfrm>
-      </p:grpSpPr>
-      <p:sp>
-        <p:nvSpPr>
-          <p:cNvPr id="4" name="Slide Number Placeholder 3">
-            <a:extLst>
-              <a:ext uri="{FF2B5EF4-FFF2-40B4-BE49-F238E27FC236}">
-                <a16:creationId xmlns:a16="http://schemas.microsoft.com/office/drawing/2014/main" id="{B9CF518B-959C-4626-AD99-E108A08B1AD9}"/>
-              </a:ext>
-            </a:extLst>
-          </p:cNvPr>
-          <p:cNvSpPr>
-            <a:spLocks noGrp="1"/>
-          </p:cNvSpPr>
-          <p:nvPr>
-            <p:ph type="sldNum" sz="quarter" idx="12"/>
-          </p:nvPr>
-        </p:nvSpPr>
-        <p:spPr/>
-        <p:txBody>
-          <a:bodyPr/>
-          <a:lstStyle/>
-          <a:p>
-            <a:fld id="{29AAD378-655A-49C6-813C-9FD132EF7440}" type="slidenum">
-              <a:rPr lang="en-US" smtClean="0"/>
-              <a:pPr/>
-              <a:t>6</a:t>
-            </a:fld>
-            <a:endParaRPr lang="en-US" dirty="0"/>
-          </a:p>
-        </p:txBody>
-      </p:sp>
-      <mc:AlternateContent xmlns:mc="http://schemas.openxmlformats.org/markup-compatibility/2006" xmlns:a14="http://schemas.microsoft.com/office/drawing/2010/main">
-        <mc:Choice Requires="a14">
-          <p:sp>
-            <p:nvSpPr>
-              <p:cNvPr id="5" name="Content Placeholder 1">
-                <a:extLst>
-                  <a:ext uri="{FF2B5EF4-FFF2-40B4-BE49-F238E27FC236}">
-                    <a16:creationId xmlns:a16="http://schemas.microsoft.com/office/drawing/2014/main" id="{C8D79018-1335-44E9-A469-6C3DA3B7CC55}"/>
-                  </a:ext>
-                </a:extLst>
-              </p:cNvPr>
-              <p:cNvSpPr txBox="1">
-                <a:spLocks noGrp="1"/>
-              </p:cNvSpPr>
-              <p:nvPr>
-                <p:ph idx="1"/>
-              </p:nvPr>
-            </p:nvSpPr>
-            <p:spPr>
-              <a:xfrm>
-                <a:off x="7129661" y="1332703"/>
-                <a:ext cx="4736107" cy="4479700"/>
-              </a:xfrm>
-              <a:prstGeom prst="rect">
-                <a:avLst/>
-              </a:prstGeom>
-            </p:spPr>
-            <p:txBody>
-              <a:bodyPr vert="horz" lIns="91440" tIns="45720" rIns="91440" bIns="45720" rtlCol="0">
-                <a:normAutofit/>
-              </a:bodyPr>
-              <a:lstStyle>
-                <a:lvl1pPr marL="457200" marR="0" indent="-457200" algn="l" defTabSz="914400" rtl="0" eaLnBrk="1" fontAlgn="auto" latinLnBrk="0" hangingPunct="1">
-                  <a:lnSpc>
-                    <a:spcPct val="90000"/>
-                  </a:lnSpc>
-                  <a:spcBef>
-                    <a:spcPts val="1000"/>
-                  </a:spcBef>
-                  <a:spcAft>
-                    <a:spcPts val="0"/>
-                  </a:spcAft>
-                  <a:buClr>
-                    <a:srgbClr val="FF9B9B"/>
-                  </a:buClr>
-                  <a:buSzPct val="80000"/>
-                  <a:buFont typeface="Wingdings 3" panose="05040102010807070707" pitchFamily="18" charset="2"/>
-                  <a:buChar char=""/>
-                  <a:tabLst/>
-                  <a:defRPr lang="en-US" sz="2800" kern="1200" noProof="0">
-                    <a:solidFill>
-                      <a:schemeClr val="tx1"/>
-                    </a:solidFill>
-                    <a:latin typeface="+mn-lt"/>
-                    <a:ea typeface="+mn-ea"/>
-                    <a:cs typeface="+mn-cs"/>
-                  </a:defRPr>
-                </a:lvl1pPr>
-                <a:lvl2pPr marL="685800" marR="0" indent="-274320" algn="l" defTabSz="914400" rtl="0" eaLnBrk="1" fontAlgn="auto" latinLnBrk="0" hangingPunct="1">
-                  <a:lnSpc>
-                    <a:spcPct val="90000"/>
-                  </a:lnSpc>
-                  <a:spcBef>
-                    <a:spcPts val="500"/>
-                  </a:spcBef>
-                  <a:spcAft>
-                    <a:spcPts val="0"/>
-                  </a:spcAft>
-                  <a:buClr>
-                    <a:srgbClr val="FFA3A3"/>
-                  </a:buClr>
-                  <a:buSzPct val="75000"/>
-                  <a:buFont typeface="Wingdings 3" panose="05040102010807070707" pitchFamily="18" charset="2"/>
-                  <a:buChar char=""/>
-                  <a:tabLst/>
-                  <a:defRPr lang="en-US" sz="2800" kern="1200" noProof="0">
-                    <a:solidFill>
-                      <a:schemeClr val="tx1"/>
-                    </a:solidFill>
-                    <a:latin typeface="+mn-lt"/>
-                    <a:ea typeface="+mn-ea"/>
-                    <a:cs typeface="+mn-cs"/>
-                  </a:defRPr>
-                </a:lvl2pPr>
-                <a:lvl3pPr marL="1143000" marR="0" indent="-228600" algn="l" defTabSz="914400" rtl="0" eaLnBrk="1" fontAlgn="auto" latinLnBrk="0" hangingPunct="1">
-                  <a:lnSpc>
-                    <a:spcPct val="90000"/>
-                  </a:lnSpc>
-                  <a:spcBef>
-                    <a:spcPts val="500"/>
-                  </a:spcBef>
-                  <a:spcAft>
-                    <a:spcPts val="0"/>
-                  </a:spcAft>
-                  <a:buClr>
-                    <a:srgbClr val="FF9797"/>
-                  </a:buClr>
-                  <a:buSzPct val="70000"/>
-                  <a:buFont typeface="Wingdings 3" panose="05040102010807070707" pitchFamily="18" charset="2"/>
-                  <a:buChar char=""/>
-                  <a:tabLst/>
-                  <a:defRPr lang="en-US" sz="2800" kern="1200" noProof="0">
-                    <a:solidFill>
-                      <a:schemeClr val="tx1"/>
-                    </a:solidFill>
-                    <a:latin typeface="+mn-lt"/>
-                    <a:ea typeface="+mn-ea"/>
-                    <a:cs typeface="+mn-cs"/>
-                  </a:defRPr>
-                </a:lvl3pPr>
-                <a:lvl4pPr marL="1600200" marR="0" indent="-228600" algn="l" defTabSz="914400" rtl="0" eaLnBrk="1" fontAlgn="auto" latinLnBrk="0" hangingPunct="1">
-                  <a:lnSpc>
-                    <a:spcPct val="90000"/>
-                  </a:lnSpc>
-                  <a:spcBef>
-                    <a:spcPts val="500"/>
-                  </a:spcBef>
-                  <a:spcAft>
-                    <a:spcPts val="0"/>
-                  </a:spcAft>
-                  <a:buClr>
-                    <a:srgbClr val="FF9B9B"/>
-                  </a:buClr>
-                  <a:buSzPct val="65000"/>
-                  <a:buFont typeface="Wingdings 3" panose="05040102010807070707" pitchFamily="18" charset="2"/>
-                  <a:buChar char=""/>
-                  <a:tabLst/>
-                  <a:defRPr lang="en-US" sz="2800" kern="1200" noProof="0">
-                    <a:solidFill>
-                      <a:schemeClr val="tx1"/>
-                    </a:solidFill>
-                    <a:latin typeface="+mn-lt"/>
-                    <a:ea typeface="+mn-ea"/>
-                    <a:cs typeface="+mn-cs"/>
-                  </a:defRPr>
-                </a:lvl4pPr>
-                <a:lvl5pPr marL="2057400" marR="0" indent="-228600" algn="l" defTabSz="914400" rtl="0" eaLnBrk="1" fontAlgn="auto" latinLnBrk="0" hangingPunct="1">
-                  <a:lnSpc>
-                    <a:spcPct val="90000"/>
-                  </a:lnSpc>
-                  <a:spcBef>
-                    <a:spcPts val="500"/>
-                  </a:spcBef>
-                  <a:spcAft>
-                    <a:spcPts val="0"/>
-                  </a:spcAft>
-                  <a:buClr>
-                    <a:srgbClr val="FF9B9B"/>
-                  </a:buClr>
-                  <a:buSzPct val="60000"/>
-                  <a:buFont typeface="Wingdings 3" panose="05040102010807070707" pitchFamily="18" charset="2"/>
-                  <a:buChar char=""/>
-                  <a:tabLst/>
-                  <a:defRPr lang="en-US" sz="2800" kern="1200" noProof="0">
-                    <a:solidFill>
-                      <a:schemeClr val="tx1"/>
-                    </a:solidFill>
-                    <a:latin typeface="+mn-lt"/>
-                    <a:ea typeface="+mn-ea"/>
-                    <a:cs typeface="+mn-cs"/>
-                  </a:defRPr>
-                </a:lvl5pPr>
-                <a:lvl6pPr marL="2514600" indent="-228600" algn="l" defTabSz="914400" rtl="0" eaLnBrk="1" latinLnBrk="0" hangingPunct="1">
-                  <a:lnSpc>
-                    <a:spcPct val="90000"/>
-                  </a:lnSpc>
-                  <a:spcBef>
-                    <a:spcPts val="500"/>
-                  </a:spcBef>
-                  <a:buFont typeface="Arial" panose="020B0604020202020204" pitchFamily="34" charset="0"/>
-                  <a:buChar char="•"/>
-                  <a:defRPr sz="1800" kern="1200">
-                    <a:solidFill>
-                      <a:schemeClr val="tx1"/>
-                    </a:solidFill>
-                    <a:latin typeface="+mn-lt"/>
-                    <a:ea typeface="+mn-ea"/>
-                    <a:cs typeface="+mn-cs"/>
-                  </a:defRPr>
-                </a:lvl6pPr>
-                <a:lvl7pPr marL="2971800" indent="-228600" algn="l" defTabSz="914400" rtl="0" eaLnBrk="1" latinLnBrk="0" hangingPunct="1">
-                  <a:lnSpc>
-                    <a:spcPct val="90000"/>
-                  </a:lnSpc>
-                  <a:spcBef>
-                    <a:spcPts val="500"/>
-                  </a:spcBef>
-                  <a:buFont typeface="Arial" panose="020B0604020202020204" pitchFamily="34" charset="0"/>
-                  <a:buChar char="•"/>
-                  <a:defRPr sz="1800" kern="1200">
-                    <a:solidFill>
-                      <a:schemeClr val="tx1"/>
-                    </a:solidFill>
-                    <a:latin typeface="+mn-lt"/>
-                    <a:ea typeface="+mn-ea"/>
-                    <a:cs typeface="+mn-cs"/>
-                  </a:defRPr>
-                </a:lvl7pPr>
-                <a:lvl8pPr marL="3429000" indent="-228600" algn="l" defTabSz="914400" rtl="0" eaLnBrk="1" latinLnBrk="0" hangingPunct="1">
-                  <a:lnSpc>
-                    <a:spcPct val="90000"/>
-                  </a:lnSpc>
-                  <a:spcBef>
-                    <a:spcPts val="500"/>
-                  </a:spcBef>
-                  <a:buFont typeface="Arial" panose="020B0604020202020204" pitchFamily="34" charset="0"/>
-                  <a:buChar char="•"/>
-                  <a:defRPr sz="1800" kern="1200">
-                    <a:solidFill>
-                      <a:schemeClr val="tx1"/>
-                    </a:solidFill>
-                    <a:latin typeface="+mn-lt"/>
-                    <a:ea typeface="+mn-ea"/>
-                    <a:cs typeface="+mn-cs"/>
-                  </a:defRPr>
-                </a:lvl8pPr>
-                <a:lvl9pPr marL="3886200" indent="-228600" algn="l" defTabSz="914400" rtl="0" eaLnBrk="1" latinLnBrk="0" hangingPunct="1">
-                  <a:lnSpc>
-                    <a:spcPct val="90000"/>
-                  </a:lnSpc>
-                  <a:spcBef>
-                    <a:spcPts val="500"/>
-                  </a:spcBef>
-                  <a:buFont typeface="Arial" panose="020B0604020202020204" pitchFamily="34" charset="0"/>
-                  <a:buChar char="•"/>
-                  <a:defRPr sz="1800" kern="1200">
-                    <a:solidFill>
-                      <a:schemeClr val="tx1"/>
-                    </a:solidFill>
-                    <a:latin typeface="+mn-lt"/>
-                    <a:ea typeface="+mn-ea"/>
-                    <a:cs typeface="+mn-cs"/>
-                  </a:defRPr>
-                </a:lvl9pPr>
-              </a:lstStyle>
-              <a:p>
-                <a:pPr marL="0" indent="0">
-                  <a:buNone/>
-                </a:pPr>
-                <a:r>
-                  <a:rPr lang="en-US" sz="2400" dirty="0"/>
-                  <a:t>Timed action</a:t>
-                </a:r>
-              </a:p>
-              <a:p>
-                <a:r>
-                  <a:rPr lang="en-US" dirty="0"/>
-                  <a:t>When machine stays in any given mode for time </a:t>
-                </a:r>
-                <a14:m>
-                  <m:oMath xmlns:m="http://schemas.openxmlformats.org/officeDocument/2006/math">
-                    <m:r>
-                      <a:rPr lang="en-US" i="1">
-                        <a:latin typeface="Cambria Math" panose="02040503050406030204" pitchFamily="18" charset="0"/>
-                      </a:rPr>
-                      <m:t>𝛿</m:t>
-                    </m:r>
-                    <m:r>
-                      <a:rPr lang="en-US" i="1">
-                        <a:latin typeface="Cambria Math" panose="02040503050406030204" pitchFamily="18" charset="0"/>
-                      </a:rPr>
-                      <m:t>, </m:t>
-                    </m:r>
-                  </m:oMath>
-                </a14:m>
-                <a:r>
-                  <a:rPr lang="en-US" dirty="0"/>
-                  <a:t>each clock variable increases by </a:t>
-                </a:r>
-                <a14:m>
-                  <m:oMath xmlns:m="http://schemas.openxmlformats.org/officeDocument/2006/math">
-                    <m:r>
-                      <a:rPr lang="en-US" i="1">
-                        <a:latin typeface="Cambria Math" panose="02040503050406030204" pitchFamily="18" charset="0"/>
-                      </a:rPr>
-                      <m:t>𝛿</m:t>
-                    </m:r>
-                  </m:oMath>
-                </a14:m>
-                <a:r>
-                  <a:rPr lang="en-US" dirty="0"/>
-                  <a:t> and all other state variables remain unchanged</a:t>
-                </a:r>
-              </a:p>
-              <a:p>
-                <a:r>
-                  <a:rPr lang="en-US" dirty="0"/>
-                  <a:t>Captures timing constraints</a:t>
-                </a:r>
-              </a:p>
-              <a:p>
-                <a:pPr lvl="1"/>
-                <a:r>
-                  <a:rPr lang="en-US" sz="2400" dirty="0"/>
-                  <a:t>Resetting c to 0 from off</a:t>
-                </a:r>
-                <a14:m>
-                  <m:oMath xmlns:m="http://schemas.openxmlformats.org/officeDocument/2006/math">
-                    <m:r>
-                      <a:rPr lang="en-US" sz="2400" b="0" i="1" smtClean="0">
-                        <a:latin typeface="Cambria Math" panose="02040503050406030204" pitchFamily="18" charset="0"/>
-                      </a:rPr>
-                      <m:t>→</m:t>
-                    </m:r>
-                  </m:oMath>
-                </a14:m>
-                <a:r>
-                  <a:rPr lang="en-US" sz="2400" dirty="0"/>
-                  <a:t>dim and guard c</a:t>
-                </a:r>
-                <a14:m>
-                  <m:oMath xmlns:m="http://schemas.openxmlformats.org/officeDocument/2006/math">
-                    <m:r>
-                      <a:rPr lang="en-US" sz="2400" b="0" i="1" smtClean="0">
-                        <a:latin typeface="Cambria Math" panose="02040503050406030204" pitchFamily="18" charset="0"/>
-                      </a:rPr>
-                      <m:t>≥</m:t>
-                    </m:r>
-                  </m:oMath>
-                </a14:m>
-                <a:r>
-                  <a:rPr lang="en-US" sz="2400" dirty="0"/>
-                  <a:t>1 from dim</a:t>
-                </a:r>
-                <a14:m>
-                  <m:oMath xmlns:m="http://schemas.openxmlformats.org/officeDocument/2006/math">
-                    <m:r>
-                      <a:rPr lang="en-US" sz="2400" b="0" i="1" smtClean="0">
-                        <a:latin typeface="Cambria Math" panose="02040503050406030204" pitchFamily="18" charset="0"/>
-                      </a:rPr>
-                      <m:t>→</m:t>
-                    </m:r>
-                  </m:oMath>
-                </a14:m>
-                <a:r>
-                  <a:rPr lang="en-US" sz="2400" dirty="0"/>
-                  <a:t>off specifies that these mode switches are </a:t>
-                </a:r>
-                <a14:m>
-                  <m:oMath xmlns:m="http://schemas.openxmlformats.org/officeDocument/2006/math">
-                    <m:r>
-                      <a:rPr lang="en-US" sz="2400" b="0" i="1" smtClean="0">
-                        <a:latin typeface="Cambria Math" panose="02040503050406030204" pitchFamily="18" charset="0"/>
-                      </a:rPr>
-                      <m:t>≥</m:t>
-                    </m:r>
-                  </m:oMath>
-                </a14:m>
-                <a:r>
-                  <a:rPr lang="en-US" sz="2400" dirty="0"/>
-                  <a:t>1 second apart</a:t>
-                </a:r>
-              </a:p>
-            </p:txBody>
-          </p:sp>
-        </mc:Choice>
-        <mc:Fallback xmlns="">
-          <p:sp>
-            <p:nvSpPr>
-              <p:cNvPr id="5" name="Content Placeholder 1">
-                <a:extLst>
-                  <a:ext uri="{FF2B5EF4-FFF2-40B4-BE49-F238E27FC236}">
-                    <a16:creationId xmlns:a16="http://schemas.microsoft.com/office/drawing/2014/main" id="{C8D79018-1335-44E9-A469-6C3DA3B7CC55}"/>
-                  </a:ext>
-                </a:extLst>
-              </p:cNvPr>
-              <p:cNvSpPr txBox="1">
-                <a:spLocks noGrp="1" noRot="1" noChangeAspect="1" noMove="1" noResize="1" noEditPoints="1" noAdjustHandles="1" noChangeArrowheads="1" noChangeShapeType="1" noTextEdit="1"/>
-              </p:cNvSpPr>
-              <p:nvPr>
-                <p:ph idx="1"/>
-              </p:nvPr>
-            </p:nvSpPr>
-            <p:spPr>
-              <a:xfrm>
-                <a:off x="7129661" y="1332703"/>
-                <a:ext cx="4736107" cy="4479700"/>
-              </a:xfrm>
-              <a:prstGeom prst="rect">
-                <a:avLst/>
-              </a:prstGeom>
-              <a:blipFill>
-                <a:blip r:embed="rId2"/>
-                <a:stretch>
-                  <a:fillRect l="-2062" t="-1907" r="-3093" b="-545"/>
-                </a:stretch>
-              </a:blipFill>
-            </p:spPr>
-            <p:txBody>
-              <a:bodyPr/>
-              <a:lstStyle/>
-              <a:p>
-                <a:r>
-                  <a:rPr lang="en-US">
-                    <a:noFill/>
-                  </a:rPr>
-                  <a:t> </a:t>
-                </a:r>
-              </a:p>
-            </p:txBody>
-          </p:sp>
-        </mc:Fallback>
-      </mc:AlternateContent>
-      <p:sp>
-        <p:nvSpPr>
-          <p:cNvPr id="6" name="Title 2">
-            <a:extLst>
-              <a:ext uri="{FF2B5EF4-FFF2-40B4-BE49-F238E27FC236}">
-                <a16:creationId xmlns:a16="http://schemas.microsoft.com/office/drawing/2014/main" id="{053EEAFD-D8C1-433D-B3B6-2FC9F9E46E87}"/>
-              </a:ext>
-            </a:extLst>
-          </p:cNvPr>
-          <p:cNvSpPr>
-            <a:spLocks noGrp="1"/>
-          </p:cNvSpPr>
-          <p:nvPr>
-            <p:ph type="title"/>
-          </p:nvPr>
-        </p:nvSpPr>
-        <p:spPr/>
-        <p:txBody>
-          <a:bodyPr/>
-          <a:lstStyle/>
-          <a:p>
-            <a:r>
-              <a:rPr lang="en-US" dirty="0"/>
-              <a:t>Transitions in a timed state machine</a:t>
-            </a:r>
-          </a:p>
-        </p:txBody>
-      </p:sp>
-      <p:grpSp>
-        <p:nvGrpSpPr>
-          <p:cNvPr id="7" name="Group 6">
-            <a:extLst>
-              <a:ext uri="{FF2B5EF4-FFF2-40B4-BE49-F238E27FC236}">
-                <a16:creationId xmlns:a16="http://schemas.microsoft.com/office/drawing/2014/main" id="{D3CFBD06-9B2D-448F-8B35-5DD52C30E9E2}"/>
-              </a:ext>
-            </a:extLst>
-          </p:cNvPr>
-          <p:cNvGrpSpPr/>
-          <p:nvPr/>
-        </p:nvGrpSpPr>
-        <p:grpSpPr>
-          <a:xfrm>
-            <a:off x="326232" y="1714470"/>
-            <a:ext cx="6960123" cy="2714303"/>
-            <a:chOff x="218533" y="2084624"/>
-            <a:chExt cx="6960123" cy="2714303"/>
-          </a:xfrm>
-        </p:grpSpPr>
-        <p:sp>
-          <p:nvSpPr>
-            <p:cNvPr id="8" name="Oval 7">
-              <a:extLst>
-                <a:ext uri="{FF2B5EF4-FFF2-40B4-BE49-F238E27FC236}">
-                  <a16:creationId xmlns:a16="http://schemas.microsoft.com/office/drawing/2014/main" id="{A823F517-8E33-4CED-BED3-4301CF1C780E}"/>
-                </a:ext>
-              </a:extLst>
-            </p:cNvPr>
-            <p:cNvSpPr/>
-            <p:nvPr/>
-          </p:nvSpPr>
-          <p:spPr>
-            <a:xfrm>
-              <a:off x="1420201" y="3028057"/>
-              <a:ext cx="826586" cy="624023"/>
-            </a:xfrm>
-            <a:prstGeom prst="ellipse">
-              <a:avLst/>
-            </a:prstGeom>
-            <a:ln w="25400"/>
-          </p:spPr>
-          <p:style>
-            <a:lnRef idx="2">
-              <a:schemeClr val="accent6"/>
-            </a:lnRef>
-            <a:fillRef idx="1">
-              <a:schemeClr val="lt1"/>
-            </a:fillRef>
-            <a:effectRef idx="0">
-              <a:schemeClr val="accent6"/>
-            </a:effectRef>
-            <a:fontRef idx="minor">
-              <a:schemeClr val="dk1"/>
-            </a:fontRef>
-          </p:style>
-          <p:txBody>
-            <a:bodyPr lIns="0" tIns="0" rIns="0" bIns="0" rtlCol="0" anchor="ctr"/>
-            <a:lstStyle/>
-            <a:p>
-              <a:pPr algn="ctr"/>
-              <a:r>
-                <a:rPr lang="en-US" dirty="0"/>
-                <a:t>off</a:t>
-              </a:r>
-              <a:endParaRPr lang="en-US" baseline="-25000" dirty="0"/>
-            </a:p>
-          </p:txBody>
-        </p:sp>
-        <p:sp>
-          <p:nvSpPr>
-            <p:cNvPr id="9" name="Oval 8">
-              <a:extLst>
-                <a:ext uri="{FF2B5EF4-FFF2-40B4-BE49-F238E27FC236}">
-                  <a16:creationId xmlns:a16="http://schemas.microsoft.com/office/drawing/2014/main" id="{DBB7CD3B-4A49-4562-BDD6-99A93846A141}"/>
-                </a:ext>
-              </a:extLst>
-            </p:cNvPr>
-            <p:cNvSpPr/>
-            <p:nvPr/>
-          </p:nvSpPr>
-          <p:spPr>
-            <a:xfrm>
-              <a:off x="3604600" y="3028057"/>
-              <a:ext cx="826586" cy="624023"/>
-            </a:xfrm>
-            <a:prstGeom prst="ellipse">
-              <a:avLst/>
-            </a:prstGeom>
-            <a:ln w="25400"/>
-          </p:spPr>
-          <p:style>
-            <a:lnRef idx="2">
-              <a:schemeClr val="accent6"/>
-            </a:lnRef>
-            <a:fillRef idx="1">
-              <a:schemeClr val="lt1"/>
-            </a:fillRef>
-            <a:effectRef idx="0">
-              <a:schemeClr val="accent6"/>
-            </a:effectRef>
-            <a:fontRef idx="minor">
-              <a:schemeClr val="dk1"/>
-            </a:fontRef>
-          </p:style>
-          <p:txBody>
-            <a:bodyPr lIns="0" tIns="0" rIns="0" bIns="0" rtlCol="0" anchor="ctr"/>
-            <a:lstStyle/>
-            <a:p>
-              <a:pPr algn="ctr"/>
-              <a:r>
-                <a:rPr lang="en-US" dirty="0"/>
-                <a:t>dim</a:t>
-              </a:r>
-              <a:endParaRPr lang="en-US" baseline="-25000" dirty="0"/>
-            </a:p>
-          </p:txBody>
-        </p:sp>
-        <p:sp>
-          <p:nvSpPr>
-            <p:cNvPr id="10" name="Oval 9">
-              <a:extLst>
-                <a:ext uri="{FF2B5EF4-FFF2-40B4-BE49-F238E27FC236}">
-                  <a16:creationId xmlns:a16="http://schemas.microsoft.com/office/drawing/2014/main" id="{06B2EE56-D1AC-419F-9DE7-4A243D5A81E9}"/>
-                </a:ext>
-              </a:extLst>
-            </p:cNvPr>
-            <p:cNvSpPr/>
-            <p:nvPr/>
-          </p:nvSpPr>
-          <p:spPr>
-            <a:xfrm>
-              <a:off x="6140367" y="3028057"/>
-              <a:ext cx="826586" cy="624023"/>
-            </a:xfrm>
-            <a:prstGeom prst="ellipse">
-              <a:avLst/>
-            </a:prstGeom>
-            <a:ln w="25400"/>
-          </p:spPr>
-          <p:style>
-            <a:lnRef idx="2">
-              <a:schemeClr val="accent6"/>
-            </a:lnRef>
-            <a:fillRef idx="1">
-              <a:schemeClr val="lt1"/>
-            </a:fillRef>
-            <a:effectRef idx="0">
-              <a:schemeClr val="accent6"/>
-            </a:effectRef>
-            <a:fontRef idx="minor">
-              <a:schemeClr val="dk1"/>
-            </a:fontRef>
-          </p:style>
-          <p:txBody>
-            <a:bodyPr lIns="0" tIns="0" rIns="0" bIns="0" rtlCol="0" anchor="ctr"/>
-            <a:lstStyle/>
-            <a:p>
-              <a:pPr algn="ctr"/>
-              <a:r>
-                <a:rPr lang="en-US" dirty="0"/>
-                <a:t>bright</a:t>
-              </a:r>
-              <a:endParaRPr lang="en-US" baseline="-25000" dirty="0"/>
-            </a:p>
-          </p:txBody>
-        </p:sp>
-        <p:cxnSp>
-          <p:nvCxnSpPr>
-            <p:cNvPr id="11" name="Straight Arrow Connector 10">
-              <a:extLst>
-                <a:ext uri="{FF2B5EF4-FFF2-40B4-BE49-F238E27FC236}">
-                  <a16:creationId xmlns:a16="http://schemas.microsoft.com/office/drawing/2014/main" id="{3ECCAFCF-44D5-4857-9CDC-00DDC9F4AA8E}"/>
-                </a:ext>
-              </a:extLst>
-            </p:cNvPr>
-            <p:cNvCxnSpPr>
-              <a:stCxn id="8" idx="6"/>
-              <a:endCxn id="9" idx="2"/>
-            </p:cNvCxnSpPr>
-            <p:nvPr/>
-          </p:nvCxnSpPr>
-          <p:spPr>
-            <a:xfrm>
-              <a:off x="2246787" y="3340069"/>
-              <a:ext cx="1357813" cy="0"/>
-            </a:xfrm>
-            <a:prstGeom prst="straightConnector1">
-              <a:avLst/>
-            </a:prstGeom>
-            <a:ln w="25400">
-              <a:solidFill>
-                <a:schemeClr val="accent6"/>
-              </a:solidFill>
-              <a:tailEnd type="triangle" w="lg" len="lg"/>
-            </a:ln>
-          </p:spPr>
-          <p:style>
-            <a:lnRef idx="1">
-              <a:schemeClr val="accent1"/>
-            </a:lnRef>
-            <a:fillRef idx="0">
-              <a:schemeClr val="accent1"/>
-            </a:fillRef>
-            <a:effectRef idx="0">
-              <a:schemeClr val="accent1"/>
-            </a:effectRef>
-            <a:fontRef idx="minor">
-              <a:schemeClr val="tx1"/>
-            </a:fontRef>
-          </p:style>
-        </p:cxnSp>
-        <p:cxnSp>
-          <p:nvCxnSpPr>
-            <p:cNvPr id="12" name="Straight Arrow Connector 11">
-              <a:extLst>
-                <a:ext uri="{FF2B5EF4-FFF2-40B4-BE49-F238E27FC236}">
-                  <a16:creationId xmlns:a16="http://schemas.microsoft.com/office/drawing/2014/main" id="{FF3E9DEA-5C3B-4764-BD5D-C9906631F25B}"/>
-                </a:ext>
-              </a:extLst>
-            </p:cNvPr>
-            <p:cNvCxnSpPr>
-              <a:cxnSpLocks/>
-              <a:stCxn id="9" idx="6"/>
-              <a:endCxn id="10" idx="2"/>
-            </p:cNvCxnSpPr>
-            <p:nvPr/>
-          </p:nvCxnSpPr>
-          <p:spPr>
-            <a:xfrm>
-              <a:off x="4431186" y="3340069"/>
-              <a:ext cx="1709181" cy="0"/>
-            </a:xfrm>
-            <a:prstGeom prst="straightConnector1">
-              <a:avLst/>
-            </a:prstGeom>
-            <a:ln w="25400">
-              <a:solidFill>
-                <a:schemeClr val="accent6"/>
-              </a:solidFill>
-              <a:tailEnd type="triangle" w="lg" len="lg"/>
-            </a:ln>
-          </p:spPr>
-          <p:style>
-            <a:lnRef idx="1">
-              <a:schemeClr val="accent1"/>
-            </a:lnRef>
-            <a:fillRef idx="0">
-              <a:schemeClr val="accent1"/>
-            </a:fillRef>
-            <a:effectRef idx="0">
-              <a:schemeClr val="accent1"/>
-            </a:effectRef>
-            <a:fontRef idx="minor">
-              <a:schemeClr val="tx1"/>
-            </a:fontRef>
-          </p:style>
-        </p:cxnSp>
-        <p:sp>
-          <p:nvSpPr>
-            <p:cNvPr id="13" name="Freeform: Shape 12">
-              <a:extLst>
-                <a:ext uri="{FF2B5EF4-FFF2-40B4-BE49-F238E27FC236}">
-                  <a16:creationId xmlns:a16="http://schemas.microsoft.com/office/drawing/2014/main" id="{3A1A4639-C9ED-43BF-B0B6-45457D2EED2E}"/>
-                </a:ext>
-              </a:extLst>
-            </p:cNvPr>
-            <p:cNvSpPr/>
-            <p:nvPr/>
-          </p:nvSpPr>
-          <p:spPr>
-            <a:xfrm>
-              <a:off x="2081685" y="3601484"/>
-              <a:ext cx="4357535" cy="885991"/>
-            </a:xfrm>
-            <a:custGeom>
-              <a:avLst/>
-              <a:gdLst>
-                <a:gd name="connsiteX0" fmla="*/ 4445000 w 4445000"/>
-                <a:gd name="connsiteY0" fmla="*/ 33867 h 326122"/>
-                <a:gd name="connsiteX1" fmla="*/ 2065867 w 4445000"/>
-                <a:gd name="connsiteY1" fmla="*/ 325967 h 326122"/>
-                <a:gd name="connsiteX2" fmla="*/ 0 w 4445000"/>
-                <a:gd name="connsiteY2" fmla="*/ 0 h 326122"/>
-                <a:gd name="connsiteX0" fmla="*/ 4351866 w 4351866"/>
-                <a:gd name="connsiteY0" fmla="*/ 25400 h 326051"/>
-                <a:gd name="connsiteX1" fmla="*/ 2065867 w 4351866"/>
-                <a:gd name="connsiteY1" fmla="*/ 325967 h 326051"/>
-                <a:gd name="connsiteX2" fmla="*/ 0 w 4351866"/>
-                <a:gd name="connsiteY2" fmla="*/ 0 h 326051"/>
-                <a:gd name="connsiteX0" fmla="*/ 4246033 w 4246033"/>
-                <a:gd name="connsiteY0" fmla="*/ 21167 h 326024"/>
-                <a:gd name="connsiteX1" fmla="*/ 2065867 w 4246033"/>
-                <a:gd name="connsiteY1" fmla="*/ 325967 h 326024"/>
-                <a:gd name="connsiteX2" fmla="*/ 0 w 4246033"/>
-                <a:gd name="connsiteY2" fmla="*/ 0 h 326024"/>
-              </a:gdLst>
-              <a:ahLst/>
-              <a:cxnLst>
-                <a:cxn ang="0">
-                  <a:pos x="connsiteX0" y="connsiteY0"/>
-                </a:cxn>
-                <a:cxn ang="0">
-                  <a:pos x="connsiteX1" y="connsiteY1"/>
-                </a:cxn>
-                <a:cxn ang="0">
-                  <a:pos x="connsiteX2" y="connsiteY2"/>
-                </a:cxn>
-              </a:cxnLst>
-              <a:rect l="l" t="t" r="r" b="b"/>
-              <a:pathLst>
-                <a:path w="4246033" h="326024">
-                  <a:moveTo>
-                    <a:pt x="4246033" y="21167"/>
-                  </a:moveTo>
-                  <a:cubicBezTo>
-                    <a:pt x="3426883" y="170039"/>
-                    <a:pt x="2773539" y="329495"/>
-                    <a:pt x="2065867" y="325967"/>
-                  </a:cubicBezTo>
-                  <a:cubicBezTo>
-                    <a:pt x="1358195" y="322439"/>
-                    <a:pt x="662517" y="160161"/>
-                    <a:pt x="0" y="0"/>
-                  </a:cubicBezTo>
-                </a:path>
-              </a:pathLst>
-            </a:custGeom>
-            <a:ln w="25400">
-              <a:solidFill>
-                <a:schemeClr val="accent6"/>
-              </a:solidFill>
-              <a:tailEnd type="triangle" w="lg" len="lg"/>
-            </a:ln>
-          </p:spPr>
-          <p:style>
-            <a:lnRef idx="1">
-              <a:schemeClr val="accent1"/>
-            </a:lnRef>
-            <a:fillRef idx="0">
-              <a:schemeClr val="accent1"/>
-            </a:fillRef>
-            <a:effectRef idx="0">
-              <a:schemeClr val="accent1"/>
-            </a:effectRef>
-            <a:fontRef idx="minor">
-              <a:schemeClr val="tx1"/>
-            </a:fontRef>
-          </p:style>
-          <p:txBody>
-            <a:bodyPr rtlCol="0" anchor="ctr"/>
-            <a:lstStyle/>
-            <a:p>
-              <a:pPr algn="ctr"/>
-              <a:endParaRPr lang="en-US" dirty="0"/>
-            </a:p>
-          </p:txBody>
-        </p:sp>
-        <p:sp>
-          <p:nvSpPr>
-            <p:cNvPr id="14" name="Freeform: Shape 13">
-              <a:extLst>
-                <a:ext uri="{FF2B5EF4-FFF2-40B4-BE49-F238E27FC236}">
-                  <a16:creationId xmlns:a16="http://schemas.microsoft.com/office/drawing/2014/main" id="{5AFCFD1C-B530-41D3-8C71-4C4BEC463381}"/>
-                </a:ext>
-              </a:extLst>
-            </p:cNvPr>
-            <p:cNvSpPr/>
-            <p:nvPr/>
-          </p:nvSpPr>
-          <p:spPr>
-            <a:xfrm>
-              <a:off x="6797620" y="2824136"/>
-              <a:ext cx="381036" cy="373257"/>
-            </a:xfrm>
-            <a:custGeom>
-              <a:avLst/>
-              <a:gdLst>
-                <a:gd name="connsiteX0" fmla="*/ 135466 w 341178"/>
-                <a:gd name="connsiteY0" fmla="*/ 374093 h 374093"/>
-                <a:gd name="connsiteX1" fmla="*/ 292100 w 341178"/>
-                <a:gd name="connsiteY1" fmla="*/ 327526 h 374093"/>
-                <a:gd name="connsiteX2" fmla="*/ 338666 w 341178"/>
-                <a:gd name="connsiteY2" fmla="*/ 204760 h 374093"/>
-                <a:gd name="connsiteX3" fmla="*/ 317500 w 341178"/>
-                <a:gd name="connsiteY3" fmla="*/ 90460 h 374093"/>
-                <a:gd name="connsiteX4" fmla="*/ 173566 w 341178"/>
-                <a:gd name="connsiteY4" fmla="*/ 1560 h 374093"/>
-                <a:gd name="connsiteX5" fmla="*/ 67733 w 341178"/>
-                <a:gd name="connsiteY5" fmla="*/ 35426 h 374093"/>
-                <a:gd name="connsiteX6" fmla="*/ 21166 w 341178"/>
-                <a:gd name="connsiteY6" fmla="*/ 56593 h 374093"/>
-                <a:gd name="connsiteX7" fmla="*/ 0 w 341178"/>
-                <a:gd name="connsiteY7" fmla="*/ 251326 h 374093"/>
-                <a:gd name="connsiteX0" fmla="*/ 135466 w 341178"/>
-                <a:gd name="connsiteY0" fmla="*/ 373504 h 373504"/>
-                <a:gd name="connsiteX1" fmla="*/ 292100 w 341178"/>
-                <a:gd name="connsiteY1" fmla="*/ 326937 h 373504"/>
-                <a:gd name="connsiteX2" fmla="*/ 338666 w 341178"/>
-                <a:gd name="connsiteY2" fmla="*/ 204171 h 373504"/>
-                <a:gd name="connsiteX3" fmla="*/ 317500 w 341178"/>
-                <a:gd name="connsiteY3" fmla="*/ 89871 h 373504"/>
-                <a:gd name="connsiteX4" fmla="*/ 173566 w 341178"/>
-                <a:gd name="connsiteY4" fmla="*/ 971 h 373504"/>
-                <a:gd name="connsiteX5" fmla="*/ 21166 w 341178"/>
-                <a:gd name="connsiteY5" fmla="*/ 56004 h 373504"/>
-                <a:gd name="connsiteX6" fmla="*/ 0 w 341178"/>
-                <a:gd name="connsiteY6" fmla="*/ 250737 h 373504"/>
-                <a:gd name="connsiteX0" fmla="*/ 135466 w 341178"/>
-                <a:gd name="connsiteY0" fmla="*/ 372533 h 372533"/>
-                <a:gd name="connsiteX1" fmla="*/ 292100 w 341178"/>
-                <a:gd name="connsiteY1" fmla="*/ 325966 h 372533"/>
-                <a:gd name="connsiteX2" fmla="*/ 338666 w 341178"/>
-                <a:gd name="connsiteY2" fmla="*/ 203200 h 372533"/>
-                <a:gd name="connsiteX3" fmla="*/ 317500 w 341178"/>
-                <a:gd name="connsiteY3" fmla="*/ 88900 h 372533"/>
-                <a:gd name="connsiteX4" fmla="*/ 173566 w 341178"/>
-                <a:gd name="connsiteY4" fmla="*/ 0 h 372533"/>
-                <a:gd name="connsiteX5" fmla="*/ 29632 w 341178"/>
-                <a:gd name="connsiteY5" fmla="*/ 88900 h 372533"/>
-                <a:gd name="connsiteX6" fmla="*/ 0 w 341178"/>
-                <a:gd name="connsiteY6" fmla="*/ 249766 h 372533"/>
-                <a:gd name="connsiteX0" fmla="*/ 135466 w 339364"/>
-                <a:gd name="connsiteY0" fmla="*/ 373286 h 373286"/>
-                <a:gd name="connsiteX1" fmla="*/ 292100 w 339364"/>
-                <a:gd name="connsiteY1" fmla="*/ 326719 h 373286"/>
-                <a:gd name="connsiteX2" fmla="*/ 338666 w 339364"/>
-                <a:gd name="connsiteY2" fmla="*/ 203953 h 373286"/>
-                <a:gd name="connsiteX3" fmla="*/ 309033 w 339364"/>
-                <a:gd name="connsiteY3" fmla="*/ 55786 h 373286"/>
-                <a:gd name="connsiteX4" fmla="*/ 173566 w 339364"/>
-                <a:gd name="connsiteY4" fmla="*/ 753 h 373286"/>
-                <a:gd name="connsiteX5" fmla="*/ 29632 w 339364"/>
-                <a:gd name="connsiteY5" fmla="*/ 89653 h 373286"/>
-                <a:gd name="connsiteX6" fmla="*/ 0 w 339364"/>
-                <a:gd name="connsiteY6" fmla="*/ 250519 h 373286"/>
-                <a:gd name="connsiteX0" fmla="*/ 135466 w 347533"/>
-                <a:gd name="connsiteY0" fmla="*/ 373354 h 373354"/>
-                <a:gd name="connsiteX1" fmla="*/ 292100 w 347533"/>
-                <a:gd name="connsiteY1" fmla="*/ 326787 h 373354"/>
-                <a:gd name="connsiteX2" fmla="*/ 347132 w 347533"/>
-                <a:gd name="connsiteY2" fmla="*/ 220954 h 373354"/>
-                <a:gd name="connsiteX3" fmla="*/ 309033 w 347533"/>
-                <a:gd name="connsiteY3" fmla="*/ 55854 h 373354"/>
-                <a:gd name="connsiteX4" fmla="*/ 173566 w 347533"/>
-                <a:gd name="connsiteY4" fmla="*/ 821 h 373354"/>
-                <a:gd name="connsiteX5" fmla="*/ 29632 w 347533"/>
-                <a:gd name="connsiteY5" fmla="*/ 89721 h 373354"/>
-                <a:gd name="connsiteX6" fmla="*/ 0 w 347533"/>
-                <a:gd name="connsiteY6" fmla="*/ 250587 h 373354"/>
-                <a:gd name="connsiteX0" fmla="*/ 135466 w 381139"/>
-                <a:gd name="connsiteY0" fmla="*/ 373257 h 373257"/>
-                <a:gd name="connsiteX1" fmla="*/ 292100 w 381139"/>
-                <a:gd name="connsiteY1" fmla="*/ 326690 h 373257"/>
-                <a:gd name="connsiteX2" fmla="*/ 380999 w 381139"/>
-                <a:gd name="connsiteY2" fmla="*/ 195457 h 373257"/>
-                <a:gd name="connsiteX3" fmla="*/ 309033 w 381139"/>
-                <a:gd name="connsiteY3" fmla="*/ 55757 h 373257"/>
-                <a:gd name="connsiteX4" fmla="*/ 173566 w 381139"/>
-                <a:gd name="connsiteY4" fmla="*/ 724 h 373257"/>
-                <a:gd name="connsiteX5" fmla="*/ 29632 w 381139"/>
-                <a:gd name="connsiteY5" fmla="*/ 89624 h 373257"/>
-                <a:gd name="connsiteX6" fmla="*/ 0 w 381139"/>
-                <a:gd name="connsiteY6" fmla="*/ 250490 h 373257"/>
-                <a:gd name="connsiteX0" fmla="*/ 135466 w 381036"/>
-                <a:gd name="connsiteY0" fmla="*/ 373257 h 373257"/>
-                <a:gd name="connsiteX1" fmla="*/ 300567 w 381036"/>
-                <a:gd name="connsiteY1" fmla="*/ 313990 h 373257"/>
-                <a:gd name="connsiteX2" fmla="*/ 380999 w 381036"/>
-                <a:gd name="connsiteY2" fmla="*/ 195457 h 373257"/>
-                <a:gd name="connsiteX3" fmla="*/ 309033 w 381036"/>
-                <a:gd name="connsiteY3" fmla="*/ 55757 h 373257"/>
-                <a:gd name="connsiteX4" fmla="*/ 173566 w 381036"/>
-                <a:gd name="connsiteY4" fmla="*/ 724 h 373257"/>
-                <a:gd name="connsiteX5" fmla="*/ 29632 w 381036"/>
-                <a:gd name="connsiteY5" fmla="*/ 89624 h 373257"/>
-                <a:gd name="connsiteX6" fmla="*/ 0 w 381036"/>
-                <a:gd name="connsiteY6" fmla="*/ 250490 h 373257"/>
-              </a:gdLst>
-              <a:ahLst/>
-              <a:cxnLst>
-                <a:cxn ang="0">
-                  <a:pos x="connsiteX0" y="connsiteY0"/>
-                </a:cxn>
-                <a:cxn ang="0">
-                  <a:pos x="connsiteX1" y="connsiteY1"/>
-                </a:cxn>
-                <a:cxn ang="0">
-                  <a:pos x="connsiteX2" y="connsiteY2"/>
-                </a:cxn>
-                <a:cxn ang="0">
-                  <a:pos x="connsiteX3" y="connsiteY3"/>
-                </a:cxn>
-                <a:cxn ang="0">
-                  <a:pos x="connsiteX4" y="connsiteY4"/>
-                </a:cxn>
-                <a:cxn ang="0">
-                  <a:pos x="connsiteX5" y="connsiteY5"/>
-                </a:cxn>
-                <a:cxn ang="0">
-                  <a:pos x="connsiteX6" y="connsiteY6"/>
-                </a:cxn>
-              </a:cxnLst>
-              <a:rect l="l" t="t" r="r" b="b"/>
-              <a:pathLst>
-                <a:path w="381036" h="373257">
-                  <a:moveTo>
-                    <a:pt x="135466" y="373257"/>
-                  </a:moveTo>
-                  <a:cubicBezTo>
-                    <a:pt x="196849" y="364084"/>
-                    <a:pt x="259645" y="343623"/>
-                    <a:pt x="300567" y="313990"/>
-                  </a:cubicBezTo>
-                  <a:cubicBezTo>
-                    <a:pt x="341489" y="284357"/>
-                    <a:pt x="379588" y="238496"/>
-                    <a:pt x="380999" y="195457"/>
-                  </a:cubicBezTo>
-                  <a:cubicBezTo>
-                    <a:pt x="382410" y="152418"/>
-                    <a:pt x="343605" y="88212"/>
-                    <a:pt x="309033" y="55757"/>
-                  </a:cubicBezTo>
-                  <a:cubicBezTo>
-                    <a:pt x="274461" y="23302"/>
-                    <a:pt x="220133" y="-4920"/>
-                    <a:pt x="173566" y="724"/>
-                  </a:cubicBezTo>
-                  <a:cubicBezTo>
-                    <a:pt x="126999" y="6368"/>
-                    <a:pt x="58560" y="47996"/>
-                    <a:pt x="29632" y="89624"/>
-                  </a:cubicBezTo>
-                  <a:cubicBezTo>
-                    <a:pt x="18343" y="125607"/>
-                    <a:pt x="4938" y="171115"/>
-                    <a:pt x="0" y="250490"/>
-                  </a:cubicBezTo>
-                </a:path>
-              </a:pathLst>
-            </a:custGeom>
-            <a:ln w="25400">
-              <a:solidFill>
-                <a:schemeClr val="accent6"/>
-              </a:solidFill>
-              <a:tailEnd type="triangle" w="lg" len="lg"/>
-            </a:ln>
-          </p:spPr>
-          <p:style>
-            <a:lnRef idx="1">
-              <a:schemeClr val="accent1"/>
-            </a:lnRef>
-            <a:fillRef idx="0">
-              <a:schemeClr val="accent1"/>
-            </a:fillRef>
-            <a:effectRef idx="0">
-              <a:schemeClr val="accent1"/>
-            </a:effectRef>
-            <a:fontRef idx="minor">
-              <a:schemeClr val="tx1"/>
-            </a:fontRef>
-          </p:style>
-          <p:txBody>
-            <a:bodyPr rot="0" spcFirstLastPara="0" vertOverflow="overflow" horzOverflow="overflow" vert="horz" wrap="square" lIns="91440" tIns="45720" rIns="91440" bIns="45720" numCol="1" spcCol="0" rtlCol="0" fromWordArt="0" anchor="ctr" anchorCtr="0" forceAA="0" compatLnSpc="1">
-              <a:prstTxWarp prst="textNoShape">
-                <a:avLst/>
-              </a:prstTxWarp>
-              <a:noAutofit/>
-            </a:bodyPr>
-            <a:lstStyle/>
-            <a:p>
-              <a:pPr algn="ctr"/>
-              <a:endParaRPr lang="en-US">
-                <a:solidFill>
-                  <a:schemeClr val="tx1"/>
-                </a:solidFill>
-              </a:endParaRPr>
-            </a:p>
-          </p:txBody>
-        </p:sp>
-        <mc:AlternateContent xmlns:mc="http://schemas.openxmlformats.org/markup-compatibility/2006" xmlns:a14="http://schemas.microsoft.com/office/drawing/2010/main">
-          <mc:Choice Requires="a14">
-            <p:sp>
-              <p:nvSpPr>
-                <p:cNvPr id="15" name="TextBox 14">
-                  <a:extLst>
-                    <a:ext uri="{FF2B5EF4-FFF2-40B4-BE49-F238E27FC236}">
-                      <a16:creationId xmlns:a16="http://schemas.microsoft.com/office/drawing/2014/main" id="{B24ADF4F-A6F6-4D72-BC9C-67F1E62A4F69}"/>
-                    </a:ext>
-                  </a:extLst>
-                </p:cNvPr>
-                <p:cNvSpPr txBox="1"/>
-                <p:nvPr/>
-              </p:nvSpPr>
-              <p:spPr>
-                <a:xfrm>
-                  <a:off x="2336776" y="3311403"/>
-                  <a:ext cx="1324914" cy="584775"/>
-                </a:xfrm>
-                <a:prstGeom prst="rect">
-                  <a:avLst/>
-                </a:prstGeom>
-                <a:noFill/>
-              </p:spPr>
-              <p:txBody>
-                <a:bodyPr wrap="none" rtlCol="0">
-                  <a:spAutoFit/>
-                </a:bodyPr>
-                <a:lstStyle/>
-                <a:p>
-                  <a:r>
-                    <a:rPr lang="en-US" sz="1600" dirty="0"/>
-                    <a:t>(press==1)?</a:t>
-                  </a:r>
-                  <a14:m>
-                    <m:oMath xmlns:m="http://schemas.openxmlformats.org/officeDocument/2006/math">
-                      <m:r>
-                        <a:rPr lang="en-US" sz="1600" b="0" i="1" smtClean="0">
-                          <a:latin typeface="Cambria Math" panose="02040503050406030204" pitchFamily="18" charset="0"/>
-                        </a:rPr>
-                        <m:t>→</m:t>
-                      </m:r>
-                    </m:oMath>
-                  </a14:m>
-                  <a:endParaRPr lang="en-US" sz="1600" dirty="0"/>
-                </a:p>
-                <a:p>
-                  <a:r>
-                    <a:rPr lang="en-US" sz="1600" dirty="0"/>
-                    <a:t> c:=0</a:t>
-                  </a:r>
-                </a:p>
-              </p:txBody>
-            </p:sp>
-          </mc:Choice>
-          <mc:Fallback xmlns="">
-            <p:sp>
-              <p:nvSpPr>
-                <p:cNvPr id="13" name="TextBox 12">
-                  <a:extLst>
-                    <a:ext uri="{FF2B5EF4-FFF2-40B4-BE49-F238E27FC236}">
-                      <a16:creationId xmlns:a16="http://schemas.microsoft.com/office/drawing/2014/main" id="{B4911D0E-9194-4438-A253-DCA01D6D9420}"/>
-                    </a:ext>
-                  </a:extLst>
-                </p:cNvPr>
-                <p:cNvSpPr txBox="1">
-                  <a:spLocks noRot="1" noChangeAspect="1" noMove="1" noResize="1" noEditPoints="1" noAdjustHandles="1" noChangeArrowheads="1" noChangeShapeType="1" noTextEdit="1"/>
-                </p:cNvSpPr>
-                <p:nvPr/>
-              </p:nvSpPr>
-              <p:spPr>
-                <a:xfrm>
-                  <a:off x="2336776" y="3311403"/>
-                  <a:ext cx="1324914" cy="584775"/>
-                </a:xfrm>
-                <a:prstGeom prst="rect">
-                  <a:avLst/>
-                </a:prstGeom>
-                <a:blipFill>
-                  <a:blip r:embed="rId4"/>
-                  <a:stretch>
-                    <a:fillRect l="-2294" t="-3125" b="-12500"/>
-                  </a:stretch>
-                </a:blipFill>
-              </p:spPr>
-              <p:txBody>
-                <a:bodyPr/>
-                <a:lstStyle/>
-                <a:p>
-                  <a:r>
-                    <a:rPr lang="en-US">
-                      <a:noFill/>
-                    </a:rPr>
-                    <a:t> </a:t>
-                  </a:r>
-                </a:p>
-              </p:txBody>
-            </p:sp>
-          </mc:Fallback>
-        </mc:AlternateContent>
-        <p:sp>
-          <p:nvSpPr>
-            <p:cNvPr id="16" name="TextBox 15">
-              <a:extLst>
-                <a:ext uri="{FF2B5EF4-FFF2-40B4-BE49-F238E27FC236}">
-                  <a16:creationId xmlns:a16="http://schemas.microsoft.com/office/drawing/2014/main" id="{1BD27D04-24B0-436E-8C32-7A6018C4D585}"/>
-                </a:ext>
-              </a:extLst>
-            </p:cNvPr>
-            <p:cNvSpPr txBox="1"/>
-            <p:nvPr/>
-          </p:nvSpPr>
-          <p:spPr>
-            <a:xfrm>
-              <a:off x="3644938" y="4460373"/>
-              <a:ext cx="1153393" cy="338554"/>
-            </a:xfrm>
-            <a:prstGeom prst="rect">
-              <a:avLst/>
-            </a:prstGeom>
-            <a:noFill/>
-          </p:spPr>
-          <p:txBody>
-            <a:bodyPr wrap="none" rtlCol="0">
-              <a:spAutoFit/>
-            </a:bodyPr>
-            <a:lstStyle/>
-            <a:p>
-              <a:r>
-                <a:rPr lang="en-US" sz="1600" dirty="0"/>
-                <a:t>(press==1)?</a:t>
-              </a:r>
-            </a:p>
-          </p:txBody>
-        </p:sp>
-        <p:cxnSp>
-          <p:nvCxnSpPr>
-            <p:cNvPr id="17" name="Straight Arrow Connector 16">
-              <a:extLst>
-                <a:ext uri="{FF2B5EF4-FFF2-40B4-BE49-F238E27FC236}">
-                  <a16:creationId xmlns:a16="http://schemas.microsoft.com/office/drawing/2014/main" id="{5932C973-5CF2-4FBF-9EF3-6DC25D618A7E}"/>
-                </a:ext>
-              </a:extLst>
-            </p:cNvPr>
-            <p:cNvCxnSpPr>
-              <a:cxnSpLocks/>
-              <a:endCxn id="8" idx="2"/>
-            </p:cNvCxnSpPr>
-            <p:nvPr/>
-          </p:nvCxnSpPr>
-          <p:spPr>
-            <a:xfrm>
-              <a:off x="589102" y="3340069"/>
-              <a:ext cx="831099" cy="0"/>
-            </a:xfrm>
-            <a:prstGeom prst="straightConnector1">
-              <a:avLst/>
-            </a:prstGeom>
-            <a:ln w="25400">
-              <a:solidFill>
-                <a:schemeClr val="accent6"/>
-              </a:solidFill>
-              <a:tailEnd type="triangle" w="lg" len="lg"/>
-            </a:ln>
-          </p:spPr>
-          <p:style>
-            <a:lnRef idx="1">
-              <a:schemeClr val="accent1"/>
-            </a:lnRef>
-            <a:fillRef idx="0">
-              <a:schemeClr val="accent1"/>
-            </a:fillRef>
-            <a:effectRef idx="0">
-              <a:schemeClr val="accent1"/>
-            </a:effectRef>
-            <a:fontRef idx="minor">
-              <a:schemeClr val="tx1"/>
-            </a:fontRef>
-          </p:style>
-        </p:cxnSp>
-        <p:sp>
-          <p:nvSpPr>
-            <p:cNvPr id="18" name="TextBox 17">
-              <a:extLst>
-                <a:ext uri="{FF2B5EF4-FFF2-40B4-BE49-F238E27FC236}">
-                  <a16:creationId xmlns:a16="http://schemas.microsoft.com/office/drawing/2014/main" id="{FF6F7BB9-25C4-4A90-AC21-43A582B8AF6A}"/>
-                </a:ext>
-              </a:extLst>
-            </p:cNvPr>
-            <p:cNvSpPr txBox="1"/>
-            <p:nvPr/>
-          </p:nvSpPr>
-          <p:spPr>
-            <a:xfrm>
-              <a:off x="218533" y="2928958"/>
-              <a:ext cx="1000595" cy="338554"/>
-            </a:xfrm>
-            <a:prstGeom prst="rect">
-              <a:avLst/>
-            </a:prstGeom>
-            <a:noFill/>
-          </p:spPr>
-          <p:txBody>
-            <a:bodyPr wrap="none" rtlCol="0">
-              <a:spAutoFit/>
-            </a:bodyPr>
-            <a:lstStyle/>
-            <a:p>
-              <a:r>
-                <a:rPr lang="en-US" sz="1600" dirty="0"/>
-                <a:t>clock c:=0</a:t>
-              </a:r>
-            </a:p>
-          </p:txBody>
-        </p:sp>
-        <p:sp>
-          <p:nvSpPr>
-            <p:cNvPr id="19" name="Freeform: Shape 18">
-              <a:extLst>
-                <a:ext uri="{FF2B5EF4-FFF2-40B4-BE49-F238E27FC236}">
-                  <a16:creationId xmlns:a16="http://schemas.microsoft.com/office/drawing/2014/main" id="{768063C6-EF21-45A6-87AC-B9A613FF3380}"/>
-                </a:ext>
-              </a:extLst>
-            </p:cNvPr>
-            <p:cNvSpPr/>
-            <p:nvPr/>
-          </p:nvSpPr>
-          <p:spPr>
-            <a:xfrm>
-              <a:off x="1821116" y="2474254"/>
-              <a:ext cx="2120793" cy="573427"/>
-            </a:xfrm>
-            <a:custGeom>
-              <a:avLst/>
-              <a:gdLst>
-                <a:gd name="connsiteX0" fmla="*/ 2013217 w 2013217"/>
-                <a:gd name="connsiteY0" fmla="*/ 522518 h 522518"/>
-                <a:gd name="connsiteX1" fmla="*/ 1114185 w 2013217"/>
-                <a:gd name="connsiteY1" fmla="*/ 4 h 522518"/>
-                <a:gd name="connsiteX2" fmla="*/ 0 w 2013217"/>
-                <a:gd name="connsiteY2" fmla="*/ 514834 h 522518"/>
-              </a:gdLst>
-              <a:ahLst/>
-              <a:cxnLst>
-                <a:cxn ang="0">
-                  <a:pos x="connsiteX0" y="connsiteY0"/>
-                </a:cxn>
-                <a:cxn ang="0">
-                  <a:pos x="connsiteX1" y="connsiteY1"/>
-                </a:cxn>
-                <a:cxn ang="0">
-                  <a:pos x="connsiteX2" y="connsiteY2"/>
-                </a:cxn>
-              </a:cxnLst>
-              <a:rect l="l" t="t" r="r" b="b"/>
-              <a:pathLst>
-                <a:path w="2013217" h="522518">
-                  <a:moveTo>
-                    <a:pt x="2013217" y="522518"/>
-                  </a:moveTo>
-                  <a:cubicBezTo>
-                    <a:pt x="1731469" y="261901"/>
-                    <a:pt x="1449721" y="1285"/>
-                    <a:pt x="1114185" y="4"/>
-                  </a:cubicBezTo>
-                  <a:cubicBezTo>
-                    <a:pt x="778649" y="-1277"/>
-                    <a:pt x="389324" y="256778"/>
-                    <a:pt x="0" y="514834"/>
-                  </a:cubicBezTo>
-                </a:path>
-              </a:pathLst>
-            </a:custGeom>
-            <a:ln w="25400">
-              <a:solidFill>
-                <a:schemeClr val="accent6"/>
-              </a:solidFill>
-              <a:tailEnd type="triangle" w="lg" len="lg"/>
-            </a:ln>
-          </p:spPr>
-          <p:style>
-            <a:lnRef idx="1">
-              <a:schemeClr val="accent1"/>
-            </a:lnRef>
-            <a:fillRef idx="0">
-              <a:schemeClr val="accent1"/>
-            </a:fillRef>
-            <a:effectRef idx="0">
-              <a:schemeClr val="accent1"/>
-            </a:effectRef>
-            <a:fontRef idx="minor">
-              <a:schemeClr val="tx1"/>
-            </a:fontRef>
-          </p:style>
-          <p:txBody>
-            <a:bodyPr rtlCol="0" anchor="ctr"/>
-            <a:lstStyle/>
-            <a:p>
-              <a:pPr algn="ctr"/>
-              <a:endParaRPr lang="en-US">
-                <a:solidFill>
-                  <a:schemeClr val="tx1"/>
-                </a:solidFill>
-              </a:endParaRPr>
-            </a:p>
-          </p:txBody>
-        </p:sp>
-        <mc:AlternateContent xmlns:mc="http://schemas.openxmlformats.org/markup-compatibility/2006" xmlns:a14="http://schemas.microsoft.com/office/drawing/2010/main">
-          <mc:Choice Requires="a14">
-            <p:sp>
-              <p:nvSpPr>
-                <p:cNvPr id="20" name="TextBox 19">
-                  <a:extLst>
-                    <a:ext uri="{FF2B5EF4-FFF2-40B4-BE49-F238E27FC236}">
-                      <a16:creationId xmlns:a16="http://schemas.microsoft.com/office/drawing/2014/main" id="{D68B06B2-4E00-421A-91B7-66154E0F5752}"/>
-                    </a:ext>
-                  </a:extLst>
-                </p:cNvPr>
-                <p:cNvSpPr txBox="1"/>
-                <p:nvPr/>
-              </p:nvSpPr>
-              <p:spPr>
-                <a:xfrm>
-                  <a:off x="1962574" y="2084624"/>
-                  <a:ext cx="1837875" cy="338554"/>
-                </a:xfrm>
-                <a:prstGeom prst="rect">
-                  <a:avLst/>
-                </a:prstGeom>
-                <a:noFill/>
-              </p:spPr>
-              <p:txBody>
-                <a:bodyPr wrap="none" rtlCol="0">
-                  <a:spAutoFit/>
-                </a:bodyPr>
-                <a:lstStyle/>
-                <a:p>
-                  <a:r>
-                    <a:rPr lang="en-US" sz="1600" dirty="0"/>
-                    <a:t>(press==1)? </a:t>
-                  </a:r>
-                  <a14:m>
-                    <m:oMath xmlns:m="http://schemas.openxmlformats.org/officeDocument/2006/math">
-                      <m:r>
-                        <a:rPr lang="en-US" sz="1600" b="0" i="1" smtClean="0">
-                          <a:latin typeface="Cambria Math" panose="02040503050406030204" pitchFamily="18" charset="0"/>
-                        </a:rPr>
-                        <m:t>∧</m:t>
-                      </m:r>
-                    </m:oMath>
-                  </a14:m>
-                  <a:r>
-                    <a:rPr lang="en-US" sz="1600" dirty="0"/>
-                    <a:t> (c</a:t>
-                  </a:r>
-                  <a14:m>
-                    <m:oMath xmlns:m="http://schemas.openxmlformats.org/officeDocument/2006/math">
-                      <m:r>
-                        <a:rPr lang="en-US" sz="1600" b="0" i="1" smtClean="0">
-                          <a:latin typeface="Cambria Math" panose="02040503050406030204" pitchFamily="18" charset="0"/>
-                        </a:rPr>
-                        <m:t>≥</m:t>
-                      </m:r>
-                    </m:oMath>
-                  </a14:m>
-                  <a:r>
-                    <a:rPr lang="en-US" sz="1600" dirty="0"/>
-                    <a:t>1)</a:t>
-                  </a:r>
-                </a:p>
-              </p:txBody>
-            </p:sp>
-          </mc:Choice>
-          <mc:Fallback xmlns="">
-            <p:sp>
-              <p:nvSpPr>
-                <p:cNvPr id="18" name="TextBox 17">
-                  <a:extLst>
-                    <a:ext uri="{FF2B5EF4-FFF2-40B4-BE49-F238E27FC236}">
-                      <a16:creationId xmlns:a16="http://schemas.microsoft.com/office/drawing/2014/main" id="{DDD3D0B0-884E-4120-87AD-11584B5A5B56}"/>
-                    </a:ext>
-                  </a:extLst>
-                </p:cNvPr>
-                <p:cNvSpPr txBox="1">
-                  <a:spLocks noRot="1" noChangeAspect="1" noMove="1" noResize="1" noEditPoints="1" noAdjustHandles="1" noChangeArrowheads="1" noChangeShapeType="1" noTextEdit="1"/>
-                </p:cNvSpPr>
-                <p:nvPr/>
-              </p:nvSpPr>
-              <p:spPr>
-                <a:xfrm>
-                  <a:off x="1962574" y="2084624"/>
-                  <a:ext cx="1837875" cy="338554"/>
-                </a:xfrm>
-                <a:prstGeom prst="rect">
-                  <a:avLst/>
-                </a:prstGeom>
-                <a:blipFill>
-                  <a:blip r:embed="rId5"/>
-                  <a:stretch>
-                    <a:fillRect l="-1993" t="-5357" r="-664" b="-21429"/>
-                  </a:stretch>
-                </a:blipFill>
-              </p:spPr>
-              <p:txBody>
-                <a:bodyPr/>
-                <a:lstStyle/>
-                <a:p>
-                  <a:r>
-                    <a:rPr lang="en-US">
-                      <a:noFill/>
-                    </a:rPr>
-                    <a:t> </a:t>
-                  </a:r>
-                </a:p>
-              </p:txBody>
-            </p:sp>
-          </mc:Fallback>
-        </mc:AlternateContent>
-        <mc:AlternateContent xmlns:mc="http://schemas.openxmlformats.org/markup-compatibility/2006" xmlns:a14="http://schemas.microsoft.com/office/drawing/2010/main">
-          <mc:Choice Requires="a14">
-            <p:sp>
-              <p:nvSpPr>
-                <p:cNvPr id="21" name="TextBox 20">
-                  <a:extLst>
-                    <a:ext uri="{FF2B5EF4-FFF2-40B4-BE49-F238E27FC236}">
-                      <a16:creationId xmlns:a16="http://schemas.microsoft.com/office/drawing/2014/main" id="{36FB8762-5F33-4B73-98C3-3FE2A0E36A6E}"/>
-                    </a:ext>
-                  </a:extLst>
-                </p:cNvPr>
-                <p:cNvSpPr txBox="1"/>
-                <p:nvPr/>
-              </p:nvSpPr>
-              <p:spPr>
-                <a:xfrm>
-                  <a:off x="4414591" y="2934966"/>
-                  <a:ext cx="1837875" cy="338554"/>
-                </a:xfrm>
-                <a:prstGeom prst="rect">
-                  <a:avLst/>
-                </a:prstGeom>
-                <a:noFill/>
-              </p:spPr>
-              <p:txBody>
-                <a:bodyPr wrap="none" rtlCol="0">
-                  <a:spAutoFit/>
-                </a:bodyPr>
-                <a:lstStyle/>
-                <a:p>
-                  <a:r>
-                    <a:rPr lang="en-US" sz="1600" dirty="0"/>
-                    <a:t>(press==1)? </a:t>
-                  </a:r>
-                  <a14:m>
-                    <m:oMath xmlns:m="http://schemas.openxmlformats.org/officeDocument/2006/math">
-                      <m:r>
-                        <a:rPr lang="en-US" sz="1600" b="0" i="1" smtClean="0">
-                          <a:latin typeface="Cambria Math" panose="02040503050406030204" pitchFamily="18" charset="0"/>
-                        </a:rPr>
-                        <m:t>∧</m:t>
-                      </m:r>
-                    </m:oMath>
-                  </a14:m>
-                  <a:r>
-                    <a:rPr lang="en-US" sz="1600" dirty="0"/>
-                    <a:t> (c</a:t>
-                  </a:r>
-                  <a14:m>
-                    <m:oMath xmlns:m="http://schemas.openxmlformats.org/officeDocument/2006/math">
-                      <m:r>
-                        <a:rPr lang="en-US" sz="1600" b="0" i="1" smtClean="0">
-                          <a:latin typeface="Cambria Math" panose="02040503050406030204" pitchFamily="18" charset="0"/>
-                        </a:rPr>
-                        <m:t>≤</m:t>
-                      </m:r>
-                    </m:oMath>
-                  </a14:m>
-                  <a:r>
-                    <a:rPr lang="en-US" sz="1600" dirty="0"/>
-                    <a:t>1)</a:t>
-                  </a:r>
-                </a:p>
-              </p:txBody>
-            </p:sp>
-          </mc:Choice>
-          <mc:Fallback xmlns="">
-            <p:sp>
-              <p:nvSpPr>
-                <p:cNvPr id="19" name="TextBox 18">
-                  <a:extLst>
-                    <a:ext uri="{FF2B5EF4-FFF2-40B4-BE49-F238E27FC236}">
-                      <a16:creationId xmlns:a16="http://schemas.microsoft.com/office/drawing/2014/main" id="{7F1883DD-E135-49A9-BEB4-E89A818F0611}"/>
-                    </a:ext>
-                  </a:extLst>
-                </p:cNvPr>
-                <p:cNvSpPr txBox="1">
-                  <a:spLocks noRot="1" noChangeAspect="1" noMove="1" noResize="1" noEditPoints="1" noAdjustHandles="1" noChangeArrowheads="1" noChangeShapeType="1" noTextEdit="1"/>
-                </p:cNvSpPr>
-                <p:nvPr/>
-              </p:nvSpPr>
-              <p:spPr>
-                <a:xfrm>
-                  <a:off x="4414591" y="2934966"/>
-                  <a:ext cx="1837875" cy="338554"/>
-                </a:xfrm>
-                <a:prstGeom prst="rect">
-                  <a:avLst/>
-                </a:prstGeom>
-                <a:blipFill>
-                  <a:blip r:embed="rId6"/>
-                  <a:stretch>
-                    <a:fillRect l="-1656" t="-5455" r="-662" b="-23636"/>
-                  </a:stretch>
-                </a:blipFill>
-              </p:spPr>
-              <p:txBody>
-                <a:bodyPr/>
-                <a:lstStyle/>
-                <a:p>
-                  <a:r>
-                    <a:rPr lang="en-US">
-                      <a:noFill/>
-                    </a:rPr>
-                    <a:t> </a:t>
-                  </a:r>
-                </a:p>
-              </p:txBody>
-            </p:sp>
-          </mc:Fallback>
-        </mc:AlternateContent>
-      </p:grpSp>
-    </p:spTree>
-    <p:extLst>
-      <p:ext uri="{BB962C8B-B14F-4D97-AF65-F5344CB8AC3E}">
-        <p14:creationId xmlns:p14="http://schemas.microsoft.com/office/powerpoint/2010/main" val="2887111299"/>
-      </p:ext>
-    </p:extLst>
-  </p:cSld>
-  <p:clrMapOvr>
-    <a:masterClrMapping/>
-  </p:clrMapOvr>
-</p:sld>
-</file>
-
-<file path=ppt/slides/slide7.xml><?xml version="1.0" encoding="utf-8"?>
+<file path=ppt/slides/slide8.xml><?xml version="1.0" encoding="utf-8"?>
 <p:sld xmlns:a="http://schemas.openxmlformats.org/drawingml/2006/main" xmlns:r="http://schemas.openxmlformats.org/officeDocument/2006/relationships" xmlns:p="http://schemas.openxmlformats.org/presentationml/2006/main">
   <p:cSld>
     <p:spTree>
@@ -34741,7 +37359,7 @@
             <a:fld id="{29AAD378-655A-49C6-813C-9FD132EF7440}" type="slidenum">
               <a:rPr lang="en-US" smtClean="0"/>
               <a:pPr/>
-              <a:t>7</a:t>
+              <a:t>8</a:t>
             </a:fld>
             <a:endParaRPr lang="en-US"/>
           </a:p>
@@ -38264,7 +40882,7 @@
 </p:sld>
 </file>
 
-<file path=ppt/slides/slide8.xml><?xml version="1.0" encoding="utf-8"?>
+<file path=ppt/slides/slide9.xml><?xml version="1.0" encoding="utf-8"?>
 <p:sld xmlns:a="http://schemas.openxmlformats.org/drawingml/2006/main" xmlns:r="http://schemas.openxmlformats.org/officeDocument/2006/relationships" xmlns:p="http://schemas.openxmlformats.org/presentationml/2006/main">
   <p:cSld>
     <p:spTree>
@@ -38546,7 +41164,7 @@
             <a:fld id="{29AAD378-655A-49C6-813C-9FD132EF7440}" type="slidenum">
               <a:rPr lang="en-US" smtClean="0"/>
               <a:pPr/>
-              <a:t>8</a:t>
+              <a:t>9</a:t>
             </a:fld>
             <a:endParaRPr lang="en-US" dirty="0"/>
           </a:p>
@@ -39375,1056 +41993,6 @@
     <p:extLst>
       <p:ext uri="{BB962C8B-B14F-4D97-AF65-F5344CB8AC3E}">
         <p14:creationId xmlns:p14="http://schemas.microsoft.com/office/powerpoint/2010/main" val="1729372562"/>
-      </p:ext>
-    </p:extLst>
-  </p:cSld>
-  <p:clrMapOvr>
-    <a:masterClrMapping/>
-  </p:clrMapOvr>
-</p:sld>
-</file>
-
-<file path=ppt/slides/slide9.xml><?xml version="1.0" encoding="utf-8"?>
-<p:sld xmlns:a="http://schemas.openxmlformats.org/drawingml/2006/main" xmlns:r="http://schemas.openxmlformats.org/officeDocument/2006/relationships" xmlns:p="http://schemas.openxmlformats.org/presentationml/2006/main">
-  <p:cSld>
-    <p:spTree>
-      <p:nvGrpSpPr>
-        <p:cNvPr id="1" name=""/>
-        <p:cNvGrpSpPr/>
-        <p:nvPr/>
-      </p:nvGrpSpPr>
-      <p:grpSpPr>
-        <a:xfrm>
-          <a:off x="0" y="0"/>
-          <a:ext cx="0" cy="0"/>
-          <a:chOff x="0" y="0"/>
-          <a:chExt cx="0" cy="0"/>
-        </a:xfrm>
-      </p:grpSpPr>
-      <p:sp>
-        <p:nvSpPr>
-          <p:cNvPr id="3" name="Title 2">
-            <a:extLst>
-              <a:ext uri="{FF2B5EF4-FFF2-40B4-BE49-F238E27FC236}">
-                <a16:creationId xmlns:a16="http://schemas.microsoft.com/office/drawing/2014/main" id="{BC4F0192-A3CC-4EF6-91CD-BC3F41DD4243}"/>
-              </a:ext>
-            </a:extLst>
-          </p:cNvPr>
-          <p:cNvSpPr>
-            <a:spLocks noGrp="1"/>
-          </p:cNvSpPr>
-          <p:nvPr>
-            <p:ph type="title"/>
-          </p:nvPr>
-        </p:nvSpPr>
-        <p:spPr/>
-        <p:txBody>
-          <a:bodyPr/>
-          <a:lstStyle/>
-          <a:p>
-            <a:r>
-              <a:rPr lang="en-US" dirty="0"/>
-              <a:t>Timed State Machine representation</a:t>
-            </a:r>
-          </a:p>
-        </p:txBody>
-      </p:sp>
-      <p:sp>
-        <p:nvSpPr>
-          <p:cNvPr id="4" name="Slide Number Placeholder 3">
-            <a:extLst>
-              <a:ext uri="{FF2B5EF4-FFF2-40B4-BE49-F238E27FC236}">
-                <a16:creationId xmlns:a16="http://schemas.microsoft.com/office/drawing/2014/main" id="{9CDF16B1-994F-4B79-96D1-2BF7CA1AF3C7}"/>
-              </a:ext>
-            </a:extLst>
-          </p:cNvPr>
-          <p:cNvSpPr>
-            <a:spLocks noGrp="1"/>
-          </p:cNvSpPr>
-          <p:nvPr>
-            <p:ph type="sldNum" sz="quarter" idx="12"/>
-          </p:nvPr>
-        </p:nvSpPr>
-        <p:spPr/>
-        <p:txBody>
-          <a:bodyPr/>
-          <a:lstStyle/>
-          <a:p>
-            <a:fld id="{29AAD378-655A-49C6-813C-9FD132EF7440}" type="slidenum">
-              <a:rPr lang="en-US" smtClean="0"/>
-              <a:pPr/>
-              <a:t>9</a:t>
-            </a:fld>
-            <a:endParaRPr lang="en-US" dirty="0"/>
-          </a:p>
-        </p:txBody>
-      </p:sp>
-      <mc:AlternateContent xmlns:mc="http://schemas.openxmlformats.org/markup-compatibility/2006" xmlns:a14="http://schemas.microsoft.com/office/drawing/2010/main">
-        <mc:Choice Requires="a14">
-          <p:sp>
-            <p:nvSpPr>
-              <p:cNvPr id="15" name="Content Placeholder 1">
-                <a:extLst>
-                  <a:ext uri="{FF2B5EF4-FFF2-40B4-BE49-F238E27FC236}">
-                    <a16:creationId xmlns:a16="http://schemas.microsoft.com/office/drawing/2014/main" id="{5EA53375-71D9-4ECE-82D1-D172501957D4}"/>
-                  </a:ext>
-                </a:extLst>
-              </p:cNvPr>
-              <p:cNvSpPr>
-                <a:spLocks noGrp="1"/>
-              </p:cNvSpPr>
-              <p:nvPr>
-                <p:ph idx="1"/>
-              </p:nvPr>
-            </p:nvSpPr>
-            <p:spPr>
-              <a:xfrm>
-                <a:off x="5603847" y="1477107"/>
-                <a:ext cx="6350466" cy="4697190"/>
-              </a:xfrm>
-            </p:spPr>
-            <p:txBody>
-              <a:bodyPr>
-                <a:normAutofit lnSpcReduction="10000"/>
-              </a:bodyPr>
-              <a:lstStyle/>
-              <a:p>
-                <a:r>
-                  <a:rPr lang="en-US" dirty="0"/>
-                  <a:t>Mode captures whether x==</a:t>
-                </a:r>
-                <a14:m>
-                  <m:oMath xmlns:m="http://schemas.openxmlformats.org/officeDocument/2006/math">
-                    <m:r>
-                      <a:rPr lang="en-US" b="0" i="1" smtClean="0">
-                        <a:latin typeface="Cambria Math" panose="02040503050406030204" pitchFamily="18" charset="0"/>
-                      </a:rPr>
-                      <m:t>∅</m:t>
-                    </m:r>
-                  </m:oMath>
-                </a14:m>
-                <a:endParaRPr lang="en-US" dirty="0"/>
-              </a:p>
-              <a:p>
-                <a:r>
-                  <a:rPr lang="en-US" dirty="0"/>
-                  <a:t>Clock variable tracks the time that elapsed since x received a value</a:t>
-                </a:r>
-              </a:p>
-              <a:p>
-                <a:r>
-                  <a:rPr lang="en-US" dirty="0"/>
-                  <a:t>Guard ensures that </a:t>
-                </a:r>
-                <a:r>
-                  <a:rPr lang="en-US" dirty="0">
-                    <a:solidFill>
-                      <a:srgbClr val="FF0000"/>
-                    </a:solidFill>
-                  </a:rPr>
-                  <a:t>at least </a:t>
-                </a:r>
-                <a:r>
-                  <a:rPr lang="en-US" dirty="0"/>
-                  <a:t>2 seconds pass before the value of x is output </a:t>
-                </a:r>
-              </a:p>
-              <a:p>
-                <a:r>
-                  <a:rPr lang="en-US" dirty="0"/>
-                  <a:t>Guard </a:t>
-                </a:r>
-                <a:r>
-                  <a:rPr lang="en-US" b="1" i="1" dirty="0">
-                    <a:solidFill>
-                      <a:srgbClr val="FF0000"/>
-                    </a:solidFill>
-                  </a:rPr>
-                  <a:t>does not force </a:t>
-                </a:r>
-                <a:r>
-                  <a:rPr lang="en-US" dirty="0"/>
-                  <a:t>transitions</a:t>
-                </a:r>
-              </a:p>
-              <a:p>
-                <a:pPr lvl="1"/>
-                <a14:m>
-                  <m:oMath xmlns:m="http://schemas.openxmlformats.org/officeDocument/2006/math">
-                    <m:r>
-                      <m:rPr>
-                        <m:sty m:val="p"/>
-                      </m:rPr>
-                      <a:rPr lang="en-US" b="0" i="0" smtClean="0">
-                        <a:latin typeface="Cambria Math" panose="02040503050406030204" pitchFamily="18" charset="0"/>
-                      </a:rPr>
-                      <m:t>c</m:t>
-                    </m:r>
-                  </m:oMath>
-                </a14:m>
-                <a:r>
-                  <a:rPr lang="en-US" dirty="0"/>
-                  <a:t> can keep increasing while process remains in mode full</a:t>
-                </a:r>
-              </a:p>
-              <a:p>
-                <a:r>
-                  <a:rPr lang="en-US" dirty="0"/>
-                  <a:t>How do we make sure that process does not remain in full mode for </a:t>
-                </a:r>
-                <a:r>
-                  <a:rPr lang="en-US" dirty="0">
-                    <a:solidFill>
-                      <a:srgbClr val="FF0000"/>
-                    </a:solidFill>
-                  </a:rPr>
-                  <a:t>at most</a:t>
-                </a:r>
-                <a:r>
-                  <a:rPr lang="en-US" dirty="0"/>
-                  <a:t> 3 seconds?</a:t>
-                </a:r>
-              </a:p>
-            </p:txBody>
-          </p:sp>
-        </mc:Choice>
-        <mc:Fallback xmlns="">
-          <p:sp>
-            <p:nvSpPr>
-              <p:cNvPr id="15" name="Content Placeholder 1">
-                <a:extLst>
-                  <a:ext uri="{FF2B5EF4-FFF2-40B4-BE49-F238E27FC236}">
-                    <a16:creationId xmlns:a16="http://schemas.microsoft.com/office/drawing/2014/main" id="{5EA53375-71D9-4ECE-82D1-D172501957D4}"/>
-                  </a:ext>
-                </a:extLst>
-              </p:cNvPr>
-              <p:cNvSpPr>
-                <a:spLocks noGrp="1" noRot="1" noChangeAspect="1" noMove="1" noResize="1" noEditPoints="1" noAdjustHandles="1" noChangeArrowheads="1" noChangeShapeType="1" noTextEdit="1"/>
-              </p:cNvSpPr>
-              <p:nvPr>
-                <p:ph idx="1"/>
-              </p:nvPr>
-            </p:nvSpPr>
-            <p:spPr>
-              <a:xfrm>
-                <a:off x="5603847" y="1477107"/>
-                <a:ext cx="6350466" cy="4697190"/>
-              </a:xfrm>
-              <a:blipFill>
-                <a:blip r:embed="rId2"/>
-                <a:stretch>
-                  <a:fillRect l="-1152" t="-2853"/>
-                </a:stretch>
-              </a:blipFill>
-            </p:spPr>
-            <p:txBody>
-              <a:bodyPr/>
-              <a:lstStyle/>
-              <a:p>
-                <a:r>
-                  <a:rPr lang="en-US">
-                    <a:noFill/>
-                  </a:rPr>
-                  <a:t> </a:t>
-                </a:r>
-              </a:p>
-            </p:txBody>
-          </p:sp>
-        </mc:Fallback>
-      </mc:AlternateContent>
-      <p:grpSp>
-        <p:nvGrpSpPr>
-          <p:cNvPr id="11" name="Group 10">
-            <a:extLst>
-              <a:ext uri="{FF2B5EF4-FFF2-40B4-BE49-F238E27FC236}">
-                <a16:creationId xmlns:a16="http://schemas.microsoft.com/office/drawing/2014/main" id="{C35BC812-BBEB-48C8-951E-46DB418FC731}"/>
-              </a:ext>
-            </a:extLst>
-          </p:cNvPr>
-          <p:cNvGrpSpPr/>
-          <p:nvPr/>
-        </p:nvGrpSpPr>
-        <p:grpSpPr>
-          <a:xfrm>
-            <a:off x="314511" y="1810435"/>
-            <a:ext cx="5104700" cy="2293032"/>
-            <a:chOff x="314511" y="1810435"/>
-            <a:chExt cx="5104700" cy="2293032"/>
-          </a:xfrm>
-        </p:grpSpPr>
-        <p:grpSp>
-          <p:nvGrpSpPr>
-            <p:cNvPr id="16" name="Group 15">
-              <a:extLst>
-                <a:ext uri="{FF2B5EF4-FFF2-40B4-BE49-F238E27FC236}">
-                  <a16:creationId xmlns:a16="http://schemas.microsoft.com/office/drawing/2014/main" id="{917C8B1E-13DC-4D61-A3D3-3228EB5DA76F}"/>
-                </a:ext>
-              </a:extLst>
-            </p:cNvPr>
-            <p:cNvGrpSpPr/>
-            <p:nvPr/>
-          </p:nvGrpSpPr>
-          <p:grpSpPr>
-            <a:xfrm>
-              <a:off x="314511" y="1810435"/>
-              <a:ext cx="4851187" cy="2293032"/>
-              <a:chOff x="1244813" y="1428772"/>
-              <a:chExt cx="4851187" cy="2293032"/>
-            </a:xfrm>
-          </p:grpSpPr>
-          <p:sp>
-            <p:nvSpPr>
-              <p:cNvPr id="5" name="Oval 4">
-                <a:extLst>
-                  <a:ext uri="{FF2B5EF4-FFF2-40B4-BE49-F238E27FC236}">
-                    <a16:creationId xmlns:a16="http://schemas.microsoft.com/office/drawing/2014/main" id="{53211FC1-AAFE-4C59-A896-A4B872C9BBAD}"/>
-                  </a:ext>
-                </a:extLst>
-              </p:cNvPr>
-              <p:cNvSpPr/>
-              <p:nvPr/>
-            </p:nvSpPr>
-            <p:spPr>
-              <a:xfrm>
-                <a:off x="2319233" y="2290134"/>
-                <a:ext cx="1084794" cy="624023"/>
-              </a:xfrm>
-              <a:prstGeom prst="ellipse">
-                <a:avLst/>
-              </a:prstGeom>
-              <a:ln w="25400"/>
-            </p:spPr>
-            <p:style>
-              <a:lnRef idx="2">
-                <a:schemeClr val="accent6"/>
-              </a:lnRef>
-              <a:fillRef idx="1">
-                <a:schemeClr val="lt1"/>
-              </a:fillRef>
-              <a:effectRef idx="0">
-                <a:schemeClr val="accent6"/>
-              </a:effectRef>
-              <a:fontRef idx="minor">
-                <a:schemeClr val="dk1"/>
-              </a:fontRef>
-            </p:style>
-            <p:txBody>
-              <a:bodyPr lIns="0" tIns="0" rIns="0" bIns="0" rtlCol="0" anchor="ctr"/>
-              <a:lstStyle/>
-              <a:p>
-                <a:pPr algn="ctr"/>
-                <a:r>
-                  <a:rPr lang="en-US" dirty="0"/>
-                  <a:t>empty</a:t>
-                </a:r>
-                <a:endParaRPr lang="en-US" baseline="-25000" dirty="0"/>
-              </a:p>
-            </p:txBody>
-          </p:sp>
-          <p:sp>
-            <p:nvSpPr>
-              <p:cNvPr id="6" name="Oval 5">
-                <a:extLst>
-                  <a:ext uri="{FF2B5EF4-FFF2-40B4-BE49-F238E27FC236}">
-                    <a16:creationId xmlns:a16="http://schemas.microsoft.com/office/drawing/2014/main" id="{504FD206-C939-4D69-A62F-0B97EA183469}"/>
-                  </a:ext>
-                </a:extLst>
-              </p:cNvPr>
-              <p:cNvSpPr/>
-              <p:nvPr/>
-            </p:nvSpPr>
-            <p:spPr>
-              <a:xfrm>
-                <a:off x="5269414" y="2290133"/>
-                <a:ext cx="826586" cy="624023"/>
-              </a:xfrm>
-              <a:prstGeom prst="ellipse">
-                <a:avLst/>
-              </a:prstGeom>
-              <a:ln w="25400"/>
-            </p:spPr>
-            <p:style>
-              <a:lnRef idx="2">
-                <a:schemeClr val="accent6"/>
-              </a:lnRef>
-              <a:fillRef idx="1">
-                <a:schemeClr val="lt1"/>
-              </a:fillRef>
-              <a:effectRef idx="0">
-                <a:schemeClr val="accent6"/>
-              </a:effectRef>
-              <a:fontRef idx="minor">
-                <a:schemeClr val="dk1"/>
-              </a:fontRef>
-            </p:style>
-            <p:txBody>
-              <a:bodyPr lIns="0" tIns="0" rIns="0" bIns="0" rtlCol="0" anchor="ctr"/>
-              <a:lstStyle/>
-              <a:p>
-                <a:pPr algn="ctr"/>
-                <a:r>
-                  <a:rPr lang="en-US" dirty="0"/>
-                  <a:t>full</a:t>
-                </a:r>
-                <a:endParaRPr lang="en-US" baseline="-25000" dirty="0"/>
-              </a:p>
-            </p:txBody>
-          </p:sp>
-          <p:sp>
-            <p:nvSpPr>
-              <p:cNvPr id="7" name="Freeform: Shape 6">
-                <a:extLst>
-                  <a:ext uri="{FF2B5EF4-FFF2-40B4-BE49-F238E27FC236}">
-                    <a16:creationId xmlns:a16="http://schemas.microsoft.com/office/drawing/2014/main" id="{4F9BBDF3-B6A7-4D0B-9ED5-C0802B044277}"/>
-                  </a:ext>
-                </a:extLst>
-              </p:cNvPr>
-              <p:cNvSpPr/>
-              <p:nvPr/>
-            </p:nvSpPr>
-            <p:spPr>
-              <a:xfrm>
-                <a:off x="2796988" y="1805508"/>
-                <a:ext cx="2650992" cy="530438"/>
-              </a:xfrm>
-              <a:custGeom>
-                <a:avLst/>
-                <a:gdLst>
-                  <a:gd name="connsiteX0" fmla="*/ 0 w 2650992"/>
-                  <a:gd name="connsiteY0" fmla="*/ 476650 h 530438"/>
-                  <a:gd name="connsiteX1" fmla="*/ 1198709 w 2650992"/>
-                  <a:gd name="connsiteY1" fmla="*/ 240 h 530438"/>
-                  <a:gd name="connsiteX2" fmla="*/ 2650992 w 2650992"/>
-                  <a:gd name="connsiteY2" fmla="*/ 530438 h 530438"/>
-                </a:gdLst>
-                <a:ahLst/>
-                <a:cxnLst>
-                  <a:cxn ang="0">
-                    <a:pos x="connsiteX0" y="connsiteY0"/>
-                  </a:cxn>
-                  <a:cxn ang="0">
-                    <a:pos x="connsiteX1" y="connsiteY1"/>
-                  </a:cxn>
-                  <a:cxn ang="0">
-                    <a:pos x="connsiteX2" y="connsiteY2"/>
-                  </a:cxn>
-                </a:cxnLst>
-                <a:rect l="l" t="t" r="r" b="b"/>
-                <a:pathLst>
-                  <a:path w="2650992" h="530438">
-                    <a:moveTo>
-                      <a:pt x="0" y="476650"/>
-                    </a:moveTo>
-                    <a:cubicBezTo>
-                      <a:pt x="378438" y="233962"/>
-                      <a:pt x="756877" y="-8725"/>
-                      <a:pt x="1198709" y="240"/>
-                    </a:cubicBezTo>
-                    <a:cubicBezTo>
-                      <a:pt x="1640541" y="9205"/>
-                      <a:pt x="2145766" y="269821"/>
-                      <a:pt x="2650992" y="530438"/>
-                    </a:cubicBezTo>
-                  </a:path>
-                </a:pathLst>
-              </a:custGeom>
-              <a:noFill/>
-              <a:ln w="25400">
-                <a:solidFill>
-                  <a:schemeClr val="accent6"/>
-                </a:solidFill>
-                <a:headEnd type="triangle" w="lg" len="lg"/>
-                <a:tailEnd type="none" w="lg" len="lg"/>
-              </a:ln>
-            </p:spPr>
-            <p:style>
-              <a:lnRef idx="2">
-                <a:schemeClr val="accent1">
-                  <a:shade val="50000"/>
-                </a:schemeClr>
-              </a:lnRef>
-              <a:fillRef idx="1">
-                <a:schemeClr val="accent1"/>
-              </a:fillRef>
-              <a:effectRef idx="0">
-                <a:schemeClr val="accent1"/>
-              </a:effectRef>
-              <a:fontRef idx="minor">
-                <a:schemeClr val="lt1"/>
-              </a:fontRef>
-            </p:style>
-            <p:txBody>
-              <a:bodyPr rtlCol="0" anchor="ctr"/>
-              <a:lstStyle/>
-              <a:p>
-                <a:pPr algn="ctr"/>
-                <a:endParaRPr lang="en-US" dirty="0">
-                  <a:solidFill>
-                    <a:schemeClr val="tx1"/>
-                  </a:solidFill>
-                </a:endParaRPr>
-              </a:p>
-            </p:txBody>
-          </p:sp>
-          <p:sp>
-            <p:nvSpPr>
-              <p:cNvPr id="8" name="Freeform: Shape 7">
-                <a:extLst>
-                  <a:ext uri="{FF2B5EF4-FFF2-40B4-BE49-F238E27FC236}">
-                    <a16:creationId xmlns:a16="http://schemas.microsoft.com/office/drawing/2014/main" id="{A42D8E79-D767-4B95-AFD8-1C4E08EFA1C9}"/>
-                  </a:ext>
-                </a:extLst>
-              </p:cNvPr>
-              <p:cNvSpPr/>
-              <p:nvPr/>
-            </p:nvSpPr>
-            <p:spPr>
-              <a:xfrm>
-                <a:off x="2796988" y="2891232"/>
-                <a:ext cx="2650992" cy="514955"/>
-              </a:xfrm>
-              <a:custGeom>
-                <a:avLst/>
-                <a:gdLst>
-                  <a:gd name="connsiteX0" fmla="*/ 2781620 w 2781620"/>
-                  <a:gd name="connsiteY0" fmla="*/ 0 h 514955"/>
-                  <a:gd name="connsiteX1" fmla="*/ 1483018 w 2781620"/>
-                  <a:gd name="connsiteY1" fmla="*/ 514831 h 514955"/>
-                  <a:gd name="connsiteX2" fmla="*/ 0 w 2781620"/>
-                  <a:gd name="connsiteY2" fmla="*/ 38421 h 514955"/>
-                </a:gdLst>
-                <a:ahLst/>
-                <a:cxnLst>
-                  <a:cxn ang="0">
-                    <a:pos x="connsiteX0" y="connsiteY0"/>
-                  </a:cxn>
-                  <a:cxn ang="0">
-                    <a:pos x="connsiteX1" y="connsiteY1"/>
-                  </a:cxn>
-                  <a:cxn ang="0">
-                    <a:pos x="connsiteX2" y="connsiteY2"/>
-                  </a:cxn>
-                </a:cxnLst>
-                <a:rect l="l" t="t" r="r" b="b"/>
-                <a:pathLst>
-                  <a:path w="2781620" h="514955">
-                    <a:moveTo>
-                      <a:pt x="2781620" y="0"/>
-                    </a:moveTo>
-                    <a:cubicBezTo>
-                      <a:pt x="2364120" y="254214"/>
-                      <a:pt x="1946621" y="508428"/>
-                      <a:pt x="1483018" y="514831"/>
-                    </a:cubicBezTo>
-                    <a:cubicBezTo>
-                      <a:pt x="1019415" y="521234"/>
-                      <a:pt x="509707" y="279827"/>
-                      <a:pt x="0" y="38421"/>
-                    </a:cubicBezTo>
-                  </a:path>
-                </a:pathLst>
-              </a:custGeom>
-              <a:noFill/>
-              <a:ln w="25400">
-                <a:solidFill>
-                  <a:schemeClr val="accent6"/>
-                </a:solidFill>
-                <a:headEnd type="triangle" w="lg" len="lg"/>
-                <a:tailEnd type="none" w="lg" len="lg"/>
-              </a:ln>
-            </p:spPr>
-            <p:style>
-              <a:lnRef idx="2">
-                <a:schemeClr val="accent1">
-                  <a:shade val="50000"/>
-                </a:schemeClr>
-              </a:lnRef>
-              <a:fillRef idx="1">
-                <a:schemeClr val="accent1"/>
-              </a:fillRef>
-              <a:effectRef idx="0">
-                <a:schemeClr val="accent1"/>
-              </a:effectRef>
-              <a:fontRef idx="minor">
-                <a:schemeClr val="lt1"/>
-              </a:fontRef>
-            </p:style>
-            <p:txBody>
-              <a:bodyPr rtlCol="0" anchor="ctr"/>
-              <a:lstStyle/>
-              <a:p>
-                <a:pPr algn="ctr"/>
-                <a:endParaRPr lang="en-US"/>
-              </a:p>
-            </p:txBody>
-          </p:sp>
-          <mc:AlternateContent xmlns:mc="http://schemas.openxmlformats.org/markup-compatibility/2006" xmlns:a14="http://schemas.microsoft.com/office/drawing/2010/main">
-            <mc:Choice Requires="a14">
-              <p:sp>
-                <p:nvSpPr>
-                  <p:cNvPr id="9" name="Rectangle 8">
-                    <a:extLst>
-                      <a:ext uri="{FF2B5EF4-FFF2-40B4-BE49-F238E27FC236}">
-                        <a16:creationId xmlns:a16="http://schemas.microsoft.com/office/drawing/2014/main" id="{61663339-CECC-44D2-B770-885260A735AA}"/>
-                      </a:ext>
-                    </a:extLst>
-                  </p:cNvPr>
-                  <p:cNvSpPr/>
-                  <p:nvPr/>
-                </p:nvSpPr>
-                <p:spPr>
-                  <a:xfrm>
-                    <a:off x="2789577" y="1428772"/>
-                    <a:ext cx="2398516" cy="369332"/>
-                  </a:xfrm>
-                  <a:prstGeom prst="rect">
-                    <a:avLst/>
-                  </a:prstGeom>
-                </p:spPr>
-                <p:txBody>
-                  <a:bodyPr wrap="square">
-                    <a:spAutoFit/>
-                  </a:bodyPr>
-                  <a:lstStyle/>
-                  <a:p>
-                    <a:pPr algn="ctr"/>
-                    <a:r>
-                      <a:rPr lang="en-US" dirty="0"/>
-                      <a:t>c</a:t>
-                    </a:r>
-                    <a14:m>
-                      <m:oMath xmlns:m="http://schemas.openxmlformats.org/officeDocument/2006/math">
-                        <m:r>
-                          <a:rPr lang="en-US" i="1">
-                            <a:latin typeface="Cambria Math" panose="02040503050406030204" pitchFamily="18" charset="0"/>
-                          </a:rPr>
-                          <m:t>≥2</m:t>
-                        </m:r>
-                      </m:oMath>
-                    </a14:m>
-                    <a:r>
-                      <a:rPr lang="en-US" dirty="0"/>
-                      <a:t> </a:t>
-                    </a:r>
-                    <a14:m>
-                      <m:oMath xmlns:m="http://schemas.openxmlformats.org/officeDocument/2006/math">
-                        <m:r>
-                          <a:rPr lang="en-US" i="1" dirty="0">
-                            <a:latin typeface="Cambria Math" panose="02040503050406030204" pitchFamily="18" charset="0"/>
-                          </a:rPr>
-                          <m:t>→</m:t>
-                        </m:r>
-                      </m:oMath>
-                    </a14:m>
-                    <a:r>
-                      <a:rPr lang="en-US" dirty="0"/>
-                      <a:t> out:=x, x≔</a:t>
-                    </a:r>
-                    <a14:m>
-                      <m:oMath xmlns:m="http://schemas.openxmlformats.org/officeDocument/2006/math">
-                        <m:r>
-                          <a:rPr lang="en-US" b="0" i="1" smtClean="0">
-                            <a:latin typeface="Cambria Math" panose="02040503050406030204" pitchFamily="18" charset="0"/>
-                          </a:rPr>
-                          <m:t>∅</m:t>
-                        </m:r>
-                      </m:oMath>
-                    </a14:m>
-                    <a:endParaRPr lang="en-US" dirty="0"/>
-                  </a:p>
-                </p:txBody>
-              </p:sp>
-            </mc:Choice>
-            <mc:Fallback xmlns="">
-              <p:sp>
-                <p:nvSpPr>
-                  <p:cNvPr id="9" name="Rectangle 8">
-                    <a:extLst>
-                      <a:ext uri="{FF2B5EF4-FFF2-40B4-BE49-F238E27FC236}">
-                        <a16:creationId xmlns:a16="http://schemas.microsoft.com/office/drawing/2014/main" id="{61663339-CECC-44D2-B770-885260A735AA}"/>
-                      </a:ext>
-                    </a:extLst>
-                  </p:cNvPr>
-                  <p:cNvSpPr>
-                    <a:spLocks noRot="1" noChangeAspect="1" noMove="1" noResize="1" noEditPoints="1" noAdjustHandles="1" noChangeArrowheads="1" noChangeShapeType="1" noTextEdit="1"/>
-                  </p:cNvSpPr>
-                  <p:nvPr/>
-                </p:nvSpPr>
-                <p:spPr>
-                  <a:xfrm>
-                    <a:off x="2789577" y="1428772"/>
-                    <a:ext cx="2398516" cy="369332"/>
-                  </a:xfrm>
-                  <a:prstGeom prst="rect">
-                    <a:avLst/>
-                  </a:prstGeom>
-                  <a:blipFill>
-                    <a:blip r:embed="rId3"/>
-                    <a:stretch>
-                      <a:fillRect t="-13115" b="-24590"/>
-                    </a:stretch>
-                  </a:blipFill>
-                </p:spPr>
-                <p:txBody>
-                  <a:bodyPr/>
-                  <a:lstStyle/>
-                  <a:p>
-                    <a:r>
-                      <a:rPr lang="en-US">
-                        <a:noFill/>
-                      </a:rPr>
-                      <a:t> </a:t>
-                    </a:r>
-                  </a:p>
-                </p:txBody>
-              </p:sp>
-            </mc:Fallback>
-          </mc:AlternateContent>
-          <mc:AlternateContent xmlns:mc="http://schemas.openxmlformats.org/markup-compatibility/2006" xmlns:a14="http://schemas.microsoft.com/office/drawing/2010/main">
-            <mc:Choice Requires="a14">
-              <p:sp>
-                <p:nvSpPr>
-                  <p:cNvPr id="10" name="Rectangle 9">
-                    <a:extLst>
-                      <a:ext uri="{FF2B5EF4-FFF2-40B4-BE49-F238E27FC236}">
-                        <a16:creationId xmlns:a16="http://schemas.microsoft.com/office/drawing/2014/main" id="{AD7ECBEF-4ECC-4F04-92F9-E1667C7F0BEC}"/>
-                      </a:ext>
-                    </a:extLst>
-                  </p:cNvPr>
-                  <p:cNvSpPr/>
-                  <p:nvPr/>
-                </p:nvSpPr>
-                <p:spPr>
-                  <a:xfrm>
-                    <a:off x="3287962" y="3352472"/>
-                    <a:ext cx="1669047" cy="369332"/>
-                  </a:xfrm>
-                  <a:prstGeom prst="rect">
-                    <a:avLst/>
-                  </a:prstGeom>
-                </p:spPr>
-                <p:txBody>
-                  <a:bodyPr wrap="none">
-                    <a:spAutoFit/>
-                  </a:bodyPr>
-                  <a:lstStyle/>
-                  <a:p>
-                    <a:pPr algn="ctr"/>
-                    <a:r>
-                      <a:rPr lang="en-US" dirty="0"/>
-                      <a:t>in?</a:t>
-                    </a:r>
-                    <a14:m>
-                      <m:oMath xmlns:m="http://schemas.openxmlformats.org/officeDocument/2006/math">
-                        <m:r>
-                          <a:rPr lang="en-US" i="1" dirty="0">
-                            <a:latin typeface="Cambria Math" panose="02040503050406030204" pitchFamily="18" charset="0"/>
-                          </a:rPr>
-                          <m:t>→</m:t>
-                        </m:r>
-                      </m:oMath>
-                    </a14:m>
-                    <a:r>
-                      <a:rPr lang="en-US" dirty="0"/>
-                      <a:t> x:=in, c:=0</a:t>
-                    </a:r>
-                  </a:p>
-                </p:txBody>
-              </p:sp>
-            </mc:Choice>
-            <mc:Fallback xmlns="">
-              <p:sp>
-                <p:nvSpPr>
-                  <p:cNvPr id="10" name="Rectangle 9">
-                    <a:extLst>
-                      <a:ext uri="{FF2B5EF4-FFF2-40B4-BE49-F238E27FC236}">
-                        <a16:creationId xmlns:a16="http://schemas.microsoft.com/office/drawing/2014/main" id="{AD7ECBEF-4ECC-4F04-92F9-E1667C7F0BEC}"/>
-                      </a:ext>
-                    </a:extLst>
-                  </p:cNvPr>
-                  <p:cNvSpPr>
-                    <a:spLocks noRot="1" noChangeAspect="1" noMove="1" noResize="1" noEditPoints="1" noAdjustHandles="1" noChangeArrowheads="1" noChangeShapeType="1" noTextEdit="1"/>
-                  </p:cNvSpPr>
-                  <p:nvPr/>
-                </p:nvSpPr>
-                <p:spPr>
-                  <a:xfrm>
-                    <a:off x="3287962" y="3352472"/>
-                    <a:ext cx="1669047" cy="369332"/>
-                  </a:xfrm>
-                  <a:prstGeom prst="rect">
-                    <a:avLst/>
-                  </a:prstGeom>
-                  <a:blipFill>
-                    <a:blip r:embed="rId4"/>
-                    <a:stretch>
-                      <a:fillRect l="-2920" t="-10000" r="-2555" b="-26667"/>
-                    </a:stretch>
-                  </a:blipFill>
-                </p:spPr>
-                <p:txBody>
-                  <a:bodyPr/>
-                  <a:lstStyle/>
-                  <a:p>
-                    <a:r>
-                      <a:rPr lang="en-US">
-                        <a:noFill/>
-                      </a:rPr>
-                      <a:t> </a:t>
-                    </a:r>
-                  </a:p>
-                </p:txBody>
-              </p:sp>
-            </mc:Fallback>
-          </mc:AlternateContent>
-          <p:cxnSp>
-            <p:nvCxnSpPr>
-              <p:cNvPr id="12" name="Straight Arrow Connector 11">
-                <a:extLst>
-                  <a:ext uri="{FF2B5EF4-FFF2-40B4-BE49-F238E27FC236}">
-                    <a16:creationId xmlns:a16="http://schemas.microsoft.com/office/drawing/2014/main" id="{E8A40F54-3117-40ED-9F28-C44282AB1BB4}"/>
-                  </a:ext>
-                </a:extLst>
-              </p:cNvPr>
-              <p:cNvCxnSpPr>
-                <a:cxnSpLocks/>
-                <a:endCxn id="5" idx="2"/>
-              </p:cNvCxnSpPr>
-              <p:nvPr/>
-            </p:nvCxnSpPr>
-            <p:spPr>
-              <a:xfrm>
-                <a:off x="1244813" y="2602144"/>
-                <a:ext cx="1074420" cy="2"/>
-              </a:xfrm>
-              <a:prstGeom prst="straightConnector1">
-                <a:avLst/>
-              </a:prstGeom>
-              <a:noFill/>
-              <a:ln w="25400">
-                <a:solidFill>
-                  <a:schemeClr val="accent6"/>
-                </a:solidFill>
-                <a:tailEnd type="triangle" w="lg" len="lg"/>
-              </a:ln>
-            </p:spPr>
-            <p:style>
-              <a:lnRef idx="2">
-                <a:schemeClr val="accent1">
-                  <a:shade val="50000"/>
-                </a:schemeClr>
-              </a:lnRef>
-              <a:fillRef idx="1">
-                <a:schemeClr val="accent1"/>
-              </a:fillRef>
-              <a:effectRef idx="0">
-                <a:schemeClr val="accent1"/>
-              </a:effectRef>
-              <a:fontRef idx="minor">
-                <a:schemeClr val="lt1"/>
-              </a:fontRef>
-            </p:style>
-          </p:cxnSp>
-          <p:sp>
-            <p:nvSpPr>
-              <p:cNvPr id="14" name="Rectangle 13">
-                <a:extLst>
-                  <a:ext uri="{FF2B5EF4-FFF2-40B4-BE49-F238E27FC236}">
-                    <a16:creationId xmlns:a16="http://schemas.microsoft.com/office/drawing/2014/main" id="{5978578B-1E05-458F-820C-D924FF033114}"/>
-                  </a:ext>
-                </a:extLst>
-              </p:cNvPr>
-              <p:cNvSpPr/>
-              <p:nvPr/>
-            </p:nvSpPr>
-            <p:spPr>
-              <a:xfrm>
-                <a:off x="1382512" y="2204154"/>
-                <a:ext cx="577401" cy="369332"/>
-              </a:xfrm>
-              <a:prstGeom prst="rect">
-                <a:avLst/>
-              </a:prstGeom>
-            </p:spPr>
-            <p:txBody>
-              <a:bodyPr wrap="none">
-                <a:spAutoFit/>
-              </a:bodyPr>
-              <a:lstStyle/>
-              <a:p>
-                <a:pPr algn="ctr"/>
-                <a:r>
-                  <a:rPr lang="en-US" dirty="0"/>
-                  <a:t>c:=0</a:t>
-                </a:r>
-              </a:p>
-            </p:txBody>
-          </p:sp>
-        </p:grpSp>
-        <p:sp>
-          <p:nvSpPr>
-            <p:cNvPr id="2" name="Freeform: Shape 1">
-              <a:extLst>
-                <a:ext uri="{FF2B5EF4-FFF2-40B4-BE49-F238E27FC236}">
-                  <a16:creationId xmlns:a16="http://schemas.microsoft.com/office/drawing/2014/main" id="{53369D7D-4043-4492-9918-C0F6EE397266}"/>
-                </a:ext>
-              </a:extLst>
-            </p:cNvPr>
-            <p:cNvSpPr/>
-            <p:nvPr/>
-          </p:nvSpPr>
-          <p:spPr>
-            <a:xfrm>
-              <a:off x="5033042" y="2561846"/>
-              <a:ext cx="386169" cy="355356"/>
-            </a:xfrm>
-            <a:custGeom>
-              <a:avLst/>
-              <a:gdLst>
-                <a:gd name="connsiteX0" fmla="*/ 122945 w 386169"/>
-                <a:gd name="connsiteY0" fmla="*/ 327351 h 355356"/>
-                <a:gd name="connsiteX1" fmla="*/ 299677 w 386169"/>
-                <a:gd name="connsiteY1" fmla="*/ 350403 h 355356"/>
-                <a:gd name="connsiteX2" fmla="*/ 384202 w 386169"/>
-                <a:gd name="connsiteY2" fmla="*/ 242826 h 355356"/>
-                <a:gd name="connsiteX3" fmla="*/ 338097 w 386169"/>
-                <a:gd name="connsiteY3" fmla="*/ 58409 h 355356"/>
-                <a:gd name="connsiteX4" fmla="*/ 115261 w 386169"/>
-                <a:gd name="connsiteY4" fmla="*/ 4621 h 355356"/>
-                <a:gd name="connsiteX5" fmla="*/ 0 w 386169"/>
-                <a:gd name="connsiteY5" fmla="*/ 158302 h 355356"/>
-              </a:gdLst>
-              <a:ahLst/>
-              <a:cxnLst>
-                <a:cxn ang="0">
-                  <a:pos x="connsiteX0" y="connsiteY0"/>
-                </a:cxn>
-                <a:cxn ang="0">
-                  <a:pos x="connsiteX1" y="connsiteY1"/>
-                </a:cxn>
-                <a:cxn ang="0">
-                  <a:pos x="connsiteX2" y="connsiteY2"/>
-                </a:cxn>
-                <a:cxn ang="0">
-                  <a:pos x="connsiteX3" y="connsiteY3"/>
-                </a:cxn>
-                <a:cxn ang="0">
-                  <a:pos x="connsiteX4" y="connsiteY4"/>
-                </a:cxn>
-                <a:cxn ang="0">
-                  <a:pos x="connsiteX5" y="connsiteY5"/>
-                </a:cxn>
-              </a:cxnLst>
-              <a:rect l="l" t="t" r="r" b="b"/>
-              <a:pathLst>
-                <a:path w="386169" h="355356">
-                  <a:moveTo>
-                    <a:pt x="122945" y="327351"/>
-                  </a:moveTo>
-                  <a:cubicBezTo>
-                    <a:pt x="189539" y="345920"/>
-                    <a:pt x="256134" y="364490"/>
-                    <a:pt x="299677" y="350403"/>
-                  </a:cubicBezTo>
-                  <a:cubicBezTo>
-                    <a:pt x="343220" y="336316"/>
-                    <a:pt x="377799" y="291492"/>
-                    <a:pt x="384202" y="242826"/>
-                  </a:cubicBezTo>
-                  <a:cubicBezTo>
-                    <a:pt x="390605" y="194160"/>
-                    <a:pt x="382920" y="98110"/>
-                    <a:pt x="338097" y="58409"/>
-                  </a:cubicBezTo>
-                  <a:cubicBezTo>
-                    <a:pt x="293274" y="18708"/>
-                    <a:pt x="171611" y="-12028"/>
-                    <a:pt x="115261" y="4621"/>
-                  </a:cubicBezTo>
-                  <a:cubicBezTo>
-                    <a:pt x="58911" y="21270"/>
-                    <a:pt x="29455" y="89786"/>
-                    <a:pt x="0" y="158302"/>
-                  </a:cubicBezTo>
-                </a:path>
-              </a:pathLst>
-            </a:custGeom>
-            <a:noFill/>
-            <a:ln w="25400">
-              <a:solidFill>
-                <a:schemeClr val="accent6"/>
-              </a:solidFill>
-              <a:tailEnd type="triangle" w="lg" len="lg"/>
-            </a:ln>
-          </p:spPr>
-          <p:style>
-            <a:lnRef idx="2">
-              <a:schemeClr val="accent1">
-                <a:shade val="50000"/>
-              </a:schemeClr>
-            </a:lnRef>
-            <a:fillRef idx="1">
-              <a:schemeClr val="accent1"/>
-            </a:fillRef>
-            <a:effectRef idx="0">
-              <a:schemeClr val="accent1"/>
-            </a:effectRef>
-            <a:fontRef idx="minor">
-              <a:schemeClr val="lt1"/>
-            </a:fontRef>
-          </p:style>
-          <p:txBody>
-            <a:bodyPr rtlCol="0" anchor="ctr"/>
-            <a:lstStyle/>
-            <a:p>
-              <a:pPr algn="ctr"/>
-              <a:endParaRPr lang="en-US">
-                <a:solidFill>
-                  <a:schemeClr val="tx1"/>
-                </a:solidFill>
-              </a:endParaRPr>
-            </a:p>
-          </p:txBody>
-        </p:sp>
-      </p:grpSp>
-      <p:sp>
-        <p:nvSpPr>
-          <p:cNvPr id="17" name="Rectangle 16">
-            <a:extLst>
-              <a:ext uri="{FF2B5EF4-FFF2-40B4-BE49-F238E27FC236}">
-                <a16:creationId xmlns:a16="http://schemas.microsoft.com/office/drawing/2014/main" id="{6587F0B4-CCBF-460F-A6B5-01728E9CFDEE}"/>
-              </a:ext>
-            </a:extLst>
-          </p:cNvPr>
-          <p:cNvSpPr/>
-          <p:nvPr/>
-        </p:nvSpPr>
-        <p:spPr>
-          <a:xfrm>
-            <a:off x="5014597" y="2192514"/>
-            <a:ext cx="466794" cy="369332"/>
-          </a:xfrm>
-          <a:prstGeom prst="rect">
-            <a:avLst/>
-          </a:prstGeom>
-        </p:spPr>
-        <p:txBody>
-          <a:bodyPr wrap="none">
-            <a:spAutoFit/>
-          </a:bodyPr>
-          <a:lstStyle/>
-          <a:p>
-            <a:r>
-              <a:rPr lang="en-US" dirty="0"/>
-              <a:t>in?</a:t>
-            </a:r>
-          </a:p>
-        </p:txBody>
-      </p:sp>
-    </p:spTree>
-    <p:extLst>
-      <p:ext uri="{BB962C8B-B14F-4D97-AF65-F5344CB8AC3E}">
-        <p14:creationId xmlns:p14="http://schemas.microsoft.com/office/powerpoint/2010/main" val="1278187007"/>
       </p:ext>
     </p:extLst>
   </p:cSld>
